--- a/CSS.pptx
+++ b/CSS.pptx
@@ -26,6 +26,27 @@
     <p:sldId id="274" r:id="rId20"/>
     <p:sldId id="275" r:id="rId21"/>
     <p:sldId id="276" r:id="rId22"/>
+    <p:sldId id="277" r:id="rId23"/>
+    <p:sldId id="278" r:id="rId24"/>
+    <p:sldId id="279" r:id="rId25"/>
+    <p:sldId id="280" r:id="rId26"/>
+    <p:sldId id="281" r:id="rId27"/>
+    <p:sldId id="282" r:id="rId28"/>
+    <p:sldId id="283" r:id="rId29"/>
+    <p:sldId id="284" r:id="rId30"/>
+    <p:sldId id="285" r:id="rId31"/>
+    <p:sldId id="286" r:id="rId32"/>
+    <p:sldId id="287" r:id="rId33"/>
+    <p:sldId id="288" r:id="rId34"/>
+    <p:sldId id="289" r:id="rId35"/>
+    <p:sldId id="290" r:id="rId36"/>
+    <p:sldId id="291" r:id="rId37"/>
+    <p:sldId id="292" r:id="rId38"/>
+    <p:sldId id="293" r:id="rId39"/>
+    <p:sldId id="294" r:id="rId40"/>
+    <p:sldId id="296" r:id="rId41"/>
+    <p:sldId id="295" r:id="rId42"/>
+    <p:sldId id="297" r:id="rId43"/>
   </p:sldIdLst>
   <p:sldSz cx="12192000" cy="6858000"/>
   <p:notesSz cx="6858000" cy="9144000"/>
@@ -124,6 +145,11 @@
       </a:defRPr>
     </a:lvl9pPr>
   </p:defaultTextStyle>
+  <p:extLst>
+    <p:ext uri="{EFAFB233-063F-42B5-8137-9DF3F51BA10A}">
+      <p15:sldGuideLst xmlns:p15="http://schemas.microsoft.com/office/powerpoint/2012/main"/>
+    </p:ext>
+  </p:extLst>
 </p:presentation>
 </file>
 
@@ -274,7 +300,7 @@
           <a:p>
             <a:fld id="{E6A9BA00-07BE-4836-8229-BCB8917AB7E6}" type="datetimeFigureOut">
               <a:rPr lang="en-US" smtClean="0"/>
-              <a:t>11/28/2022</a:t>
+              <a:t>12/1/2022</a:t>
             </a:fld>
             <a:endParaRPr lang="en-US"/>
           </a:p>
@@ -472,7 +498,7 @@
           <a:p>
             <a:fld id="{E6A9BA00-07BE-4836-8229-BCB8917AB7E6}" type="datetimeFigureOut">
               <a:rPr lang="en-US" smtClean="0"/>
-              <a:t>11/28/2022</a:t>
+              <a:t>12/1/2022</a:t>
             </a:fld>
             <a:endParaRPr lang="en-US"/>
           </a:p>
@@ -680,7 +706,7 @@
           <a:p>
             <a:fld id="{E6A9BA00-07BE-4836-8229-BCB8917AB7E6}" type="datetimeFigureOut">
               <a:rPr lang="en-US" smtClean="0"/>
-              <a:t>11/28/2022</a:t>
+              <a:t>12/1/2022</a:t>
             </a:fld>
             <a:endParaRPr lang="en-US"/>
           </a:p>
@@ -878,7 +904,7 @@
           <a:p>
             <a:fld id="{E6A9BA00-07BE-4836-8229-BCB8917AB7E6}" type="datetimeFigureOut">
               <a:rPr lang="en-US" smtClean="0"/>
-              <a:t>11/28/2022</a:t>
+              <a:t>12/1/2022</a:t>
             </a:fld>
             <a:endParaRPr lang="en-US"/>
           </a:p>
@@ -1153,7 +1179,7 @@
           <a:p>
             <a:fld id="{E6A9BA00-07BE-4836-8229-BCB8917AB7E6}" type="datetimeFigureOut">
               <a:rPr lang="en-US" smtClean="0"/>
-              <a:t>11/28/2022</a:t>
+              <a:t>12/1/2022</a:t>
             </a:fld>
             <a:endParaRPr lang="en-US"/>
           </a:p>
@@ -1418,7 +1444,7 @@
           <a:p>
             <a:fld id="{E6A9BA00-07BE-4836-8229-BCB8917AB7E6}" type="datetimeFigureOut">
               <a:rPr lang="en-US" smtClean="0"/>
-              <a:t>11/28/2022</a:t>
+              <a:t>12/1/2022</a:t>
             </a:fld>
             <a:endParaRPr lang="en-US"/>
           </a:p>
@@ -1830,7 +1856,7 @@
           <a:p>
             <a:fld id="{E6A9BA00-07BE-4836-8229-BCB8917AB7E6}" type="datetimeFigureOut">
               <a:rPr lang="en-US" smtClean="0"/>
-              <a:t>11/28/2022</a:t>
+              <a:t>12/1/2022</a:t>
             </a:fld>
             <a:endParaRPr lang="en-US"/>
           </a:p>
@@ -1971,7 +1997,7 @@
           <a:p>
             <a:fld id="{E6A9BA00-07BE-4836-8229-BCB8917AB7E6}" type="datetimeFigureOut">
               <a:rPr lang="en-US" smtClean="0"/>
-              <a:t>11/28/2022</a:t>
+              <a:t>12/1/2022</a:t>
             </a:fld>
             <a:endParaRPr lang="en-US"/>
           </a:p>
@@ -2084,7 +2110,7 @@
           <a:p>
             <a:fld id="{E6A9BA00-07BE-4836-8229-BCB8917AB7E6}" type="datetimeFigureOut">
               <a:rPr lang="en-US" smtClean="0"/>
-              <a:t>11/28/2022</a:t>
+              <a:t>12/1/2022</a:t>
             </a:fld>
             <a:endParaRPr lang="en-US"/>
           </a:p>
@@ -2395,7 +2421,7 @@
           <a:p>
             <a:fld id="{E6A9BA00-07BE-4836-8229-BCB8917AB7E6}" type="datetimeFigureOut">
               <a:rPr lang="en-US" smtClean="0"/>
-              <a:t>11/28/2022</a:t>
+              <a:t>12/1/2022</a:t>
             </a:fld>
             <a:endParaRPr lang="en-US"/>
           </a:p>
@@ -2683,7 +2709,7 @@
           <a:p>
             <a:fld id="{E6A9BA00-07BE-4836-8229-BCB8917AB7E6}" type="datetimeFigureOut">
               <a:rPr lang="en-US" smtClean="0"/>
-              <a:t>11/28/2022</a:t>
+              <a:t>12/1/2022</a:t>
             </a:fld>
             <a:endParaRPr lang="en-US"/>
           </a:p>
@@ -2924,7 +2950,7 @@
           <a:p>
             <a:fld id="{E6A9BA00-07BE-4836-8229-BCB8917AB7E6}" type="datetimeFigureOut">
               <a:rPr lang="en-US" smtClean="0"/>
-              <a:t>11/28/2022</a:t>
+              <a:t>12/1/2022</a:t>
             </a:fld>
             <a:endParaRPr lang="en-US"/>
           </a:p>
@@ -5760,6 +5786,1890 @@
 </p:sld>
 </file>
 
+<file path=ppt/slides/slide22.xml><?xml version="1.0" encoding="utf-8"?>
+<p:sld xmlns:a="http://schemas.openxmlformats.org/drawingml/2006/main" xmlns:r="http://schemas.openxmlformats.org/officeDocument/2006/relationships" xmlns:p="http://schemas.openxmlformats.org/presentationml/2006/main">
+  <p:cSld>
+    <p:spTree>
+      <p:nvGrpSpPr>
+        <p:cNvPr id="1" name=""/>
+        <p:cNvGrpSpPr/>
+        <p:nvPr/>
+      </p:nvGrpSpPr>
+      <p:grpSpPr>
+        <a:xfrm>
+          <a:off x="0" y="0"/>
+          <a:ext cx="0" cy="0"/>
+          <a:chOff x="0" y="0"/>
+          <a:chExt cx="0" cy="0"/>
+        </a:xfrm>
+      </p:grpSpPr>
+      <p:sp>
+        <p:nvSpPr>
+          <p:cNvPr id="2" name="Title 1">
+            <a:extLst>
+              <a:ext uri="{FF2B5EF4-FFF2-40B4-BE49-F238E27FC236}">
+                <a16:creationId xmlns:a16="http://schemas.microsoft.com/office/drawing/2014/main" id="{734EFE32-8C86-C601-9CAD-8B1B9FA05D26}"/>
+              </a:ext>
+            </a:extLst>
+          </p:cNvPr>
+          <p:cNvSpPr>
+            <a:spLocks noGrp="1"/>
+          </p:cNvSpPr>
+          <p:nvPr>
+            <p:ph type="title"/>
+          </p:nvPr>
+        </p:nvSpPr>
+        <p:spPr/>
+        <p:txBody>
+          <a:bodyPr/>
+          <a:lstStyle/>
+          <a:p>
+            <a:r>
+              <a:rPr lang="en-US" dirty="0" err="1"/>
+              <a:t>Css</a:t>
+            </a:r>
+            <a:r>
+              <a:rPr lang="en-US" dirty="0"/>
+              <a:t>: Padding</a:t>
+            </a:r>
+          </a:p>
+        </p:txBody>
+      </p:sp>
+      <p:sp>
+        <p:nvSpPr>
+          <p:cNvPr id="3" name="Content Placeholder 2">
+            <a:extLst>
+              <a:ext uri="{FF2B5EF4-FFF2-40B4-BE49-F238E27FC236}">
+                <a16:creationId xmlns:a16="http://schemas.microsoft.com/office/drawing/2014/main" id="{1996E982-7592-CC51-5A12-15DF6C4C7D7C}"/>
+              </a:ext>
+            </a:extLst>
+          </p:cNvPr>
+          <p:cNvSpPr>
+            <a:spLocks noGrp="1"/>
+          </p:cNvSpPr>
+          <p:nvPr>
+            <p:ph idx="1"/>
+          </p:nvPr>
+        </p:nvSpPr>
+        <p:spPr/>
+        <p:txBody>
+          <a:bodyPr/>
+          <a:lstStyle/>
+          <a:p>
+            <a:r>
+              <a:rPr lang="en-US" dirty="0"/>
+              <a:t>Padding-top</a:t>
+            </a:r>
+          </a:p>
+          <a:p>
+            <a:r>
+              <a:rPr lang="en-US" dirty="0"/>
+              <a:t>Padding-right</a:t>
+            </a:r>
+          </a:p>
+          <a:p>
+            <a:r>
+              <a:rPr lang="en-US" dirty="0"/>
+              <a:t>Padding-bottom</a:t>
+            </a:r>
+          </a:p>
+          <a:p>
+            <a:r>
+              <a:rPr lang="en-US" dirty="0"/>
+              <a:t>Padding-left</a:t>
+            </a:r>
+          </a:p>
+        </p:txBody>
+      </p:sp>
+    </p:spTree>
+    <p:extLst>
+      <p:ext uri="{BB962C8B-B14F-4D97-AF65-F5344CB8AC3E}">
+        <p14:creationId xmlns:p14="http://schemas.microsoft.com/office/powerpoint/2010/main" val="546693236"/>
+      </p:ext>
+    </p:extLst>
+  </p:cSld>
+  <p:clrMapOvr>
+    <a:masterClrMapping/>
+  </p:clrMapOvr>
+</p:sld>
+</file>
+
+<file path=ppt/slides/slide23.xml><?xml version="1.0" encoding="utf-8"?>
+<p:sld xmlns:a="http://schemas.openxmlformats.org/drawingml/2006/main" xmlns:r="http://schemas.openxmlformats.org/officeDocument/2006/relationships" xmlns:p="http://schemas.openxmlformats.org/presentationml/2006/main">
+  <p:cSld>
+    <p:spTree>
+      <p:nvGrpSpPr>
+        <p:cNvPr id="1" name=""/>
+        <p:cNvGrpSpPr/>
+        <p:nvPr/>
+      </p:nvGrpSpPr>
+      <p:grpSpPr>
+        <a:xfrm>
+          <a:off x="0" y="0"/>
+          <a:ext cx="0" cy="0"/>
+          <a:chOff x="0" y="0"/>
+          <a:chExt cx="0" cy="0"/>
+        </a:xfrm>
+      </p:grpSpPr>
+      <p:sp>
+        <p:nvSpPr>
+          <p:cNvPr id="2" name="Title 1">
+            <a:extLst>
+              <a:ext uri="{FF2B5EF4-FFF2-40B4-BE49-F238E27FC236}">
+                <a16:creationId xmlns:a16="http://schemas.microsoft.com/office/drawing/2014/main" id="{3CD96E88-42ED-B175-91D5-B355E4A5D974}"/>
+              </a:ext>
+            </a:extLst>
+          </p:cNvPr>
+          <p:cNvSpPr>
+            <a:spLocks noGrp="1"/>
+          </p:cNvSpPr>
+          <p:nvPr>
+            <p:ph type="title"/>
+          </p:nvPr>
+        </p:nvSpPr>
+        <p:spPr/>
+        <p:txBody>
+          <a:bodyPr/>
+          <a:lstStyle/>
+          <a:p>
+            <a:r>
+              <a:rPr lang="en-US" dirty="0"/>
+              <a:t>shorthand</a:t>
+            </a:r>
+          </a:p>
+        </p:txBody>
+      </p:sp>
+      <p:sp>
+        <p:nvSpPr>
+          <p:cNvPr id="3" name="Content Placeholder 2">
+            <a:extLst>
+              <a:ext uri="{FF2B5EF4-FFF2-40B4-BE49-F238E27FC236}">
+                <a16:creationId xmlns:a16="http://schemas.microsoft.com/office/drawing/2014/main" id="{91CC1A8B-BA44-7189-9FB9-5A3FB97A4B9F}"/>
+              </a:ext>
+            </a:extLst>
+          </p:cNvPr>
+          <p:cNvSpPr>
+            <a:spLocks noGrp="1"/>
+          </p:cNvSpPr>
+          <p:nvPr>
+            <p:ph idx="1"/>
+          </p:nvPr>
+        </p:nvSpPr>
+        <p:spPr/>
+        <p:txBody>
+          <a:bodyPr/>
+          <a:lstStyle/>
+          <a:p>
+            <a:pPr marL="0" indent="0">
+              <a:buNone/>
+            </a:pPr>
+            <a:r>
+              <a:rPr lang="en-US" dirty="0"/>
+              <a:t>Padding-top:10px;</a:t>
+            </a:r>
+          </a:p>
+          <a:p>
+            <a:pPr marL="0" indent="0">
+              <a:buNone/>
+            </a:pPr>
+            <a:r>
+              <a:rPr lang="en-US" dirty="0"/>
+              <a:t>Padding-right:10px;</a:t>
+            </a:r>
+          </a:p>
+          <a:p>
+            <a:pPr marL="0" indent="0">
+              <a:buNone/>
+            </a:pPr>
+            <a:r>
+              <a:rPr lang="en-US" dirty="0"/>
+              <a:t>Padding-bottom:10px;</a:t>
+            </a:r>
+          </a:p>
+          <a:p>
+            <a:pPr marL="0" indent="0">
+              <a:buNone/>
+            </a:pPr>
+            <a:r>
+              <a:rPr lang="en-US" dirty="0"/>
+              <a:t>Padding-left:10px;</a:t>
+            </a:r>
+          </a:p>
+          <a:p>
+            <a:pPr marL="0" indent="0">
+              <a:buNone/>
+            </a:pPr>
+            <a:endParaRPr lang="en-US" dirty="0"/>
+          </a:p>
+          <a:p>
+            <a:pPr marL="0" indent="0">
+              <a:buNone/>
+            </a:pPr>
+            <a:endParaRPr lang="en-US" dirty="0"/>
+          </a:p>
+          <a:p>
+            <a:pPr marL="0" indent="0">
+              <a:buNone/>
+            </a:pPr>
+            <a:r>
+              <a:rPr lang="en-US" dirty="0"/>
+              <a:t>Padding: 10px;</a:t>
+            </a:r>
+          </a:p>
+          <a:p>
+            <a:pPr marL="0" indent="0">
+              <a:buNone/>
+            </a:pPr>
+            <a:endParaRPr lang="en-US" dirty="0"/>
+          </a:p>
+        </p:txBody>
+      </p:sp>
+    </p:spTree>
+    <p:extLst>
+      <p:ext uri="{BB962C8B-B14F-4D97-AF65-F5344CB8AC3E}">
+        <p14:creationId xmlns:p14="http://schemas.microsoft.com/office/powerpoint/2010/main" val="3224598685"/>
+      </p:ext>
+    </p:extLst>
+  </p:cSld>
+  <p:clrMapOvr>
+    <a:masterClrMapping/>
+  </p:clrMapOvr>
+</p:sld>
+</file>
+
+<file path=ppt/slides/slide24.xml><?xml version="1.0" encoding="utf-8"?>
+<p:sld xmlns:a="http://schemas.openxmlformats.org/drawingml/2006/main" xmlns:r="http://schemas.openxmlformats.org/officeDocument/2006/relationships" xmlns:p="http://schemas.openxmlformats.org/presentationml/2006/main">
+  <p:cSld>
+    <p:spTree>
+      <p:nvGrpSpPr>
+        <p:cNvPr id="1" name=""/>
+        <p:cNvGrpSpPr/>
+        <p:nvPr/>
+      </p:nvGrpSpPr>
+      <p:grpSpPr>
+        <a:xfrm>
+          <a:off x="0" y="0"/>
+          <a:ext cx="0" cy="0"/>
+          <a:chOff x="0" y="0"/>
+          <a:chExt cx="0" cy="0"/>
+        </a:xfrm>
+      </p:grpSpPr>
+      <p:sp>
+        <p:nvSpPr>
+          <p:cNvPr id="2" name="Title 1">
+            <a:extLst>
+              <a:ext uri="{FF2B5EF4-FFF2-40B4-BE49-F238E27FC236}">
+                <a16:creationId xmlns:a16="http://schemas.microsoft.com/office/drawing/2014/main" id="{3CD96E88-42ED-B175-91D5-B355E4A5D974}"/>
+              </a:ext>
+            </a:extLst>
+          </p:cNvPr>
+          <p:cNvSpPr>
+            <a:spLocks noGrp="1"/>
+          </p:cNvSpPr>
+          <p:nvPr>
+            <p:ph type="title"/>
+          </p:nvPr>
+        </p:nvSpPr>
+        <p:spPr/>
+        <p:txBody>
+          <a:bodyPr/>
+          <a:lstStyle/>
+          <a:p>
+            <a:r>
+              <a:rPr lang="en-US" dirty="0"/>
+              <a:t>shorthand</a:t>
+            </a:r>
+          </a:p>
+        </p:txBody>
+      </p:sp>
+      <p:sp>
+        <p:nvSpPr>
+          <p:cNvPr id="3" name="Content Placeholder 2">
+            <a:extLst>
+              <a:ext uri="{FF2B5EF4-FFF2-40B4-BE49-F238E27FC236}">
+                <a16:creationId xmlns:a16="http://schemas.microsoft.com/office/drawing/2014/main" id="{91CC1A8B-BA44-7189-9FB9-5A3FB97A4B9F}"/>
+              </a:ext>
+            </a:extLst>
+          </p:cNvPr>
+          <p:cNvSpPr>
+            <a:spLocks noGrp="1"/>
+          </p:cNvSpPr>
+          <p:nvPr>
+            <p:ph idx="1"/>
+          </p:nvPr>
+        </p:nvSpPr>
+        <p:spPr/>
+        <p:txBody>
+          <a:bodyPr/>
+          <a:lstStyle/>
+          <a:p>
+            <a:pPr marL="0" indent="0">
+              <a:buNone/>
+            </a:pPr>
+            <a:r>
+              <a:rPr lang="en-US" dirty="0"/>
+              <a:t>Padding-top:10px;</a:t>
+            </a:r>
+          </a:p>
+          <a:p>
+            <a:pPr marL="0" indent="0">
+              <a:buNone/>
+            </a:pPr>
+            <a:r>
+              <a:rPr lang="en-US" dirty="0"/>
+              <a:t>Padding-right:20px;</a:t>
+            </a:r>
+          </a:p>
+          <a:p>
+            <a:pPr marL="0" indent="0">
+              <a:buNone/>
+            </a:pPr>
+            <a:r>
+              <a:rPr lang="en-US" dirty="0"/>
+              <a:t>Padding-bottom:30px;</a:t>
+            </a:r>
+          </a:p>
+          <a:p>
+            <a:pPr marL="0" indent="0">
+              <a:buNone/>
+            </a:pPr>
+            <a:r>
+              <a:rPr lang="en-US" dirty="0"/>
+              <a:t>Padding-left:10px;</a:t>
+            </a:r>
+          </a:p>
+          <a:p>
+            <a:pPr marL="0" indent="0">
+              <a:buNone/>
+            </a:pPr>
+            <a:endParaRPr lang="en-US" dirty="0"/>
+          </a:p>
+          <a:p>
+            <a:pPr marL="0" indent="0">
+              <a:buNone/>
+            </a:pPr>
+            <a:endParaRPr lang="en-US" dirty="0"/>
+          </a:p>
+          <a:p>
+            <a:pPr marL="0" indent="0">
+              <a:buNone/>
+            </a:pPr>
+            <a:r>
+              <a:rPr lang="en-US" dirty="0"/>
+              <a:t>Padding: 10px 20px 30px 10px;</a:t>
+            </a:r>
+          </a:p>
+          <a:p>
+            <a:pPr marL="0" indent="0">
+              <a:buNone/>
+            </a:pPr>
+            <a:endParaRPr lang="en-US" dirty="0"/>
+          </a:p>
+        </p:txBody>
+      </p:sp>
+    </p:spTree>
+    <p:extLst>
+      <p:ext uri="{BB962C8B-B14F-4D97-AF65-F5344CB8AC3E}">
+        <p14:creationId xmlns:p14="http://schemas.microsoft.com/office/powerpoint/2010/main" val="4018808909"/>
+      </p:ext>
+    </p:extLst>
+  </p:cSld>
+  <p:clrMapOvr>
+    <a:masterClrMapping/>
+  </p:clrMapOvr>
+</p:sld>
+</file>
+
+<file path=ppt/slides/slide25.xml><?xml version="1.0" encoding="utf-8"?>
+<p:sld xmlns:a="http://schemas.openxmlformats.org/drawingml/2006/main" xmlns:r="http://schemas.openxmlformats.org/officeDocument/2006/relationships" xmlns:p="http://schemas.openxmlformats.org/presentationml/2006/main">
+  <p:cSld>
+    <p:spTree>
+      <p:nvGrpSpPr>
+        <p:cNvPr id="1" name=""/>
+        <p:cNvGrpSpPr/>
+        <p:nvPr/>
+      </p:nvGrpSpPr>
+      <p:grpSpPr>
+        <a:xfrm>
+          <a:off x="0" y="0"/>
+          <a:ext cx="0" cy="0"/>
+          <a:chOff x="0" y="0"/>
+          <a:chExt cx="0" cy="0"/>
+        </a:xfrm>
+      </p:grpSpPr>
+      <p:sp>
+        <p:nvSpPr>
+          <p:cNvPr id="2" name="Title 1">
+            <a:extLst>
+              <a:ext uri="{FF2B5EF4-FFF2-40B4-BE49-F238E27FC236}">
+                <a16:creationId xmlns:a16="http://schemas.microsoft.com/office/drawing/2014/main" id="{21634511-3F53-F8E5-8660-9037E11F6176}"/>
+              </a:ext>
+            </a:extLst>
+          </p:cNvPr>
+          <p:cNvSpPr>
+            <a:spLocks noGrp="1"/>
+          </p:cNvSpPr>
+          <p:nvPr>
+            <p:ph type="title"/>
+          </p:nvPr>
+        </p:nvSpPr>
+        <p:spPr/>
+        <p:txBody>
+          <a:bodyPr/>
+          <a:lstStyle/>
+          <a:p>
+            <a:r>
+              <a:rPr lang="en-US" dirty="0"/>
+              <a:t>CSS: Margin</a:t>
+            </a:r>
+          </a:p>
+        </p:txBody>
+      </p:sp>
+      <p:sp>
+        <p:nvSpPr>
+          <p:cNvPr id="3" name="Content Placeholder 2">
+            <a:extLst>
+              <a:ext uri="{FF2B5EF4-FFF2-40B4-BE49-F238E27FC236}">
+                <a16:creationId xmlns:a16="http://schemas.microsoft.com/office/drawing/2014/main" id="{4FD68C45-6AE3-0E8F-3161-1793BA9DDC0D}"/>
+              </a:ext>
+            </a:extLst>
+          </p:cNvPr>
+          <p:cNvSpPr>
+            <a:spLocks noGrp="1"/>
+          </p:cNvSpPr>
+          <p:nvPr>
+            <p:ph idx="1"/>
+          </p:nvPr>
+        </p:nvSpPr>
+        <p:spPr/>
+        <p:txBody>
+          <a:bodyPr/>
+          <a:lstStyle/>
+          <a:p>
+            <a:r>
+              <a:rPr lang="en-US" dirty="0"/>
+              <a:t>Margin-top</a:t>
+            </a:r>
+          </a:p>
+          <a:p>
+            <a:r>
+              <a:rPr lang="en-US" dirty="0"/>
+              <a:t>Margin-right</a:t>
+            </a:r>
+          </a:p>
+          <a:p>
+            <a:r>
+              <a:rPr lang="en-US" dirty="0"/>
+              <a:t>Margin-bottom</a:t>
+            </a:r>
+          </a:p>
+          <a:p>
+            <a:r>
+              <a:rPr lang="en-US" dirty="0"/>
+              <a:t>Margin-left</a:t>
+            </a:r>
+          </a:p>
+        </p:txBody>
+      </p:sp>
+    </p:spTree>
+    <p:extLst>
+      <p:ext uri="{BB962C8B-B14F-4D97-AF65-F5344CB8AC3E}">
+        <p14:creationId xmlns:p14="http://schemas.microsoft.com/office/powerpoint/2010/main" val="413559780"/>
+      </p:ext>
+    </p:extLst>
+  </p:cSld>
+  <p:clrMapOvr>
+    <a:masterClrMapping/>
+  </p:clrMapOvr>
+</p:sld>
+</file>
+
+<file path=ppt/slides/slide26.xml><?xml version="1.0" encoding="utf-8"?>
+<p:sld xmlns:a="http://schemas.openxmlformats.org/drawingml/2006/main" xmlns:r="http://schemas.openxmlformats.org/officeDocument/2006/relationships" xmlns:p="http://schemas.openxmlformats.org/presentationml/2006/main">
+  <p:cSld>
+    <p:spTree>
+      <p:nvGrpSpPr>
+        <p:cNvPr id="1" name=""/>
+        <p:cNvGrpSpPr/>
+        <p:nvPr/>
+      </p:nvGrpSpPr>
+      <p:grpSpPr>
+        <a:xfrm>
+          <a:off x="0" y="0"/>
+          <a:ext cx="0" cy="0"/>
+          <a:chOff x="0" y="0"/>
+          <a:chExt cx="0" cy="0"/>
+        </a:xfrm>
+      </p:grpSpPr>
+      <p:sp>
+        <p:nvSpPr>
+          <p:cNvPr id="2" name="Title 1">
+            <a:extLst>
+              <a:ext uri="{FF2B5EF4-FFF2-40B4-BE49-F238E27FC236}">
+                <a16:creationId xmlns:a16="http://schemas.microsoft.com/office/drawing/2014/main" id="{6E626DDE-9C86-316C-25EC-3E86D0538934}"/>
+              </a:ext>
+            </a:extLst>
+          </p:cNvPr>
+          <p:cNvSpPr>
+            <a:spLocks noGrp="1"/>
+          </p:cNvSpPr>
+          <p:nvPr>
+            <p:ph type="title"/>
+          </p:nvPr>
+        </p:nvSpPr>
+        <p:spPr/>
+        <p:txBody>
+          <a:bodyPr/>
+          <a:lstStyle/>
+          <a:p>
+            <a:r>
+              <a:rPr lang="en-US" dirty="0"/>
+              <a:t>Margin Shorthand</a:t>
+            </a:r>
+          </a:p>
+        </p:txBody>
+      </p:sp>
+      <p:sp>
+        <p:nvSpPr>
+          <p:cNvPr id="3" name="Content Placeholder 2">
+            <a:extLst>
+              <a:ext uri="{FF2B5EF4-FFF2-40B4-BE49-F238E27FC236}">
+                <a16:creationId xmlns:a16="http://schemas.microsoft.com/office/drawing/2014/main" id="{1DC91C37-ED8A-B1E3-2D71-7669BEBF032F}"/>
+              </a:ext>
+            </a:extLst>
+          </p:cNvPr>
+          <p:cNvSpPr>
+            <a:spLocks noGrp="1"/>
+          </p:cNvSpPr>
+          <p:nvPr>
+            <p:ph idx="1"/>
+          </p:nvPr>
+        </p:nvSpPr>
+        <p:spPr/>
+        <p:txBody>
+          <a:bodyPr/>
+          <a:lstStyle/>
+          <a:p>
+            <a:r>
+              <a:rPr lang="en-US" dirty="0"/>
+              <a:t>Margin-top : 10px</a:t>
+            </a:r>
+          </a:p>
+          <a:p>
+            <a:r>
+              <a:rPr lang="en-US" dirty="0"/>
+              <a:t>Margin-right: 20px</a:t>
+            </a:r>
+          </a:p>
+          <a:p>
+            <a:r>
+              <a:rPr lang="en-US" dirty="0"/>
+              <a:t>Margin-bottom: 15px;</a:t>
+            </a:r>
+          </a:p>
+          <a:p>
+            <a:r>
+              <a:rPr lang="en-US" dirty="0"/>
+              <a:t>Margin-left: 20px;</a:t>
+            </a:r>
+          </a:p>
+          <a:p>
+            <a:endParaRPr lang="en-US" dirty="0"/>
+          </a:p>
+          <a:p>
+            <a:pPr marL="0" indent="0">
+              <a:buNone/>
+            </a:pPr>
+            <a:r>
+              <a:rPr lang="en-US" dirty="0"/>
+              <a:t>Margin: 10px 20px 15px 20px;</a:t>
+            </a:r>
+          </a:p>
+          <a:p>
+            <a:pPr marL="0" indent="0">
+              <a:buNone/>
+            </a:pPr>
+            <a:endParaRPr lang="en-US" dirty="0"/>
+          </a:p>
+        </p:txBody>
+      </p:sp>
+    </p:spTree>
+    <p:extLst>
+      <p:ext uri="{BB962C8B-B14F-4D97-AF65-F5344CB8AC3E}">
+        <p14:creationId xmlns:p14="http://schemas.microsoft.com/office/powerpoint/2010/main" val="504645894"/>
+      </p:ext>
+    </p:extLst>
+  </p:cSld>
+  <p:clrMapOvr>
+    <a:masterClrMapping/>
+  </p:clrMapOvr>
+</p:sld>
+</file>
+
+<file path=ppt/slides/slide27.xml><?xml version="1.0" encoding="utf-8"?>
+<p:sld xmlns:a="http://schemas.openxmlformats.org/drawingml/2006/main" xmlns:r="http://schemas.openxmlformats.org/officeDocument/2006/relationships" xmlns:p="http://schemas.openxmlformats.org/presentationml/2006/main">
+  <p:cSld>
+    <p:spTree>
+      <p:nvGrpSpPr>
+        <p:cNvPr id="1" name=""/>
+        <p:cNvGrpSpPr/>
+        <p:nvPr/>
+      </p:nvGrpSpPr>
+      <p:grpSpPr>
+        <a:xfrm>
+          <a:off x="0" y="0"/>
+          <a:ext cx="0" cy="0"/>
+          <a:chOff x="0" y="0"/>
+          <a:chExt cx="0" cy="0"/>
+        </a:xfrm>
+      </p:grpSpPr>
+      <p:sp>
+        <p:nvSpPr>
+          <p:cNvPr id="2" name="Title 1">
+            <a:extLst>
+              <a:ext uri="{FF2B5EF4-FFF2-40B4-BE49-F238E27FC236}">
+                <a16:creationId xmlns:a16="http://schemas.microsoft.com/office/drawing/2014/main" id="{4E72562B-C081-16D4-5F90-D4563957D3D3}"/>
+              </a:ext>
+            </a:extLst>
+          </p:cNvPr>
+          <p:cNvSpPr>
+            <a:spLocks noGrp="1"/>
+          </p:cNvSpPr>
+          <p:nvPr>
+            <p:ph type="title"/>
+          </p:nvPr>
+        </p:nvSpPr>
+        <p:spPr/>
+        <p:txBody>
+          <a:bodyPr/>
+          <a:lstStyle/>
+          <a:p>
+            <a:r>
+              <a:rPr lang="en-US" dirty="0"/>
+              <a:t>CSS: Height &amp; Width</a:t>
+            </a:r>
+          </a:p>
+        </p:txBody>
+      </p:sp>
+      <p:sp>
+        <p:nvSpPr>
+          <p:cNvPr id="3" name="Content Placeholder 2">
+            <a:extLst>
+              <a:ext uri="{FF2B5EF4-FFF2-40B4-BE49-F238E27FC236}">
+                <a16:creationId xmlns:a16="http://schemas.microsoft.com/office/drawing/2014/main" id="{09C20AF2-62E7-611D-3484-878CCCBB6CEC}"/>
+              </a:ext>
+            </a:extLst>
+          </p:cNvPr>
+          <p:cNvSpPr>
+            <a:spLocks noGrp="1"/>
+          </p:cNvSpPr>
+          <p:nvPr>
+            <p:ph idx="1"/>
+          </p:nvPr>
+        </p:nvSpPr>
+        <p:spPr/>
+        <p:txBody>
+          <a:bodyPr/>
+          <a:lstStyle/>
+          <a:p>
+            <a:pPr marL="0" indent="0">
+              <a:buNone/>
+            </a:pPr>
+            <a:r>
+              <a:rPr lang="en-US" dirty="0"/>
+              <a:t>CSS Min-Height &amp; Max-Height</a:t>
+            </a:r>
+          </a:p>
+          <a:p>
+            <a:pPr marL="0" indent="0">
+              <a:buNone/>
+            </a:pPr>
+            <a:endParaRPr lang="en-US" dirty="0"/>
+          </a:p>
+          <a:p>
+            <a:pPr marL="0" indent="0">
+              <a:buNone/>
+            </a:pPr>
+            <a:r>
+              <a:rPr lang="en-US" dirty="0"/>
+              <a:t>CSS Min-Width &amp; Max-Width</a:t>
+            </a:r>
+          </a:p>
+        </p:txBody>
+      </p:sp>
+    </p:spTree>
+    <p:extLst>
+      <p:ext uri="{BB962C8B-B14F-4D97-AF65-F5344CB8AC3E}">
+        <p14:creationId xmlns:p14="http://schemas.microsoft.com/office/powerpoint/2010/main" val="46679331"/>
+      </p:ext>
+    </p:extLst>
+  </p:cSld>
+  <p:clrMapOvr>
+    <a:masterClrMapping/>
+  </p:clrMapOvr>
+</p:sld>
+</file>
+
+<file path=ppt/slides/slide28.xml><?xml version="1.0" encoding="utf-8"?>
+<p:sld xmlns:a="http://schemas.openxmlformats.org/drawingml/2006/main" xmlns:r="http://schemas.openxmlformats.org/officeDocument/2006/relationships" xmlns:p="http://schemas.openxmlformats.org/presentationml/2006/main">
+  <p:cSld>
+    <p:spTree>
+      <p:nvGrpSpPr>
+        <p:cNvPr id="1" name=""/>
+        <p:cNvGrpSpPr/>
+        <p:nvPr/>
+      </p:nvGrpSpPr>
+      <p:grpSpPr>
+        <a:xfrm>
+          <a:off x="0" y="0"/>
+          <a:ext cx="0" cy="0"/>
+          <a:chOff x="0" y="0"/>
+          <a:chExt cx="0" cy="0"/>
+        </a:xfrm>
+      </p:grpSpPr>
+      <p:sp>
+        <p:nvSpPr>
+          <p:cNvPr id="2" name="Title 1">
+            <a:extLst>
+              <a:ext uri="{FF2B5EF4-FFF2-40B4-BE49-F238E27FC236}">
+                <a16:creationId xmlns:a16="http://schemas.microsoft.com/office/drawing/2014/main" id="{B7CF8912-8720-393B-A99A-59FC195698C2}"/>
+              </a:ext>
+            </a:extLst>
+          </p:cNvPr>
+          <p:cNvSpPr>
+            <a:spLocks noGrp="1"/>
+          </p:cNvSpPr>
+          <p:nvPr>
+            <p:ph type="title"/>
+          </p:nvPr>
+        </p:nvSpPr>
+        <p:spPr/>
+        <p:txBody>
+          <a:bodyPr/>
+          <a:lstStyle/>
+          <a:p>
+            <a:r>
+              <a:rPr lang="en-US" dirty="0"/>
+              <a:t>CSS: Box-Sizing</a:t>
+            </a:r>
+          </a:p>
+        </p:txBody>
+      </p:sp>
+      <p:sp>
+        <p:nvSpPr>
+          <p:cNvPr id="4" name="TextBox 3">
+            <a:extLst>
+              <a:ext uri="{FF2B5EF4-FFF2-40B4-BE49-F238E27FC236}">
+                <a16:creationId xmlns:a16="http://schemas.microsoft.com/office/drawing/2014/main" id="{8DF62155-1E81-B909-B145-91273CF1E696}"/>
+              </a:ext>
+            </a:extLst>
+          </p:cNvPr>
+          <p:cNvSpPr txBox="1"/>
+          <p:nvPr/>
+        </p:nvSpPr>
+        <p:spPr>
+          <a:xfrm>
+            <a:off x="2292532" y="1997839"/>
+            <a:ext cx="7955280" cy="2862322"/>
+          </a:xfrm>
+          <a:prstGeom prst="rect">
+            <a:avLst/>
+          </a:prstGeom>
+          <a:solidFill>
+            <a:schemeClr val="bg1"/>
+          </a:solidFill>
+          <a:ln>
+            <a:solidFill>
+              <a:schemeClr val="tx1"/>
+            </a:solidFill>
+          </a:ln>
+        </p:spPr>
+        <p:style>
+          <a:lnRef idx="2">
+            <a:schemeClr val="dk1"/>
+          </a:lnRef>
+          <a:fillRef idx="1">
+            <a:schemeClr val="lt1"/>
+          </a:fillRef>
+          <a:effectRef idx="0">
+            <a:schemeClr val="dk1"/>
+          </a:effectRef>
+          <a:fontRef idx="minor">
+            <a:schemeClr val="dk1"/>
+          </a:fontRef>
+        </p:style>
+        <p:txBody>
+          <a:bodyPr wrap="square" rtlCol="0" anchor="ctr">
+            <a:spAutoFit/>
+          </a:bodyPr>
+          <a:lstStyle/>
+          <a:p>
+            <a:pPr algn="ctr"/>
+            <a:r>
+              <a:rPr lang="en-US" dirty="0" err="1"/>
+              <a:t>Djasdjklsadjklasjkldsjakldasdksadsakdl;sad;lsal;dksal;dkls;a</a:t>
+            </a:r>
+            <a:endParaRPr lang="en-US" dirty="0"/>
+          </a:p>
+          <a:p>
+            <a:pPr algn="ctr"/>
+            <a:r>
+              <a:rPr lang="en-US" dirty="0" err="1"/>
+              <a:t>Dasl;kdl;askdl;sakdl;sakl;dsakl;dksal;dsa</a:t>
+            </a:r>
+            <a:endParaRPr lang="en-US" dirty="0"/>
+          </a:p>
+          <a:p>
+            <a:pPr algn="ctr"/>
+            <a:r>
+              <a:rPr lang="en-US" dirty="0" err="1"/>
+              <a:t>Salkjdls;adl;sakd;lskdl;sa</a:t>
+            </a:r>
+            <a:endParaRPr lang="en-US" dirty="0"/>
+          </a:p>
+          <a:p>
+            <a:pPr algn="ctr"/>
+            <a:r>
+              <a:rPr lang="en-US" dirty="0" err="1"/>
+              <a:t>Dsa</a:t>
+            </a:r>
+            <a:r>
+              <a:rPr lang="en-US" dirty="0"/>
+              <a:t>,;</a:t>
+            </a:r>
+            <a:r>
+              <a:rPr lang="en-US" dirty="0" err="1"/>
+              <a:t>dkjl;sakdl;sakdl;skl;dksal;dksad</a:t>
+            </a:r>
+            <a:endParaRPr lang="en-US" dirty="0"/>
+          </a:p>
+          <a:p>
+            <a:pPr algn="ctr"/>
+            <a:r>
+              <a:rPr lang="en-US" dirty="0" err="1"/>
+              <a:t>Sadlkjsakldjsakldjklasjdklasjdklsa</a:t>
+            </a:r>
+            <a:endParaRPr lang="en-US" dirty="0"/>
+          </a:p>
+          <a:p>
+            <a:pPr algn="ctr"/>
+            <a:endParaRPr lang="en-US" dirty="0"/>
+          </a:p>
+          <a:p>
+            <a:pPr algn="ctr"/>
+            <a:endParaRPr lang="en-US" dirty="0"/>
+          </a:p>
+          <a:p>
+            <a:pPr algn="ctr"/>
+            <a:endParaRPr lang="en-US" dirty="0"/>
+          </a:p>
+          <a:p>
+            <a:pPr algn="ctr"/>
+            <a:endParaRPr lang="en-US" dirty="0"/>
+          </a:p>
+          <a:p>
+            <a:pPr algn="ctr"/>
+            <a:endParaRPr lang="en-US" dirty="0"/>
+          </a:p>
+        </p:txBody>
+      </p:sp>
+      <p:cxnSp>
+        <p:nvCxnSpPr>
+          <p:cNvPr id="6" name="Straight Arrow Connector 5">
+            <a:extLst>
+              <a:ext uri="{FF2B5EF4-FFF2-40B4-BE49-F238E27FC236}">
+                <a16:creationId xmlns:a16="http://schemas.microsoft.com/office/drawing/2014/main" id="{4F5EBDDB-EB7B-71E6-BC11-D3A3EC81D107}"/>
+              </a:ext>
+            </a:extLst>
+          </p:cNvPr>
+          <p:cNvCxnSpPr/>
+          <p:nvPr/>
+        </p:nvCxnSpPr>
+        <p:spPr>
+          <a:xfrm>
+            <a:off x="2540000" y="4601029"/>
+            <a:ext cx="7358743" cy="0"/>
+          </a:xfrm>
+          <a:prstGeom prst="straightConnector1">
+            <a:avLst/>
+          </a:prstGeom>
+          <a:ln w="38100">
+            <a:headEnd type="triangle"/>
+            <a:tailEnd type="triangle"/>
+          </a:ln>
+        </p:spPr>
+        <p:style>
+          <a:lnRef idx="1">
+            <a:schemeClr val="accent1"/>
+          </a:lnRef>
+          <a:fillRef idx="0">
+            <a:schemeClr val="accent1"/>
+          </a:fillRef>
+          <a:effectRef idx="0">
+            <a:schemeClr val="accent1"/>
+          </a:effectRef>
+          <a:fontRef idx="minor">
+            <a:schemeClr val="tx1"/>
+          </a:fontRef>
+        </p:style>
+      </p:cxnSp>
+      <p:sp>
+        <p:nvSpPr>
+          <p:cNvPr id="7" name="TextBox 6">
+            <a:extLst>
+              <a:ext uri="{FF2B5EF4-FFF2-40B4-BE49-F238E27FC236}">
+                <a16:creationId xmlns:a16="http://schemas.microsoft.com/office/drawing/2014/main" id="{0626E568-33C9-7C54-7637-1E69B701C344}"/>
+              </a:ext>
+            </a:extLst>
+          </p:cNvPr>
+          <p:cNvSpPr txBox="1"/>
+          <p:nvPr/>
+        </p:nvSpPr>
+        <p:spPr>
+          <a:xfrm>
+            <a:off x="5442856" y="4267201"/>
+            <a:ext cx="752322" cy="369332"/>
+          </a:xfrm>
+          <a:prstGeom prst="rect">
+            <a:avLst/>
+          </a:prstGeom>
+          <a:noFill/>
+        </p:spPr>
+        <p:txBody>
+          <a:bodyPr wrap="none" rtlCol="0">
+            <a:spAutoFit/>
+          </a:bodyPr>
+          <a:lstStyle/>
+          <a:p>
+            <a:r>
+              <a:rPr lang="en-US" dirty="0"/>
+              <a:t>200px</a:t>
+            </a:r>
+          </a:p>
+        </p:txBody>
+      </p:sp>
+      <p:cxnSp>
+        <p:nvCxnSpPr>
+          <p:cNvPr id="9" name="Straight Arrow Connector 8">
+            <a:extLst>
+              <a:ext uri="{FF2B5EF4-FFF2-40B4-BE49-F238E27FC236}">
+                <a16:creationId xmlns:a16="http://schemas.microsoft.com/office/drawing/2014/main" id="{B5403FEE-E238-EEFD-E4E5-0894A11A9FD1}"/>
+              </a:ext>
+            </a:extLst>
+          </p:cNvPr>
+          <p:cNvCxnSpPr>
+            <a:stCxn id="4" idx="1"/>
+          </p:cNvCxnSpPr>
+          <p:nvPr/>
+        </p:nvCxnSpPr>
+        <p:spPr>
+          <a:xfrm>
+            <a:off x="2292532" y="3429000"/>
+            <a:ext cx="1060268" cy="0"/>
+          </a:xfrm>
+          <a:prstGeom prst="straightConnector1">
+            <a:avLst/>
+          </a:prstGeom>
+          <a:ln>
+            <a:headEnd type="triangle"/>
+            <a:tailEnd type="triangle"/>
+          </a:ln>
+        </p:spPr>
+        <p:style>
+          <a:lnRef idx="1">
+            <a:schemeClr val="accent1"/>
+          </a:lnRef>
+          <a:fillRef idx="0">
+            <a:schemeClr val="accent1"/>
+          </a:fillRef>
+          <a:effectRef idx="0">
+            <a:schemeClr val="accent1"/>
+          </a:effectRef>
+          <a:fontRef idx="minor">
+            <a:schemeClr val="tx1"/>
+          </a:fontRef>
+        </p:style>
+      </p:cxnSp>
+      <p:cxnSp>
+        <p:nvCxnSpPr>
+          <p:cNvPr id="11" name="Straight Arrow Connector 10">
+            <a:extLst>
+              <a:ext uri="{FF2B5EF4-FFF2-40B4-BE49-F238E27FC236}">
+                <a16:creationId xmlns:a16="http://schemas.microsoft.com/office/drawing/2014/main" id="{F126AB87-7C88-F237-FBDB-770720772905}"/>
+              </a:ext>
+            </a:extLst>
+          </p:cNvPr>
+          <p:cNvCxnSpPr/>
+          <p:nvPr/>
+        </p:nvCxnSpPr>
+        <p:spPr>
+          <a:xfrm>
+            <a:off x="9318171" y="3251200"/>
+            <a:ext cx="783772" cy="0"/>
+          </a:xfrm>
+          <a:prstGeom prst="straightConnector1">
+            <a:avLst/>
+          </a:prstGeom>
+          <a:ln>
+            <a:headEnd type="triangle"/>
+            <a:tailEnd type="triangle"/>
+          </a:ln>
+        </p:spPr>
+        <p:style>
+          <a:lnRef idx="1">
+            <a:schemeClr val="accent1"/>
+          </a:lnRef>
+          <a:fillRef idx="0">
+            <a:schemeClr val="accent1"/>
+          </a:fillRef>
+          <a:effectRef idx="0">
+            <a:schemeClr val="accent1"/>
+          </a:effectRef>
+          <a:fontRef idx="minor">
+            <a:schemeClr val="tx1"/>
+          </a:fontRef>
+        </p:style>
+      </p:cxnSp>
+      <p:sp>
+        <p:nvSpPr>
+          <p:cNvPr id="12" name="TextBox 11">
+            <a:extLst>
+              <a:ext uri="{FF2B5EF4-FFF2-40B4-BE49-F238E27FC236}">
+                <a16:creationId xmlns:a16="http://schemas.microsoft.com/office/drawing/2014/main" id="{D33608BC-5A0F-5327-AE47-88E3777C9AF3}"/>
+              </a:ext>
+            </a:extLst>
+          </p:cNvPr>
+          <p:cNvSpPr txBox="1"/>
+          <p:nvPr/>
+        </p:nvSpPr>
+        <p:spPr>
+          <a:xfrm>
+            <a:off x="2505015" y="3066534"/>
+            <a:ext cx="635302" cy="369332"/>
+          </a:xfrm>
+          <a:prstGeom prst="rect">
+            <a:avLst/>
+          </a:prstGeom>
+          <a:noFill/>
+        </p:spPr>
+        <p:txBody>
+          <a:bodyPr wrap="none" rtlCol="0">
+            <a:spAutoFit/>
+          </a:bodyPr>
+          <a:lstStyle/>
+          <a:p>
+            <a:r>
+              <a:rPr lang="en-US" dirty="0"/>
+              <a:t>10px</a:t>
+            </a:r>
+          </a:p>
+        </p:txBody>
+      </p:sp>
+      <p:sp>
+        <p:nvSpPr>
+          <p:cNvPr id="13" name="TextBox 12">
+            <a:extLst>
+              <a:ext uri="{FF2B5EF4-FFF2-40B4-BE49-F238E27FC236}">
+                <a16:creationId xmlns:a16="http://schemas.microsoft.com/office/drawing/2014/main" id="{7DDC11B5-1EB2-EBEC-A8F0-74D6CE82A065}"/>
+              </a:ext>
+            </a:extLst>
+          </p:cNvPr>
+          <p:cNvSpPr txBox="1"/>
+          <p:nvPr/>
+        </p:nvSpPr>
+        <p:spPr>
+          <a:xfrm>
+            <a:off x="9318171" y="2826769"/>
+            <a:ext cx="783772" cy="369332"/>
+          </a:xfrm>
+          <a:prstGeom prst="rect">
+            <a:avLst/>
+          </a:prstGeom>
+          <a:noFill/>
+        </p:spPr>
+        <p:txBody>
+          <a:bodyPr wrap="square" rtlCol="0">
+            <a:spAutoFit/>
+          </a:bodyPr>
+          <a:lstStyle/>
+          <a:p>
+            <a:r>
+              <a:rPr lang="en-US" dirty="0"/>
+              <a:t>10px</a:t>
+            </a:r>
+          </a:p>
+        </p:txBody>
+      </p:sp>
+      <p:sp>
+        <p:nvSpPr>
+          <p:cNvPr id="14" name="TextBox 13">
+            <a:extLst>
+              <a:ext uri="{FF2B5EF4-FFF2-40B4-BE49-F238E27FC236}">
+                <a16:creationId xmlns:a16="http://schemas.microsoft.com/office/drawing/2014/main" id="{FB944A45-4D08-CC0D-D78D-DE71057083B0}"/>
+              </a:ext>
+            </a:extLst>
+          </p:cNvPr>
+          <p:cNvSpPr txBox="1"/>
+          <p:nvPr/>
+        </p:nvSpPr>
+        <p:spPr>
+          <a:xfrm>
+            <a:off x="1524000" y="4267201"/>
+            <a:ext cx="666931" cy="369332"/>
+          </a:xfrm>
+          <a:prstGeom prst="rect">
+            <a:avLst/>
+          </a:prstGeom>
+          <a:noFill/>
+        </p:spPr>
+        <p:txBody>
+          <a:bodyPr wrap="square" rtlCol="0">
+            <a:spAutoFit/>
+          </a:bodyPr>
+          <a:lstStyle/>
+          <a:p>
+            <a:r>
+              <a:rPr lang="en-US" dirty="0"/>
+              <a:t>10px</a:t>
+            </a:r>
+          </a:p>
+        </p:txBody>
+      </p:sp>
+      <p:sp>
+        <p:nvSpPr>
+          <p:cNvPr id="15" name="TextBox 14">
+            <a:extLst>
+              <a:ext uri="{FF2B5EF4-FFF2-40B4-BE49-F238E27FC236}">
+                <a16:creationId xmlns:a16="http://schemas.microsoft.com/office/drawing/2014/main" id="{C940252D-E8E6-DFCC-0417-BFC2F1265AFF}"/>
+              </a:ext>
+            </a:extLst>
+          </p:cNvPr>
+          <p:cNvSpPr txBox="1"/>
+          <p:nvPr/>
+        </p:nvSpPr>
+        <p:spPr>
+          <a:xfrm>
+            <a:off x="10450287" y="4231697"/>
+            <a:ext cx="666931" cy="369332"/>
+          </a:xfrm>
+          <a:prstGeom prst="rect">
+            <a:avLst/>
+          </a:prstGeom>
+          <a:noFill/>
+        </p:spPr>
+        <p:txBody>
+          <a:bodyPr wrap="square" rtlCol="0">
+            <a:spAutoFit/>
+          </a:bodyPr>
+          <a:lstStyle/>
+          <a:p>
+            <a:r>
+              <a:rPr lang="en-US" dirty="0"/>
+              <a:t>10px</a:t>
+            </a:r>
+          </a:p>
+        </p:txBody>
+      </p:sp>
+      <p:cxnSp>
+        <p:nvCxnSpPr>
+          <p:cNvPr id="17" name="Straight Arrow Connector 16">
+            <a:extLst>
+              <a:ext uri="{FF2B5EF4-FFF2-40B4-BE49-F238E27FC236}">
+                <a16:creationId xmlns:a16="http://schemas.microsoft.com/office/drawing/2014/main" id="{42171648-C36D-5B2C-6122-66783FCC4629}"/>
+              </a:ext>
+            </a:extLst>
+          </p:cNvPr>
+          <p:cNvCxnSpPr>
+            <a:cxnSpLocks/>
+          </p:cNvCxnSpPr>
+          <p:nvPr/>
+        </p:nvCxnSpPr>
+        <p:spPr>
+          <a:xfrm>
+            <a:off x="1524000" y="5471886"/>
+            <a:ext cx="9593218" cy="84960"/>
+          </a:xfrm>
+          <a:prstGeom prst="straightConnector1">
+            <a:avLst/>
+          </a:prstGeom>
+          <a:ln>
+            <a:headEnd type="triangle"/>
+            <a:tailEnd type="triangle"/>
+          </a:ln>
+        </p:spPr>
+        <p:style>
+          <a:lnRef idx="1">
+            <a:schemeClr val="accent1"/>
+          </a:lnRef>
+          <a:fillRef idx="0">
+            <a:schemeClr val="accent1"/>
+          </a:fillRef>
+          <a:effectRef idx="0">
+            <a:schemeClr val="accent1"/>
+          </a:effectRef>
+          <a:fontRef idx="minor">
+            <a:schemeClr val="tx1"/>
+          </a:fontRef>
+        </p:style>
+      </p:cxnSp>
+      <p:sp>
+        <p:nvSpPr>
+          <p:cNvPr id="19" name="TextBox 18">
+            <a:extLst>
+              <a:ext uri="{FF2B5EF4-FFF2-40B4-BE49-F238E27FC236}">
+                <a16:creationId xmlns:a16="http://schemas.microsoft.com/office/drawing/2014/main" id="{3C6851C9-F652-FE03-6617-FA462FF1A139}"/>
+              </a:ext>
+            </a:extLst>
+          </p:cNvPr>
+          <p:cNvSpPr txBox="1"/>
+          <p:nvPr/>
+        </p:nvSpPr>
+        <p:spPr>
+          <a:xfrm flipH="1">
+            <a:off x="5819017" y="5167312"/>
+            <a:ext cx="1695996" cy="369332"/>
+          </a:xfrm>
+          <a:prstGeom prst="rect">
+            <a:avLst/>
+          </a:prstGeom>
+          <a:noFill/>
+        </p:spPr>
+        <p:txBody>
+          <a:bodyPr wrap="square" rtlCol="0">
+            <a:spAutoFit/>
+          </a:bodyPr>
+          <a:lstStyle/>
+          <a:p>
+            <a:r>
+              <a:rPr lang="en-US" dirty="0"/>
+              <a:t>240px</a:t>
+            </a:r>
+          </a:p>
+        </p:txBody>
+      </p:sp>
+    </p:spTree>
+    <p:extLst>
+      <p:ext uri="{BB962C8B-B14F-4D97-AF65-F5344CB8AC3E}">
+        <p14:creationId xmlns:p14="http://schemas.microsoft.com/office/powerpoint/2010/main" val="912636152"/>
+      </p:ext>
+    </p:extLst>
+  </p:cSld>
+  <p:clrMapOvr>
+    <a:masterClrMapping/>
+  </p:clrMapOvr>
+</p:sld>
+</file>
+
+<file path=ppt/slides/slide29.xml><?xml version="1.0" encoding="utf-8"?>
+<p:sld xmlns:a="http://schemas.openxmlformats.org/drawingml/2006/main" xmlns:r="http://schemas.openxmlformats.org/officeDocument/2006/relationships" xmlns:p="http://schemas.openxmlformats.org/presentationml/2006/main">
+  <p:cSld>
+    <p:spTree>
+      <p:nvGrpSpPr>
+        <p:cNvPr id="1" name=""/>
+        <p:cNvGrpSpPr/>
+        <p:nvPr/>
+      </p:nvGrpSpPr>
+      <p:grpSpPr>
+        <a:xfrm>
+          <a:off x="0" y="0"/>
+          <a:ext cx="0" cy="0"/>
+          <a:chOff x="0" y="0"/>
+          <a:chExt cx="0" cy="0"/>
+        </a:xfrm>
+      </p:grpSpPr>
+      <p:sp>
+        <p:nvSpPr>
+          <p:cNvPr id="2" name="Title 1">
+            <a:extLst>
+              <a:ext uri="{FF2B5EF4-FFF2-40B4-BE49-F238E27FC236}">
+                <a16:creationId xmlns:a16="http://schemas.microsoft.com/office/drawing/2014/main" id="{B7CF8912-8720-393B-A99A-59FC195698C2}"/>
+              </a:ext>
+            </a:extLst>
+          </p:cNvPr>
+          <p:cNvSpPr>
+            <a:spLocks noGrp="1"/>
+          </p:cNvSpPr>
+          <p:nvPr>
+            <p:ph type="title"/>
+          </p:nvPr>
+        </p:nvSpPr>
+        <p:spPr/>
+        <p:txBody>
+          <a:bodyPr/>
+          <a:lstStyle/>
+          <a:p>
+            <a:r>
+              <a:rPr lang="en-US" dirty="0"/>
+              <a:t>CSS: Overflow</a:t>
+            </a:r>
+          </a:p>
+        </p:txBody>
+      </p:sp>
+      <p:sp>
+        <p:nvSpPr>
+          <p:cNvPr id="4" name="TextBox 3">
+            <a:extLst>
+              <a:ext uri="{FF2B5EF4-FFF2-40B4-BE49-F238E27FC236}">
+                <a16:creationId xmlns:a16="http://schemas.microsoft.com/office/drawing/2014/main" id="{8DF62155-1E81-B909-B145-91273CF1E696}"/>
+              </a:ext>
+            </a:extLst>
+          </p:cNvPr>
+          <p:cNvSpPr txBox="1"/>
+          <p:nvPr/>
+        </p:nvSpPr>
+        <p:spPr>
+          <a:xfrm>
+            <a:off x="2292532" y="1582342"/>
+            <a:ext cx="7955280" cy="3693319"/>
+          </a:xfrm>
+          <a:prstGeom prst="rect">
+            <a:avLst/>
+          </a:prstGeom>
+          <a:solidFill>
+            <a:schemeClr val="bg1"/>
+          </a:solidFill>
+          <a:ln>
+            <a:noFill/>
+          </a:ln>
+        </p:spPr>
+        <p:style>
+          <a:lnRef idx="2">
+            <a:schemeClr val="dk1"/>
+          </a:lnRef>
+          <a:fillRef idx="1">
+            <a:schemeClr val="lt1"/>
+          </a:fillRef>
+          <a:effectRef idx="0">
+            <a:schemeClr val="dk1"/>
+          </a:effectRef>
+          <a:fontRef idx="minor">
+            <a:schemeClr val="dk1"/>
+          </a:fontRef>
+        </p:style>
+        <p:txBody>
+          <a:bodyPr wrap="square" rtlCol="0" anchor="ctr">
+            <a:spAutoFit/>
+          </a:bodyPr>
+          <a:lstStyle/>
+          <a:p>
+            <a:pPr algn="ctr"/>
+            <a:r>
+              <a:rPr lang="en-US" dirty="0" err="1"/>
+              <a:t>Djasdjklsadjklasjkldsjakldasdksadsakdl;sad;lsal;dksal;dkls;a</a:t>
+            </a:r>
+            <a:endParaRPr lang="en-US" dirty="0"/>
+          </a:p>
+          <a:p>
+            <a:pPr algn="ctr"/>
+            <a:r>
+              <a:rPr lang="en-US" dirty="0" err="1"/>
+              <a:t>Dasl;kdl;askdl;sakdl;sakl;dsakl;dksal;dsa</a:t>
+            </a:r>
+            <a:endParaRPr lang="en-US" dirty="0"/>
+          </a:p>
+          <a:p>
+            <a:pPr algn="ctr"/>
+            <a:r>
+              <a:rPr lang="en-US" dirty="0"/>
+              <a:t>Salkjdls;adl;sakd;lskdl;ssadsadsadsadsadsddddddddddddddddddddddddddddddddddddddddddddddddddddddddddddddddddddddddddddddddddddddddddddddddddddddddddddddddddddddddddddddddddddddddddddddddddddddddddddddddddddddddddddda</a:t>
+            </a:r>
+          </a:p>
+          <a:p>
+            <a:pPr algn="ctr"/>
+            <a:r>
+              <a:rPr lang="en-US" dirty="0" err="1"/>
+              <a:t>Dsa</a:t>
+            </a:r>
+            <a:r>
+              <a:rPr lang="en-US" dirty="0"/>
+              <a:t>,;</a:t>
+            </a:r>
+            <a:r>
+              <a:rPr lang="en-US" dirty="0" err="1"/>
+              <a:t>dkjl;sakdl;sakdl;sklsdsadsa;dksal;dksad</a:t>
+            </a:r>
+            <a:endParaRPr lang="en-US" dirty="0"/>
+          </a:p>
+          <a:p>
+            <a:pPr algn="ctr"/>
+            <a:r>
+              <a:rPr lang="en-US" dirty="0" err="1">
+                <a:ln>
+                  <a:solidFill>
+                    <a:schemeClr val="bg1"/>
+                  </a:solidFill>
+                </a:ln>
+              </a:rPr>
+              <a:t>Sadlkjsakldjsakldjklasjdklasjdxcxzcxzcxzcxzklsa</a:t>
+            </a:r>
+            <a:endParaRPr lang="en-US" dirty="0">
+              <a:ln>
+                <a:solidFill>
+                  <a:schemeClr val="bg1"/>
+                </a:solidFill>
+              </a:ln>
+            </a:endParaRPr>
+          </a:p>
+          <a:p>
+            <a:pPr algn="ctr"/>
+            <a:endParaRPr lang="en-US" dirty="0"/>
+          </a:p>
+          <a:p>
+            <a:pPr algn="ctr"/>
+            <a:endParaRPr lang="en-US" dirty="0"/>
+          </a:p>
+          <a:p>
+            <a:pPr algn="ctr"/>
+            <a:endParaRPr lang="en-US" dirty="0"/>
+          </a:p>
+          <a:p>
+            <a:pPr algn="ctr"/>
+            <a:endParaRPr lang="en-US" dirty="0"/>
+          </a:p>
+          <a:p>
+            <a:pPr algn="ctr"/>
+            <a:endParaRPr lang="en-US" dirty="0"/>
+          </a:p>
+        </p:txBody>
+      </p:sp>
+      <p:cxnSp>
+        <p:nvCxnSpPr>
+          <p:cNvPr id="6" name="Straight Arrow Connector 5">
+            <a:extLst>
+              <a:ext uri="{FF2B5EF4-FFF2-40B4-BE49-F238E27FC236}">
+                <a16:creationId xmlns:a16="http://schemas.microsoft.com/office/drawing/2014/main" id="{4F5EBDDB-EB7B-71E6-BC11-D3A3EC81D107}"/>
+              </a:ext>
+            </a:extLst>
+          </p:cNvPr>
+          <p:cNvCxnSpPr/>
+          <p:nvPr/>
+        </p:nvCxnSpPr>
+        <p:spPr>
+          <a:xfrm>
+            <a:off x="2540000" y="4601029"/>
+            <a:ext cx="7358743" cy="0"/>
+          </a:xfrm>
+          <a:prstGeom prst="straightConnector1">
+            <a:avLst/>
+          </a:prstGeom>
+          <a:ln w="38100">
+            <a:headEnd type="triangle"/>
+            <a:tailEnd type="triangle"/>
+          </a:ln>
+        </p:spPr>
+        <p:style>
+          <a:lnRef idx="1">
+            <a:schemeClr val="accent1"/>
+          </a:lnRef>
+          <a:fillRef idx="0">
+            <a:schemeClr val="accent1"/>
+          </a:fillRef>
+          <a:effectRef idx="0">
+            <a:schemeClr val="accent1"/>
+          </a:effectRef>
+          <a:fontRef idx="minor">
+            <a:schemeClr val="tx1"/>
+          </a:fontRef>
+        </p:style>
+      </p:cxnSp>
+      <p:sp>
+        <p:nvSpPr>
+          <p:cNvPr id="7" name="TextBox 6">
+            <a:extLst>
+              <a:ext uri="{FF2B5EF4-FFF2-40B4-BE49-F238E27FC236}">
+                <a16:creationId xmlns:a16="http://schemas.microsoft.com/office/drawing/2014/main" id="{0626E568-33C9-7C54-7637-1E69B701C344}"/>
+              </a:ext>
+            </a:extLst>
+          </p:cNvPr>
+          <p:cNvSpPr txBox="1"/>
+          <p:nvPr/>
+        </p:nvSpPr>
+        <p:spPr>
+          <a:xfrm>
+            <a:off x="5442856" y="4267201"/>
+            <a:ext cx="752322" cy="369332"/>
+          </a:xfrm>
+          <a:prstGeom prst="rect">
+            <a:avLst/>
+          </a:prstGeom>
+          <a:noFill/>
+        </p:spPr>
+        <p:txBody>
+          <a:bodyPr wrap="none" rtlCol="0">
+            <a:spAutoFit/>
+          </a:bodyPr>
+          <a:lstStyle/>
+          <a:p>
+            <a:r>
+              <a:rPr lang="en-US" dirty="0"/>
+              <a:t>200px</a:t>
+            </a:r>
+          </a:p>
+        </p:txBody>
+      </p:sp>
+      <p:cxnSp>
+        <p:nvCxnSpPr>
+          <p:cNvPr id="9" name="Straight Arrow Connector 8">
+            <a:extLst>
+              <a:ext uri="{FF2B5EF4-FFF2-40B4-BE49-F238E27FC236}">
+                <a16:creationId xmlns:a16="http://schemas.microsoft.com/office/drawing/2014/main" id="{B5403FEE-E238-EEFD-E4E5-0894A11A9FD1}"/>
+              </a:ext>
+            </a:extLst>
+          </p:cNvPr>
+          <p:cNvCxnSpPr>
+            <a:cxnSpLocks/>
+            <a:stCxn id="4" idx="1"/>
+          </p:cNvCxnSpPr>
+          <p:nvPr/>
+        </p:nvCxnSpPr>
+        <p:spPr>
+          <a:xfrm flipV="1">
+            <a:off x="2292532" y="3429000"/>
+            <a:ext cx="1060268" cy="2"/>
+          </a:xfrm>
+          <a:prstGeom prst="straightConnector1">
+            <a:avLst/>
+          </a:prstGeom>
+          <a:ln>
+            <a:headEnd type="triangle"/>
+            <a:tailEnd type="triangle"/>
+          </a:ln>
+        </p:spPr>
+        <p:style>
+          <a:lnRef idx="1">
+            <a:schemeClr val="accent1"/>
+          </a:lnRef>
+          <a:fillRef idx="0">
+            <a:schemeClr val="accent1"/>
+          </a:fillRef>
+          <a:effectRef idx="0">
+            <a:schemeClr val="accent1"/>
+          </a:effectRef>
+          <a:fontRef idx="minor">
+            <a:schemeClr val="tx1"/>
+          </a:fontRef>
+        </p:style>
+      </p:cxnSp>
+      <p:cxnSp>
+        <p:nvCxnSpPr>
+          <p:cNvPr id="11" name="Straight Arrow Connector 10">
+            <a:extLst>
+              <a:ext uri="{FF2B5EF4-FFF2-40B4-BE49-F238E27FC236}">
+                <a16:creationId xmlns:a16="http://schemas.microsoft.com/office/drawing/2014/main" id="{F126AB87-7C88-F237-FBDB-770720772905}"/>
+              </a:ext>
+            </a:extLst>
+          </p:cNvPr>
+          <p:cNvCxnSpPr/>
+          <p:nvPr/>
+        </p:nvCxnSpPr>
+        <p:spPr>
+          <a:xfrm>
+            <a:off x="9318171" y="3251200"/>
+            <a:ext cx="783772" cy="0"/>
+          </a:xfrm>
+          <a:prstGeom prst="straightConnector1">
+            <a:avLst/>
+          </a:prstGeom>
+          <a:ln>
+            <a:headEnd type="triangle"/>
+            <a:tailEnd type="triangle"/>
+          </a:ln>
+        </p:spPr>
+        <p:style>
+          <a:lnRef idx="1">
+            <a:schemeClr val="accent1"/>
+          </a:lnRef>
+          <a:fillRef idx="0">
+            <a:schemeClr val="accent1"/>
+          </a:fillRef>
+          <a:effectRef idx="0">
+            <a:schemeClr val="accent1"/>
+          </a:effectRef>
+          <a:fontRef idx="minor">
+            <a:schemeClr val="tx1"/>
+          </a:fontRef>
+        </p:style>
+      </p:cxnSp>
+      <p:sp>
+        <p:nvSpPr>
+          <p:cNvPr id="12" name="TextBox 11">
+            <a:extLst>
+              <a:ext uri="{FF2B5EF4-FFF2-40B4-BE49-F238E27FC236}">
+                <a16:creationId xmlns:a16="http://schemas.microsoft.com/office/drawing/2014/main" id="{D33608BC-5A0F-5327-AE47-88E3777C9AF3}"/>
+              </a:ext>
+            </a:extLst>
+          </p:cNvPr>
+          <p:cNvSpPr txBox="1"/>
+          <p:nvPr/>
+        </p:nvSpPr>
+        <p:spPr>
+          <a:xfrm>
+            <a:off x="2505015" y="3066534"/>
+            <a:ext cx="635302" cy="369332"/>
+          </a:xfrm>
+          <a:prstGeom prst="rect">
+            <a:avLst/>
+          </a:prstGeom>
+          <a:noFill/>
+        </p:spPr>
+        <p:txBody>
+          <a:bodyPr wrap="none" rtlCol="0">
+            <a:spAutoFit/>
+          </a:bodyPr>
+          <a:lstStyle/>
+          <a:p>
+            <a:r>
+              <a:rPr lang="en-US" dirty="0"/>
+              <a:t>10px</a:t>
+            </a:r>
+          </a:p>
+        </p:txBody>
+      </p:sp>
+      <p:sp>
+        <p:nvSpPr>
+          <p:cNvPr id="13" name="TextBox 12">
+            <a:extLst>
+              <a:ext uri="{FF2B5EF4-FFF2-40B4-BE49-F238E27FC236}">
+                <a16:creationId xmlns:a16="http://schemas.microsoft.com/office/drawing/2014/main" id="{7DDC11B5-1EB2-EBEC-A8F0-74D6CE82A065}"/>
+              </a:ext>
+            </a:extLst>
+          </p:cNvPr>
+          <p:cNvSpPr txBox="1"/>
+          <p:nvPr/>
+        </p:nvSpPr>
+        <p:spPr>
+          <a:xfrm>
+            <a:off x="9318171" y="2826769"/>
+            <a:ext cx="783772" cy="369332"/>
+          </a:xfrm>
+          <a:prstGeom prst="rect">
+            <a:avLst/>
+          </a:prstGeom>
+          <a:noFill/>
+        </p:spPr>
+        <p:txBody>
+          <a:bodyPr wrap="square" rtlCol="0">
+            <a:spAutoFit/>
+          </a:bodyPr>
+          <a:lstStyle/>
+          <a:p>
+            <a:r>
+              <a:rPr lang="en-US" dirty="0"/>
+              <a:t>10px</a:t>
+            </a:r>
+          </a:p>
+        </p:txBody>
+      </p:sp>
+      <p:sp>
+        <p:nvSpPr>
+          <p:cNvPr id="14" name="TextBox 13">
+            <a:extLst>
+              <a:ext uri="{FF2B5EF4-FFF2-40B4-BE49-F238E27FC236}">
+                <a16:creationId xmlns:a16="http://schemas.microsoft.com/office/drawing/2014/main" id="{FB944A45-4D08-CC0D-D78D-DE71057083B0}"/>
+              </a:ext>
+            </a:extLst>
+          </p:cNvPr>
+          <p:cNvSpPr txBox="1"/>
+          <p:nvPr/>
+        </p:nvSpPr>
+        <p:spPr>
+          <a:xfrm>
+            <a:off x="1524000" y="4267201"/>
+            <a:ext cx="666931" cy="369332"/>
+          </a:xfrm>
+          <a:prstGeom prst="rect">
+            <a:avLst/>
+          </a:prstGeom>
+          <a:noFill/>
+        </p:spPr>
+        <p:txBody>
+          <a:bodyPr wrap="square" rtlCol="0">
+            <a:spAutoFit/>
+          </a:bodyPr>
+          <a:lstStyle/>
+          <a:p>
+            <a:r>
+              <a:rPr lang="en-US" dirty="0"/>
+              <a:t>10px</a:t>
+            </a:r>
+          </a:p>
+        </p:txBody>
+      </p:sp>
+      <p:sp>
+        <p:nvSpPr>
+          <p:cNvPr id="15" name="TextBox 14">
+            <a:extLst>
+              <a:ext uri="{FF2B5EF4-FFF2-40B4-BE49-F238E27FC236}">
+                <a16:creationId xmlns:a16="http://schemas.microsoft.com/office/drawing/2014/main" id="{C940252D-E8E6-DFCC-0417-BFC2F1265AFF}"/>
+              </a:ext>
+            </a:extLst>
+          </p:cNvPr>
+          <p:cNvSpPr txBox="1"/>
+          <p:nvPr/>
+        </p:nvSpPr>
+        <p:spPr>
+          <a:xfrm>
+            <a:off x="10450287" y="4231697"/>
+            <a:ext cx="666931" cy="369332"/>
+          </a:xfrm>
+          <a:prstGeom prst="rect">
+            <a:avLst/>
+          </a:prstGeom>
+          <a:noFill/>
+        </p:spPr>
+        <p:txBody>
+          <a:bodyPr wrap="square" rtlCol="0">
+            <a:spAutoFit/>
+          </a:bodyPr>
+          <a:lstStyle/>
+          <a:p>
+            <a:r>
+              <a:rPr lang="en-US" dirty="0"/>
+              <a:t>10px</a:t>
+            </a:r>
+          </a:p>
+        </p:txBody>
+      </p:sp>
+      <p:cxnSp>
+        <p:nvCxnSpPr>
+          <p:cNvPr id="17" name="Straight Arrow Connector 16">
+            <a:extLst>
+              <a:ext uri="{FF2B5EF4-FFF2-40B4-BE49-F238E27FC236}">
+                <a16:creationId xmlns:a16="http://schemas.microsoft.com/office/drawing/2014/main" id="{42171648-C36D-5B2C-6122-66783FCC4629}"/>
+              </a:ext>
+            </a:extLst>
+          </p:cNvPr>
+          <p:cNvCxnSpPr>
+            <a:cxnSpLocks/>
+          </p:cNvCxnSpPr>
+          <p:nvPr/>
+        </p:nvCxnSpPr>
+        <p:spPr>
+          <a:xfrm>
+            <a:off x="1524000" y="5471886"/>
+            <a:ext cx="9593218" cy="84960"/>
+          </a:xfrm>
+          <a:prstGeom prst="straightConnector1">
+            <a:avLst/>
+          </a:prstGeom>
+          <a:ln>
+            <a:headEnd type="triangle"/>
+            <a:tailEnd type="triangle"/>
+          </a:ln>
+        </p:spPr>
+        <p:style>
+          <a:lnRef idx="1">
+            <a:schemeClr val="accent1"/>
+          </a:lnRef>
+          <a:fillRef idx="0">
+            <a:schemeClr val="accent1"/>
+          </a:fillRef>
+          <a:effectRef idx="0">
+            <a:schemeClr val="accent1"/>
+          </a:effectRef>
+          <a:fontRef idx="minor">
+            <a:schemeClr val="tx1"/>
+          </a:fontRef>
+        </p:style>
+      </p:cxnSp>
+      <p:sp>
+        <p:nvSpPr>
+          <p:cNvPr id="19" name="TextBox 18">
+            <a:extLst>
+              <a:ext uri="{FF2B5EF4-FFF2-40B4-BE49-F238E27FC236}">
+                <a16:creationId xmlns:a16="http://schemas.microsoft.com/office/drawing/2014/main" id="{3C6851C9-F652-FE03-6617-FA462FF1A139}"/>
+              </a:ext>
+            </a:extLst>
+          </p:cNvPr>
+          <p:cNvSpPr txBox="1"/>
+          <p:nvPr/>
+        </p:nvSpPr>
+        <p:spPr>
+          <a:xfrm flipH="1">
+            <a:off x="5819017" y="5167312"/>
+            <a:ext cx="1695996" cy="369332"/>
+          </a:xfrm>
+          <a:prstGeom prst="rect">
+            <a:avLst/>
+          </a:prstGeom>
+          <a:noFill/>
+        </p:spPr>
+        <p:txBody>
+          <a:bodyPr wrap="square" rtlCol="0">
+            <a:spAutoFit/>
+          </a:bodyPr>
+          <a:lstStyle/>
+          <a:p>
+            <a:r>
+              <a:rPr lang="en-US" dirty="0"/>
+              <a:t>240px</a:t>
+            </a:r>
+          </a:p>
+        </p:txBody>
+      </p:sp>
+      <p:sp>
+        <p:nvSpPr>
+          <p:cNvPr id="5" name="Rectangle 4">
+            <a:extLst>
+              <a:ext uri="{FF2B5EF4-FFF2-40B4-BE49-F238E27FC236}">
+                <a16:creationId xmlns:a16="http://schemas.microsoft.com/office/drawing/2014/main" id="{B155F876-02DE-1DDE-F621-9B7FBAA93D8E}"/>
+              </a:ext>
+            </a:extLst>
+          </p:cNvPr>
+          <p:cNvSpPr/>
+          <p:nvPr/>
+        </p:nvSpPr>
+        <p:spPr>
+          <a:xfrm>
+            <a:off x="2612570" y="1541198"/>
+            <a:ext cx="6778171" cy="1098052"/>
+          </a:xfrm>
+          <a:prstGeom prst="rect">
+            <a:avLst/>
+          </a:prstGeom>
+          <a:noFill/>
+          <a:ln>
+            <a:solidFill>
+              <a:schemeClr val="tx1"/>
+            </a:solidFill>
+          </a:ln>
+        </p:spPr>
+        <p:style>
+          <a:lnRef idx="2">
+            <a:schemeClr val="accent6"/>
+          </a:lnRef>
+          <a:fillRef idx="1">
+            <a:schemeClr val="lt1"/>
+          </a:fillRef>
+          <a:effectRef idx="0">
+            <a:schemeClr val="accent6"/>
+          </a:effectRef>
+          <a:fontRef idx="minor">
+            <a:schemeClr val="dk1"/>
+          </a:fontRef>
+        </p:style>
+        <p:txBody>
+          <a:bodyPr rtlCol="0" anchor="ctr"/>
+          <a:lstStyle/>
+          <a:p>
+            <a:pPr algn="ctr"/>
+            <a:endParaRPr lang="en-US"/>
+          </a:p>
+        </p:txBody>
+      </p:sp>
+    </p:spTree>
+    <p:extLst>
+      <p:ext uri="{BB962C8B-B14F-4D97-AF65-F5344CB8AC3E}">
+        <p14:creationId xmlns:p14="http://schemas.microsoft.com/office/powerpoint/2010/main" val="1800671219"/>
+      </p:ext>
+    </p:extLst>
+  </p:cSld>
+  <p:clrMapOvr>
+    <a:masterClrMapping/>
+  </p:clrMapOvr>
+</p:sld>
+</file>
+
 <file path=ppt/slides/slide3.xml><?xml version="1.0" encoding="utf-8"?>
 <p:sld xmlns:a="http://schemas.openxmlformats.org/drawingml/2006/main" xmlns:r="http://schemas.openxmlformats.org/officeDocument/2006/relationships" xmlns:p="http://schemas.openxmlformats.org/presentationml/2006/main">
   <p:cSld>
@@ -5843,6 +7753,2201 @@
     <p:extLst>
       <p:ext uri="{BB962C8B-B14F-4D97-AF65-F5344CB8AC3E}">
         <p14:creationId xmlns:p14="http://schemas.microsoft.com/office/powerpoint/2010/main" val="2554897031"/>
+      </p:ext>
+    </p:extLst>
+  </p:cSld>
+  <p:clrMapOvr>
+    <a:masterClrMapping/>
+  </p:clrMapOvr>
+</p:sld>
+</file>
+
+<file path=ppt/slides/slide30.xml><?xml version="1.0" encoding="utf-8"?>
+<p:sld xmlns:a="http://schemas.openxmlformats.org/drawingml/2006/main" xmlns:r="http://schemas.openxmlformats.org/officeDocument/2006/relationships" xmlns:p="http://schemas.openxmlformats.org/presentationml/2006/main">
+  <p:cSld>
+    <p:spTree>
+      <p:nvGrpSpPr>
+        <p:cNvPr id="1" name=""/>
+        <p:cNvGrpSpPr/>
+        <p:nvPr/>
+      </p:nvGrpSpPr>
+      <p:grpSpPr>
+        <a:xfrm>
+          <a:off x="0" y="0"/>
+          <a:ext cx="0" cy="0"/>
+          <a:chOff x="0" y="0"/>
+          <a:chExt cx="0" cy="0"/>
+        </a:xfrm>
+      </p:grpSpPr>
+      <p:sp>
+        <p:nvSpPr>
+          <p:cNvPr id="2" name="Title 1">
+            <a:extLst>
+              <a:ext uri="{FF2B5EF4-FFF2-40B4-BE49-F238E27FC236}">
+                <a16:creationId xmlns:a16="http://schemas.microsoft.com/office/drawing/2014/main" id="{0506BD68-3F44-A854-D960-D5549942FA92}"/>
+              </a:ext>
+            </a:extLst>
+          </p:cNvPr>
+          <p:cNvSpPr>
+            <a:spLocks noGrp="1"/>
+          </p:cNvSpPr>
+          <p:nvPr>
+            <p:ph type="title"/>
+          </p:nvPr>
+        </p:nvSpPr>
+        <p:spPr/>
+        <p:txBody>
+          <a:bodyPr/>
+          <a:lstStyle/>
+          <a:p>
+            <a:r>
+              <a:rPr lang="en-US" dirty="0"/>
+              <a:t>overflow</a:t>
+            </a:r>
+          </a:p>
+        </p:txBody>
+      </p:sp>
+      <p:sp>
+        <p:nvSpPr>
+          <p:cNvPr id="3" name="Content Placeholder 2">
+            <a:extLst>
+              <a:ext uri="{FF2B5EF4-FFF2-40B4-BE49-F238E27FC236}">
+                <a16:creationId xmlns:a16="http://schemas.microsoft.com/office/drawing/2014/main" id="{99061087-7F76-B818-B3A1-E4731B929D64}"/>
+              </a:ext>
+            </a:extLst>
+          </p:cNvPr>
+          <p:cNvSpPr>
+            <a:spLocks noGrp="1"/>
+          </p:cNvSpPr>
+          <p:nvPr>
+            <p:ph idx="1"/>
+          </p:nvPr>
+        </p:nvSpPr>
+        <p:spPr/>
+        <p:txBody>
+          <a:bodyPr/>
+          <a:lstStyle/>
+          <a:p>
+            <a:r>
+              <a:rPr lang="en-US" dirty="0"/>
+              <a:t>Hidden</a:t>
+            </a:r>
+          </a:p>
+          <a:p>
+            <a:r>
+              <a:rPr lang="en-US" dirty="0"/>
+              <a:t>Scroll</a:t>
+            </a:r>
+          </a:p>
+          <a:p>
+            <a:r>
+              <a:rPr lang="en-US" dirty="0"/>
+              <a:t>Auto</a:t>
+            </a:r>
+          </a:p>
+          <a:p>
+            <a:r>
+              <a:rPr lang="en-US" dirty="0"/>
+              <a:t>visible</a:t>
+            </a:r>
+          </a:p>
+        </p:txBody>
+      </p:sp>
+    </p:spTree>
+    <p:extLst>
+      <p:ext uri="{BB962C8B-B14F-4D97-AF65-F5344CB8AC3E}">
+        <p14:creationId xmlns:p14="http://schemas.microsoft.com/office/powerpoint/2010/main" val="1593737297"/>
+      </p:ext>
+    </p:extLst>
+  </p:cSld>
+  <p:clrMapOvr>
+    <a:masterClrMapping/>
+  </p:clrMapOvr>
+</p:sld>
+</file>
+
+<file path=ppt/slides/slide31.xml><?xml version="1.0" encoding="utf-8"?>
+<p:sld xmlns:a="http://schemas.openxmlformats.org/drawingml/2006/main" xmlns:r="http://schemas.openxmlformats.org/officeDocument/2006/relationships" xmlns:p="http://schemas.openxmlformats.org/presentationml/2006/main">
+  <p:cSld>
+    <p:spTree>
+      <p:nvGrpSpPr>
+        <p:cNvPr id="1" name=""/>
+        <p:cNvGrpSpPr/>
+        <p:nvPr/>
+      </p:nvGrpSpPr>
+      <p:grpSpPr>
+        <a:xfrm>
+          <a:off x="0" y="0"/>
+          <a:ext cx="0" cy="0"/>
+          <a:chOff x="0" y="0"/>
+          <a:chExt cx="0" cy="0"/>
+        </a:xfrm>
+      </p:grpSpPr>
+      <p:sp>
+        <p:nvSpPr>
+          <p:cNvPr id="2" name="Title 1">
+            <a:extLst>
+              <a:ext uri="{FF2B5EF4-FFF2-40B4-BE49-F238E27FC236}">
+                <a16:creationId xmlns:a16="http://schemas.microsoft.com/office/drawing/2014/main" id="{39C425EB-8611-358B-2EF0-BF22CBD950D5}"/>
+              </a:ext>
+            </a:extLst>
+          </p:cNvPr>
+          <p:cNvSpPr>
+            <a:spLocks noGrp="1"/>
+          </p:cNvSpPr>
+          <p:nvPr>
+            <p:ph type="title"/>
+          </p:nvPr>
+        </p:nvSpPr>
+        <p:spPr/>
+        <p:txBody>
+          <a:bodyPr/>
+          <a:lstStyle/>
+          <a:p>
+            <a:r>
+              <a:rPr lang="en-US" dirty="0"/>
+              <a:t>3 type of Overflow Properties</a:t>
+            </a:r>
+          </a:p>
+        </p:txBody>
+      </p:sp>
+      <p:sp>
+        <p:nvSpPr>
+          <p:cNvPr id="3" name="Content Placeholder 2">
+            <a:extLst>
+              <a:ext uri="{FF2B5EF4-FFF2-40B4-BE49-F238E27FC236}">
+                <a16:creationId xmlns:a16="http://schemas.microsoft.com/office/drawing/2014/main" id="{67313586-6A4B-285D-AA1B-3AA70F46F8B9}"/>
+              </a:ext>
+            </a:extLst>
+          </p:cNvPr>
+          <p:cNvSpPr>
+            <a:spLocks noGrp="1"/>
+          </p:cNvSpPr>
+          <p:nvPr>
+            <p:ph idx="1"/>
+          </p:nvPr>
+        </p:nvSpPr>
+        <p:spPr/>
+        <p:txBody>
+          <a:bodyPr/>
+          <a:lstStyle/>
+          <a:p>
+            <a:r>
+              <a:rPr lang="en-US" dirty="0"/>
+              <a:t>Overflow</a:t>
+            </a:r>
+          </a:p>
+          <a:p>
+            <a:r>
+              <a:rPr lang="en-US" dirty="0"/>
+              <a:t>Overflow-x</a:t>
+            </a:r>
+          </a:p>
+          <a:p>
+            <a:r>
+              <a:rPr lang="en-US" dirty="0"/>
+              <a:t>Overflow-y</a:t>
+            </a:r>
+          </a:p>
+        </p:txBody>
+      </p:sp>
+    </p:spTree>
+    <p:extLst>
+      <p:ext uri="{BB962C8B-B14F-4D97-AF65-F5344CB8AC3E}">
+        <p14:creationId xmlns:p14="http://schemas.microsoft.com/office/powerpoint/2010/main" val="4133764135"/>
+      </p:ext>
+    </p:extLst>
+  </p:cSld>
+  <p:clrMapOvr>
+    <a:masterClrMapping/>
+  </p:clrMapOvr>
+</p:sld>
+</file>
+
+<file path=ppt/slides/slide32.xml><?xml version="1.0" encoding="utf-8"?>
+<p:sld xmlns:a="http://schemas.openxmlformats.org/drawingml/2006/main" xmlns:r="http://schemas.openxmlformats.org/officeDocument/2006/relationships" xmlns:p="http://schemas.openxmlformats.org/presentationml/2006/main">
+  <p:cSld>
+    <p:spTree>
+      <p:nvGrpSpPr>
+        <p:cNvPr id="1" name=""/>
+        <p:cNvGrpSpPr/>
+        <p:nvPr/>
+      </p:nvGrpSpPr>
+      <p:grpSpPr>
+        <a:xfrm>
+          <a:off x="0" y="0"/>
+          <a:ext cx="0" cy="0"/>
+          <a:chOff x="0" y="0"/>
+          <a:chExt cx="0" cy="0"/>
+        </a:xfrm>
+      </p:grpSpPr>
+      <p:sp>
+        <p:nvSpPr>
+          <p:cNvPr id="2" name="Title 1">
+            <a:extLst>
+              <a:ext uri="{FF2B5EF4-FFF2-40B4-BE49-F238E27FC236}">
+                <a16:creationId xmlns:a16="http://schemas.microsoft.com/office/drawing/2014/main" id="{58635CCB-83B5-0083-F431-F09DFDCC33F2}"/>
+              </a:ext>
+            </a:extLst>
+          </p:cNvPr>
+          <p:cNvSpPr>
+            <a:spLocks noGrp="1"/>
+          </p:cNvSpPr>
+          <p:nvPr>
+            <p:ph type="title"/>
+          </p:nvPr>
+        </p:nvSpPr>
+        <p:spPr/>
+        <p:txBody>
+          <a:bodyPr/>
+          <a:lstStyle/>
+          <a:p>
+            <a:r>
+              <a:rPr lang="en-US" dirty="0"/>
+              <a:t>CSS: Border-Radius</a:t>
+            </a:r>
+          </a:p>
+        </p:txBody>
+      </p:sp>
+      <p:sp>
+        <p:nvSpPr>
+          <p:cNvPr id="3" name="Content Placeholder 2">
+            <a:extLst>
+              <a:ext uri="{FF2B5EF4-FFF2-40B4-BE49-F238E27FC236}">
+                <a16:creationId xmlns:a16="http://schemas.microsoft.com/office/drawing/2014/main" id="{5D5484D8-5F7F-760B-F577-66BB0B8D315F}"/>
+              </a:ext>
+            </a:extLst>
+          </p:cNvPr>
+          <p:cNvSpPr>
+            <a:spLocks noGrp="1"/>
+          </p:cNvSpPr>
+          <p:nvPr>
+            <p:ph idx="1"/>
+          </p:nvPr>
+        </p:nvSpPr>
+        <p:spPr/>
+        <p:txBody>
+          <a:bodyPr/>
+          <a:lstStyle/>
+          <a:p>
+            <a:r>
+              <a:rPr lang="en-US" dirty="0"/>
+              <a:t>Border-top-left-radius</a:t>
+            </a:r>
+          </a:p>
+          <a:p>
+            <a:r>
+              <a:rPr lang="en-US" dirty="0"/>
+              <a:t>Border-top-right-radius</a:t>
+            </a:r>
+          </a:p>
+          <a:p>
+            <a:r>
+              <a:rPr lang="en-US" dirty="0"/>
+              <a:t>Border-bottom-right-radius</a:t>
+            </a:r>
+          </a:p>
+          <a:p>
+            <a:r>
+              <a:rPr lang="en-US" dirty="0"/>
+              <a:t>Border-bottom-left-radius</a:t>
+            </a:r>
+          </a:p>
+          <a:p>
+            <a:endParaRPr lang="en-US" dirty="0"/>
+          </a:p>
+          <a:p>
+            <a:pPr marL="0" indent="0">
+              <a:buNone/>
+            </a:pPr>
+            <a:r>
+              <a:rPr lang="en-US" dirty="0"/>
+              <a:t>Shorthand</a:t>
+            </a:r>
+          </a:p>
+          <a:p>
+            <a:pPr marL="0" indent="0">
+              <a:buNone/>
+            </a:pPr>
+            <a:endParaRPr lang="en-US" dirty="0"/>
+          </a:p>
+          <a:p>
+            <a:pPr marL="0" indent="0">
+              <a:buNone/>
+            </a:pPr>
+            <a:r>
+              <a:rPr lang="en-US" dirty="0"/>
+              <a:t>Border-radius</a:t>
+            </a:r>
+          </a:p>
+        </p:txBody>
+      </p:sp>
+    </p:spTree>
+    <p:extLst>
+      <p:ext uri="{BB962C8B-B14F-4D97-AF65-F5344CB8AC3E}">
+        <p14:creationId xmlns:p14="http://schemas.microsoft.com/office/powerpoint/2010/main" val="4205686701"/>
+      </p:ext>
+    </p:extLst>
+  </p:cSld>
+  <p:clrMapOvr>
+    <a:masterClrMapping/>
+  </p:clrMapOvr>
+</p:sld>
+</file>
+
+<file path=ppt/slides/slide33.xml><?xml version="1.0" encoding="utf-8"?>
+<p:sld xmlns:a="http://schemas.openxmlformats.org/drawingml/2006/main" xmlns:r="http://schemas.openxmlformats.org/officeDocument/2006/relationships" xmlns:p="http://schemas.openxmlformats.org/presentationml/2006/main">
+  <p:cSld>
+    <p:spTree>
+      <p:nvGrpSpPr>
+        <p:cNvPr id="1" name=""/>
+        <p:cNvGrpSpPr/>
+        <p:nvPr/>
+      </p:nvGrpSpPr>
+      <p:grpSpPr>
+        <a:xfrm>
+          <a:off x="0" y="0"/>
+          <a:ext cx="0" cy="0"/>
+          <a:chOff x="0" y="0"/>
+          <a:chExt cx="0" cy="0"/>
+        </a:xfrm>
+      </p:grpSpPr>
+      <p:sp>
+        <p:nvSpPr>
+          <p:cNvPr id="4" name="TextBox 3">
+            <a:extLst>
+              <a:ext uri="{FF2B5EF4-FFF2-40B4-BE49-F238E27FC236}">
+                <a16:creationId xmlns:a16="http://schemas.microsoft.com/office/drawing/2014/main" id="{419FCE9B-EE5D-72CE-D856-A9B38F6D9788}"/>
+              </a:ext>
+            </a:extLst>
+          </p:cNvPr>
+          <p:cNvSpPr txBox="1"/>
+          <p:nvPr/>
+        </p:nvSpPr>
+        <p:spPr>
+          <a:xfrm>
+            <a:off x="4484915" y="2075543"/>
+            <a:ext cx="3657600" cy="1754326"/>
+          </a:xfrm>
+          <a:prstGeom prst="rect">
+            <a:avLst/>
+          </a:prstGeom>
+          <a:noFill/>
+        </p:spPr>
+        <p:txBody>
+          <a:bodyPr wrap="square" rtlCol="0">
+            <a:spAutoFit/>
+          </a:bodyPr>
+          <a:lstStyle/>
+          <a:p>
+            <a:r>
+              <a:rPr lang="en-US" dirty="0"/>
+              <a:t>Sajdklasjdksakdjkljdkldsadlksajkdl;ksal;dkla;dkl;askdl;askdl;sakl;dksal;d</a:t>
+            </a:r>
+          </a:p>
+          <a:p>
+            <a:r>
+              <a:rPr lang="en-US" dirty="0"/>
+              <a:t>D;asjlkdjsakldjksaldjklsajdklsajdklajdklasjdkljsakldjskldjklsajdlas</a:t>
+            </a:r>
+          </a:p>
+          <a:p>
+            <a:r>
+              <a:rPr lang="en-US" dirty="0"/>
+              <a:t>,</a:t>
+            </a:r>
+            <a:r>
+              <a:rPr lang="en-US" dirty="0" err="1"/>
+              <a:t>asjdklsajdklsajkldjsakldjsakldjkls;a</a:t>
+            </a:r>
+            <a:endParaRPr lang="en-US" dirty="0"/>
+          </a:p>
+          <a:p>
+            <a:r>
+              <a:rPr lang="en-US" dirty="0" err="1"/>
+              <a:t>dklsajdklsajdklsajdklsajdlksjald</a:t>
+            </a:r>
+            <a:endParaRPr lang="en-US" dirty="0"/>
+          </a:p>
+        </p:txBody>
+      </p:sp>
+      <p:sp>
+        <p:nvSpPr>
+          <p:cNvPr id="5" name="Rectangle: Rounded Corners 4">
+            <a:extLst>
+              <a:ext uri="{FF2B5EF4-FFF2-40B4-BE49-F238E27FC236}">
+                <a16:creationId xmlns:a16="http://schemas.microsoft.com/office/drawing/2014/main" id="{2D76F4F3-A339-10E5-AC70-906C2593A33B}"/>
+              </a:ext>
+            </a:extLst>
+          </p:cNvPr>
+          <p:cNvSpPr/>
+          <p:nvPr/>
+        </p:nvSpPr>
+        <p:spPr>
+          <a:xfrm>
+            <a:off x="3548743" y="1596572"/>
+            <a:ext cx="5094514" cy="2452914"/>
+          </a:xfrm>
+          <a:prstGeom prst="roundRect">
+            <a:avLst>
+              <a:gd name="adj" fmla="val 21992"/>
+            </a:avLst>
+          </a:prstGeom>
+          <a:noFill/>
+        </p:spPr>
+        <p:style>
+          <a:lnRef idx="2">
+            <a:schemeClr val="accent1">
+              <a:shade val="50000"/>
+            </a:schemeClr>
+          </a:lnRef>
+          <a:fillRef idx="1">
+            <a:schemeClr val="accent1"/>
+          </a:fillRef>
+          <a:effectRef idx="0">
+            <a:schemeClr val="accent1"/>
+          </a:effectRef>
+          <a:fontRef idx="minor">
+            <a:schemeClr val="lt1"/>
+          </a:fontRef>
+        </p:style>
+        <p:txBody>
+          <a:bodyPr rtlCol="0" anchor="ctr"/>
+          <a:lstStyle/>
+          <a:p>
+            <a:pPr algn="ctr"/>
+            <a:endParaRPr lang="en-US"/>
+          </a:p>
+        </p:txBody>
+      </p:sp>
+      <p:sp>
+        <p:nvSpPr>
+          <p:cNvPr id="6" name="TextBox 5">
+            <a:extLst>
+              <a:ext uri="{FF2B5EF4-FFF2-40B4-BE49-F238E27FC236}">
+                <a16:creationId xmlns:a16="http://schemas.microsoft.com/office/drawing/2014/main" id="{2436986F-FE96-F20E-C6E0-6A70EFB458F6}"/>
+              </a:ext>
+            </a:extLst>
+          </p:cNvPr>
+          <p:cNvSpPr txBox="1"/>
+          <p:nvPr/>
+        </p:nvSpPr>
+        <p:spPr>
+          <a:xfrm>
+            <a:off x="3222171" y="1465943"/>
+            <a:ext cx="301686" cy="369332"/>
+          </a:xfrm>
+          <a:prstGeom prst="rect">
+            <a:avLst/>
+          </a:prstGeom>
+          <a:noFill/>
+        </p:spPr>
+        <p:txBody>
+          <a:bodyPr wrap="none" rtlCol="0">
+            <a:spAutoFit/>
+          </a:bodyPr>
+          <a:lstStyle/>
+          <a:p>
+            <a:r>
+              <a:rPr lang="en-US" dirty="0"/>
+              <a:t>1</a:t>
+            </a:r>
+          </a:p>
+        </p:txBody>
+      </p:sp>
+      <p:sp>
+        <p:nvSpPr>
+          <p:cNvPr id="7" name="TextBox 6">
+            <a:extLst>
+              <a:ext uri="{FF2B5EF4-FFF2-40B4-BE49-F238E27FC236}">
+                <a16:creationId xmlns:a16="http://schemas.microsoft.com/office/drawing/2014/main" id="{F7C90F7E-5C1B-80C1-4B88-502DF85F89B0}"/>
+              </a:ext>
+            </a:extLst>
+          </p:cNvPr>
+          <p:cNvSpPr txBox="1"/>
+          <p:nvPr/>
+        </p:nvSpPr>
+        <p:spPr>
+          <a:xfrm>
+            <a:off x="8795657" y="1727200"/>
+            <a:ext cx="301686" cy="369332"/>
+          </a:xfrm>
+          <a:prstGeom prst="rect">
+            <a:avLst/>
+          </a:prstGeom>
+          <a:noFill/>
+        </p:spPr>
+        <p:txBody>
+          <a:bodyPr wrap="none" rtlCol="0">
+            <a:spAutoFit/>
+          </a:bodyPr>
+          <a:lstStyle/>
+          <a:p>
+            <a:r>
+              <a:rPr lang="en-US" dirty="0"/>
+              <a:t>2</a:t>
+            </a:r>
+          </a:p>
+        </p:txBody>
+      </p:sp>
+      <p:sp>
+        <p:nvSpPr>
+          <p:cNvPr id="8" name="TextBox 7">
+            <a:extLst>
+              <a:ext uri="{FF2B5EF4-FFF2-40B4-BE49-F238E27FC236}">
+                <a16:creationId xmlns:a16="http://schemas.microsoft.com/office/drawing/2014/main" id="{9B011612-C329-C369-D25D-0A8FB4F797CA}"/>
+              </a:ext>
+            </a:extLst>
+          </p:cNvPr>
+          <p:cNvSpPr txBox="1"/>
+          <p:nvPr/>
+        </p:nvSpPr>
+        <p:spPr>
+          <a:xfrm>
+            <a:off x="3197285" y="4209143"/>
+            <a:ext cx="301686" cy="369332"/>
+          </a:xfrm>
+          <a:prstGeom prst="rect">
+            <a:avLst/>
+          </a:prstGeom>
+          <a:noFill/>
+        </p:spPr>
+        <p:txBody>
+          <a:bodyPr wrap="none" rtlCol="0">
+            <a:spAutoFit/>
+          </a:bodyPr>
+          <a:lstStyle/>
+          <a:p>
+            <a:r>
+              <a:rPr lang="en-US" dirty="0"/>
+              <a:t>4</a:t>
+            </a:r>
+          </a:p>
+        </p:txBody>
+      </p:sp>
+      <p:sp>
+        <p:nvSpPr>
+          <p:cNvPr id="9" name="TextBox 8">
+            <a:extLst>
+              <a:ext uri="{FF2B5EF4-FFF2-40B4-BE49-F238E27FC236}">
+                <a16:creationId xmlns:a16="http://schemas.microsoft.com/office/drawing/2014/main" id="{4C87538A-028B-E825-E0B6-2CCFE5BFDD1B}"/>
+              </a:ext>
+            </a:extLst>
+          </p:cNvPr>
+          <p:cNvSpPr txBox="1"/>
+          <p:nvPr/>
+        </p:nvSpPr>
+        <p:spPr>
+          <a:xfrm>
+            <a:off x="8946500" y="4049486"/>
+            <a:ext cx="301686" cy="369332"/>
+          </a:xfrm>
+          <a:prstGeom prst="rect">
+            <a:avLst/>
+          </a:prstGeom>
+          <a:noFill/>
+        </p:spPr>
+        <p:txBody>
+          <a:bodyPr wrap="none" rtlCol="0">
+            <a:spAutoFit/>
+          </a:bodyPr>
+          <a:lstStyle/>
+          <a:p>
+            <a:r>
+              <a:rPr lang="en-US" dirty="0"/>
+              <a:t>3</a:t>
+            </a:r>
+          </a:p>
+        </p:txBody>
+      </p:sp>
+      <p:sp>
+        <p:nvSpPr>
+          <p:cNvPr id="10" name="TextBox 9">
+            <a:extLst>
+              <a:ext uri="{FF2B5EF4-FFF2-40B4-BE49-F238E27FC236}">
+                <a16:creationId xmlns:a16="http://schemas.microsoft.com/office/drawing/2014/main" id="{27001C58-94D8-001B-4925-456D82D3FFE6}"/>
+              </a:ext>
+            </a:extLst>
+          </p:cNvPr>
+          <p:cNvSpPr txBox="1"/>
+          <p:nvPr/>
+        </p:nvSpPr>
+        <p:spPr>
+          <a:xfrm>
+            <a:off x="4267200" y="5602514"/>
+            <a:ext cx="3607975" cy="369332"/>
+          </a:xfrm>
+          <a:prstGeom prst="rect">
+            <a:avLst/>
+          </a:prstGeom>
+          <a:noFill/>
+        </p:spPr>
+        <p:txBody>
+          <a:bodyPr wrap="none" rtlCol="0">
+            <a:spAutoFit/>
+          </a:bodyPr>
+          <a:lstStyle/>
+          <a:p>
+            <a:r>
+              <a:rPr lang="en-US" dirty="0"/>
+              <a:t>Border-radius: 20px 30px 50px 10px;</a:t>
+            </a:r>
+          </a:p>
+        </p:txBody>
+      </p:sp>
+    </p:spTree>
+    <p:extLst>
+      <p:ext uri="{BB962C8B-B14F-4D97-AF65-F5344CB8AC3E}">
+        <p14:creationId xmlns:p14="http://schemas.microsoft.com/office/powerpoint/2010/main" val="1450208132"/>
+      </p:ext>
+    </p:extLst>
+  </p:cSld>
+  <p:clrMapOvr>
+    <a:masterClrMapping/>
+  </p:clrMapOvr>
+</p:sld>
+</file>
+
+<file path=ppt/slides/slide34.xml><?xml version="1.0" encoding="utf-8"?>
+<p:sld xmlns:a="http://schemas.openxmlformats.org/drawingml/2006/main" xmlns:r="http://schemas.openxmlformats.org/officeDocument/2006/relationships" xmlns:p="http://schemas.openxmlformats.org/presentationml/2006/main">
+  <p:cSld>
+    <p:spTree>
+      <p:nvGrpSpPr>
+        <p:cNvPr id="1" name=""/>
+        <p:cNvGrpSpPr/>
+        <p:nvPr/>
+      </p:nvGrpSpPr>
+      <p:grpSpPr>
+        <a:xfrm>
+          <a:off x="0" y="0"/>
+          <a:ext cx="0" cy="0"/>
+          <a:chOff x="0" y="0"/>
+          <a:chExt cx="0" cy="0"/>
+        </a:xfrm>
+      </p:grpSpPr>
+      <p:sp>
+        <p:nvSpPr>
+          <p:cNvPr id="2" name="Title 1">
+            <a:extLst>
+              <a:ext uri="{FF2B5EF4-FFF2-40B4-BE49-F238E27FC236}">
+                <a16:creationId xmlns:a16="http://schemas.microsoft.com/office/drawing/2014/main" id="{2E65EA90-E87A-0003-B446-9D6171F1B4A8}"/>
+              </a:ext>
+            </a:extLst>
+          </p:cNvPr>
+          <p:cNvSpPr>
+            <a:spLocks noGrp="1"/>
+          </p:cNvSpPr>
+          <p:nvPr>
+            <p:ph type="title"/>
+          </p:nvPr>
+        </p:nvSpPr>
+        <p:spPr/>
+        <p:txBody>
+          <a:bodyPr/>
+          <a:lstStyle/>
+          <a:p>
+            <a:r>
+              <a:rPr lang="en-US" dirty="0"/>
+              <a:t>Box-Shadow</a:t>
+            </a:r>
+          </a:p>
+        </p:txBody>
+      </p:sp>
+      <p:sp>
+        <p:nvSpPr>
+          <p:cNvPr id="4" name="Rectangle 3">
+            <a:extLst>
+              <a:ext uri="{FF2B5EF4-FFF2-40B4-BE49-F238E27FC236}">
+                <a16:creationId xmlns:a16="http://schemas.microsoft.com/office/drawing/2014/main" id="{76700A0B-530E-0CB8-ED75-A1DCA0D94FBF}"/>
+              </a:ext>
+            </a:extLst>
+          </p:cNvPr>
+          <p:cNvSpPr/>
+          <p:nvPr/>
+        </p:nvSpPr>
+        <p:spPr>
+          <a:xfrm>
+            <a:off x="3526971" y="1690688"/>
+            <a:ext cx="4659086" cy="1738312"/>
+          </a:xfrm>
+          <a:prstGeom prst="rect">
+            <a:avLst/>
+          </a:prstGeom>
+          <a:effectLst>
+            <a:outerShdw blurRad="50800" dist="38100" dir="18900000" algn="bl" rotWithShape="0">
+              <a:prstClr val="black">
+                <a:alpha val="40000"/>
+              </a:prstClr>
+            </a:outerShdw>
+          </a:effectLst>
+        </p:spPr>
+        <p:style>
+          <a:lnRef idx="2">
+            <a:schemeClr val="accent1">
+              <a:shade val="50000"/>
+            </a:schemeClr>
+          </a:lnRef>
+          <a:fillRef idx="1">
+            <a:schemeClr val="accent1"/>
+          </a:fillRef>
+          <a:effectRef idx="0">
+            <a:schemeClr val="accent1"/>
+          </a:effectRef>
+          <a:fontRef idx="minor">
+            <a:schemeClr val="lt1"/>
+          </a:fontRef>
+        </p:style>
+        <p:txBody>
+          <a:bodyPr rtlCol="0" anchor="ctr"/>
+          <a:lstStyle/>
+          <a:p>
+            <a:pPr algn="ctr"/>
+            <a:r>
+              <a:rPr lang="en-US" dirty="0"/>
+              <a:t>sadmasdhashdjashdkaskldsakldjklsadjklsajdklsakdlasjkldjsakldjklsadklsadklsajdklsajkldjkldjaskldjkslajdklsajdklsajdklsjakldjsakldklsad</a:t>
+            </a:r>
+          </a:p>
+        </p:txBody>
+      </p:sp>
+      <p:sp>
+        <p:nvSpPr>
+          <p:cNvPr id="5" name="TextBox 4">
+            <a:extLst>
+              <a:ext uri="{FF2B5EF4-FFF2-40B4-BE49-F238E27FC236}">
+                <a16:creationId xmlns:a16="http://schemas.microsoft.com/office/drawing/2014/main" id="{CC88BA4C-1595-A6FD-7913-1C54B9A343F3}"/>
+              </a:ext>
+            </a:extLst>
+          </p:cNvPr>
+          <p:cNvSpPr txBox="1"/>
+          <p:nvPr/>
+        </p:nvSpPr>
+        <p:spPr>
+          <a:xfrm>
+            <a:off x="3176450" y="5167312"/>
+            <a:ext cx="5839099" cy="523220"/>
+          </a:xfrm>
+          <a:prstGeom prst="rect">
+            <a:avLst/>
+          </a:prstGeom>
+          <a:noFill/>
+        </p:spPr>
+        <p:txBody>
+          <a:bodyPr wrap="none" rtlCol="0">
+            <a:spAutoFit/>
+          </a:bodyPr>
+          <a:lstStyle/>
+          <a:p>
+            <a:r>
+              <a:rPr lang="en-US" sz="2800" dirty="0"/>
+              <a:t>Box-shadow: 2px </a:t>
+            </a:r>
+            <a:r>
+              <a:rPr lang="en-US" sz="2800" dirty="0" err="1"/>
+              <a:t>2px</a:t>
+            </a:r>
+            <a:r>
+              <a:rPr lang="en-US" sz="2800" dirty="0"/>
+              <a:t> 5px 10px orange;</a:t>
+            </a:r>
+          </a:p>
+        </p:txBody>
+      </p:sp>
+      <p:grpSp>
+        <p:nvGrpSpPr>
+          <p:cNvPr id="9" name="Group 8">
+            <a:extLst>
+              <a:ext uri="{FF2B5EF4-FFF2-40B4-BE49-F238E27FC236}">
+                <a16:creationId xmlns:a16="http://schemas.microsoft.com/office/drawing/2014/main" id="{84D27349-A92E-EDF5-9DF0-9AE493BBFF7C}"/>
+              </a:ext>
+            </a:extLst>
+          </p:cNvPr>
+          <p:cNvGrpSpPr/>
+          <p:nvPr/>
+        </p:nvGrpSpPr>
+        <p:grpSpPr>
+          <a:xfrm>
+            <a:off x="4966062" y="4274760"/>
+            <a:ext cx="1563191" cy="892552"/>
+            <a:chOff x="4966062" y="4274760"/>
+            <a:chExt cx="1563191" cy="892552"/>
+          </a:xfrm>
+        </p:grpSpPr>
+        <p:cxnSp>
+          <p:nvCxnSpPr>
+            <p:cNvPr id="7" name="Straight Arrow Connector 6">
+              <a:extLst>
+                <a:ext uri="{FF2B5EF4-FFF2-40B4-BE49-F238E27FC236}">
+                  <a16:creationId xmlns:a16="http://schemas.microsoft.com/office/drawing/2014/main" id="{50D55269-58DD-B3BE-8902-EE6AEE09BF74}"/>
+                </a:ext>
+              </a:extLst>
+            </p:cNvPr>
+            <p:cNvCxnSpPr/>
+            <p:nvPr/>
+          </p:nvCxnSpPr>
+          <p:spPr>
+            <a:xfrm>
+              <a:off x="5355771" y="4688114"/>
+              <a:ext cx="0" cy="479198"/>
+            </a:xfrm>
+            <a:prstGeom prst="straightConnector1">
+              <a:avLst/>
+            </a:prstGeom>
+            <a:ln>
+              <a:tailEnd type="triangle"/>
+            </a:ln>
+          </p:spPr>
+          <p:style>
+            <a:lnRef idx="1">
+              <a:schemeClr val="dk1"/>
+            </a:lnRef>
+            <a:fillRef idx="0">
+              <a:schemeClr val="dk1"/>
+            </a:fillRef>
+            <a:effectRef idx="0">
+              <a:schemeClr val="dk1"/>
+            </a:effectRef>
+            <a:fontRef idx="minor">
+              <a:schemeClr val="tx1"/>
+            </a:fontRef>
+          </p:style>
+        </p:cxnSp>
+        <p:sp>
+          <p:nvSpPr>
+            <p:cNvPr id="8" name="TextBox 7">
+              <a:extLst>
+                <a:ext uri="{FF2B5EF4-FFF2-40B4-BE49-F238E27FC236}">
+                  <a16:creationId xmlns:a16="http://schemas.microsoft.com/office/drawing/2014/main" id="{8697A3A8-35FE-0E76-59D4-3F8A2772BAA7}"/>
+                </a:ext>
+              </a:extLst>
+            </p:cNvPr>
+            <p:cNvSpPr txBox="1"/>
+            <p:nvPr/>
+          </p:nvSpPr>
+          <p:spPr>
+            <a:xfrm flipH="1">
+              <a:off x="4966062" y="4274760"/>
+              <a:ext cx="1563191" cy="369332"/>
+            </a:xfrm>
+            <a:prstGeom prst="rect">
+              <a:avLst/>
+            </a:prstGeom>
+            <a:noFill/>
+          </p:spPr>
+          <p:txBody>
+            <a:bodyPr wrap="square" rtlCol="0">
+              <a:spAutoFit/>
+            </a:bodyPr>
+            <a:lstStyle/>
+            <a:p>
+              <a:r>
+                <a:rPr lang="en-US" dirty="0"/>
+                <a:t>H-offset</a:t>
+              </a:r>
+            </a:p>
+          </p:txBody>
+        </p:sp>
+      </p:grpSp>
+      <p:grpSp>
+        <p:nvGrpSpPr>
+          <p:cNvPr id="10" name="Group 9">
+            <a:extLst>
+              <a:ext uri="{FF2B5EF4-FFF2-40B4-BE49-F238E27FC236}">
+                <a16:creationId xmlns:a16="http://schemas.microsoft.com/office/drawing/2014/main" id="{5B0C6BBC-69E7-0796-226F-5F3B993A198A}"/>
+              </a:ext>
+            </a:extLst>
+          </p:cNvPr>
+          <p:cNvGrpSpPr/>
+          <p:nvPr/>
+        </p:nvGrpSpPr>
+        <p:grpSpPr>
+          <a:xfrm rot="11212204">
+            <a:off x="4789715" y="5780820"/>
+            <a:ext cx="1563191" cy="892552"/>
+            <a:chOff x="4966062" y="4274760"/>
+            <a:chExt cx="1563191" cy="892552"/>
+          </a:xfrm>
+        </p:grpSpPr>
+        <p:cxnSp>
+          <p:nvCxnSpPr>
+            <p:cNvPr id="11" name="Straight Arrow Connector 10">
+              <a:extLst>
+                <a:ext uri="{FF2B5EF4-FFF2-40B4-BE49-F238E27FC236}">
+                  <a16:creationId xmlns:a16="http://schemas.microsoft.com/office/drawing/2014/main" id="{733D784C-0A29-AD56-6810-16125459CCC8}"/>
+                </a:ext>
+              </a:extLst>
+            </p:cNvPr>
+            <p:cNvCxnSpPr/>
+            <p:nvPr/>
+          </p:nvCxnSpPr>
+          <p:spPr>
+            <a:xfrm>
+              <a:off x="5355771" y="4688114"/>
+              <a:ext cx="0" cy="479198"/>
+            </a:xfrm>
+            <a:prstGeom prst="straightConnector1">
+              <a:avLst/>
+            </a:prstGeom>
+            <a:ln>
+              <a:tailEnd type="triangle"/>
+            </a:ln>
+          </p:spPr>
+          <p:style>
+            <a:lnRef idx="1">
+              <a:schemeClr val="dk1"/>
+            </a:lnRef>
+            <a:fillRef idx="0">
+              <a:schemeClr val="dk1"/>
+            </a:fillRef>
+            <a:effectRef idx="0">
+              <a:schemeClr val="dk1"/>
+            </a:effectRef>
+            <a:fontRef idx="minor">
+              <a:schemeClr val="tx1"/>
+            </a:fontRef>
+          </p:style>
+        </p:cxnSp>
+        <p:sp>
+          <p:nvSpPr>
+            <p:cNvPr id="12" name="TextBox 11">
+              <a:extLst>
+                <a:ext uri="{FF2B5EF4-FFF2-40B4-BE49-F238E27FC236}">
+                  <a16:creationId xmlns:a16="http://schemas.microsoft.com/office/drawing/2014/main" id="{A1877C90-8020-B9D7-39B4-874FE81EDA8E}"/>
+                </a:ext>
+              </a:extLst>
+            </p:cNvPr>
+            <p:cNvSpPr txBox="1"/>
+            <p:nvPr/>
+          </p:nvSpPr>
+          <p:spPr>
+            <a:xfrm flipH="1">
+              <a:off x="4966062" y="4274760"/>
+              <a:ext cx="1563191" cy="369332"/>
+            </a:xfrm>
+            <a:prstGeom prst="rect">
+              <a:avLst/>
+            </a:prstGeom>
+            <a:noFill/>
+          </p:spPr>
+          <p:txBody>
+            <a:bodyPr wrap="square" rtlCol="0">
+              <a:spAutoFit/>
+            </a:bodyPr>
+            <a:lstStyle/>
+            <a:p>
+              <a:r>
+                <a:rPr lang="en-US" dirty="0"/>
+                <a:t>V-offset</a:t>
+              </a:r>
+            </a:p>
+          </p:txBody>
+        </p:sp>
+      </p:grpSp>
+      <p:grpSp>
+        <p:nvGrpSpPr>
+          <p:cNvPr id="13" name="Group 12">
+            <a:extLst>
+              <a:ext uri="{FF2B5EF4-FFF2-40B4-BE49-F238E27FC236}">
+                <a16:creationId xmlns:a16="http://schemas.microsoft.com/office/drawing/2014/main" id="{A2DDBFA5-BA86-5CDB-B1C4-B0B7BB5AFB74}"/>
+              </a:ext>
+            </a:extLst>
+          </p:cNvPr>
+          <p:cNvGrpSpPr/>
+          <p:nvPr/>
+        </p:nvGrpSpPr>
+        <p:grpSpPr>
+          <a:xfrm>
+            <a:off x="6338091" y="4274760"/>
+            <a:ext cx="1563191" cy="892552"/>
+            <a:chOff x="4966062" y="4274760"/>
+            <a:chExt cx="1563191" cy="892552"/>
+          </a:xfrm>
+        </p:grpSpPr>
+        <p:cxnSp>
+          <p:nvCxnSpPr>
+            <p:cNvPr id="14" name="Straight Arrow Connector 13">
+              <a:extLst>
+                <a:ext uri="{FF2B5EF4-FFF2-40B4-BE49-F238E27FC236}">
+                  <a16:creationId xmlns:a16="http://schemas.microsoft.com/office/drawing/2014/main" id="{BF039973-DF52-76CD-8704-0E5989BEAD99}"/>
+                </a:ext>
+              </a:extLst>
+            </p:cNvPr>
+            <p:cNvCxnSpPr/>
+            <p:nvPr/>
+          </p:nvCxnSpPr>
+          <p:spPr>
+            <a:xfrm>
+              <a:off x="5355771" y="4688114"/>
+              <a:ext cx="0" cy="479198"/>
+            </a:xfrm>
+            <a:prstGeom prst="straightConnector1">
+              <a:avLst/>
+            </a:prstGeom>
+            <a:ln>
+              <a:tailEnd type="triangle"/>
+            </a:ln>
+          </p:spPr>
+          <p:style>
+            <a:lnRef idx="1">
+              <a:schemeClr val="dk1"/>
+            </a:lnRef>
+            <a:fillRef idx="0">
+              <a:schemeClr val="dk1"/>
+            </a:fillRef>
+            <a:effectRef idx="0">
+              <a:schemeClr val="dk1"/>
+            </a:effectRef>
+            <a:fontRef idx="minor">
+              <a:schemeClr val="tx1"/>
+            </a:fontRef>
+          </p:style>
+        </p:cxnSp>
+        <p:sp>
+          <p:nvSpPr>
+            <p:cNvPr id="15" name="TextBox 14">
+              <a:extLst>
+                <a:ext uri="{FF2B5EF4-FFF2-40B4-BE49-F238E27FC236}">
+                  <a16:creationId xmlns:a16="http://schemas.microsoft.com/office/drawing/2014/main" id="{7B582AB0-FADD-82E1-EDA4-D0F6C124E5F3}"/>
+                </a:ext>
+              </a:extLst>
+            </p:cNvPr>
+            <p:cNvSpPr txBox="1"/>
+            <p:nvPr/>
+          </p:nvSpPr>
+          <p:spPr>
+            <a:xfrm flipH="1">
+              <a:off x="4966062" y="4274760"/>
+              <a:ext cx="1563191" cy="369332"/>
+            </a:xfrm>
+            <a:prstGeom prst="rect">
+              <a:avLst/>
+            </a:prstGeom>
+            <a:noFill/>
+          </p:spPr>
+          <p:txBody>
+            <a:bodyPr wrap="square" rtlCol="0">
+              <a:spAutoFit/>
+            </a:bodyPr>
+            <a:lstStyle/>
+            <a:p>
+              <a:r>
+                <a:rPr lang="en-US" dirty="0"/>
+                <a:t>blur</a:t>
+              </a:r>
+            </a:p>
+          </p:txBody>
+        </p:sp>
+      </p:grpSp>
+      <p:grpSp>
+        <p:nvGrpSpPr>
+          <p:cNvPr id="16" name="Group 15">
+            <a:extLst>
+              <a:ext uri="{FF2B5EF4-FFF2-40B4-BE49-F238E27FC236}">
+                <a16:creationId xmlns:a16="http://schemas.microsoft.com/office/drawing/2014/main" id="{2494F210-C06D-3B90-6DF5-A5B0A1A8B5B6}"/>
+              </a:ext>
+            </a:extLst>
+          </p:cNvPr>
+          <p:cNvGrpSpPr/>
+          <p:nvPr/>
+        </p:nvGrpSpPr>
+        <p:grpSpPr>
+          <a:xfrm rot="11212204">
+            <a:off x="6290320" y="5581073"/>
+            <a:ext cx="1563191" cy="892552"/>
+            <a:chOff x="4966062" y="4274760"/>
+            <a:chExt cx="1563191" cy="892552"/>
+          </a:xfrm>
+        </p:grpSpPr>
+        <p:cxnSp>
+          <p:nvCxnSpPr>
+            <p:cNvPr id="17" name="Straight Arrow Connector 16">
+              <a:extLst>
+                <a:ext uri="{FF2B5EF4-FFF2-40B4-BE49-F238E27FC236}">
+                  <a16:creationId xmlns:a16="http://schemas.microsoft.com/office/drawing/2014/main" id="{6741578E-1DA7-7563-2684-F204283E2E56}"/>
+                </a:ext>
+              </a:extLst>
+            </p:cNvPr>
+            <p:cNvCxnSpPr/>
+            <p:nvPr/>
+          </p:nvCxnSpPr>
+          <p:spPr>
+            <a:xfrm>
+              <a:off x="5355771" y="4688114"/>
+              <a:ext cx="0" cy="479198"/>
+            </a:xfrm>
+            <a:prstGeom prst="straightConnector1">
+              <a:avLst/>
+            </a:prstGeom>
+            <a:ln>
+              <a:tailEnd type="triangle"/>
+            </a:ln>
+          </p:spPr>
+          <p:style>
+            <a:lnRef idx="1">
+              <a:schemeClr val="dk1"/>
+            </a:lnRef>
+            <a:fillRef idx="0">
+              <a:schemeClr val="dk1"/>
+            </a:fillRef>
+            <a:effectRef idx="0">
+              <a:schemeClr val="dk1"/>
+            </a:effectRef>
+            <a:fontRef idx="minor">
+              <a:schemeClr val="tx1"/>
+            </a:fontRef>
+          </p:style>
+        </p:cxnSp>
+        <p:sp>
+          <p:nvSpPr>
+            <p:cNvPr id="18" name="TextBox 17">
+              <a:extLst>
+                <a:ext uri="{FF2B5EF4-FFF2-40B4-BE49-F238E27FC236}">
+                  <a16:creationId xmlns:a16="http://schemas.microsoft.com/office/drawing/2014/main" id="{0616448D-9450-9943-A900-9D458C27AACB}"/>
+                </a:ext>
+              </a:extLst>
+            </p:cNvPr>
+            <p:cNvSpPr txBox="1"/>
+            <p:nvPr/>
+          </p:nvSpPr>
+          <p:spPr>
+            <a:xfrm flipH="1">
+              <a:off x="4966062" y="4274760"/>
+              <a:ext cx="1563191" cy="369332"/>
+            </a:xfrm>
+            <a:prstGeom prst="rect">
+              <a:avLst/>
+            </a:prstGeom>
+            <a:noFill/>
+          </p:spPr>
+          <p:txBody>
+            <a:bodyPr wrap="square" rtlCol="0">
+              <a:spAutoFit/>
+            </a:bodyPr>
+            <a:lstStyle/>
+            <a:p>
+              <a:r>
+                <a:rPr lang="en-US" dirty="0"/>
+                <a:t>spread</a:t>
+              </a:r>
+            </a:p>
+          </p:txBody>
+        </p:sp>
+      </p:grpSp>
+    </p:spTree>
+    <p:extLst>
+      <p:ext uri="{BB962C8B-B14F-4D97-AF65-F5344CB8AC3E}">
+        <p14:creationId xmlns:p14="http://schemas.microsoft.com/office/powerpoint/2010/main" val="725279594"/>
+      </p:ext>
+    </p:extLst>
+  </p:cSld>
+  <p:clrMapOvr>
+    <a:masterClrMapping/>
+  </p:clrMapOvr>
+</p:sld>
+</file>
+
+<file path=ppt/slides/slide35.xml><?xml version="1.0" encoding="utf-8"?>
+<p:sld xmlns:a="http://schemas.openxmlformats.org/drawingml/2006/main" xmlns:r="http://schemas.openxmlformats.org/officeDocument/2006/relationships" xmlns:p="http://schemas.openxmlformats.org/presentationml/2006/main">
+  <p:cSld>
+    <p:spTree>
+      <p:nvGrpSpPr>
+        <p:cNvPr id="1" name=""/>
+        <p:cNvGrpSpPr/>
+        <p:nvPr/>
+      </p:nvGrpSpPr>
+      <p:grpSpPr>
+        <a:xfrm>
+          <a:off x="0" y="0"/>
+          <a:ext cx="0" cy="0"/>
+          <a:chOff x="0" y="0"/>
+          <a:chExt cx="0" cy="0"/>
+        </a:xfrm>
+      </p:grpSpPr>
+      <p:sp>
+        <p:nvSpPr>
+          <p:cNvPr id="2" name="Title 1">
+            <a:extLst>
+              <a:ext uri="{FF2B5EF4-FFF2-40B4-BE49-F238E27FC236}">
+                <a16:creationId xmlns:a16="http://schemas.microsoft.com/office/drawing/2014/main" id="{517E08CB-AE90-0E15-7BC6-CEE3BA2D2CC9}"/>
+              </a:ext>
+            </a:extLst>
+          </p:cNvPr>
+          <p:cNvSpPr>
+            <a:spLocks noGrp="1"/>
+          </p:cNvSpPr>
+          <p:nvPr>
+            <p:ph type="title"/>
+          </p:nvPr>
+        </p:nvSpPr>
+        <p:spPr>
+          <a:xfrm>
+            <a:off x="838200" y="365126"/>
+            <a:ext cx="10515600" cy="723446"/>
+          </a:xfrm>
+        </p:spPr>
+        <p:txBody>
+          <a:bodyPr/>
+          <a:lstStyle/>
+          <a:p>
+            <a:r>
+              <a:rPr lang="en-US" dirty="0"/>
+              <a:t>CSS: Float</a:t>
+            </a:r>
+          </a:p>
+        </p:txBody>
+      </p:sp>
+      <p:sp>
+        <p:nvSpPr>
+          <p:cNvPr id="4" name="Rectangle 3">
+            <a:extLst>
+              <a:ext uri="{FF2B5EF4-FFF2-40B4-BE49-F238E27FC236}">
+                <a16:creationId xmlns:a16="http://schemas.microsoft.com/office/drawing/2014/main" id="{50A2CCE7-D2EC-F26F-A089-606A4804DA35}"/>
+              </a:ext>
+            </a:extLst>
+          </p:cNvPr>
+          <p:cNvSpPr/>
+          <p:nvPr/>
+        </p:nvSpPr>
+        <p:spPr>
+          <a:xfrm>
+            <a:off x="1277257" y="1465943"/>
+            <a:ext cx="3875314" cy="1963057"/>
+          </a:xfrm>
+          <a:prstGeom prst="rect">
+            <a:avLst/>
+          </a:prstGeom>
+        </p:spPr>
+        <p:style>
+          <a:lnRef idx="2">
+            <a:schemeClr val="accent1">
+              <a:shade val="50000"/>
+            </a:schemeClr>
+          </a:lnRef>
+          <a:fillRef idx="1">
+            <a:schemeClr val="accent1"/>
+          </a:fillRef>
+          <a:effectRef idx="0">
+            <a:schemeClr val="accent1"/>
+          </a:effectRef>
+          <a:fontRef idx="minor">
+            <a:schemeClr val="lt1"/>
+          </a:fontRef>
+        </p:style>
+        <p:txBody>
+          <a:bodyPr rtlCol="0" anchor="ctr"/>
+          <a:lstStyle/>
+          <a:p>
+            <a:pPr algn="ctr"/>
+            <a:r>
+              <a:rPr lang="en-US" dirty="0"/>
+              <a:t>kljdsalkdjksadklskldsjkldjsakldjklsadsdlksjkldjsalkdjsakldjklsajdklsajdklsajkdljsakldjslkdjklsajdklsajdklsajdkljsakldjslkdjklsajdklsajdklsajdklas</a:t>
+            </a:r>
+          </a:p>
+        </p:txBody>
+      </p:sp>
+      <p:sp>
+        <p:nvSpPr>
+          <p:cNvPr id="5" name="Rectangle 4">
+            <a:extLst>
+              <a:ext uri="{FF2B5EF4-FFF2-40B4-BE49-F238E27FC236}">
+                <a16:creationId xmlns:a16="http://schemas.microsoft.com/office/drawing/2014/main" id="{DB5E0C90-D8D6-97FD-3ED3-F993F7738F19}"/>
+              </a:ext>
+            </a:extLst>
+          </p:cNvPr>
+          <p:cNvSpPr/>
+          <p:nvPr/>
+        </p:nvSpPr>
+        <p:spPr>
+          <a:xfrm>
+            <a:off x="7478486" y="1465943"/>
+            <a:ext cx="3875314" cy="1963057"/>
+          </a:xfrm>
+          <a:prstGeom prst="rect">
+            <a:avLst/>
+          </a:prstGeom>
+        </p:spPr>
+        <p:style>
+          <a:lnRef idx="2">
+            <a:schemeClr val="accent1">
+              <a:shade val="50000"/>
+            </a:schemeClr>
+          </a:lnRef>
+          <a:fillRef idx="1">
+            <a:schemeClr val="accent1"/>
+          </a:fillRef>
+          <a:effectRef idx="0">
+            <a:schemeClr val="accent1"/>
+          </a:effectRef>
+          <a:fontRef idx="minor">
+            <a:schemeClr val="lt1"/>
+          </a:fontRef>
+        </p:style>
+        <p:txBody>
+          <a:bodyPr rtlCol="0" anchor="ctr"/>
+          <a:lstStyle/>
+          <a:p>
+            <a:pPr algn="ctr"/>
+            <a:r>
+              <a:rPr lang="en-US" dirty="0"/>
+              <a:t>kljdsalkdjksadklskldsjkldjsakldjklsadsdlksjkldjsalkdjsakldjklsajdklsajdklsajkdljsakldjslkdjklsajdklsajdklsajdkljsakldjslkdjklsajdklsajdklsajdklas</a:t>
+            </a:r>
+          </a:p>
+        </p:txBody>
+      </p:sp>
+      <p:sp>
+        <p:nvSpPr>
+          <p:cNvPr id="6" name="TextBox 5">
+            <a:extLst>
+              <a:ext uri="{FF2B5EF4-FFF2-40B4-BE49-F238E27FC236}">
+                <a16:creationId xmlns:a16="http://schemas.microsoft.com/office/drawing/2014/main" id="{06F09D55-754A-EB0E-70CC-70D8AAB93444}"/>
+              </a:ext>
+            </a:extLst>
+          </p:cNvPr>
+          <p:cNvSpPr txBox="1"/>
+          <p:nvPr/>
+        </p:nvSpPr>
+        <p:spPr>
+          <a:xfrm>
+            <a:off x="2104571" y="3947886"/>
+            <a:ext cx="1079783" cy="369332"/>
+          </a:xfrm>
+          <a:prstGeom prst="rect">
+            <a:avLst/>
+          </a:prstGeom>
+          <a:noFill/>
+        </p:spPr>
+        <p:txBody>
+          <a:bodyPr wrap="none" rtlCol="0">
+            <a:spAutoFit/>
+          </a:bodyPr>
+          <a:lstStyle/>
+          <a:p>
+            <a:r>
+              <a:rPr lang="en-US" dirty="0"/>
+              <a:t>Float: left</a:t>
+            </a:r>
+          </a:p>
+        </p:txBody>
+      </p:sp>
+      <p:sp>
+        <p:nvSpPr>
+          <p:cNvPr id="7" name="TextBox 6">
+            <a:extLst>
+              <a:ext uri="{FF2B5EF4-FFF2-40B4-BE49-F238E27FC236}">
+                <a16:creationId xmlns:a16="http://schemas.microsoft.com/office/drawing/2014/main" id="{C9DDBCC6-2EA5-5E35-49A1-FD195D48F63A}"/>
+              </a:ext>
+            </a:extLst>
+          </p:cNvPr>
+          <p:cNvSpPr txBox="1"/>
+          <p:nvPr/>
+        </p:nvSpPr>
+        <p:spPr>
+          <a:xfrm>
+            <a:off x="8548914" y="3947886"/>
+            <a:ext cx="1204753" cy="369332"/>
+          </a:xfrm>
+          <a:prstGeom prst="rect">
+            <a:avLst/>
+          </a:prstGeom>
+          <a:noFill/>
+        </p:spPr>
+        <p:txBody>
+          <a:bodyPr wrap="none" rtlCol="0">
+            <a:spAutoFit/>
+          </a:bodyPr>
+          <a:lstStyle/>
+          <a:p>
+            <a:r>
+              <a:rPr lang="en-US" dirty="0"/>
+              <a:t>Float: right</a:t>
+            </a:r>
+          </a:p>
+        </p:txBody>
+      </p:sp>
+    </p:spTree>
+    <p:extLst>
+      <p:ext uri="{BB962C8B-B14F-4D97-AF65-F5344CB8AC3E}">
+        <p14:creationId xmlns:p14="http://schemas.microsoft.com/office/powerpoint/2010/main" val="4009577673"/>
+      </p:ext>
+    </p:extLst>
+  </p:cSld>
+  <p:clrMapOvr>
+    <a:masterClrMapping/>
+  </p:clrMapOvr>
+</p:sld>
+</file>
+
+<file path=ppt/slides/slide36.xml><?xml version="1.0" encoding="utf-8"?>
+<p:sld xmlns:a="http://schemas.openxmlformats.org/drawingml/2006/main" xmlns:r="http://schemas.openxmlformats.org/officeDocument/2006/relationships" xmlns:p="http://schemas.openxmlformats.org/presentationml/2006/main">
+  <p:cSld>
+    <p:spTree>
+      <p:nvGrpSpPr>
+        <p:cNvPr id="1" name=""/>
+        <p:cNvGrpSpPr/>
+        <p:nvPr/>
+      </p:nvGrpSpPr>
+      <p:grpSpPr>
+        <a:xfrm>
+          <a:off x="0" y="0"/>
+          <a:ext cx="0" cy="0"/>
+          <a:chOff x="0" y="0"/>
+          <a:chExt cx="0" cy="0"/>
+        </a:xfrm>
+      </p:grpSpPr>
+      <p:sp>
+        <p:nvSpPr>
+          <p:cNvPr id="7" name="Rectangle 6">
+            <a:extLst>
+              <a:ext uri="{FF2B5EF4-FFF2-40B4-BE49-F238E27FC236}">
+                <a16:creationId xmlns:a16="http://schemas.microsoft.com/office/drawing/2014/main" id="{D66D9028-0DA3-8B1D-3334-3723625A5BBE}"/>
+              </a:ext>
+            </a:extLst>
+          </p:cNvPr>
+          <p:cNvSpPr/>
+          <p:nvPr/>
+        </p:nvSpPr>
+        <p:spPr>
+          <a:xfrm>
+            <a:off x="3976914" y="5225143"/>
+            <a:ext cx="6357257" cy="566057"/>
+          </a:xfrm>
+          <a:prstGeom prst="rect">
+            <a:avLst/>
+          </a:prstGeom>
+          <a:solidFill>
+            <a:schemeClr val="accent2">
+              <a:lumMod val="75000"/>
+            </a:schemeClr>
+          </a:solidFill>
+        </p:spPr>
+        <p:style>
+          <a:lnRef idx="2">
+            <a:schemeClr val="accent1">
+              <a:shade val="50000"/>
+            </a:schemeClr>
+          </a:lnRef>
+          <a:fillRef idx="1">
+            <a:schemeClr val="accent1"/>
+          </a:fillRef>
+          <a:effectRef idx="0">
+            <a:schemeClr val="accent1"/>
+          </a:effectRef>
+          <a:fontRef idx="minor">
+            <a:schemeClr val="lt1"/>
+          </a:fontRef>
+        </p:style>
+        <p:txBody>
+          <a:bodyPr rtlCol="0" anchor="ctr"/>
+          <a:lstStyle/>
+          <a:p>
+            <a:pPr algn="ctr"/>
+            <a:endParaRPr lang="en-US"/>
+          </a:p>
+        </p:txBody>
+      </p:sp>
+      <p:sp>
+        <p:nvSpPr>
+          <p:cNvPr id="2" name="Title 1">
+            <a:extLst>
+              <a:ext uri="{FF2B5EF4-FFF2-40B4-BE49-F238E27FC236}">
+                <a16:creationId xmlns:a16="http://schemas.microsoft.com/office/drawing/2014/main" id="{C822E659-F46B-2875-7467-2F424F365328}"/>
+              </a:ext>
+            </a:extLst>
+          </p:cNvPr>
+          <p:cNvSpPr>
+            <a:spLocks noGrp="1"/>
+          </p:cNvSpPr>
+          <p:nvPr>
+            <p:ph type="title"/>
+          </p:nvPr>
+        </p:nvSpPr>
+        <p:spPr/>
+        <p:txBody>
+          <a:bodyPr/>
+          <a:lstStyle/>
+          <a:p>
+            <a:r>
+              <a:rPr lang="en-US" dirty="0"/>
+              <a:t>CSS clear</a:t>
+            </a:r>
+          </a:p>
+        </p:txBody>
+      </p:sp>
+      <p:sp>
+        <p:nvSpPr>
+          <p:cNvPr id="3" name="Content Placeholder 2">
+            <a:extLst>
+              <a:ext uri="{FF2B5EF4-FFF2-40B4-BE49-F238E27FC236}">
+                <a16:creationId xmlns:a16="http://schemas.microsoft.com/office/drawing/2014/main" id="{8D9E00AA-3565-6BDD-AE26-D4A59A68E653}"/>
+              </a:ext>
+            </a:extLst>
+          </p:cNvPr>
+          <p:cNvSpPr>
+            <a:spLocks noGrp="1"/>
+          </p:cNvSpPr>
+          <p:nvPr>
+            <p:ph idx="1"/>
+          </p:nvPr>
+        </p:nvSpPr>
+        <p:spPr>
+          <a:xfrm>
+            <a:off x="838200" y="1825625"/>
+            <a:ext cx="10515600" cy="1962604"/>
+          </a:xfrm>
+        </p:spPr>
+        <p:txBody>
+          <a:bodyPr/>
+          <a:lstStyle/>
+          <a:p>
+            <a:r>
+              <a:rPr lang="en-US" dirty="0"/>
+              <a:t>Left</a:t>
+            </a:r>
+          </a:p>
+          <a:p>
+            <a:r>
+              <a:rPr lang="en-US" dirty="0"/>
+              <a:t>Right</a:t>
+            </a:r>
+          </a:p>
+          <a:p>
+            <a:r>
+              <a:rPr lang="en-US" dirty="0"/>
+              <a:t>Both</a:t>
+            </a:r>
+          </a:p>
+          <a:p>
+            <a:pPr marL="0" indent="0">
+              <a:buNone/>
+            </a:pPr>
+            <a:endParaRPr lang="en-US" dirty="0"/>
+          </a:p>
+        </p:txBody>
+      </p:sp>
+      <p:sp>
+        <p:nvSpPr>
+          <p:cNvPr id="4" name="Rectangle 3">
+            <a:extLst>
+              <a:ext uri="{FF2B5EF4-FFF2-40B4-BE49-F238E27FC236}">
+                <a16:creationId xmlns:a16="http://schemas.microsoft.com/office/drawing/2014/main" id="{745D38D4-B1C7-513C-B5FF-E1DCD4576D6A}"/>
+              </a:ext>
+            </a:extLst>
+          </p:cNvPr>
+          <p:cNvSpPr/>
+          <p:nvPr/>
+        </p:nvSpPr>
+        <p:spPr>
+          <a:xfrm>
+            <a:off x="2975429" y="1690688"/>
+            <a:ext cx="8534400" cy="4100512"/>
+          </a:xfrm>
+          <a:prstGeom prst="rect">
+            <a:avLst/>
+          </a:prstGeom>
+          <a:noFill/>
+        </p:spPr>
+        <p:style>
+          <a:lnRef idx="2">
+            <a:schemeClr val="accent6"/>
+          </a:lnRef>
+          <a:fillRef idx="1">
+            <a:schemeClr val="lt1"/>
+          </a:fillRef>
+          <a:effectRef idx="0">
+            <a:schemeClr val="accent6"/>
+          </a:effectRef>
+          <a:fontRef idx="minor">
+            <a:schemeClr val="dk1"/>
+          </a:fontRef>
+        </p:style>
+        <p:txBody>
+          <a:bodyPr rtlCol="0" anchor="ctr"/>
+          <a:lstStyle/>
+          <a:p>
+            <a:pPr algn="ctr"/>
+            <a:endParaRPr lang="en-US"/>
+          </a:p>
+        </p:txBody>
+      </p:sp>
+      <p:sp>
+        <p:nvSpPr>
+          <p:cNvPr id="5" name="Rectangle 4">
+            <a:extLst>
+              <a:ext uri="{FF2B5EF4-FFF2-40B4-BE49-F238E27FC236}">
+                <a16:creationId xmlns:a16="http://schemas.microsoft.com/office/drawing/2014/main" id="{FB7D5299-B331-8294-7D24-54AE45091239}"/>
+              </a:ext>
+            </a:extLst>
+          </p:cNvPr>
+          <p:cNvSpPr/>
+          <p:nvPr/>
+        </p:nvSpPr>
+        <p:spPr>
+          <a:xfrm>
+            <a:off x="3193143" y="2046514"/>
+            <a:ext cx="3918857" cy="4100513"/>
+          </a:xfrm>
+          <a:prstGeom prst="rect">
+            <a:avLst/>
+          </a:prstGeom>
+        </p:spPr>
+        <p:style>
+          <a:lnRef idx="2">
+            <a:schemeClr val="accent1">
+              <a:shade val="50000"/>
+            </a:schemeClr>
+          </a:lnRef>
+          <a:fillRef idx="1">
+            <a:schemeClr val="accent1"/>
+          </a:fillRef>
+          <a:effectRef idx="0">
+            <a:schemeClr val="accent1"/>
+          </a:effectRef>
+          <a:fontRef idx="minor">
+            <a:schemeClr val="lt1"/>
+          </a:fontRef>
+        </p:style>
+        <p:txBody>
+          <a:bodyPr rtlCol="0" anchor="ctr"/>
+          <a:lstStyle/>
+          <a:p>
+            <a:pPr algn="ctr"/>
+            <a:r>
+              <a:rPr lang="en-US" dirty="0" err="1"/>
+              <a:t>dsadsadsadsadsadsadsadsa</a:t>
+            </a:r>
+            <a:endParaRPr lang="en-US" dirty="0"/>
+          </a:p>
+          <a:p>
+            <a:pPr algn="ctr"/>
+            <a:r>
+              <a:rPr lang="en-US" dirty="0" err="1"/>
+              <a:t>dsadsadsadsa</a:t>
+            </a:r>
+            <a:endParaRPr lang="en-US" dirty="0"/>
+          </a:p>
+          <a:p>
+            <a:pPr algn="ctr"/>
+            <a:r>
+              <a:rPr lang="en-US" dirty="0" err="1"/>
+              <a:t>dsadsadsadsa</a:t>
+            </a:r>
+            <a:endParaRPr lang="en-US" dirty="0"/>
+          </a:p>
+          <a:p>
+            <a:pPr algn="ctr"/>
+            <a:r>
+              <a:rPr lang="en-US" dirty="0" err="1"/>
+              <a:t>dsadsadsadsa</a:t>
+            </a:r>
+            <a:endParaRPr lang="en-US" dirty="0"/>
+          </a:p>
+          <a:p>
+            <a:pPr algn="ctr"/>
+            <a:r>
+              <a:rPr lang="en-US" dirty="0" err="1"/>
+              <a:t>dsadsadsadsa</a:t>
+            </a:r>
+            <a:endParaRPr lang="en-US" dirty="0"/>
+          </a:p>
+          <a:p>
+            <a:pPr algn="ctr"/>
+            <a:r>
+              <a:rPr lang="en-US" dirty="0" err="1"/>
+              <a:t>dsadsadsadsa</a:t>
+            </a:r>
+            <a:endParaRPr lang="en-US" dirty="0"/>
+          </a:p>
+          <a:p>
+            <a:pPr algn="ctr"/>
+            <a:r>
+              <a:rPr lang="en-US" dirty="0" err="1"/>
+              <a:t>dsadsadsadsa</a:t>
+            </a:r>
+            <a:endParaRPr lang="en-US" dirty="0"/>
+          </a:p>
+          <a:p>
+            <a:pPr algn="ctr"/>
+            <a:r>
+              <a:rPr lang="en-US" dirty="0" err="1"/>
+              <a:t>dsadsadsadsa</a:t>
+            </a:r>
+            <a:endParaRPr lang="en-US" dirty="0"/>
+          </a:p>
+          <a:p>
+            <a:pPr algn="ctr"/>
+            <a:r>
+              <a:rPr lang="en-US" dirty="0" err="1"/>
+              <a:t>dsadsadsadsa</a:t>
+            </a:r>
+            <a:endParaRPr lang="en-US" dirty="0"/>
+          </a:p>
+          <a:p>
+            <a:pPr algn="ctr"/>
+            <a:r>
+              <a:rPr lang="en-US" dirty="0" err="1"/>
+              <a:t>dsadsadsadsa</a:t>
+            </a:r>
+            <a:endParaRPr lang="en-US" dirty="0"/>
+          </a:p>
+          <a:p>
+            <a:pPr algn="ctr"/>
+            <a:r>
+              <a:rPr lang="en-US" dirty="0" err="1"/>
+              <a:t>dsadsadsadsa</a:t>
+            </a:r>
+            <a:endParaRPr lang="en-US" dirty="0"/>
+          </a:p>
+          <a:p>
+            <a:pPr algn="ctr"/>
+            <a:r>
+              <a:rPr lang="en-US" dirty="0" err="1"/>
+              <a:t>dsadsadsadsa</a:t>
+            </a:r>
+            <a:endParaRPr lang="en-US" dirty="0"/>
+          </a:p>
+          <a:p>
+            <a:pPr algn="ctr"/>
+            <a:r>
+              <a:rPr lang="en-US" dirty="0" err="1"/>
+              <a:t>dsadsadsadsa</a:t>
+            </a:r>
+            <a:endParaRPr lang="en-US" dirty="0"/>
+          </a:p>
+          <a:p>
+            <a:pPr algn="ctr"/>
+            <a:r>
+              <a:rPr lang="en-US" dirty="0" err="1"/>
+              <a:t>dsadsadsadsa</a:t>
+            </a:r>
+            <a:endParaRPr lang="en-US" dirty="0"/>
+          </a:p>
+          <a:p>
+            <a:pPr algn="ctr"/>
+            <a:r>
+              <a:rPr lang="en-US" dirty="0" err="1"/>
+              <a:t>dsadsadsadsa</a:t>
+            </a:r>
+            <a:endParaRPr lang="en-US" dirty="0"/>
+          </a:p>
+          <a:p>
+            <a:pPr algn="ctr"/>
+            <a:r>
+              <a:rPr lang="en-US" dirty="0" err="1"/>
+              <a:t>dsadsadsadsa</a:t>
+            </a:r>
+            <a:endParaRPr lang="en-US" dirty="0"/>
+          </a:p>
+          <a:p>
+            <a:pPr algn="ctr"/>
+            <a:endParaRPr lang="en-US" dirty="0"/>
+          </a:p>
+        </p:txBody>
+      </p:sp>
+      <p:sp>
+        <p:nvSpPr>
+          <p:cNvPr id="6" name="Rectangle 5">
+            <a:extLst>
+              <a:ext uri="{FF2B5EF4-FFF2-40B4-BE49-F238E27FC236}">
+                <a16:creationId xmlns:a16="http://schemas.microsoft.com/office/drawing/2014/main" id="{BE6DC8CD-CBFF-D87D-D26A-095437C3BBFF}"/>
+              </a:ext>
+            </a:extLst>
+          </p:cNvPr>
+          <p:cNvSpPr/>
+          <p:nvPr/>
+        </p:nvSpPr>
+        <p:spPr>
+          <a:xfrm>
+            <a:off x="7503886" y="2046514"/>
+            <a:ext cx="3744685" cy="2786743"/>
+          </a:xfrm>
+          <a:prstGeom prst="rect">
+            <a:avLst/>
+          </a:prstGeom>
+        </p:spPr>
+        <p:style>
+          <a:lnRef idx="2">
+            <a:schemeClr val="accent1">
+              <a:shade val="50000"/>
+            </a:schemeClr>
+          </a:lnRef>
+          <a:fillRef idx="1">
+            <a:schemeClr val="accent1"/>
+          </a:fillRef>
+          <a:effectRef idx="0">
+            <a:schemeClr val="accent1"/>
+          </a:effectRef>
+          <a:fontRef idx="minor">
+            <a:schemeClr val="lt1"/>
+          </a:fontRef>
+        </p:style>
+        <p:txBody>
+          <a:bodyPr rtlCol="0" anchor="ctr"/>
+          <a:lstStyle/>
+          <a:p>
+            <a:pPr algn="ctr"/>
+            <a:endParaRPr lang="en-US"/>
+          </a:p>
+        </p:txBody>
+      </p:sp>
+    </p:spTree>
+    <p:extLst>
+      <p:ext uri="{BB962C8B-B14F-4D97-AF65-F5344CB8AC3E}">
+        <p14:creationId xmlns:p14="http://schemas.microsoft.com/office/powerpoint/2010/main" val="766050981"/>
+      </p:ext>
+    </p:extLst>
+  </p:cSld>
+  <p:clrMapOvr>
+    <a:masterClrMapping/>
+  </p:clrMapOvr>
+</p:sld>
+</file>
+
+<file path=ppt/slides/slide37.xml><?xml version="1.0" encoding="utf-8"?>
+<p:sld xmlns:a="http://schemas.openxmlformats.org/drawingml/2006/main" xmlns:r="http://schemas.openxmlformats.org/officeDocument/2006/relationships" xmlns:p="http://schemas.openxmlformats.org/presentationml/2006/main">
+  <p:cSld>
+    <p:spTree>
+      <p:nvGrpSpPr>
+        <p:cNvPr id="1" name=""/>
+        <p:cNvGrpSpPr/>
+        <p:nvPr/>
+      </p:nvGrpSpPr>
+      <p:grpSpPr>
+        <a:xfrm>
+          <a:off x="0" y="0"/>
+          <a:ext cx="0" cy="0"/>
+          <a:chOff x="0" y="0"/>
+          <a:chExt cx="0" cy="0"/>
+        </a:xfrm>
+      </p:grpSpPr>
+      <p:sp>
+        <p:nvSpPr>
+          <p:cNvPr id="2" name="Title 1">
+            <a:extLst>
+              <a:ext uri="{FF2B5EF4-FFF2-40B4-BE49-F238E27FC236}">
+                <a16:creationId xmlns:a16="http://schemas.microsoft.com/office/drawing/2014/main" id="{ACA6A15F-4DDC-2C2D-EA3D-1A0426A07C6B}"/>
+              </a:ext>
+            </a:extLst>
+          </p:cNvPr>
+          <p:cNvSpPr>
+            <a:spLocks noGrp="1"/>
+          </p:cNvSpPr>
+          <p:nvPr>
+            <p:ph type="title"/>
+          </p:nvPr>
+        </p:nvSpPr>
+        <p:spPr/>
+        <p:txBody>
+          <a:bodyPr/>
+          <a:lstStyle/>
+          <a:p>
+            <a:r>
+              <a:rPr lang="en-US" dirty="0">
+                <a:latin typeface="Algerian" panose="04020705040A02060702" pitchFamily="82" charset="0"/>
+              </a:rPr>
+              <a:t>CSS Font Properties</a:t>
+            </a:r>
+          </a:p>
+        </p:txBody>
+      </p:sp>
+      <p:sp>
+        <p:nvSpPr>
+          <p:cNvPr id="3" name="Content Placeholder 2">
+            <a:extLst>
+              <a:ext uri="{FF2B5EF4-FFF2-40B4-BE49-F238E27FC236}">
+                <a16:creationId xmlns:a16="http://schemas.microsoft.com/office/drawing/2014/main" id="{53DFD960-B754-2D90-DF49-ABF29B712029}"/>
+              </a:ext>
+            </a:extLst>
+          </p:cNvPr>
+          <p:cNvSpPr>
+            <a:spLocks noGrp="1"/>
+          </p:cNvSpPr>
+          <p:nvPr>
+            <p:ph idx="1"/>
+          </p:nvPr>
+        </p:nvSpPr>
+        <p:spPr/>
+        <p:txBody>
+          <a:bodyPr/>
+          <a:lstStyle/>
+          <a:p>
+            <a:r>
+              <a:rPr lang="en-US" dirty="0"/>
+              <a:t>Font-family</a:t>
+            </a:r>
+          </a:p>
+          <a:p>
+            <a:r>
+              <a:rPr lang="en-US" dirty="0"/>
+              <a:t>Font-size</a:t>
+            </a:r>
+          </a:p>
+          <a:p>
+            <a:r>
+              <a:rPr lang="en-US" dirty="0"/>
+              <a:t>Font-weight</a:t>
+            </a:r>
+          </a:p>
+          <a:p>
+            <a:r>
+              <a:rPr lang="en-US" dirty="0"/>
+              <a:t>Font-style</a:t>
+            </a:r>
+          </a:p>
+          <a:p>
+            <a:r>
+              <a:rPr lang="en-US" dirty="0"/>
+              <a:t>Font-variant</a:t>
+            </a:r>
+          </a:p>
+          <a:p>
+            <a:r>
+              <a:rPr lang="en-US" dirty="0"/>
+              <a:t>Line-height</a:t>
+            </a:r>
+          </a:p>
+        </p:txBody>
+      </p:sp>
+    </p:spTree>
+    <p:extLst>
+      <p:ext uri="{BB962C8B-B14F-4D97-AF65-F5344CB8AC3E}">
+        <p14:creationId xmlns:p14="http://schemas.microsoft.com/office/powerpoint/2010/main" val="289847727"/>
+      </p:ext>
+    </p:extLst>
+  </p:cSld>
+  <p:clrMapOvr>
+    <a:masterClrMapping/>
+  </p:clrMapOvr>
+</p:sld>
+</file>
+
+<file path=ppt/slides/slide38.xml><?xml version="1.0" encoding="utf-8"?>
+<p:sld xmlns:a="http://schemas.openxmlformats.org/drawingml/2006/main" xmlns:r="http://schemas.openxmlformats.org/officeDocument/2006/relationships" xmlns:p="http://schemas.openxmlformats.org/presentationml/2006/main">
+  <p:cSld>
+    <p:spTree>
+      <p:nvGrpSpPr>
+        <p:cNvPr id="1" name=""/>
+        <p:cNvGrpSpPr/>
+        <p:nvPr/>
+      </p:nvGrpSpPr>
+      <p:grpSpPr>
+        <a:xfrm>
+          <a:off x="0" y="0"/>
+          <a:ext cx="0" cy="0"/>
+          <a:chOff x="0" y="0"/>
+          <a:chExt cx="0" cy="0"/>
+        </a:xfrm>
+      </p:grpSpPr>
+      <p:sp>
+        <p:nvSpPr>
+          <p:cNvPr id="2" name="Title 1">
+            <a:extLst>
+              <a:ext uri="{FF2B5EF4-FFF2-40B4-BE49-F238E27FC236}">
+                <a16:creationId xmlns:a16="http://schemas.microsoft.com/office/drawing/2014/main" id="{1F08FFF5-7374-1C06-C51A-04FDBC9C9BE2}"/>
+              </a:ext>
+            </a:extLst>
+          </p:cNvPr>
+          <p:cNvSpPr>
+            <a:spLocks noGrp="1"/>
+          </p:cNvSpPr>
+          <p:nvPr>
+            <p:ph type="title"/>
+          </p:nvPr>
+        </p:nvSpPr>
+        <p:spPr/>
+        <p:txBody>
+          <a:bodyPr/>
+          <a:lstStyle/>
+          <a:p>
+            <a:r>
+              <a:rPr lang="en-US" dirty="0"/>
+              <a:t>Font-Size Predefine Values</a:t>
+            </a:r>
+          </a:p>
+        </p:txBody>
+      </p:sp>
+      <p:sp>
+        <p:nvSpPr>
+          <p:cNvPr id="3" name="Content Placeholder 2">
+            <a:extLst>
+              <a:ext uri="{FF2B5EF4-FFF2-40B4-BE49-F238E27FC236}">
+                <a16:creationId xmlns:a16="http://schemas.microsoft.com/office/drawing/2014/main" id="{117063C5-2987-5043-546F-46A214F21F78}"/>
+              </a:ext>
+            </a:extLst>
+          </p:cNvPr>
+          <p:cNvSpPr>
+            <a:spLocks noGrp="1"/>
+          </p:cNvSpPr>
+          <p:nvPr>
+            <p:ph idx="1"/>
+          </p:nvPr>
+        </p:nvSpPr>
+        <p:spPr/>
+        <p:txBody>
+          <a:bodyPr/>
+          <a:lstStyle/>
+          <a:p>
+            <a:r>
+              <a:rPr lang="en-US" dirty="0" err="1"/>
+              <a:t>Xx</a:t>
+            </a:r>
+            <a:r>
+              <a:rPr lang="en-US" dirty="0"/>
+              <a:t>-small</a:t>
+            </a:r>
+          </a:p>
+          <a:p>
+            <a:r>
+              <a:rPr lang="en-US" dirty="0"/>
+              <a:t>X-small</a:t>
+            </a:r>
+          </a:p>
+          <a:p>
+            <a:r>
+              <a:rPr lang="en-US" dirty="0"/>
+              <a:t>Small</a:t>
+            </a:r>
+          </a:p>
+          <a:p>
+            <a:r>
+              <a:rPr lang="en-US" dirty="0"/>
+              <a:t>Smaller</a:t>
+            </a:r>
+          </a:p>
+          <a:p>
+            <a:r>
+              <a:rPr lang="en-US" dirty="0"/>
+              <a:t>Medium</a:t>
+            </a:r>
+          </a:p>
+          <a:p>
+            <a:r>
+              <a:rPr lang="en-US" dirty="0"/>
+              <a:t>Larger</a:t>
+            </a:r>
+          </a:p>
+          <a:p>
+            <a:r>
+              <a:rPr lang="en-US" dirty="0"/>
+              <a:t>X-large</a:t>
+            </a:r>
+          </a:p>
+          <a:p>
+            <a:r>
+              <a:rPr lang="en-US" dirty="0" err="1"/>
+              <a:t>Xx</a:t>
+            </a:r>
+            <a:r>
+              <a:rPr lang="en-US" dirty="0"/>
+              <a:t>-large</a:t>
+            </a:r>
+          </a:p>
+        </p:txBody>
+      </p:sp>
+    </p:spTree>
+    <p:extLst>
+      <p:ext uri="{BB962C8B-B14F-4D97-AF65-F5344CB8AC3E}">
+        <p14:creationId xmlns:p14="http://schemas.microsoft.com/office/powerpoint/2010/main" val="1153726530"/>
+      </p:ext>
+    </p:extLst>
+  </p:cSld>
+  <p:clrMapOvr>
+    <a:masterClrMapping/>
+  </p:clrMapOvr>
+</p:sld>
+</file>
+
+<file path=ppt/slides/slide39.xml><?xml version="1.0" encoding="utf-8"?>
+<p:sld xmlns:a="http://schemas.openxmlformats.org/drawingml/2006/main" xmlns:r="http://schemas.openxmlformats.org/officeDocument/2006/relationships" xmlns:p="http://schemas.openxmlformats.org/presentationml/2006/main">
+  <p:cSld>
+    <p:spTree>
+      <p:nvGrpSpPr>
+        <p:cNvPr id="1" name=""/>
+        <p:cNvGrpSpPr/>
+        <p:nvPr/>
+      </p:nvGrpSpPr>
+      <p:grpSpPr>
+        <a:xfrm>
+          <a:off x="0" y="0"/>
+          <a:ext cx="0" cy="0"/>
+          <a:chOff x="0" y="0"/>
+          <a:chExt cx="0" cy="0"/>
+        </a:xfrm>
+      </p:grpSpPr>
+      <p:sp>
+        <p:nvSpPr>
+          <p:cNvPr id="2" name="Title 1">
+            <a:extLst>
+              <a:ext uri="{FF2B5EF4-FFF2-40B4-BE49-F238E27FC236}">
+                <a16:creationId xmlns:a16="http://schemas.microsoft.com/office/drawing/2014/main" id="{EBE282B8-AC9D-0127-9117-DC72399D5DCA}"/>
+              </a:ext>
+            </a:extLst>
+          </p:cNvPr>
+          <p:cNvSpPr>
+            <a:spLocks noGrp="1"/>
+          </p:cNvSpPr>
+          <p:nvPr>
+            <p:ph type="title"/>
+          </p:nvPr>
+        </p:nvSpPr>
+        <p:spPr/>
+        <p:txBody>
+          <a:bodyPr/>
+          <a:lstStyle/>
+          <a:p>
+            <a:r>
+              <a:rPr lang="en-US" dirty="0"/>
+              <a:t>Font-Size</a:t>
+            </a:r>
+          </a:p>
+        </p:txBody>
+      </p:sp>
+      <p:sp>
+        <p:nvSpPr>
+          <p:cNvPr id="3" name="Content Placeholder 2">
+            <a:extLst>
+              <a:ext uri="{FF2B5EF4-FFF2-40B4-BE49-F238E27FC236}">
+                <a16:creationId xmlns:a16="http://schemas.microsoft.com/office/drawing/2014/main" id="{5BF8F7AB-FFB5-145C-97BF-7655209DB68C}"/>
+              </a:ext>
+            </a:extLst>
+          </p:cNvPr>
+          <p:cNvSpPr>
+            <a:spLocks noGrp="1"/>
+          </p:cNvSpPr>
+          <p:nvPr>
+            <p:ph idx="1"/>
+          </p:nvPr>
+        </p:nvSpPr>
+        <p:spPr/>
+        <p:txBody>
+          <a:bodyPr/>
+          <a:lstStyle/>
+          <a:p>
+            <a:r>
+              <a:rPr lang="en-US" dirty="0"/>
+              <a:t>Pixel – Font-size: 15px;</a:t>
+            </a:r>
+          </a:p>
+          <a:p>
+            <a:r>
+              <a:rPr lang="en-US" dirty="0"/>
+              <a:t>Percentage – Font-size: 100%;</a:t>
+            </a:r>
+          </a:p>
+          <a:p>
+            <a:r>
+              <a:rPr lang="en-US" dirty="0" err="1"/>
+              <a:t>Em</a:t>
+            </a:r>
+            <a:r>
+              <a:rPr lang="en-US" dirty="0"/>
+              <a:t> – Font-size: 1em;</a:t>
+            </a:r>
+          </a:p>
+        </p:txBody>
+      </p:sp>
+    </p:spTree>
+    <p:extLst>
+      <p:ext uri="{BB962C8B-B14F-4D97-AF65-F5344CB8AC3E}">
+        <p14:creationId xmlns:p14="http://schemas.microsoft.com/office/powerpoint/2010/main" val="2539751296"/>
       </p:ext>
     </p:extLst>
   </p:cSld>
@@ -5965,6 +10070,341 @@
     <p:extLst>
       <p:ext uri="{BB962C8B-B14F-4D97-AF65-F5344CB8AC3E}">
         <p14:creationId xmlns:p14="http://schemas.microsoft.com/office/powerpoint/2010/main" val="1342154416"/>
+      </p:ext>
+    </p:extLst>
+  </p:cSld>
+  <p:clrMapOvr>
+    <a:masterClrMapping/>
+  </p:clrMapOvr>
+</p:sld>
+</file>
+
+<file path=ppt/slides/slide40.xml><?xml version="1.0" encoding="utf-8"?>
+<p:sld xmlns:a="http://schemas.openxmlformats.org/drawingml/2006/main" xmlns:r="http://schemas.openxmlformats.org/officeDocument/2006/relationships" xmlns:p="http://schemas.openxmlformats.org/presentationml/2006/main">
+  <p:cSld>
+    <p:spTree>
+      <p:nvGrpSpPr>
+        <p:cNvPr id="1" name=""/>
+        <p:cNvGrpSpPr/>
+        <p:nvPr/>
+      </p:nvGrpSpPr>
+      <p:grpSpPr>
+        <a:xfrm>
+          <a:off x="0" y="0"/>
+          <a:ext cx="0" cy="0"/>
+          <a:chOff x="0" y="0"/>
+          <a:chExt cx="0" cy="0"/>
+        </a:xfrm>
+      </p:grpSpPr>
+      <p:sp>
+        <p:nvSpPr>
+          <p:cNvPr id="2" name="Title 1">
+            <a:extLst>
+              <a:ext uri="{FF2B5EF4-FFF2-40B4-BE49-F238E27FC236}">
+                <a16:creationId xmlns:a16="http://schemas.microsoft.com/office/drawing/2014/main" id="{C910340D-2812-C306-36C5-69894970DD07}"/>
+              </a:ext>
+            </a:extLst>
+          </p:cNvPr>
+          <p:cNvSpPr>
+            <a:spLocks noGrp="1"/>
+          </p:cNvSpPr>
+          <p:nvPr>
+            <p:ph type="title"/>
+          </p:nvPr>
+        </p:nvSpPr>
+        <p:spPr/>
+        <p:txBody>
+          <a:bodyPr/>
+          <a:lstStyle/>
+          <a:p>
+            <a:r>
+              <a:rPr lang="en-US" dirty="0"/>
+              <a:t>Line height</a:t>
+            </a:r>
+          </a:p>
+        </p:txBody>
+      </p:sp>
+      <p:sp>
+        <p:nvSpPr>
+          <p:cNvPr id="3" name="Content Placeholder 2">
+            <a:extLst>
+              <a:ext uri="{FF2B5EF4-FFF2-40B4-BE49-F238E27FC236}">
+                <a16:creationId xmlns:a16="http://schemas.microsoft.com/office/drawing/2014/main" id="{1DAD9163-990D-BFDD-E303-79ED3D6FF313}"/>
+              </a:ext>
+            </a:extLst>
+          </p:cNvPr>
+          <p:cNvSpPr>
+            <a:spLocks noGrp="1"/>
+          </p:cNvSpPr>
+          <p:nvPr>
+            <p:ph idx="1"/>
+          </p:nvPr>
+        </p:nvSpPr>
+        <p:spPr/>
+        <p:txBody>
+          <a:bodyPr/>
+          <a:lstStyle/>
+          <a:p>
+            <a:pPr>
+              <a:lnSpc>
+                <a:spcPct val="200000"/>
+              </a:lnSpc>
+            </a:pPr>
+            <a:r>
+              <a:rPr lang="en-US" dirty="0" err="1"/>
+              <a:t>Dsakdjaslkdjklsajdklsajdklsadklsajd</a:t>
+            </a:r>
+            <a:endParaRPr lang="en-US" dirty="0"/>
+          </a:p>
+          <a:p>
+            <a:pPr>
+              <a:lnSpc>
+                <a:spcPct val="200000"/>
+              </a:lnSpc>
+            </a:pPr>
+            <a:r>
+              <a:rPr lang="en-US" dirty="0" err="1"/>
+              <a:t>Alksdjklsajdklsajdklsajkdlsa</a:t>
+            </a:r>
+            <a:endParaRPr lang="en-US" dirty="0"/>
+          </a:p>
+          <a:p>
+            <a:pPr>
+              <a:lnSpc>
+                <a:spcPct val="200000"/>
+              </a:lnSpc>
+            </a:pPr>
+            <a:r>
+              <a:rPr lang="en-US" dirty="0" err="1"/>
+              <a:t>Alkjdklsajdklsajdlsa</a:t>
+            </a:r>
+            <a:r>
+              <a:rPr lang="en-US" dirty="0"/>
+              <a:t>\</a:t>
+            </a:r>
+          </a:p>
+        </p:txBody>
+      </p:sp>
+    </p:spTree>
+    <p:extLst>
+      <p:ext uri="{BB962C8B-B14F-4D97-AF65-F5344CB8AC3E}">
+        <p14:creationId xmlns:p14="http://schemas.microsoft.com/office/powerpoint/2010/main" val="11444818"/>
+      </p:ext>
+    </p:extLst>
+  </p:cSld>
+  <p:clrMapOvr>
+    <a:masterClrMapping/>
+  </p:clrMapOvr>
+</p:sld>
+</file>
+
+<file path=ppt/slides/slide41.xml><?xml version="1.0" encoding="utf-8"?>
+<p:sld xmlns:a="http://schemas.openxmlformats.org/drawingml/2006/main" xmlns:r="http://schemas.openxmlformats.org/officeDocument/2006/relationships" xmlns:p="http://schemas.openxmlformats.org/presentationml/2006/main">
+  <p:cSld>
+    <p:spTree>
+      <p:nvGrpSpPr>
+        <p:cNvPr id="1" name=""/>
+        <p:cNvGrpSpPr/>
+        <p:nvPr/>
+      </p:nvGrpSpPr>
+      <p:grpSpPr>
+        <a:xfrm>
+          <a:off x="0" y="0"/>
+          <a:ext cx="0" cy="0"/>
+          <a:chOff x="0" y="0"/>
+          <a:chExt cx="0" cy="0"/>
+        </a:xfrm>
+      </p:grpSpPr>
+      <p:sp>
+        <p:nvSpPr>
+          <p:cNvPr id="2" name="Title 1">
+            <a:extLst>
+              <a:ext uri="{FF2B5EF4-FFF2-40B4-BE49-F238E27FC236}">
+                <a16:creationId xmlns:a16="http://schemas.microsoft.com/office/drawing/2014/main" id="{569C25D5-A4A8-147B-F6C9-C366A25CA0C9}"/>
+              </a:ext>
+            </a:extLst>
+          </p:cNvPr>
+          <p:cNvSpPr>
+            <a:spLocks noGrp="1"/>
+          </p:cNvSpPr>
+          <p:nvPr>
+            <p:ph type="title"/>
+          </p:nvPr>
+        </p:nvSpPr>
+        <p:spPr/>
+        <p:txBody>
+          <a:bodyPr/>
+          <a:lstStyle/>
+          <a:p>
+            <a:r>
+              <a:rPr lang="en-US" dirty="0"/>
+              <a:t>Font-Family</a:t>
+            </a:r>
+          </a:p>
+        </p:txBody>
+      </p:sp>
+      <p:sp>
+        <p:nvSpPr>
+          <p:cNvPr id="3" name="Content Placeholder 2">
+            <a:extLst>
+              <a:ext uri="{FF2B5EF4-FFF2-40B4-BE49-F238E27FC236}">
+                <a16:creationId xmlns:a16="http://schemas.microsoft.com/office/drawing/2014/main" id="{24FD6ADC-12F9-5A5C-B9D9-597063DA0EAC}"/>
+              </a:ext>
+            </a:extLst>
+          </p:cNvPr>
+          <p:cNvSpPr>
+            <a:spLocks noGrp="1"/>
+          </p:cNvSpPr>
+          <p:nvPr>
+            <p:ph idx="1"/>
+          </p:nvPr>
+        </p:nvSpPr>
+        <p:spPr/>
+        <p:txBody>
+          <a:bodyPr/>
+          <a:lstStyle/>
+          <a:p>
+            <a:r>
+              <a:rPr lang="en-US" dirty="0"/>
+              <a:t>Font-family: arial;</a:t>
+            </a:r>
+          </a:p>
+          <a:p>
+            <a:r>
+              <a:rPr lang="en-US" dirty="0"/>
+              <a:t>Font-family: arial, </a:t>
+            </a:r>
+            <a:r>
+              <a:rPr lang="en-US" dirty="0" err="1"/>
+              <a:t>verdana</a:t>
+            </a:r>
+            <a:r>
+              <a:rPr lang="en-US" dirty="0"/>
+              <a:t>, Times New Roman, Calibri</a:t>
+            </a:r>
+          </a:p>
+        </p:txBody>
+      </p:sp>
+    </p:spTree>
+    <p:extLst>
+      <p:ext uri="{BB962C8B-B14F-4D97-AF65-F5344CB8AC3E}">
+        <p14:creationId xmlns:p14="http://schemas.microsoft.com/office/powerpoint/2010/main" val="823633053"/>
+      </p:ext>
+    </p:extLst>
+  </p:cSld>
+  <p:clrMapOvr>
+    <a:masterClrMapping/>
+  </p:clrMapOvr>
+</p:sld>
+</file>
+
+<file path=ppt/slides/slide42.xml><?xml version="1.0" encoding="utf-8"?>
+<p:sld xmlns:a="http://schemas.openxmlformats.org/drawingml/2006/main" xmlns:r="http://schemas.openxmlformats.org/officeDocument/2006/relationships" xmlns:p="http://schemas.openxmlformats.org/presentationml/2006/main">
+  <p:cSld>
+    <p:spTree>
+      <p:nvGrpSpPr>
+        <p:cNvPr id="1" name=""/>
+        <p:cNvGrpSpPr/>
+        <p:nvPr/>
+      </p:nvGrpSpPr>
+      <p:grpSpPr>
+        <a:xfrm>
+          <a:off x="0" y="0"/>
+          <a:ext cx="0" cy="0"/>
+          <a:chOff x="0" y="0"/>
+          <a:chExt cx="0" cy="0"/>
+        </a:xfrm>
+      </p:grpSpPr>
+      <p:sp>
+        <p:nvSpPr>
+          <p:cNvPr id="2" name="Title 1">
+            <a:extLst>
+              <a:ext uri="{FF2B5EF4-FFF2-40B4-BE49-F238E27FC236}">
+                <a16:creationId xmlns:a16="http://schemas.microsoft.com/office/drawing/2014/main" id="{8DB05D46-4976-3604-62AC-33F4042C4595}"/>
+              </a:ext>
+            </a:extLst>
+          </p:cNvPr>
+          <p:cNvSpPr>
+            <a:spLocks noGrp="1"/>
+          </p:cNvSpPr>
+          <p:nvPr>
+            <p:ph type="title"/>
+          </p:nvPr>
+        </p:nvSpPr>
+        <p:spPr/>
+        <p:txBody>
+          <a:bodyPr/>
+          <a:lstStyle/>
+          <a:p>
+            <a:r>
+              <a:rPr lang="en-US" dirty="0"/>
+              <a:t>CSS: Text Properties</a:t>
+            </a:r>
+          </a:p>
+        </p:txBody>
+      </p:sp>
+      <p:sp>
+        <p:nvSpPr>
+          <p:cNvPr id="3" name="Content Placeholder 2">
+            <a:extLst>
+              <a:ext uri="{FF2B5EF4-FFF2-40B4-BE49-F238E27FC236}">
+                <a16:creationId xmlns:a16="http://schemas.microsoft.com/office/drawing/2014/main" id="{8C29F8C3-C720-42F5-51A6-552228B4C9BC}"/>
+              </a:ext>
+            </a:extLst>
+          </p:cNvPr>
+          <p:cNvSpPr>
+            <a:spLocks noGrp="1"/>
+          </p:cNvSpPr>
+          <p:nvPr>
+            <p:ph idx="1"/>
+          </p:nvPr>
+        </p:nvSpPr>
+        <p:spPr/>
+        <p:txBody>
+          <a:bodyPr/>
+          <a:lstStyle/>
+          <a:p>
+            <a:r>
+              <a:rPr lang="en-US" dirty="0"/>
+              <a:t>Text-align</a:t>
+            </a:r>
+          </a:p>
+          <a:p>
+            <a:r>
+              <a:rPr lang="en-US" dirty="0"/>
+              <a:t>Text-align-last</a:t>
+            </a:r>
+          </a:p>
+          <a:p>
+            <a:r>
+              <a:rPr lang="en-US" dirty="0"/>
+              <a:t>Text-transform</a:t>
+            </a:r>
+          </a:p>
+          <a:p>
+            <a:r>
+              <a:rPr lang="en-US" dirty="0"/>
+              <a:t>Text-indent</a:t>
+            </a:r>
+          </a:p>
+          <a:p>
+            <a:r>
+              <a:rPr lang="en-US" dirty="0"/>
+              <a:t>Word-spacing</a:t>
+            </a:r>
+          </a:p>
+          <a:p>
+            <a:r>
+              <a:rPr lang="en-US" dirty="0"/>
+              <a:t>Letter-spacing</a:t>
+            </a:r>
+          </a:p>
+        </p:txBody>
+      </p:sp>
+    </p:spTree>
+    <p:extLst>
+      <p:ext uri="{BB962C8B-B14F-4D97-AF65-F5344CB8AC3E}">
+        <p14:creationId xmlns:p14="http://schemas.microsoft.com/office/powerpoint/2010/main" val="4036638147"/>
       </p:ext>
     </p:extLst>
   </p:cSld>

--- a/CSS.pptx
+++ b/CSS.pptx
@@ -47,6 +47,16 @@
     <p:sldId id="296" r:id="rId41"/>
     <p:sldId id="295" r:id="rId42"/>
     <p:sldId id="297" r:id="rId43"/>
+    <p:sldId id="298" r:id="rId44"/>
+    <p:sldId id="299" r:id="rId45"/>
+    <p:sldId id="300" r:id="rId46"/>
+    <p:sldId id="301" r:id="rId47"/>
+    <p:sldId id="302" r:id="rId48"/>
+    <p:sldId id="303" r:id="rId49"/>
+    <p:sldId id="304" r:id="rId50"/>
+    <p:sldId id="307" r:id="rId51"/>
+    <p:sldId id="305" r:id="rId52"/>
+    <p:sldId id="306" r:id="rId53"/>
   </p:sldIdLst>
   <p:sldSz cx="12192000" cy="6858000"/>
   <p:notesSz cx="6858000" cy="9144000"/>
@@ -300,7 +310,7 @@
           <a:p>
             <a:fld id="{E6A9BA00-07BE-4836-8229-BCB8917AB7E6}" type="datetimeFigureOut">
               <a:rPr lang="en-US" smtClean="0"/>
-              <a:t>12/1/2022</a:t>
+              <a:t>12/2/2022</a:t>
             </a:fld>
             <a:endParaRPr lang="en-US"/>
           </a:p>
@@ -498,7 +508,7 @@
           <a:p>
             <a:fld id="{E6A9BA00-07BE-4836-8229-BCB8917AB7E6}" type="datetimeFigureOut">
               <a:rPr lang="en-US" smtClean="0"/>
-              <a:t>12/1/2022</a:t>
+              <a:t>12/2/2022</a:t>
             </a:fld>
             <a:endParaRPr lang="en-US"/>
           </a:p>
@@ -706,7 +716,7 @@
           <a:p>
             <a:fld id="{E6A9BA00-07BE-4836-8229-BCB8917AB7E6}" type="datetimeFigureOut">
               <a:rPr lang="en-US" smtClean="0"/>
-              <a:t>12/1/2022</a:t>
+              <a:t>12/2/2022</a:t>
             </a:fld>
             <a:endParaRPr lang="en-US"/>
           </a:p>
@@ -904,7 +914,7 @@
           <a:p>
             <a:fld id="{E6A9BA00-07BE-4836-8229-BCB8917AB7E6}" type="datetimeFigureOut">
               <a:rPr lang="en-US" smtClean="0"/>
-              <a:t>12/1/2022</a:t>
+              <a:t>12/2/2022</a:t>
             </a:fld>
             <a:endParaRPr lang="en-US"/>
           </a:p>
@@ -1179,7 +1189,7 @@
           <a:p>
             <a:fld id="{E6A9BA00-07BE-4836-8229-BCB8917AB7E6}" type="datetimeFigureOut">
               <a:rPr lang="en-US" smtClean="0"/>
-              <a:t>12/1/2022</a:t>
+              <a:t>12/2/2022</a:t>
             </a:fld>
             <a:endParaRPr lang="en-US"/>
           </a:p>
@@ -1444,7 +1454,7 @@
           <a:p>
             <a:fld id="{E6A9BA00-07BE-4836-8229-BCB8917AB7E6}" type="datetimeFigureOut">
               <a:rPr lang="en-US" smtClean="0"/>
-              <a:t>12/1/2022</a:t>
+              <a:t>12/2/2022</a:t>
             </a:fld>
             <a:endParaRPr lang="en-US"/>
           </a:p>
@@ -1856,7 +1866,7 @@
           <a:p>
             <a:fld id="{E6A9BA00-07BE-4836-8229-BCB8917AB7E6}" type="datetimeFigureOut">
               <a:rPr lang="en-US" smtClean="0"/>
-              <a:t>12/1/2022</a:t>
+              <a:t>12/2/2022</a:t>
             </a:fld>
             <a:endParaRPr lang="en-US"/>
           </a:p>
@@ -1997,7 +2007,7 @@
           <a:p>
             <a:fld id="{E6A9BA00-07BE-4836-8229-BCB8917AB7E6}" type="datetimeFigureOut">
               <a:rPr lang="en-US" smtClean="0"/>
-              <a:t>12/1/2022</a:t>
+              <a:t>12/2/2022</a:t>
             </a:fld>
             <a:endParaRPr lang="en-US"/>
           </a:p>
@@ -2110,7 +2120,7 @@
           <a:p>
             <a:fld id="{E6A9BA00-07BE-4836-8229-BCB8917AB7E6}" type="datetimeFigureOut">
               <a:rPr lang="en-US" smtClean="0"/>
-              <a:t>12/1/2022</a:t>
+              <a:t>12/2/2022</a:t>
             </a:fld>
             <a:endParaRPr lang="en-US"/>
           </a:p>
@@ -2421,7 +2431,7 @@
           <a:p>
             <a:fld id="{E6A9BA00-07BE-4836-8229-BCB8917AB7E6}" type="datetimeFigureOut">
               <a:rPr lang="en-US" smtClean="0"/>
-              <a:t>12/1/2022</a:t>
+              <a:t>12/2/2022</a:t>
             </a:fld>
             <a:endParaRPr lang="en-US"/>
           </a:p>
@@ -2709,7 +2719,7 @@
           <a:p>
             <a:fld id="{E6A9BA00-07BE-4836-8229-BCB8917AB7E6}" type="datetimeFigureOut">
               <a:rPr lang="en-US" smtClean="0"/>
-              <a:t>12/1/2022</a:t>
+              <a:t>12/2/2022</a:t>
             </a:fld>
             <a:endParaRPr lang="en-US"/>
           </a:p>
@@ -2950,7 +2960,7 @@
           <a:p>
             <a:fld id="{E6A9BA00-07BE-4836-8229-BCB8917AB7E6}" type="datetimeFigureOut">
               <a:rPr lang="en-US" smtClean="0"/>
-              <a:t>12/1/2022</a:t>
+              <a:t>12/2/2022</a:t>
             </a:fld>
             <a:endParaRPr lang="en-US"/>
           </a:p>
@@ -8509,55 +8519,12 @@
           </a:p>
         </p:txBody>
       </p:sp>
-      <p:sp>
-        <p:nvSpPr>
-          <p:cNvPr id="5" name="TextBox 4">
-            <a:extLst>
-              <a:ext uri="{FF2B5EF4-FFF2-40B4-BE49-F238E27FC236}">
-                <a16:creationId xmlns:a16="http://schemas.microsoft.com/office/drawing/2014/main" id="{CC88BA4C-1595-A6FD-7913-1C54B9A343F3}"/>
-              </a:ext>
-            </a:extLst>
-          </p:cNvPr>
-          <p:cNvSpPr txBox="1"/>
-          <p:nvPr/>
-        </p:nvSpPr>
-        <p:spPr>
-          <a:xfrm>
-            <a:off x="3176450" y="5167312"/>
-            <a:ext cx="5839099" cy="523220"/>
-          </a:xfrm>
-          <a:prstGeom prst="rect">
-            <a:avLst/>
-          </a:prstGeom>
-          <a:noFill/>
-        </p:spPr>
-        <p:txBody>
-          <a:bodyPr wrap="none" rtlCol="0">
-            <a:spAutoFit/>
-          </a:bodyPr>
-          <a:lstStyle/>
-          <a:p>
-            <a:r>
-              <a:rPr lang="en-US" sz="2800" dirty="0"/>
-              <a:t>Box-shadow: 2px </a:t>
-            </a:r>
-            <a:r>
-              <a:rPr lang="en-US" sz="2800" dirty="0" err="1"/>
-              <a:t>2px</a:t>
-            </a:r>
-            <a:r>
-              <a:rPr lang="en-US" sz="2800" dirty="0"/>
-              <a:t> 5px 10px orange;</a:t>
-            </a:r>
-          </a:p>
-        </p:txBody>
-      </p:sp>
       <p:grpSp>
         <p:nvGrpSpPr>
-          <p:cNvPr id="9" name="Group 8">
-            <a:extLst>
-              <a:ext uri="{FF2B5EF4-FFF2-40B4-BE49-F238E27FC236}">
-                <a16:creationId xmlns:a16="http://schemas.microsoft.com/office/drawing/2014/main" id="{84D27349-A92E-EDF5-9DF0-9AE493BBFF7C}"/>
+          <p:cNvPr id="3" name="Group 2">
+            <a:extLst>
+              <a:ext uri="{FF2B5EF4-FFF2-40B4-BE49-F238E27FC236}">
+                <a16:creationId xmlns:a16="http://schemas.microsoft.com/office/drawing/2014/main" id="{85E18D2B-C409-27AF-F7B3-865D4A03EBED}"/>
               </a:ext>
             </a:extLst>
           </p:cNvPr>
@@ -8566,57 +8533,18 @@
         </p:nvGrpSpPr>
         <p:grpSpPr>
           <a:xfrm>
-            <a:off x="4966062" y="4274760"/>
-            <a:ext cx="1563191" cy="892552"/>
-            <a:chOff x="4966062" y="4274760"/>
-            <a:chExt cx="1563191" cy="892552"/>
+            <a:off x="3176450" y="4274760"/>
+            <a:ext cx="5839099" cy="2398612"/>
+            <a:chOff x="3176450" y="4274760"/>
+            <a:chExt cx="5839099" cy="2398612"/>
           </a:xfrm>
         </p:grpSpPr>
-        <p:cxnSp>
-          <p:nvCxnSpPr>
-            <p:cNvPr id="7" name="Straight Arrow Connector 6">
+        <p:sp>
+          <p:nvSpPr>
+            <p:cNvPr id="5" name="TextBox 4">
               <a:extLst>
                 <a:ext uri="{FF2B5EF4-FFF2-40B4-BE49-F238E27FC236}">
-                  <a16:creationId xmlns:a16="http://schemas.microsoft.com/office/drawing/2014/main" id="{50D55269-58DD-B3BE-8902-EE6AEE09BF74}"/>
-                </a:ext>
-              </a:extLst>
-            </p:cNvPr>
-            <p:cNvCxnSpPr/>
-            <p:nvPr/>
-          </p:nvCxnSpPr>
-          <p:spPr>
-            <a:xfrm>
-              <a:off x="5355771" y="4688114"/>
-              <a:ext cx="0" cy="479198"/>
-            </a:xfrm>
-            <a:prstGeom prst="straightConnector1">
-              <a:avLst/>
-            </a:prstGeom>
-            <a:ln>
-              <a:tailEnd type="triangle"/>
-            </a:ln>
-          </p:spPr>
-          <p:style>
-            <a:lnRef idx="1">
-              <a:schemeClr val="dk1"/>
-            </a:lnRef>
-            <a:fillRef idx="0">
-              <a:schemeClr val="dk1"/>
-            </a:fillRef>
-            <a:effectRef idx="0">
-              <a:schemeClr val="dk1"/>
-            </a:effectRef>
-            <a:fontRef idx="minor">
-              <a:schemeClr val="tx1"/>
-            </a:fontRef>
-          </p:style>
-        </p:cxnSp>
-        <p:sp>
-          <p:nvSpPr>
-            <p:cNvPr id="8" name="TextBox 7">
-              <a:extLst>
-                <a:ext uri="{FF2B5EF4-FFF2-40B4-BE49-F238E27FC236}">
-                  <a16:creationId xmlns:a16="http://schemas.microsoft.com/office/drawing/2014/main" id="{8697A3A8-35FE-0E76-59D4-3F8A2772BAA7}"/>
+                  <a16:creationId xmlns:a16="http://schemas.microsoft.com/office/drawing/2014/main" id="{CC88BA4C-1595-A6FD-7913-1C54B9A343F3}"/>
                 </a:ext>
               </a:extLst>
             </p:cNvPr>
@@ -8624,9 +8552,9 @@
             <p:nvPr/>
           </p:nvSpPr>
           <p:spPr>
-            <a:xfrm flipH="1">
-              <a:off x="4966062" y="4274760"/>
-              <a:ext cx="1563191" cy="369332"/>
+            <a:xfrm>
+              <a:off x="3176450" y="5167312"/>
+              <a:ext cx="5839099" cy="523220"/>
             </a:xfrm>
             <a:prstGeom prst="rect">
               <a:avLst/>
@@ -8634,303 +8562,406 @@
             <a:noFill/>
           </p:spPr>
           <p:txBody>
-            <a:bodyPr wrap="square" rtlCol="0">
+            <a:bodyPr wrap="none" rtlCol="0">
               <a:spAutoFit/>
             </a:bodyPr>
             <a:lstStyle/>
             <a:p>
               <a:r>
-                <a:rPr lang="en-US" dirty="0"/>
-                <a:t>H-offset</a:t>
+                <a:rPr lang="en-US" sz="2800" dirty="0"/>
+                <a:t>Box-shadow: 2px </a:t>
+              </a:r>
+              <a:r>
+                <a:rPr lang="en-US" sz="2800" dirty="0" err="1"/>
+                <a:t>2px</a:t>
+              </a:r>
+              <a:r>
+                <a:rPr lang="en-US" sz="2800" dirty="0"/>
+                <a:t> 5px 10px orange;</a:t>
               </a:r>
             </a:p>
           </p:txBody>
         </p:sp>
-      </p:grpSp>
-      <p:grpSp>
-        <p:nvGrpSpPr>
-          <p:cNvPr id="10" name="Group 9">
-            <a:extLst>
-              <a:ext uri="{FF2B5EF4-FFF2-40B4-BE49-F238E27FC236}">
-                <a16:creationId xmlns:a16="http://schemas.microsoft.com/office/drawing/2014/main" id="{5B0C6BBC-69E7-0796-226F-5F3B993A198A}"/>
-              </a:ext>
-            </a:extLst>
-          </p:cNvPr>
-          <p:cNvGrpSpPr/>
-          <p:nvPr/>
-        </p:nvGrpSpPr>
-        <p:grpSpPr>
-          <a:xfrm rot="11212204">
-            <a:off x="4789715" y="5780820"/>
-            <a:ext cx="1563191" cy="892552"/>
-            <a:chOff x="4966062" y="4274760"/>
-            <a:chExt cx="1563191" cy="892552"/>
-          </a:xfrm>
-        </p:grpSpPr>
-        <p:cxnSp>
-          <p:nvCxnSpPr>
-            <p:cNvPr id="11" name="Straight Arrow Connector 10">
+        <p:grpSp>
+          <p:nvGrpSpPr>
+            <p:cNvPr id="9" name="Group 8">
               <a:extLst>
                 <a:ext uri="{FF2B5EF4-FFF2-40B4-BE49-F238E27FC236}">
-                  <a16:creationId xmlns:a16="http://schemas.microsoft.com/office/drawing/2014/main" id="{733D784C-0A29-AD56-6810-16125459CCC8}"/>
+                  <a16:creationId xmlns:a16="http://schemas.microsoft.com/office/drawing/2014/main" id="{84D27349-A92E-EDF5-9DF0-9AE493BBFF7C}"/>
                 </a:ext>
               </a:extLst>
             </p:cNvPr>
-            <p:cNvCxnSpPr/>
+            <p:cNvGrpSpPr/>
             <p:nvPr/>
-          </p:nvCxnSpPr>
-          <p:spPr>
+          </p:nvGrpSpPr>
+          <p:grpSpPr>
             <a:xfrm>
-              <a:off x="5355771" y="4688114"/>
-              <a:ext cx="0" cy="479198"/>
+              <a:off x="4966062" y="4274760"/>
+              <a:ext cx="1563191" cy="892552"/>
+              <a:chOff x="4966062" y="4274760"/>
+              <a:chExt cx="1563191" cy="892552"/>
             </a:xfrm>
-            <a:prstGeom prst="straightConnector1">
-              <a:avLst/>
-            </a:prstGeom>
-            <a:ln>
-              <a:tailEnd type="triangle"/>
-            </a:ln>
-          </p:spPr>
-          <p:style>
-            <a:lnRef idx="1">
-              <a:schemeClr val="dk1"/>
-            </a:lnRef>
-            <a:fillRef idx="0">
-              <a:schemeClr val="dk1"/>
-            </a:fillRef>
-            <a:effectRef idx="0">
-              <a:schemeClr val="dk1"/>
-            </a:effectRef>
-            <a:fontRef idx="minor">
-              <a:schemeClr val="tx1"/>
-            </a:fontRef>
-          </p:style>
-        </p:cxnSp>
-        <p:sp>
-          <p:nvSpPr>
-            <p:cNvPr id="12" name="TextBox 11">
+          </p:grpSpPr>
+          <p:cxnSp>
+            <p:nvCxnSpPr>
+              <p:cNvPr id="7" name="Straight Arrow Connector 6">
+                <a:extLst>
+                  <a:ext uri="{FF2B5EF4-FFF2-40B4-BE49-F238E27FC236}">
+                    <a16:creationId xmlns:a16="http://schemas.microsoft.com/office/drawing/2014/main" id="{50D55269-58DD-B3BE-8902-EE6AEE09BF74}"/>
+                  </a:ext>
+                </a:extLst>
+              </p:cNvPr>
+              <p:cNvCxnSpPr/>
+              <p:nvPr/>
+            </p:nvCxnSpPr>
+            <p:spPr>
+              <a:xfrm>
+                <a:off x="5355771" y="4688114"/>
+                <a:ext cx="0" cy="479198"/>
+              </a:xfrm>
+              <a:prstGeom prst="straightConnector1">
+                <a:avLst/>
+              </a:prstGeom>
+              <a:ln>
+                <a:tailEnd type="triangle"/>
+              </a:ln>
+            </p:spPr>
+            <p:style>
+              <a:lnRef idx="1">
+                <a:schemeClr val="dk1"/>
+              </a:lnRef>
+              <a:fillRef idx="0">
+                <a:schemeClr val="dk1"/>
+              </a:fillRef>
+              <a:effectRef idx="0">
+                <a:schemeClr val="dk1"/>
+              </a:effectRef>
+              <a:fontRef idx="minor">
+                <a:schemeClr val="tx1"/>
+              </a:fontRef>
+            </p:style>
+          </p:cxnSp>
+          <p:sp>
+            <p:nvSpPr>
+              <p:cNvPr id="8" name="TextBox 7">
+                <a:extLst>
+                  <a:ext uri="{FF2B5EF4-FFF2-40B4-BE49-F238E27FC236}">
+                    <a16:creationId xmlns:a16="http://schemas.microsoft.com/office/drawing/2014/main" id="{8697A3A8-35FE-0E76-59D4-3F8A2772BAA7}"/>
+                  </a:ext>
+                </a:extLst>
+              </p:cNvPr>
+              <p:cNvSpPr txBox="1"/>
+              <p:nvPr/>
+            </p:nvSpPr>
+            <p:spPr>
+              <a:xfrm flipH="1">
+                <a:off x="4966062" y="4274760"/>
+                <a:ext cx="1563191" cy="369332"/>
+              </a:xfrm>
+              <a:prstGeom prst="rect">
+                <a:avLst/>
+              </a:prstGeom>
+              <a:noFill/>
+            </p:spPr>
+            <p:txBody>
+              <a:bodyPr wrap="square" rtlCol="0">
+                <a:spAutoFit/>
+              </a:bodyPr>
+              <a:lstStyle/>
+              <a:p>
+                <a:r>
+                  <a:rPr lang="en-US" dirty="0"/>
+                  <a:t>H-offset</a:t>
+                </a:r>
+              </a:p>
+            </p:txBody>
+          </p:sp>
+        </p:grpSp>
+        <p:grpSp>
+          <p:nvGrpSpPr>
+            <p:cNvPr id="10" name="Group 9">
               <a:extLst>
                 <a:ext uri="{FF2B5EF4-FFF2-40B4-BE49-F238E27FC236}">
-                  <a16:creationId xmlns:a16="http://schemas.microsoft.com/office/drawing/2014/main" id="{A1877C90-8020-B9D7-39B4-874FE81EDA8E}"/>
+                  <a16:creationId xmlns:a16="http://schemas.microsoft.com/office/drawing/2014/main" id="{5B0C6BBC-69E7-0796-226F-5F3B993A198A}"/>
                 </a:ext>
               </a:extLst>
             </p:cNvPr>
-            <p:cNvSpPr txBox="1"/>
+            <p:cNvGrpSpPr/>
             <p:nvPr/>
-          </p:nvSpPr>
-          <p:spPr>
-            <a:xfrm flipH="1">
-              <a:off x="4966062" y="4274760"/>
-              <a:ext cx="1563191" cy="369332"/>
+          </p:nvGrpSpPr>
+          <p:grpSpPr>
+            <a:xfrm rot="11212204">
+              <a:off x="4789715" y="5780820"/>
+              <a:ext cx="1563191" cy="892552"/>
+              <a:chOff x="4966062" y="4274760"/>
+              <a:chExt cx="1563191" cy="892552"/>
             </a:xfrm>
-            <a:prstGeom prst="rect">
-              <a:avLst/>
-            </a:prstGeom>
-            <a:noFill/>
-          </p:spPr>
-          <p:txBody>
-            <a:bodyPr wrap="square" rtlCol="0">
-              <a:spAutoFit/>
-            </a:bodyPr>
-            <a:lstStyle/>
-            <a:p>
-              <a:r>
-                <a:rPr lang="en-US" dirty="0"/>
-                <a:t>V-offset</a:t>
-              </a:r>
-            </a:p>
-          </p:txBody>
-        </p:sp>
-      </p:grpSp>
-      <p:grpSp>
-        <p:nvGrpSpPr>
-          <p:cNvPr id="13" name="Group 12">
-            <a:extLst>
-              <a:ext uri="{FF2B5EF4-FFF2-40B4-BE49-F238E27FC236}">
-                <a16:creationId xmlns:a16="http://schemas.microsoft.com/office/drawing/2014/main" id="{A2DDBFA5-BA86-5CDB-B1C4-B0B7BB5AFB74}"/>
-              </a:ext>
-            </a:extLst>
-          </p:cNvPr>
-          <p:cNvGrpSpPr/>
-          <p:nvPr/>
-        </p:nvGrpSpPr>
-        <p:grpSpPr>
-          <a:xfrm>
-            <a:off x="6338091" y="4274760"/>
-            <a:ext cx="1563191" cy="892552"/>
-            <a:chOff x="4966062" y="4274760"/>
-            <a:chExt cx="1563191" cy="892552"/>
-          </a:xfrm>
-        </p:grpSpPr>
-        <p:cxnSp>
-          <p:nvCxnSpPr>
-            <p:cNvPr id="14" name="Straight Arrow Connector 13">
+          </p:grpSpPr>
+          <p:cxnSp>
+            <p:nvCxnSpPr>
+              <p:cNvPr id="11" name="Straight Arrow Connector 10">
+                <a:extLst>
+                  <a:ext uri="{FF2B5EF4-FFF2-40B4-BE49-F238E27FC236}">
+                    <a16:creationId xmlns:a16="http://schemas.microsoft.com/office/drawing/2014/main" id="{733D784C-0A29-AD56-6810-16125459CCC8}"/>
+                  </a:ext>
+                </a:extLst>
+              </p:cNvPr>
+              <p:cNvCxnSpPr/>
+              <p:nvPr/>
+            </p:nvCxnSpPr>
+            <p:spPr>
+              <a:xfrm>
+                <a:off x="5355771" y="4688114"/>
+                <a:ext cx="0" cy="479198"/>
+              </a:xfrm>
+              <a:prstGeom prst="straightConnector1">
+                <a:avLst/>
+              </a:prstGeom>
+              <a:ln>
+                <a:tailEnd type="triangle"/>
+              </a:ln>
+            </p:spPr>
+            <p:style>
+              <a:lnRef idx="1">
+                <a:schemeClr val="dk1"/>
+              </a:lnRef>
+              <a:fillRef idx="0">
+                <a:schemeClr val="dk1"/>
+              </a:fillRef>
+              <a:effectRef idx="0">
+                <a:schemeClr val="dk1"/>
+              </a:effectRef>
+              <a:fontRef idx="minor">
+                <a:schemeClr val="tx1"/>
+              </a:fontRef>
+            </p:style>
+          </p:cxnSp>
+          <p:sp>
+            <p:nvSpPr>
+              <p:cNvPr id="12" name="TextBox 11">
+                <a:extLst>
+                  <a:ext uri="{FF2B5EF4-FFF2-40B4-BE49-F238E27FC236}">
+                    <a16:creationId xmlns:a16="http://schemas.microsoft.com/office/drawing/2014/main" id="{A1877C90-8020-B9D7-39B4-874FE81EDA8E}"/>
+                  </a:ext>
+                </a:extLst>
+              </p:cNvPr>
+              <p:cNvSpPr txBox="1"/>
+              <p:nvPr/>
+            </p:nvSpPr>
+            <p:spPr>
+              <a:xfrm flipH="1">
+                <a:off x="4966062" y="4274760"/>
+                <a:ext cx="1563191" cy="369332"/>
+              </a:xfrm>
+              <a:prstGeom prst="rect">
+                <a:avLst/>
+              </a:prstGeom>
+              <a:noFill/>
+            </p:spPr>
+            <p:txBody>
+              <a:bodyPr wrap="square" rtlCol="0">
+                <a:spAutoFit/>
+              </a:bodyPr>
+              <a:lstStyle/>
+              <a:p>
+                <a:r>
+                  <a:rPr lang="en-US" dirty="0"/>
+                  <a:t>V-offset</a:t>
+                </a:r>
+              </a:p>
+            </p:txBody>
+          </p:sp>
+        </p:grpSp>
+        <p:grpSp>
+          <p:nvGrpSpPr>
+            <p:cNvPr id="13" name="Group 12">
               <a:extLst>
                 <a:ext uri="{FF2B5EF4-FFF2-40B4-BE49-F238E27FC236}">
-                  <a16:creationId xmlns:a16="http://schemas.microsoft.com/office/drawing/2014/main" id="{BF039973-DF52-76CD-8704-0E5989BEAD99}"/>
+                  <a16:creationId xmlns:a16="http://schemas.microsoft.com/office/drawing/2014/main" id="{A2DDBFA5-BA86-5CDB-B1C4-B0B7BB5AFB74}"/>
                 </a:ext>
               </a:extLst>
             </p:cNvPr>
-            <p:cNvCxnSpPr/>
+            <p:cNvGrpSpPr/>
             <p:nvPr/>
-          </p:nvCxnSpPr>
-          <p:spPr>
+          </p:nvGrpSpPr>
+          <p:grpSpPr>
             <a:xfrm>
-              <a:off x="5355771" y="4688114"/>
-              <a:ext cx="0" cy="479198"/>
+              <a:off x="6338091" y="4274760"/>
+              <a:ext cx="1563191" cy="892552"/>
+              <a:chOff x="4966062" y="4274760"/>
+              <a:chExt cx="1563191" cy="892552"/>
             </a:xfrm>
-            <a:prstGeom prst="straightConnector1">
-              <a:avLst/>
-            </a:prstGeom>
-            <a:ln>
-              <a:tailEnd type="triangle"/>
-            </a:ln>
-          </p:spPr>
-          <p:style>
-            <a:lnRef idx="1">
-              <a:schemeClr val="dk1"/>
-            </a:lnRef>
-            <a:fillRef idx="0">
-              <a:schemeClr val="dk1"/>
-            </a:fillRef>
-            <a:effectRef idx="0">
-              <a:schemeClr val="dk1"/>
-            </a:effectRef>
-            <a:fontRef idx="minor">
-              <a:schemeClr val="tx1"/>
-            </a:fontRef>
-          </p:style>
-        </p:cxnSp>
-        <p:sp>
-          <p:nvSpPr>
-            <p:cNvPr id="15" name="TextBox 14">
+          </p:grpSpPr>
+          <p:cxnSp>
+            <p:nvCxnSpPr>
+              <p:cNvPr id="14" name="Straight Arrow Connector 13">
+                <a:extLst>
+                  <a:ext uri="{FF2B5EF4-FFF2-40B4-BE49-F238E27FC236}">
+                    <a16:creationId xmlns:a16="http://schemas.microsoft.com/office/drawing/2014/main" id="{BF039973-DF52-76CD-8704-0E5989BEAD99}"/>
+                  </a:ext>
+                </a:extLst>
+              </p:cNvPr>
+              <p:cNvCxnSpPr/>
+              <p:nvPr/>
+            </p:nvCxnSpPr>
+            <p:spPr>
+              <a:xfrm>
+                <a:off x="5355771" y="4688114"/>
+                <a:ext cx="0" cy="479198"/>
+              </a:xfrm>
+              <a:prstGeom prst="straightConnector1">
+                <a:avLst/>
+              </a:prstGeom>
+              <a:ln>
+                <a:tailEnd type="triangle"/>
+              </a:ln>
+            </p:spPr>
+            <p:style>
+              <a:lnRef idx="1">
+                <a:schemeClr val="dk1"/>
+              </a:lnRef>
+              <a:fillRef idx="0">
+                <a:schemeClr val="dk1"/>
+              </a:fillRef>
+              <a:effectRef idx="0">
+                <a:schemeClr val="dk1"/>
+              </a:effectRef>
+              <a:fontRef idx="minor">
+                <a:schemeClr val="tx1"/>
+              </a:fontRef>
+            </p:style>
+          </p:cxnSp>
+          <p:sp>
+            <p:nvSpPr>
+              <p:cNvPr id="15" name="TextBox 14">
+                <a:extLst>
+                  <a:ext uri="{FF2B5EF4-FFF2-40B4-BE49-F238E27FC236}">
+                    <a16:creationId xmlns:a16="http://schemas.microsoft.com/office/drawing/2014/main" id="{7B582AB0-FADD-82E1-EDA4-D0F6C124E5F3}"/>
+                  </a:ext>
+                </a:extLst>
+              </p:cNvPr>
+              <p:cNvSpPr txBox="1"/>
+              <p:nvPr/>
+            </p:nvSpPr>
+            <p:spPr>
+              <a:xfrm flipH="1">
+                <a:off x="4966062" y="4274760"/>
+                <a:ext cx="1563191" cy="369332"/>
+              </a:xfrm>
+              <a:prstGeom prst="rect">
+                <a:avLst/>
+              </a:prstGeom>
+              <a:noFill/>
+            </p:spPr>
+            <p:txBody>
+              <a:bodyPr wrap="square" rtlCol="0">
+                <a:spAutoFit/>
+              </a:bodyPr>
+              <a:lstStyle/>
+              <a:p>
+                <a:r>
+                  <a:rPr lang="en-US" dirty="0"/>
+                  <a:t>blur</a:t>
+                </a:r>
+              </a:p>
+            </p:txBody>
+          </p:sp>
+        </p:grpSp>
+        <p:grpSp>
+          <p:nvGrpSpPr>
+            <p:cNvPr id="16" name="Group 15">
               <a:extLst>
                 <a:ext uri="{FF2B5EF4-FFF2-40B4-BE49-F238E27FC236}">
-                  <a16:creationId xmlns:a16="http://schemas.microsoft.com/office/drawing/2014/main" id="{7B582AB0-FADD-82E1-EDA4-D0F6C124E5F3}"/>
+                  <a16:creationId xmlns:a16="http://schemas.microsoft.com/office/drawing/2014/main" id="{2494F210-C06D-3B90-6DF5-A5B0A1A8B5B6}"/>
                 </a:ext>
               </a:extLst>
             </p:cNvPr>
-            <p:cNvSpPr txBox="1"/>
+            <p:cNvGrpSpPr/>
             <p:nvPr/>
-          </p:nvSpPr>
-          <p:spPr>
-            <a:xfrm flipH="1">
-              <a:off x="4966062" y="4274760"/>
-              <a:ext cx="1563191" cy="369332"/>
+          </p:nvGrpSpPr>
+          <p:grpSpPr>
+            <a:xfrm rot="11212204">
+              <a:off x="6290320" y="5581073"/>
+              <a:ext cx="1563191" cy="892552"/>
+              <a:chOff x="4966062" y="4274760"/>
+              <a:chExt cx="1563191" cy="892552"/>
             </a:xfrm>
-            <a:prstGeom prst="rect">
-              <a:avLst/>
-            </a:prstGeom>
-            <a:noFill/>
-          </p:spPr>
-          <p:txBody>
-            <a:bodyPr wrap="square" rtlCol="0">
-              <a:spAutoFit/>
-            </a:bodyPr>
-            <a:lstStyle/>
-            <a:p>
-              <a:r>
-                <a:rPr lang="en-US" dirty="0"/>
-                <a:t>blur</a:t>
-              </a:r>
-            </a:p>
-          </p:txBody>
-        </p:sp>
-      </p:grpSp>
-      <p:grpSp>
-        <p:nvGrpSpPr>
-          <p:cNvPr id="16" name="Group 15">
-            <a:extLst>
-              <a:ext uri="{FF2B5EF4-FFF2-40B4-BE49-F238E27FC236}">
-                <a16:creationId xmlns:a16="http://schemas.microsoft.com/office/drawing/2014/main" id="{2494F210-C06D-3B90-6DF5-A5B0A1A8B5B6}"/>
-              </a:ext>
-            </a:extLst>
-          </p:cNvPr>
-          <p:cNvGrpSpPr/>
-          <p:nvPr/>
-        </p:nvGrpSpPr>
-        <p:grpSpPr>
-          <a:xfrm rot="11212204">
-            <a:off x="6290320" y="5581073"/>
-            <a:ext cx="1563191" cy="892552"/>
-            <a:chOff x="4966062" y="4274760"/>
-            <a:chExt cx="1563191" cy="892552"/>
-          </a:xfrm>
-        </p:grpSpPr>
-        <p:cxnSp>
-          <p:nvCxnSpPr>
-            <p:cNvPr id="17" name="Straight Arrow Connector 16">
-              <a:extLst>
-                <a:ext uri="{FF2B5EF4-FFF2-40B4-BE49-F238E27FC236}">
-                  <a16:creationId xmlns:a16="http://schemas.microsoft.com/office/drawing/2014/main" id="{6741578E-1DA7-7563-2684-F204283E2E56}"/>
-                </a:ext>
-              </a:extLst>
-            </p:cNvPr>
-            <p:cNvCxnSpPr/>
-            <p:nvPr/>
-          </p:nvCxnSpPr>
-          <p:spPr>
-            <a:xfrm>
-              <a:off x="5355771" y="4688114"/>
-              <a:ext cx="0" cy="479198"/>
-            </a:xfrm>
-            <a:prstGeom prst="straightConnector1">
-              <a:avLst/>
-            </a:prstGeom>
-            <a:ln>
-              <a:tailEnd type="triangle"/>
-            </a:ln>
-          </p:spPr>
-          <p:style>
-            <a:lnRef idx="1">
-              <a:schemeClr val="dk1"/>
-            </a:lnRef>
-            <a:fillRef idx="0">
-              <a:schemeClr val="dk1"/>
-            </a:fillRef>
-            <a:effectRef idx="0">
-              <a:schemeClr val="dk1"/>
-            </a:effectRef>
-            <a:fontRef idx="minor">
-              <a:schemeClr val="tx1"/>
-            </a:fontRef>
-          </p:style>
-        </p:cxnSp>
-        <p:sp>
-          <p:nvSpPr>
-            <p:cNvPr id="18" name="TextBox 17">
-              <a:extLst>
-                <a:ext uri="{FF2B5EF4-FFF2-40B4-BE49-F238E27FC236}">
-                  <a16:creationId xmlns:a16="http://schemas.microsoft.com/office/drawing/2014/main" id="{0616448D-9450-9943-A900-9D458C27AACB}"/>
-                </a:ext>
-              </a:extLst>
-            </p:cNvPr>
-            <p:cNvSpPr txBox="1"/>
-            <p:nvPr/>
-          </p:nvSpPr>
-          <p:spPr>
-            <a:xfrm flipH="1">
-              <a:off x="4966062" y="4274760"/>
-              <a:ext cx="1563191" cy="369332"/>
-            </a:xfrm>
-            <a:prstGeom prst="rect">
-              <a:avLst/>
-            </a:prstGeom>
-            <a:noFill/>
-          </p:spPr>
-          <p:txBody>
-            <a:bodyPr wrap="square" rtlCol="0">
-              <a:spAutoFit/>
-            </a:bodyPr>
-            <a:lstStyle/>
-            <a:p>
-              <a:r>
-                <a:rPr lang="en-US" dirty="0"/>
-                <a:t>spread</a:t>
-              </a:r>
-            </a:p>
-          </p:txBody>
-        </p:sp>
+          </p:grpSpPr>
+          <p:cxnSp>
+            <p:nvCxnSpPr>
+              <p:cNvPr id="17" name="Straight Arrow Connector 16">
+                <a:extLst>
+                  <a:ext uri="{FF2B5EF4-FFF2-40B4-BE49-F238E27FC236}">
+                    <a16:creationId xmlns:a16="http://schemas.microsoft.com/office/drawing/2014/main" id="{6741578E-1DA7-7563-2684-F204283E2E56}"/>
+                  </a:ext>
+                </a:extLst>
+              </p:cNvPr>
+              <p:cNvCxnSpPr/>
+              <p:nvPr/>
+            </p:nvCxnSpPr>
+            <p:spPr>
+              <a:xfrm>
+                <a:off x="5355771" y="4688114"/>
+                <a:ext cx="0" cy="479198"/>
+              </a:xfrm>
+              <a:prstGeom prst="straightConnector1">
+                <a:avLst/>
+              </a:prstGeom>
+              <a:ln>
+                <a:tailEnd type="triangle"/>
+              </a:ln>
+            </p:spPr>
+            <p:style>
+              <a:lnRef idx="1">
+                <a:schemeClr val="dk1"/>
+              </a:lnRef>
+              <a:fillRef idx="0">
+                <a:schemeClr val="dk1"/>
+              </a:fillRef>
+              <a:effectRef idx="0">
+                <a:schemeClr val="dk1"/>
+              </a:effectRef>
+              <a:fontRef idx="minor">
+                <a:schemeClr val="tx1"/>
+              </a:fontRef>
+            </p:style>
+          </p:cxnSp>
+          <p:sp>
+            <p:nvSpPr>
+              <p:cNvPr id="18" name="TextBox 17">
+                <a:extLst>
+                  <a:ext uri="{FF2B5EF4-FFF2-40B4-BE49-F238E27FC236}">
+                    <a16:creationId xmlns:a16="http://schemas.microsoft.com/office/drawing/2014/main" id="{0616448D-9450-9943-A900-9D458C27AACB}"/>
+                  </a:ext>
+                </a:extLst>
+              </p:cNvPr>
+              <p:cNvSpPr txBox="1"/>
+              <p:nvPr/>
+            </p:nvSpPr>
+            <p:spPr>
+              <a:xfrm flipH="1">
+                <a:off x="4966062" y="4274760"/>
+                <a:ext cx="1563191" cy="369332"/>
+              </a:xfrm>
+              <a:prstGeom prst="rect">
+                <a:avLst/>
+              </a:prstGeom>
+              <a:noFill/>
+            </p:spPr>
+            <p:txBody>
+              <a:bodyPr wrap="square" rtlCol="0">
+                <a:spAutoFit/>
+              </a:bodyPr>
+              <a:lstStyle/>
+              <a:p>
+                <a:r>
+                  <a:rPr lang="en-US" dirty="0"/>
+                  <a:t>spread</a:t>
+                </a:r>
+              </a:p>
+            </p:txBody>
+          </p:sp>
+        </p:grpSp>
       </p:grpSp>
     </p:spTree>
     <p:extLst>
@@ -10414,6 +10445,1122 @@
 </p:sld>
 </file>
 
+<file path=ppt/slides/slide43.xml><?xml version="1.0" encoding="utf-8"?>
+<p:sld xmlns:a="http://schemas.openxmlformats.org/drawingml/2006/main" xmlns:r="http://schemas.openxmlformats.org/officeDocument/2006/relationships" xmlns:p="http://schemas.openxmlformats.org/presentationml/2006/main">
+  <p:cSld>
+    <p:spTree>
+      <p:nvGrpSpPr>
+        <p:cNvPr id="1" name=""/>
+        <p:cNvGrpSpPr/>
+        <p:nvPr/>
+      </p:nvGrpSpPr>
+      <p:grpSpPr>
+        <a:xfrm>
+          <a:off x="0" y="0"/>
+          <a:ext cx="0" cy="0"/>
+          <a:chOff x="0" y="0"/>
+          <a:chExt cx="0" cy="0"/>
+        </a:xfrm>
+      </p:grpSpPr>
+      <p:sp>
+        <p:nvSpPr>
+          <p:cNvPr id="2" name="Title 1">
+            <a:extLst>
+              <a:ext uri="{FF2B5EF4-FFF2-40B4-BE49-F238E27FC236}">
+                <a16:creationId xmlns:a16="http://schemas.microsoft.com/office/drawing/2014/main" id="{2DAFD779-5AAE-E8C9-2470-31F7460F2C7B}"/>
+              </a:ext>
+            </a:extLst>
+          </p:cNvPr>
+          <p:cNvSpPr>
+            <a:spLocks noGrp="1"/>
+          </p:cNvSpPr>
+          <p:nvPr>
+            <p:ph type="title"/>
+          </p:nvPr>
+        </p:nvSpPr>
+        <p:spPr/>
+        <p:txBody>
+          <a:bodyPr/>
+          <a:lstStyle/>
+          <a:p>
+            <a:r>
+              <a:rPr lang="en-US" dirty="0" err="1"/>
+              <a:t>CSS:Text</a:t>
+            </a:r>
+            <a:r>
+              <a:rPr lang="en-US" dirty="0"/>
+              <a:t> Decoration</a:t>
+            </a:r>
+          </a:p>
+        </p:txBody>
+      </p:sp>
+      <p:sp>
+        <p:nvSpPr>
+          <p:cNvPr id="3" name="Content Placeholder 2">
+            <a:extLst>
+              <a:ext uri="{FF2B5EF4-FFF2-40B4-BE49-F238E27FC236}">
+                <a16:creationId xmlns:a16="http://schemas.microsoft.com/office/drawing/2014/main" id="{7AD8996F-5425-39AE-6E40-1CE5BF8A769C}"/>
+              </a:ext>
+            </a:extLst>
+          </p:cNvPr>
+          <p:cNvSpPr>
+            <a:spLocks noGrp="1"/>
+          </p:cNvSpPr>
+          <p:nvPr>
+            <p:ph idx="1"/>
+          </p:nvPr>
+        </p:nvSpPr>
+        <p:spPr/>
+        <p:txBody>
+          <a:bodyPr/>
+          <a:lstStyle/>
+          <a:p>
+            <a:r>
+              <a:rPr lang="en-US" dirty="0"/>
+              <a:t>Text-decoration-line</a:t>
+            </a:r>
+          </a:p>
+          <a:p>
+            <a:r>
+              <a:rPr lang="en-US" dirty="0"/>
+              <a:t>Text-decoration-color</a:t>
+            </a:r>
+          </a:p>
+          <a:p>
+            <a:r>
+              <a:rPr lang="en-US" dirty="0"/>
+              <a:t>Text-decoration-style</a:t>
+            </a:r>
+          </a:p>
+        </p:txBody>
+      </p:sp>
+    </p:spTree>
+    <p:extLst>
+      <p:ext uri="{BB962C8B-B14F-4D97-AF65-F5344CB8AC3E}">
+        <p14:creationId xmlns:p14="http://schemas.microsoft.com/office/powerpoint/2010/main" val="2912201312"/>
+      </p:ext>
+    </p:extLst>
+  </p:cSld>
+  <p:clrMapOvr>
+    <a:masterClrMapping/>
+  </p:clrMapOvr>
+</p:sld>
+</file>
+
+<file path=ppt/slides/slide44.xml><?xml version="1.0" encoding="utf-8"?>
+<p:sld xmlns:a="http://schemas.openxmlformats.org/drawingml/2006/main" xmlns:r="http://schemas.openxmlformats.org/officeDocument/2006/relationships" xmlns:p="http://schemas.openxmlformats.org/presentationml/2006/main">
+  <p:cSld>
+    <p:spTree>
+      <p:nvGrpSpPr>
+        <p:cNvPr id="1" name=""/>
+        <p:cNvGrpSpPr/>
+        <p:nvPr/>
+      </p:nvGrpSpPr>
+      <p:grpSpPr>
+        <a:xfrm>
+          <a:off x="0" y="0"/>
+          <a:ext cx="0" cy="0"/>
+          <a:chOff x="0" y="0"/>
+          <a:chExt cx="0" cy="0"/>
+        </a:xfrm>
+      </p:grpSpPr>
+      <p:sp>
+        <p:nvSpPr>
+          <p:cNvPr id="2" name="Title 1">
+            <a:extLst>
+              <a:ext uri="{FF2B5EF4-FFF2-40B4-BE49-F238E27FC236}">
+                <a16:creationId xmlns:a16="http://schemas.microsoft.com/office/drawing/2014/main" id="{8D154880-FAB1-B4C4-3DED-3C1E902DC86B}"/>
+              </a:ext>
+            </a:extLst>
+          </p:cNvPr>
+          <p:cNvSpPr>
+            <a:spLocks noGrp="1"/>
+          </p:cNvSpPr>
+          <p:nvPr>
+            <p:ph type="title"/>
+          </p:nvPr>
+        </p:nvSpPr>
+        <p:spPr/>
+        <p:txBody>
+          <a:bodyPr/>
+          <a:lstStyle/>
+          <a:p>
+            <a:r>
+              <a:rPr lang="en-US" dirty="0"/>
+              <a:t>Text-decoration-line</a:t>
+            </a:r>
+          </a:p>
+        </p:txBody>
+      </p:sp>
+      <p:sp>
+        <p:nvSpPr>
+          <p:cNvPr id="3" name="Content Placeholder 2">
+            <a:extLst>
+              <a:ext uri="{FF2B5EF4-FFF2-40B4-BE49-F238E27FC236}">
+                <a16:creationId xmlns:a16="http://schemas.microsoft.com/office/drawing/2014/main" id="{084B0F9E-6FF5-2A65-9E6C-91949E3A6A88}"/>
+              </a:ext>
+            </a:extLst>
+          </p:cNvPr>
+          <p:cNvSpPr>
+            <a:spLocks noGrp="1"/>
+          </p:cNvSpPr>
+          <p:nvPr>
+            <p:ph idx="1"/>
+          </p:nvPr>
+        </p:nvSpPr>
+        <p:spPr/>
+        <p:txBody>
+          <a:bodyPr/>
+          <a:lstStyle/>
+          <a:p>
+            <a:r>
+              <a:rPr lang="en-US" dirty="0"/>
+              <a:t>Underline</a:t>
+            </a:r>
+          </a:p>
+          <a:p>
+            <a:r>
+              <a:rPr lang="en-US" dirty="0"/>
+              <a:t>Overline</a:t>
+            </a:r>
+          </a:p>
+          <a:p>
+            <a:r>
+              <a:rPr lang="en-US" dirty="0"/>
+              <a:t>Line-through</a:t>
+            </a:r>
+          </a:p>
+          <a:p>
+            <a:r>
+              <a:rPr lang="en-US" dirty="0"/>
+              <a:t>none</a:t>
+            </a:r>
+          </a:p>
+        </p:txBody>
+      </p:sp>
+    </p:spTree>
+    <p:extLst>
+      <p:ext uri="{BB962C8B-B14F-4D97-AF65-F5344CB8AC3E}">
+        <p14:creationId xmlns:p14="http://schemas.microsoft.com/office/powerpoint/2010/main" val="2343270800"/>
+      </p:ext>
+    </p:extLst>
+  </p:cSld>
+  <p:clrMapOvr>
+    <a:masterClrMapping/>
+  </p:clrMapOvr>
+</p:sld>
+</file>
+
+<file path=ppt/slides/slide45.xml><?xml version="1.0" encoding="utf-8"?>
+<p:sld xmlns:a="http://schemas.openxmlformats.org/drawingml/2006/main" xmlns:r="http://schemas.openxmlformats.org/officeDocument/2006/relationships" xmlns:p="http://schemas.openxmlformats.org/presentationml/2006/main">
+  <p:cSld>
+    <p:spTree>
+      <p:nvGrpSpPr>
+        <p:cNvPr id="1" name=""/>
+        <p:cNvGrpSpPr/>
+        <p:nvPr/>
+      </p:nvGrpSpPr>
+      <p:grpSpPr>
+        <a:xfrm>
+          <a:off x="0" y="0"/>
+          <a:ext cx="0" cy="0"/>
+          <a:chOff x="0" y="0"/>
+          <a:chExt cx="0" cy="0"/>
+        </a:xfrm>
+      </p:grpSpPr>
+      <p:sp>
+        <p:nvSpPr>
+          <p:cNvPr id="2" name="Title 1">
+            <a:extLst>
+              <a:ext uri="{FF2B5EF4-FFF2-40B4-BE49-F238E27FC236}">
+                <a16:creationId xmlns:a16="http://schemas.microsoft.com/office/drawing/2014/main" id="{4098B446-7DD4-B4B2-7FF8-58BCE6B9B11C}"/>
+              </a:ext>
+            </a:extLst>
+          </p:cNvPr>
+          <p:cNvSpPr>
+            <a:spLocks noGrp="1"/>
+          </p:cNvSpPr>
+          <p:nvPr>
+            <p:ph type="title"/>
+          </p:nvPr>
+        </p:nvSpPr>
+        <p:spPr/>
+        <p:txBody>
+          <a:bodyPr/>
+          <a:lstStyle/>
+          <a:p>
+            <a:r>
+              <a:rPr lang="en-US" dirty="0"/>
+              <a:t>Text-decoration-style</a:t>
+            </a:r>
+          </a:p>
+        </p:txBody>
+      </p:sp>
+      <p:sp>
+        <p:nvSpPr>
+          <p:cNvPr id="3" name="Content Placeholder 2">
+            <a:extLst>
+              <a:ext uri="{FF2B5EF4-FFF2-40B4-BE49-F238E27FC236}">
+                <a16:creationId xmlns:a16="http://schemas.microsoft.com/office/drawing/2014/main" id="{FBA24FAD-283D-E5C9-FE0C-9EE416C5C532}"/>
+              </a:ext>
+            </a:extLst>
+          </p:cNvPr>
+          <p:cNvSpPr>
+            <a:spLocks noGrp="1"/>
+          </p:cNvSpPr>
+          <p:nvPr>
+            <p:ph idx="1"/>
+          </p:nvPr>
+        </p:nvSpPr>
+        <p:spPr/>
+        <p:txBody>
+          <a:bodyPr/>
+          <a:lstStyle/>
+          <a:p>
+            <a:r>
+              <a:rPr lang="en-US" dirty="0"/>
+              <a:t>Solid</a:t>
+            </a:r>
+          </a:p>
+          <a:p>
+            <a:r>
+              <a:rPr lang="en-US" dirty="0"/>
+              <a:t>Dotted</a:t>
+            </a:r>
+          </a:p>
+          <a:p>
+            <a:r>
+              <a:rPr lang="en-US" dirty="0"/>
+              <a:t>Dashed</a:t>
+            </a:r>
+          </a:p>
+          <a:p>
+            <a:r>
+              <a:rPr lang="en-US" dirty="0"/>
+              <a:t>Double</a:t>
+            </a:r>
+          </a:p>
+          <a:p>
+            <a:r>
+              <a:rPr lang="en-US" dirty="0"/>
+              <a:t>wavy</a:t>
+            </a:r>
+          </a:p>
+        </p:txBody>
+      </p:sp>
+    </p:spTree>
+    <p:extLst>
+      <p:ext uri="{BB962C8B-B14F-4D97-AF65-F5344CB8AC3E}">
+        <p14:creationId xmlns:p14="http://schemas.microsoft.com/office/powerpoint/2010/main" val="2028481319"/>
+      </p:ext>
+    </p:extLst>
+  </p:cSld>
+  <p:clrMapOvr>
+    <a:masterClrMapping/>
+  </p:clrMapOvr>
+</p:sld>
+</file>
+
+<file path=ppt/slides/slide46.xml><?xml version="1.0" encoding="utf-8"?>
+<p:sld xmlns:a="http://schemas.openxmlformats.org/drawingml/2006/main" xmlns:r="http://schemas.openxmlformats.org/officeDocument/2006/relationships" xmlns:p="http://schemas.openxmlformats.org/presentationml/2006/main">
+  <p:cSld>
+    <p:spTree>
+      <p:nvGrpSpPr>
+        <p:cNvPr id="1" name=""/>
+        <p:cNvGrpSpPr/>
+        <p:nvPr/>
+      </p:nvGrpSpPr>
+      <p:grpSpPr>
+        <a:xfrm>
+          <a:off x="0" y="0"/>
+          <a:ext cx="0" cy="0"/>
+          <a:chOff x="0" y="0"/>
+          <a:chExt cx="0" cy="0"/>
+        </a:xfrm>
+      </p:grpSpPr>
+      <p:sp>
+        <p:nvSpPr>
+          <p:cNvPr id="2" name="Title 1">
+            <a:extLst>
+              <a:ext uri="{FF2B5EF4-FFF2-40B4-BE49-F238E27FC236}">
+                <a16:creationId xmlns:a16="http://schemas.microsoft.com/office/drawing/2014/main" id="{F3718412-794A-FC13-86F9-0B9099414773}"/>
+              </a:ext>
+            </a:extLst>
+          </p:cNvPr>
+          <p:cNvSpPr>
+            <a:spLocks noGrp="1"/>
+          </p:cNvSpPr>
+          <p:nvPr>
+            <p:ph type="title"/>
+          </p:nvPr>
+        </p:nvSpPr>
+        <p:spPr/>
+        <p:txBody>
+          <a:bodyPr/>
+          <a:lstStyle/>
+          <a:p>
+            <a:r>
+              <a:rPr lang="en-US" dirty="0"/>
+              <a:t>Text-decoration Shorthand</a:t>
+            </a:r>
+          </a:p>
+        </p:txBody>
+      </p:sp>
+      <p:sp>
+        <p:nvSpPr>
+          <p:cNvPr id="3" name="Content Placeholder 2">
+            <a:extLst>
+              <a:ext uri="{FF2B5EF4-FFF2-40B4-BE49-F238E27FC236}">
+                <a16:creationId xmlns:a16="http://schemas.microsoft.com/office/drawing/2014/main" id="{E526134D-96B4-10F0-0DEF-859A706C32B3}"/>
+              </a:ext>
+            </a:extLst>
+          </p:cNvPr>
+          <p:cNvSpPr>
+            <a:spLocks noGrp="1"/>
+          </p:cNvSpPr>
+          <p:nvPr>
+            <p:ph idx="1"/>
+          </p:nvPr>
+        </p:nvSpPr>
+        <p:spPr/>
+        <p:txBody>
+          <a:bodyPr/>
+          <a:lstStyle/>
+          <a:p>
+            <a:r>
+              <a:rPr lang="en-US" dirty="0"/>
+              <a:t>Text-decoration-line: underline;</a:t>
+            </a:r>
+          </a:p>
+          <a:p>
+            <a:r>
+              <a:rPr lang="en-US" dirty="0"/>
+              <a:t>Text-decoration-color: red;</a:t>
+            </a:r>
+          </a:p>
+          <a:p>
+            <a:r>
+              <a:rPr lang="en-US" dirty="0"/>
+              <a:t>Text-decoration-style: wavy;</a:t>
+            </a:r>
+          </a:p>
+          <a:p>
+            <a:endParaRPr lang="en-US" dirty="0"/>
+          </a:p>
+          <a:p>
+            <a:endParaRPr lang="en-US" dirty="0"/>
+          </a:p>
+          <a:p>
+            <a:pPr marL="0" indent="0">
+              <a:buNone/>
+            </a:pPr>
+            <a:r>
+              <a:rPr lang="en-US" dirty="0"/>
+              <a:t>Shorthand</a:t>
+            </a:r>
+          </a:p>
+          <a:p>
+            <a:pPr marL="0" indent="0">
+              <a:buNone/>
+            </a:pPr>
+            <a:r>
+              <a:rPr lang="en-US" dirty="0"/>
+              <a:t>Text-decoration: underline red wavy;</a:t>
+            </a:r>
+          </a:p>
+        </p:txBody>
+      </p:sp>
+    </p:spTree>
+    <p:extLst>
+      <p:ext uri="{BB962C8B-B14F-4D97-AF65-F5344CB8AC3E}">
+        <p14:creationId xmlns:p14="http://schemas.microsoft.com/office/powerpoint/2010/main" val="4000875933"/>
+      </p:ext>
+    </p:extLst>
+  </p:cSld>
+  <p:clrMapOvr>
+    <a:masterClrMapping/>
+  </p:clrMapOvr>
+</p:sld>
+</file>
+
+<file path=ppt/slides/slide47.xml><?xml version="1.0" encoding="utf-8"?>
+<p:sld xmlns:a="http://schemas.openxmlformats.org/drawingml/2006/main" xmlns:r="http://schemas.openxmlformats.org/officeDocument/2006/relationships" xmlns:p="http://schemas.openxmlformats.org/presentationml/2006/main">
+  <p:cSld>
+    <p:spTree>
+      <p:nvGrpSpPr>
+        <p:cNvPr id="1" name=""/>
+        <p:cNvGrpSpPr/>
+        <p:nvPr/>
+      </p:nvGrpSpPr>
+      <p:grpSpPr>
+        <a:xfrm>
+          <a:off x="0" y="0"/>
+          <a:ext cx="0" cy="0"/>
+          <a:chOff x="0" y="0"/>
+          <a:chExt cx="0" cy="0"/>
+        </a:xfrm>
+      </p:grpSpPr>
+      <p:sp>
+        <p:nvSpPr>
+          <p:cNvPr id="2" name="Title 1">
+            <a:extLst>
+              <a:ext uri="{FF2B5EF4-FFF2-40B4-BE49-F238E27FC236}">
+                <a16:creationId xmlns:a16="http://schemas.microsoft.com/office/drawing/2014/main" id="{A70FF453-B228-2DB4-2292-F56D0C6D677A}"/>
+              </a:ext>
+            </a:extLst>
+          </p:cNvPr>
+          <p:cNvSpPr>
+            <a:spLocks noGrp="1"/>
+          </p:cNvSpPr>
+          <p:nvPr>
+            <p:ph type="title"/>
+          </p:nvPr>
+        </p:nvSpPr>
+        <p:spPr/>
+        <p:txBody>
+          <a:bodyPr/>
+          <a:lstStyle/>
+          <a:p>
+            <a:r>
+              <a:rPr lang="en-US" dirty="0"/>
+              <a:t>CSS Word-Wrap &amp; Word-Break</a:t>
+            </a:r>
+          </a:p>
+        </p:txBody>
+      </p:sp>
+      <p:sp>
+        <p:nvSpPr>
+          <p:cNvPr id="4" name="TextBox 3">
+            <a:extLst>
+              <a:ext uri="{FF2B5EF4-FFF2-40B4-BE49-F238E27FC236}">
+                <a16:creationId xmlns:a16="http://schemas.microsoft.com/office/drawing/2014/main" id="{B1DC3F9A-A55E-490B-8CD9-9DABA795048B}"/>
+              </a:ext>
+            </a:extLst>
+          </p:cNvPr>
+          <p:cNvSpPr txBox="1"/>
+          <p:nvPr/>
+        </p:nvSpPr>
+        <p:spPr>
+          <a:xfrm>
+            <a:off x="4586514" y="2960914"/>
+            <a:ext cx="4963886" cy="369332"/>
+          </a:xfrm>
+          <a:prstGeom prst="rect">
+            <a:avLst/>
+          </a:prstGeom>
+          <a:noFill/>
+        </p:spPr>
+        <p:txBody>
+          <a:bodyPr wrap="square" rtlCol="0">
+            <a:spAutoFit/>
+          </a:bodyPr>
+          <a:lstStyle/>
+          <a:p>
+            <a:r>
+              <a:rPr lang="en-US" dirty="0" err="1"/>
+              <a:t>sadsadsadssadsadsadaaaaaaaaaaaaaaaa</a:t>
+            </a:r>
+            <a:endParaRPr lang="en-US" dirty="0"/>
+          </a:p>
+        </p:txBody>
+      </p:sp>
+      <p:sp>
+        <p:nvSpPr>
+          <p:cNvPr id="5" name="Rectangle 4">
+            <a:extLst>
+              <a:ext uri="{FF2B5EF4-FFF2-40B4-BE49-F238E27FC236}">
+                <a16:creationId xmlns:a16="http://schemas.microsoft.com/office/drawing/2014/main" id="{89BD5CCE-3884-9508-A37A-0DDA531CA5F8}"/>
+              </a:ext>
+            </a:extLst>
+          </p:cNvPr>
+          <p:cNvSpPr/>
+          <p:nvPr/>
+        </p:nvSpPr>
+        <p:spPr>
+          <a:xfrm>
+            <a:off x="3933371" y="2002971"/>
+            <a:ext cx="3614058" cy="1741715"/>
+          </a:xfrm>
+          <a:prstGeom prst="rect">
+            <a:avLst/>
+          </a:prstGeom>
+          <a:noFill/>
+        </p:spPr>
+        <p:style>
+          <a:lnRef idx="2">
+            <a:schemeClr val="accent1">
+              <a:shade val="50000"/>
+            </a:schemeClr>
+          </a:lnRef>
+          <a:fillRef idx="1">
+            <a:schemeClr val="accent1"/>
+          </a:fillRef>
+          <a:effectRef idx="0">
+            <a:schemeClr val="accent1"/>
+          </a:effectRef>
+          <a:fontRef idx="minor">
+            <a:schemeClr val="lt1"/>
+          </a:fontRef>
+        </p:style>
+        <p:txBody>
+          <a:bodyPr rtlCol="0" anchor="ctr"/>
+          <a:lstStyle/>
+          <a:p>
+            <a:pPr algn="ctr"/>
+            <a:endParaRPr lang="en-US"/>
+          </a:p>
+        </p:txBody>
+      </p:sp>
+      <p:sp>
+        <p:nvSpPr>
+          <p:cNvPr id="6" name="TextBox 5">
+            <a:extLst>
+              <a:ext uri="{FF2B5EF4-FFF2-40B4-BE49-F238E27FC236}">
+                <a16:creationId xmlns:a16="http://schemas.microsoft.com/office/drawing/2014/main" id="{D3375930-BBAE-5BAA-2971-34ED502EA70D}"/>
+              </a:ext>
+            </a:extLst>
+          </p:cNvPr>
+          <p:cNvSpPr txBox="1"/>
+          <p:nvPr/>
+        </p:nvSpPr>
+        <p:spPr>
+          <a:xfrm>
+            <a:off x="4717143" y="4746171"/>
+            <a:ext cx="2505622" cy="369332"/>
+          </a:xfrm>
+          <a:prstGeom prst="rect">
+            <a:avLst/>
+          </a:prstGeom>
+          <a:noFill/>
+        </p:spPr>
+        <p:txBody>
+          <a:bodyPr wrap="none" rtlCol="0">
+            <a:spAutoFit/>
+          </a:bodyPr>
+          <a:lstStyle/>
+          <a:p>
+            <a:r>
+              <a:rPr lang="en-US" dirty="0"/>
+              <a:t>Word-wrap: break-word;</a:t>
+            </a:r>
+          </a:p>
+        </p:txBody>
+      </p:sp>
+    </p:spTree>
+    <p:extLst>
+      <p:ext uri="{BB962C8B-B14F-4D97-AF65-F5344CB8AC3E}">
+        <p14:creationId xmlns:p14="http://schemas.microsoft.com/office/powerpoint/2010/main" val="760998459"/>
+      </p:ext>
+    </p:extLst>
+  </p:cSld>
+  <p:clrMapOvr>
+    <a:masterClrMapping/>
+  </p:clrMapOvr>
+</p:sld>
+</file>
+
+<file path=ppt/slides/slide48.xml><?xml version="1.0" encoding="utf-8"?>
+<p:sld xmlns:a="http://schemas.openxmlformats.org/drawingml/2006/main" xmlns:r="http://schemas.openxmlformats.org/officeDocument/2006/relationships" xmlns:p="http://schemas.openxmlformats.org/presentationml/2006/main">
+  <p:cSld>
+    <p:spTree>
+      <p:nvGrpSpPr>
+        <p:cNvPr id="1" name=""/>
+        <p:cNvGrpSpPr/>
+        <p:nvPr/>
+      </p:nvGrpSpPr>
+      <p:grpSpPr>
+        <a:xfrm>
+          <a:off x="0" y="0"/>
+          <a:ext cx="0" cy="0"/>
+          <a:chOff x="0" y="0"/>
+          <a:chExt cx="0" cy="0"/>
+        </a:xfrm>
+      </p:grpSpPr>
+      <p:sp>
+        <p:nvSpPr>
+          <p:cNvPr id="2" name="Title 1">
+            <a:extLst>
+              <a:ext uri="{FF2B5EF4-FFF2-40B4-BE49-F238E27FC236}">
+                <a16:creationId xmlns:a16="http://schemas.microsoft.com/office/drawing/2014/main" id="{F4030D7C-DF2E-C835-406C-01589A05B944}"/>
+              </a:ext>
+            </a:extLst>
+          </p:cNvPr>
+          <p:cNvSpPr>
+            <a:spLocks noGrp="1"/>
+          </p:cNvSpPr>
+          <p:nvPr>
+            <p:ph type="title"/>
+          </p:nvPr>
+        </p:nvSpPr>
+        <p:spPr/>
+        <p:txBody>
+          <a:bodyPr/>
+          <a:lstStyle/>
+          <a:p>
+            <a:br>
+              <a:rPr lang="en-US" dirty="0"/>
+            </a:br>
+            <a:r>
+              <a:rPr lang="en-US" dirty="0"/>
+              <a:t>Word-Break</a:t>
+            </a:r>
+          </a:p>
+        </p:txBody>
+      </p:sp>
+      <p:sp>
+        <p:nvSpPr>
+          <p:cNvPr id="3" name="Content Placeholder 2">
+            <a:extLst>
+              <a:ext uri="{FF2B5EF4-FFF2-40B4-BE49-F238E27FC236}">
+                <a16:creationId xmlns:a16="http://schemas.microsoft.com/office/drawing/2014/main" id="{0BDD3F04-925D-B628-FD96-E6104C7288B9}"/>
+              </a:ext>
+            </a:extLst>
+          </p:cNvPr>
+          <p:cNvSpPr>
+            <a:spLocks noGrp="1"/>
+          </p:cNvSpPr>
+          <p:nvPr>
+            <p:ph idx="1"/>
+          </p:nvPr>
+        </p:nvSpPr>
+        <p:spPr/>
+        <p:txBody>
+          <a:bodyPr/>
+          <a:lstStyle/>
+          <a:p>
+            <a:r>
+              <a:rPr lang="en-US" dirty="0"/>
+              <a:t>Break-all</a:t>
+            </a:r>
+          </a:p>
+          <a:p>
+            <a:r>
+              <a:rPr lang="en-US" dirty="0"/>
+              <a:t>Keep-all</a:t>
+            </a:r>
+          </a:p>
+        </p:txBody>
+      </p:sp>
+    </p:spTree>
+    <p:extLst>
+      <p:ext uri="{BB962C8B-B14F-4D97-AF65-F5344CB8AC3E}">
+        <p14:creationId xmlns:p14="http://schemas.microsoft.com/office/powerpoint/2010/main" val="1650549660"/>
+      </p:ext>
+    </p:extLst>
+  </p:cSld>
+  <p:clrMapOvr>
+    <a:masterClrMapping/>
+  </p:clrMapOvr>
+</p:sld>
+</file>
+
+<file path=ppt/slides/slide49.xml><?xml version="1.0" encoding="utf-8"?>
+<p:sld xmlns:a="http://schemas.openxmlformats.org/drawingml/2006/main" xmlns:r="http://schemas.openxmlformats.org/officeDocument/2006/relationships" xmlns:p="http://schemas.openxmlformats.org/presentationml/2006/main">
+  <p:cSld>
+    <p:spTree>
+      <p:nvGrpSpPr>
+        <p:cNvPr id="1" name=""/>
+        <p:cNvGrpSpPr/>
+        <p:nvPr/>
+      </p:nvGrpSpPr>
+      <p:grpSpPr>
+        <a:xfrm>
+          <a:off x="0" y="0"/>
+          <a:ext cx="0" cy="0"/>
+          <a:chOff x="0" y="0"/>
+          <a:chExt cx="0" cy="0"/>
+        </a:xfrm>
+      </p:grpSpPr>
+      <p:sp>
+        <p:nvSpPr>
+          <p:cNvPr id="2" name="Title 1">
+            <a:extLst>
+              <a:ext uri="{FF2B5EF4-FFF2-40B4-BE49-F238E27FC236}">
+                <a16:creationId xmlns:a16="http://schemas.microsoft.com/office/drawing/2014/main" id="{78B4EF5A-3670-B96E-3E93-BFEE5779374D}"/>
+              </a:ext>
+            </a:extLst>
+          </p:cNvPr>
+          <p:cNvSpPr>
+            <a:spLocks noGrp="1"/>
+          </p:cNvSpPr>
+          <p:nvPr>
+            <p:ph type="title"/>
+          </p:nvPr>
+        </p:nvSpPr>
+        <p:spPr/>
+        <p:txBody>
+          <a:bodyPr/>
+          <a:lstStyle/>
+          <a:p>
+            <a:r>
+              <a:rPr lang="en-US" dirty="0"/>
+              <a:t>Text-Shadow</a:t>
+            </a:r>
+          </a:p>
+        </p:txBody>
+      </p:sp>
+      <p:grpSp>
+        <p:nvGrpSpPr>
+          <p:cNvPr id="4" name="Group 3">
+            <a:extLst>
+              <a:ext uri="{FF2B5EF4-FFF2-40B4-BE49-F238E27FC236}">
+                <a16:creationId xmlns:a16="http://schemas.microsoft.com/office/drawing/2014/main" id="{A78DFADC-C144-8233-912E-75C06406D4CD}"/>
+              </a:ext>
+            </a:extLst>
+          </p:cNvPr>
+          <p:cNvGrpSpPr/>
+          <p:nvPr/>
+        </p:nvGrpSpPr>
+        <p:grpSpPr>
+          <a:xfrm>
+            <a:off x="1899194" y="2010531"/>
+            <a:ext cx="5136150" cy="2398612"/>
+            <a:chOff x="3176450" y="4274760"/>
+            <a:chExt cx="5136150" cy="2398612"/>
+          </a:xfrm>
+        </p:grpSpPr>
+        <p:sp>
+          <p:nvSpPr>
+            <p:cNvPr id="5" name="TextBox 4">
+              <a:extLst>
+                <a:ext uri="{FF2B5EF4-FFF2-40B4-BE49-F238E27FC236}">
+                  <a16:creationId xmlns:a16="http://schemas.microsoft.com/office/drawing/2014/main" id="{AFD32C59-C237-2FF3-3D7B-B0FE74EF48B2}"/>
+                </a:ext>
+              </a:extLst>
+            </p:cNvPr>
+            <p:cNvSpPr txBox="1"/>
+            <p:nvPr/>
+          </p:nvSpPr>
+          <p:spPr>
+            <a:xfrm>
+              <a:off x="3176450" y="5167312"/>
+              <a:ext cx="5136150" cy="523220"/>
+            </a:xfrm>
+            <a:prstGeom prst="rect">
+              <a:avLst/>
+            </a:prstGeom>
+            <a:noFill/>
+          </p:spPr>
+          <p:txBody>
+            <a:bodyPr wrap="none" rtlCol="0">
+              <a:spAutoFit/>
+            </a:bodyPr>
+            <a:lstStyle/>
+            <a:p>
+              <a:r>
+                <a:rPr lang="en-US" sz="2800" dirty="0"/>
+                <a:t>Box-shadow: 2px </a:t>
+              </a:r>
+              <a:r>
+                <a:rPr lang="en-US" sz="2800" dirty="0" err="1"/>
+                <a:t>2px</a:t>
+              </a:r>
+              <a:r>
+                <a:rPr lang="en-US" sz="2800" dirty="0"/>
+                <a:t> 5px  orange;</a:t>
+              </a:r>
+            </a:p>
+          </p:txBody>
+        </p:sp>
+        <p:grpSp>
+          <p:nvGrpSpPr>
+            <p:cNvPr id="6" name="Group 5">
+              <a:extLst>
+                <a:ext uri="{FF2B5EF4-FFF2-40B4-BE49-F238E27FC236}">
+                  <a16:creationId xmlns:a16="http://schemas.microsoft.com/office/drawing/2014/main" id="{4B6643A3-1663-E637-DA3D-8B5A1EB2C1AF}"/>
+                </a:ext>
+              </a:extLst>
+            </p:cNvPr>
+            <p:cNvGrpSpPr/>
+            <p:nvPr/>
+          </p:nvGrpSpPr>
+          <p:grpSpPr>
+            <a:xfrm>
+              <a:off x="4966062" y="4274760"/>
+              <a:ext cx="1563191" cy="892552"/>
+              <a:chOff x="4966062" y="4274760"/>
+              <a:chExt cx="1563191" cy="892552"/>
+            </a:xfrm>
+          </p:grpSpPr>
+          <p:cxnSp>
+            <p:nvCxnSpPr>
+              <p:cNvPr id="16" name="Straight Arrow Connector 15">
+                <a:extLst>
+                  <a:ext uri="{FF2B5EF4-FFF2-40B4-BE49-F238E27FC236}">
+                    <a16:creationId xmlns:a16="http://schemas.microsoft.com/office/drawing/2014/main" id="{8535FA6F-C6E0-ABF2-FFDC-9C0BCD29B492}"/>
+                  </a:ext>
+                </a:extLst>
+              </p:cNvPr>
+              <p:cNvCxnSpPr/>
+              <p:nvPr/>
+            </p:nvCxnSpPr>
+            <p:spPr>
+              <a:xfrm>
+                <a:off x="5355771" y="4688114"/>
+                <a:ext cx="0" cy="479198"/>
+              </a:xfrm>
+              <a:prstGeom prst="straightConnector1">
+                <a:avLst/>
+              </a:prstGeom>
+              <a:ln>
+                <a:tailEnd type="triangle"/>
+              </a:ln>
+            </p:spPr>
+            <p:style>
+              <a:lnRef idx="1">
+                <a:schemeClr val="dk1"/>
+              </a:lnRef>
+              <a:fillRef idx="0">
+                <a:schemeClr val="dk1"/>
+              </a:fillRef>
+              <a:effectRef idx="0">
+                <a:schemeClr val="dk1"/>
+              </a:effectRef>
+              <a:fontRef idx="minor">
+                <a:schemeClr val="tx1"/>
+              </a:fontRef>
+            </p:style>
+          </p:cxnSp>
+          <p:sp>
+            <p:nvSpPr>
+              <p:cNvPr id="17" name="TextBox 16">
+                <a:extLst>
+                  <a:ext uri="{FF2B5EF4-FFF2-40B4-BE49-F238E27FC236}">
+                    <a16:creationId xmlns:a16="http://schemas.microsoft.com/office/drawing/2014/main" id="{13A2481E-FACF-79E3-DFFA-6721DF617DA2}"/>
+                  </a:ext>
+                </a:extLst>
+              </p:cNvPr>
+              <p:cNvSpPr txBox="1"/>
+              <p:nvPr/>
+            </p:nvSpPr>
+            <p:spPr>
+              <a:xfrm flipH="1">
+                <a:off x="4966062" y="4274760"/>
+                <a:ext cx="1563191" cy="369332"/>
+              </a:xfrm>
+              <a:prstGeom prst="rect">
+                <a:avLst/>
+              </a:prstGeom>
+              <a:noFill/>
+            </p:spPr>
+            <p:txBody>
+              <a:bodyPr wrap="square" rtlCol="0">
+                <a:spAutoFit/>
+              </a:bodyPr>
+              <a:lstStyle/>
+              <a:p>
+                <a:r>
+                  <a:rPr lang="en-US" dirty="0"/>
+                  <a:t>H-shadow</a:t>
+                </a:r>
+              </a:p>
+            </p:txBody>
+          </p:sp>
+        </p:grpSp>
+        <p:grpSp>
+          <p:nvGrpSpPr>
+            <p:cNvPr id="7" name="Group 6">
+              <a:extLst>
+                <a:ext uri="{FF2B5EF4-FFF2-40B4-BE49-F238E27FC236}">
+                  <a16:creationId xmlns:a16="http://schemas.microsoft.com/office/drawing/2014/main" id="{97AF750A-2363-50C2-7429-AAE8F3641965}"/>
+                </a:ext>
+              </a:extLst>
+            </p:cNvPr>
+            <p:cNvGrpSpPr/>
+            <p:nvPr/>
+          </p:nvGrpSpPr>
+          <p:grpSpPr>
+            <a:xfrm rot="11212204">
+              <a:off x="4789715" y="5780820"/>
+              <a:ext cx="1563191" cy="892552"/>
+              <a:chOff x="4966062" y="4274760"/>
+              <a:chExt cx="1563191" cy="892552"/>
+            </a:xfrm>
+          </p:grpSpPr>
+          <p:cxnSp>
+            <p:nvCxnSpPr>
+              <p:cNvPr id="14" name="Straight Arrow Connector 13">
+                <a:extLst>
+                  <a:ext uri="{FF2B5EF4-FFF2-40B4-BE49-F238E27FC236}">
+                    <a16:creationId xmlns:a16="http://schemas.microsoft.com/office/drawing/2014/main" id="{433CB514-31AA-0372-B357-AD92EF741058}"/>
+                  </a:ext>
+                </a:extLst>
+              </p:cNvPr>
+              <p:cNvCxnSpPr/>
+              <p:nvPr/>
+            </p:nvCxnSpPr>
+            <p:spPr>
+              <a:xfrm>
+                <a:off x="5355771" y="4688114"/>
+                <a:ext cx="0" cy="479198"/>
+              </a:xfrm>
+              <a:prstGeom prst="straightConnector1">
+                <a:avLst/>
+              </a:prstGeom>
+              <a:ln>
+                <a:tailEnd type="triangle"/>
+              </a:ln>
+            </p:spPr>
+            <p:style>
+              <a:lnRef idx="1">
+                <a:schemeClr val="dk1"/>
+              </a:lnRef>
+              <a:fillRef idx="0">
+                <a:schemeClr val="dk1"/>
+              </a:fillRef>
+              <a:effectRef idx="0">
+                <a:schemeClr val="dk1"/>
+              </a:effectRef>
+              <a:fontRef idx="minor">
+                <a:schemeClr val="tx1"/>
+              </a:fontRef>
+            </p:style>
+          </p:cxnSp>
+          <p:sp>
+            <p:nvSpPr>
+              <p:cNvPr id="15" name="TextBox 14">
+                <a:extLst>
+                  <a:ext uri="{FF2B5EF4-FFF2-40B4-BE49-F238E27FC236}">
+                    <a16:creationId xmlns:a16="http://schemas.microsoft.com/office/drawing/2014/main" id="{9073EEB8-0283-34C5-138F-855B9D46AFDF}"/>
+                  </a:ext>
+                </a:extLst>
+              </p:cNvPr>
+              <p:cNvSpPr txBox="1"/>
+              <p:nvPr/>
+            </p:nvSpPr>
+            <p:spPr>
+              <a:xfrm flipH="1">
+                <a:off x="4966062" y="4274760"/>
+                <a:ext cx="1563191" cy="369332"/>
+              </a:xfrm>
+              <a:prstGeom prst="rect">
+                <a:avLst/>
+              </a:prstGeom>
+              <a:noFill/>
+            </p:spPr>
+            <p:txBody>
+              <a:bodyPr wrap="square" rtlCol="0">
+                <a:spAutoFit/>
+              </a:bodyPr>
+              <a:lstStyle/>
+              <a:p>
+                <a:r>
+                  <a:rPr lang="en-US" dirty="0"/>
+                  <a:t>V-shadow</a:t>
+                </a:r>
+              </a:p>
+            </p:txBody>
+          </p:sp>
+        </p:grpSp>
+        <p:grpSp>
+          <p:nvGrpSpPr>
+            <p:cNvPr id="8" name="Group 7">
+              <a:extLst>
+                <a:ext uri="{FF2B5EF4-FFF2-40B4-BE49-F238E27FC236}">
+                  <a16:creationId xmlns:a16="http://schemas.microsoft.com/office/drawing/2014/main" id="{D1C0D5CA-247B-8CAB-EBF6-D625D991DD0E}"/>
+                </a:ext>
+              </a:extLst>
+            </p:cNvPr>
+            <p:cNvGrpSpPr/>
+            <p:nvPr/>
+          </p:nvGrpSpPr>
+          <p:grpSpPr>
+            <a:xfrm>
+              <a:off x="6338091" y="4274760"/>
+              <a:ext cx="1563191" cy="892552"/>
+              <a:chOff x="4966062" y="4274760"/>
+              <a:chExt cx="1563191" cy="892552"/>
+            </a:xfrm>
+          </p:grpSpPr>
+          <p:cxnSp>
+            <p:nvCxnSpPr>
+              <p:cNvPr id="12" name="Straight Arrow Connector 11">
+                <a:extLst>
+                  <a:ext uri="{FF2B5EF4-FFF2-40B4-BE49-F238E27FC236}">
+                    <a16:creationId xmlns:a16="http://schemas.microsoft.com/office/drawing/2014/main" id="{D2668CF4-2A9E-CC51-A585-545B0089403F}"/>
+                  </a:ext>
+                </a:extLst>
+              </p:cNvPr>
+              <p:cNvCxnSpPr/>
+              <p:nvPr/>
+            </p:nvCxnSpPr>
+            <p:spPr>
+              <a:xfrm>
+                <a:off x="5355771" y="4688114"/>
+                <a:ext cx="0" cy="479198"/>
+              </a:xfrm>
+              <a:prstGeom prst="straightConnector1">
+                <a:avLst/>
+              </a:prstGeom>
+              <a:ln>
+                <a:tailEnd type="triangle"/>
+              </a:ln>
+            </p:spPr>
+            <p:style>
+              <a:lnRef idx="1">
+                <a:schemeClr val="dk1"/>
+              </a:lnRef>
+              <a:fillRef idx="0">
+                <a:schemeClr val="dk1"/>
+              </a:fillRef>
+              <a:effectRef idx="0">
+                <a:schemeClr val="dk1"/>
+              </a:effectRef>
+              <a:fontRef idx="minor">
+                <a:schemeClr val="tx1"/>
+              </a:fontRef>
+            </p:style>
+          </p:cxnSp>
+          <p:sp>
+            <p:nvSpPr>
+              <p:cNvPr id="13" name="TextBox 12">
+                <a:extLst>
+                  <a:ext uri="{FF2B5EF4-FFF2-40B4-BE49-F238E27FC236}">
+                    <a16:creationId xmlns:a16="http://schemas.microsoft.com/office/drawing/2014/main" id="{DB0CB3D8-B095-5914-78B6-2C61FA780509}"/>
+                  </a:ext>
+                </a:extLst>
+              </p:cNvPr>
+              <p:cNvSpPr txBox="1"/>
+              <p:nvPr/>
+            </p:nvSpPr>
+            <p:spPr>
+              <a:xfrm flipH="1">
+                <a:off x="4966062" y="4274760"/>
+                <a:ext cx="1563191" cy="369332"/>
+              </a:xfrm>
+              <a:prstGeom prst="rect">
+                <a:avLst/>
+              </a:prstGeom>
+              <a:noFill/>
+            </p:spPr>
+            <p:txBody>
+              <a:bodyPr wrap="square" rtlCol="0">
+                <a:spAutoFit/>
+              </a:bodyPr>
+              <a:lstStyle/>
+              <a:p>
+                <a:r>
+                  <a:rPr lang="en-US" dirty="0"/>
+                  <a:t>blur</a:t>
+                </a:r>
+              </a:p>
+            </p:txBody>
+          </p:sp>
+        </p:grpSp>
+      </p:grpSp>
+    </p:spTree>
+    <p:extLst>
+      <p:ext uri="{BB962C8B-B14F-4D97-AF65-F5344CB8AC3E}">
+        <p14:creationId xmlns:p14="http://schemas.microsoft.com/office/powerpoint/2010/main" val="788390882"/>
+      </p:ext>
+    </p:extLst>
+  </p:cSld>
+  <p:clrMapOvr>
+    <a:masterClrMapping/>
+  </p:clrMapOvr>
+</p:sld>
+</file>
+
 <file path=ppt/slides/slide5.xml><?xml version="1.0" encoding="utf-8"?>
 <p:sld xmlns:a="http://schemas.openxmlformats.org/drawingml/2006/main" xmlns:r="http://schemas.openxmlformats.org/officeDocument/2006/relationships" xmlns:p="http://schemas.openxmlformats.org/presentationml/2006/main">
   <p:cSld>
@@ -10507,6 +11654,1854 @@
     <p:extLst>
       <p:ext uri="{BB962C8B-B14F-4D97-AF65-F5344CB8AC3E}">
         <p14:creationId xmlns:p14="http://schemas.microsoft.com/office/powerpoint/2010/main" val="1217846463"/>
+      </p:ext>
+    </p:extLst>
+  </p:cSld>
+  <p:clrMapOvr>
+    <a:masterClrMapping/>
+  </p:clrMapOvr>
+</p:sld>
+</file>
+
+<file path=ppt/slides/slide50.xml><?xml version="1.0" encoding="utf-8"?>
+<p:sld xmlns:a="http://schemas.openxmlformats.org/drawingml/2006/main" xmlns:r="http://schemas.openxmlformats.org/officeDocument/2006/relationships" xmlns:p="http://schemas.openxmlformats.org/presentationml/2006/main">
+  <p:cSld>
+    <p:spTree>
+      <p:nvGrpSpPr>
+        <p:cNvPr id="1" name=""/>
+        <p:cNvGrpSpPr/>
+        <p:nvPr/>
+      </p:nvGrpSpPr>
+      <p:grpSpPr>
+        <a:xfrm>
+          <a:off x="0" y="0"/>
+          <a:ext cx="0" cy="0"/>
+          <a:chOff x="0" y="0"/>
+          <a:chExt cx="0" cy="0"/>
+        </a:xfrm>
+      </p:grpSpPr>
+      <p:sp>
+        <p:nvSpPr>
+          <p:cNvPr id="2" name="Title 1">
+            <a:extLst>
+              <a:ext uri="{FF2B5EF4-FFF2-40B4-BE49-F238E27FC236}">
+                <a16:creationId xmlns:a16="http://schemas.microsoft.com/office/drawing/2014/main" id="{557A6F78-666F-5401-1F03-135AEF248679}"/>
+              </a:ext>
+            </a:extLst>
+          </p:cNvPr>
+          <p:cNvSpPr>
+            <a:spLocks noGrp="1"/>
+          </p:cNvSpPr>
+          <p:nvPr>
+            <p:ph type="title"/>
+          </p:nvPr>
+        </p:nvSpPr>
+        <p:spPr/>
+        <p:txBody>
+          <a:bodyPr/>
+          <a:lstStyle/>
+          <a:p>
+            <a:r>
+              <a:rPr lang="en-US" dirty="0"/>
+              <a:t>CSS: White-Space</a:t>
+            </a:r>
+          </a:p>
+        </p:txBody>
+      </p:sp>
+      <p:sp>
+        <p:nvSpPr>
+          <p:cNvPr id="3" name="Content Placeholder 2">
+            <a:extLst>
+              <a:ext uri="{FF2B5EF4-FFF2-40B4-BE49-F238E27FC236}">
+                <a16:creationId xmlns:a16="http://schemas.microsoft.com/office/drawing/2014/main" id="{AB4450D1-A4B5-DF26-511A-910193BB0243}"/>
+              </a:ext>
+            </a:extLst>
+          </p:cNvPr>
+          <p:cNvSpPr>
+            <a:spLocks noGrp="1"/>
+          </p:cNvSpPr>
+          <p:nvPr>
+            <p:ph idx="1"/>
+          </p:nvPr>
+        </p:nvSpPr>
+        <p:spPr/>
+        <p:txBody>
+          <a:bodyPr/>
+          <a:lstStyle/>
+          <a:p>
+            <a:r>
+              <a:rPr lang="en-US" dirty="0"/>
+              <a:t>Normal</a:t>
+            </a:r>
+          </a:p>
+          <a:p>
+            <a:r>
+              <a:rPr lang="en-US" dirty="0" err="1"/>
+              <a:t>noWrap</a:t>
+            </a:r>
+            <a:endParaRPr lang="en-US" dirty="0"/>
+          </a:p>
+          <a:p>
+            <a:r>
+              <a:rPr lang="en-US" dirty="0"/>
+              <a:t>Pre</a:t>
+            </a:r>
+          </a:p>
+          <a:p>
+            <a:r>
+              <a:rPr lang="en-US" dirty="0"/>
+              <a:t>Pre-line</a:t>
+            </a:r>
+          </a:p>
+          <a:p>
+            <a:r>
+              <a:rPr lang="en-US" dirty="0"/>
+              <a:t>Pre-wrap</a:t>
+            </a:r>
+          </a:p>
+        </p:txBody>
+      </p:sp>
+      <p:sp>
+        <p:nvSpPr>
+          <p:cNvPr id="4" name="TextBox 3">
+            <a:extLst>
+              <a:ext uri="{FF2B5EF4-FFF2-40B4-BE49-F238E27FC236}">
+                <a16:creationId xmlns:a16="http://schemas.microsoft.com/office/drawing/2014/main" id="{0165756A-B1A0-A72E-4399-5DAE64E8AA47}"/>
+              </a:ext>
+            </a:extLst>
+          </p:cNvPr>
+          <p:cNvSpPr txBox="1"/>
+          <p:nvPr/>
+        </p:nvSpPr>
+        <p:spPr>
+          <a:xfrm>
+            <a:off x="6458857" y="2641600"/>
+            <a:ext cx="1920847" cy="369332"/>
+          </a:xfrm>
+          <a:prstGeom prst="rect">
+            <a:avLst/>
+          </a:prstGeom>
+          <a:noFill/>
+        </p:spPr>
+        <p:txBody>
+          <a:bodyPr wrap="none" rtlCol="0">
+            <a:spAutoFit/>
+          </a:bodyPr>
+          <a:lstStyle/>
+          <a:p>
+            <a:r>
+              <a:rPr lang="en-US" dirty="0" err="1"/>
+              <a:t>kdskldjklsjdklsjdkls</a:t>
+            </a:r>
+            <a:endParaRPr lang="en-US" dirty="0"/>
+          </a:p>
+        </p:txBody>
+      </p:sp>
+      <p:sp>
+        <p:nvSpPr>
+          <p:cNvPr id="5" name="Rectangle 4">
+            <a:extLst>
+              <a:ext uri="{FF2B5EF4-FFF2-40B4-BE49-F238E27FC236}">
+                <a16:creationId xmlns:a16="http://schemas.microsoft.com/office/drawing/2014/main" id="{0EFFE3FB-1CD4-59E7-DF2C-B551146B441F}"/>
+              </a:ext>
+            </a:extLst>
+          </p:cNvPr>
+          <p:cNvSpPr/>
+          <p:nvPr/>
+        </p:nvSpPr>
+        <p:spPr>
+          <a:xfrm>
+            <a:off x="6096000" y="2293257"/>
+            <a:ext cx="1712686" cy="1135743"/>
+          </a:xfrm>
+          <a:prstGeom prst="rect">
+            <a:avLst/>
+          </a:prstGeom>
+          <a:noFill/>
+          <a:ln>
+            <a:noFill/>
+          </a:ln>
+        </p:spPr>
+        <p:style>
+          <a:lnRef idx="2">
+            <a:schemeClr val="accent1">
+              <a:shade val="50000"/>
+            </a:schemeClr>
+          </a:lnRef>
+          <a:fillRef idx="1">
+            <a:schemeClr val="accent1"/>
+          </a:fillRef>
+          <a:effectRef idx="0">
+            <a:schemeClr val="accent1"/>
+          </a:effectRef>
+          <a:fontRef idx="minor">
+            <a:schemeClr val="lt1"/>
+          </a:fontRef>
+        </p:style>
+        <p:txBody>
+          <a:bodyPr rtlCol="0" anchor="ctr"/>
+          <a:lstStyle/>
+          <a:p>
+            <a:pPr algn="ctr"/>
+            <a:endParaRPr lang="en-US"/>
+          </a:p>
+        </p:txBody>
+      </p:sp>
+      <p:sp>
+        <p:nvSpPr>
+          <p:cNvPr id="7" name="Rectangle 6">
+            <a:extLst>
+              <a:ext uri="{FF2B5EF4-FFF2-40B4-BE49-F238E27FC236}">
+                <a16:creationId xmlns:a16="http://schemas.microsoft.com/office/drawing/2014/main" id="{42755C10-5F69-17CA-D787-F9133705DC72}"/>
+              </a:ext>
+            </a:extLst>
+          </p:cNvPr>
+          <p:cNvSpPr/>
+          <p:nvPr/>
+        </p:nvSpPr>
+        <p:spPr>
+          <a:xfrm>
+            <a:off x="5936343" y="2293257"/>
+            <a:ext cx="1920847" cy="1135743"/>
+          </a:xfrm>
+          <a:prstGeom prst="rect">
+            <a:avLst/>
+          </a:prstGeom>
+          <a:noFill/>
+        </p:spPr>
+        <p:style>
+          <a:lnRef idx="2">
+            <a:schemeClr val="accent1">
+              <a:shade val="50000"/>
+            </a:schemeClr>
+          </a:lnRef>
+          <a:fillRef idx="1">
+            <a:schemeClr val="accent1"/>
+          </a:fillRef>
+          <a:effectRef idx="0">
+            <a:schemeClr val="accent1"/>
+          </a:effectRef>
+          <a:fontRef idx="minor">
+            <a:schemeClr val="lt1"/>
+          </a:fontRef>
+        </p:style>
+        <p:txBody>
+          <a:bodyPr rtlCol="0" anchor="ctr"/>
+          <a:lstStyle/>
+          <a:p>
+            <a:pPr algn="ctr"/>
+            <a:endParaRPr lang="en-US"/>
+          </a:p>
+        </p:txBody>
+      </p:sp>
+    </p:spTree>
+    <p:extLst>
+      <p:ext uri="{BB962C8B-B14F-4D97-AF65-F5344CB8AC3E}">
+        <p14:creationId xmlns:p14="http://schemas.microsoft.com/office/powerpoint/2010/main" val="2632137413"/>
+      </p:ext>
+    </p:extLst>
+  </p:cSld>
+  <p:clrMapOvr>
+    <a:masterClrMapping/>
+  </p:clrMapOvr>
+</p:sld>
+</file>
+
+<file path=ppt/slides/slide51.xml><?xml version="1.0" encoding="utf-8"?>
+<p:sld xmlns:a="http://schemas.openxmlformats.org/drawingml/2006/main" xmlns:r="http://schemas.openxmlformats.org/officeDocument/2006/relationships" xmlns:p="http://schemas.openxmlformats.org/presentationml/2006/main">
+  <p:cSld>
+    <p:spTree>
+      <p:nvGrpSpPr>
+        <p:cNvPr id="1" name=""/>
+        <p:cNvGrpSpPr/>
+        <p:nvPr/>
+      </p:nvGrpSpPr>
+      <p:grpSpPr>
+        <a:xfrm>
+          <a:off x="0" y="0"/>
+          <a:ext cx="0" cy="0"/>
+          <a:chOff x="0" y="0"/>
+          <a:chExt cx="0" cy="0"/>
+        </a:xfrm>
+      </p:grpSpPr>
+      <p:cxnSp>
+        <p:nvCxnSpPr>
+          <p:cNvPr id="5" name="Straight Arrow Connector 4">
+            <a:extLst>
+              <a:ext uri="{FF2B5EF4-FFF2-40B4-BE49-F238E27FC236}">
+                <a16:creationId xmlns:a16="http://schemas.microsoft.com/office/drawing/2014/main" id="{9DA750CD-2BBA-C02D-FAE0-65A91E031D55}"/>
+              </a:ext>
+            </a:extLst>
+          </p:cNvPr>
+          <p:cNvCxnSpPr/>
+          <p:nvPr/>
+        </p:nvCxnSpPr>
+        <p:spPr>
+          <a:xfrm>
+            <a:off x="6110512" y="537029"/>
+            <a:ext cx="0" cy="5760720"/>
+          </a:xfrm>
+          <a:prstGeom prst="straightConnector1">
+            <a:avLst/>
+          </a:prstGeom>
+          <a:ln w="38100">
+            <a:headEnd type="triangle"/>
+            <a:tailEnd type="triangle"/>
+          </a:ln>
+        </p:spPr>
+        <p:style>
+          <a:lnRef idx="1">
+            <a:schemeClr val="accent1"/>
+          </a:lnRef>
+          <a:fillRef idx="0">
+            <a:schemeClr val="accent1"/>
+          </a:fillRef>
+          <a:effectRef idx="0">
+            <a:schemeClr val="accent1"/>
+          </a:effectRef>
+          <a:fontRef idx="minor">
+            <a:schemeClr val="tx1"/>
+          </a:fontRef>
+        </p:style>
+      </p:cxnSp>
+      <p:cxnSp>
+        <p:nvCxnSpPr>
+          <p:cNvPr id="7" name="Straight Arrow Connector 6">
+            <a:extLst>
+              <a:ext uri="{FF2B5EF4-FFF2-40B4-BE49-F238E27FC236}">
+                <a16:creationId xmlns:a16="http://schemas.microsoft.com/office/drawing/2014/main" id="{40846988-C5C5-35DA-779F-2DC3DCED849B}"/>
+              </a:ext>
+            </a:extLst>
+          </p:cNvPr>
+          <p:cNvCxnSpPr/>
+          <p:nvPr/>
+        </p:nvCxnSpPr>
+        <p:spPr>
+          <a:xfrm>
+            <a:off x="1901374" y="3077029"/>
+            <a:ext cx="8969828" cy="0"/>
+          </a:xfrm>
+          <a:prstGeom prst="straightConnector1">
+            <a:avLst/>
+          </a:prstGeom>
+          <a:ln w="57150">
+            <a:headEnd type="triangle"/>
+            <a:tailEnd type="triangle"/>
+          </a:ln>
+        </p:spPr>
+        <p:style>
+          <a:lnRef idx="1">
+            <a:schemeClr val="accent2"/>
+          </a:lnRef>
+          <a:fillRef idx="0">
+            <a:schemeClr val="accent2"/>
+          </a:fillRef>
+          <a:effectRef idx="0">
+            <a:schemeClr val="accent2"/>
+          </a:effectRef>
+          <a:fontRef idx="minor">
+            <a:schemeClr val="tx1"/>
+          </a:fontRef>
+        </p:style>
+      </p:cxnSp>
+      <p:sp>
+        <p:nvSpPr>
+          <p:cNvPr id="8" name="TextBox 7">
+            <a:extLst>
+              <a:ext uri="{FF2B5EF4-FFF2-40B4-BE49-F238E27FC236}">
+                <a16:creationId xmlns:a16="http://schemas.microsoft.com/office/drawing/2014/main" id="{5EF539E0-2093-DF26-A674-45218263C8D1}"/>
+              </a:ext>
+            </a:extLst>
+          </p:cNvPr>
+          <p:cNvSpPr txBox="1"/>
+          <p:nvPr/>
+        </p:nvSpPr>
+        <p:spPr>
+          <a:xfrm>
+            <a:off x="4064000" y="537029"/>
+            <a:ext cx="931665" cy="461665"/>
+          </a:xfrm>
+          <a:prstGeom prst="rect">
+            <a:avLst/>
+          </a:prstGeom>
+          <a:noFill/>
+        </p:spPr>
+        <p:txBody>
+          <a:bodyPr wrap="none" rtlCol="0">
+            <a:spAutoFit/>
+          </a:bodyPr>
+          <a:lstStyle/>
+          <a:p>
+            <a:r>
+              <a:rPr lang="en-US" sz="2400" dirty="0">
+                <a:solidFill>
+                  <a:schemeClr val="tx2">
+                    <a:lumMod val="75000"/>
+                  </a:schemeClr>
+                </a:solidFill>
+              </a:rPr>
+              <a:t>Y-Axis</a:t>
+            </a:r>
+          </a:p>
+        </p:txBody>
+      </p:sp>
+      <p:sp>
+        <p:nvSpPr>
+          <p:cNvPr id="9" name="TextBox 8">
+            <a:extLst>
+              <a:ext uri="{FF2B5EF4-FFF2-40B4-BE49-F238E27FC236}">
+                <a16:creationId xmlns:a16="http://schemas.microsoft.com/office/drawing/2014/main" id="{F14C710F-F29F-ED76-9A4C-F4DCBF249928}"/>
+              </a:ext>
+            </a:extLst>
+          </p:cNvPr>
+          <p:cNvSpPr txBox="1"/>
+          <p:nvPr/>
+        </p:nvSpPr>
+        <p:spPr>
+          <a:xfrm>
+            <a:off x="389133" y="2846196"/>
+            <a:ext cx="941283" cy="461665"/>
+          </a:xfrm>
+          <a:prstGeom prst="rect">
+            <a:avLst/>
+          </a:prstGeom>
+          <a:noFill/>
+        </p:spPr>
+        <p:txBody>
+          <a:bodyPr wrap="none" rtlCol="0">
+            <a:spAutoFit/>
+          </a:bodyPr>
+          <a:lstStyle/>
+          <a:p>
+            <a:r>
+              <a:rPr lang="en-US" sz="2400" dirty="0">
+                <a:solidFill>
+                  <a:schemeClr val="tx2">
+                    <a:lumMod val="75000"/>
+                  </a:schemeClr>
+                </a:solidFill>
+              </a:rPr>
+              <a:t>X-Axis</a:t>
+            </a:r>
+          </a:p>
+        </p:txBody>
+      </p:sp>
+      <p:grpSp>
+        <p:nvGrpSpPr>
+          <p:cNvPr id="19" name="Group 18">
+            <a:extLst>
+              <a:ext uri="{FF2B5EF4-FFF2-40B4-BE49-F238E27FC236}">
+                <a16:creationId xmlns:a16="http://schemas.microsoft.com/office/drawing/2014/main" id="{1CDB61D3-AF8B-BDA0-7308-8F174ABAC422}"/>
+              </a:ext>
+            </a:extLst>
+          </p:cNvPr>
+          <p:cNvGrpSpPr/>
+          <p:nvPr/>
+        </p:nvGrpSpPr>
+        <p:grpSpPr>
+          <a:xfrm>
+            <a:off x="6386288" y="2123105"/>
+            <a:ext cx="1491859" cy="1407495"/>
+            <a:chOff x="6386288" y="2123105"/>
+            <a:chExt cx="1491859" cy="1407495"/>
+          </a:xfrm>
+        </p:grpSpPr>
+        <p:cxnSp>
+          <p:nvCxnSpPr>
+            <p:cNvPr id="11" name="Straight Connector 10">
+              <a:extLst>
+                <a:ext uri="{FF2B5EF4-FFF2-40B4-BE49-F238E27FC236}">
+                  <a16:creationId xmlns:a16="http://schemas.microsoft.com/office/drawing/2014/main" id="{8C39DAF1-3A3E-87CF-1E95-5DC0415489FA}"/>
+                </a:ext>
+              </a:extLst>
+            </p:cNvPr>
+            <p:cNvCxnSpPr/>
+            <p:nvPr/>
+          </p:nvCxnSpPr>
+          <p:spPr>
+            <a:xfrm>
+              <a:off x="6560458" y="2641598"/>
+              <a:ext cx="0" cy="874486"/>
+            </a:xfrm>
+            <a:prstGeom prst="line">
+              <a:avLst/>
+            </a:prstGeom>
+          </p:spPr>
+          <p:style>
+            <a:lnRef idx="1">
+              <a:schemeClr val="accent1"/>
+            </a:lnRef>
+            <a:fillRef idx="0">
+              <a:schemeClr val="accent1"/>
+            </a:fillRef>
+            <a:effectRef idx="0">
+              <a:schemeClr val="accent1"/>
+            </a:effectRef>
+            <a:fontRef idx="minor">
+              <a:schemeClr val="tx1"/>
+            </a:fontRef>
+          </p:style>
+        </p:cxnSp>
+        <p:cxnSp>
+          <p:nvCxnSpPr>
+            <p:cNvPr id="12" name="Straight Connector 11">
+              <a:extLst>
+                <a:ext uri="{FF2B5EF4-FFF2-40B4-BE49-F238E27FC236}">
+                  <a16:creationId xmlns:a16="http://schemas.microsoft.com/office/drawing/2014/main" id="{A8B701A9-89DD-3F4E-2AA9-AA7A0F707A5A}"/>
+                </a:ext>
+              </a:extLst>
+            </p:cNvPr>
+            <p:cNvCxnSpPr/>
+            <p:nvPr/>
+          </p:nvCxnSpPr>
+          <p:spPr>
+            <a:xfrm>
+              <a:off x="7003144" y="2648856"/>
+              <a:ext cx="0" cy="874486"/>
+            </a:xfrm>
+            <a:prstGeom prst="line">
+              <a:avLst/>
+            </a:prstGeom>
+          </p:spPr>
+          <p:style>
+            <a:lnRef idx="1">
+              <a:schemeClr val="accent1"/>
+            </a:lnRef>
+            <a:fillRef idx="0">
+              <a:schemeClr val="accent1"/>
+            </a:fillRef>
+            <a:effectRef idx="0">
+              <a:schemeClr val="accent1"/>
+            </a:effectRef>
+            <a:fontRef idx="minor">
+              <a:schemeClr val="tx1"/>
+            </a:fontRef>
+          </p:style>
+        </p:cxnSp>
+        <p:cxnSp>
+          <p:nvCxnSpPr>
+            <p:cNvPr id="13" name="Straight Connector 12">
+              <a:extLst>
+                <a:ext uri="{FF2B5EF4-FFF2-40B4-BE49-F238E27FC236}">
+                  <a16:creationId xmlns:a16="http://schemas.microsoft.com/office/drawing/2014/main" id="{28505220-D716-3C16-97AF-DE733FCBC125}"/>
+                </a:ext>
+              </a:extLst>
+            </p:cNvPr>
+            <p:cNvCxnSpPr/>
+            <p:nvPr/>
+          </p:nvCxnSpPr>
+          <p:spPr>
+            <a:xfrm>
+              <a:off x="7300686" y="2656114"/>
+              <a:ext cx="0" cy="874486"/>
+            </a:xfrm>
+            <a:prstGeom prst="line">
+              <a:avLst/>
+            </a:prstGeom>
+          </p:spPr>
+          <p:style>
+            <a:lnRef idx="1">
+              <a:schemeClr val="accent1"/>
+            </a:lnRef>
+            <a:fillRef idx="0">
+              <a:schemeClr val="accent1"/>
+            </a:fillRef>
+            <a:effectRef idx="0">
+              <a:schemeClr val="accent1"/>
+            </a:effectRef>
+            <a:fontRef idx="minor">
+              <a:schemeClr val="tx1"/>
+            </a:fontRef>
+          </p:style>
+        </p:cxnSp>
+        <p:cxnSp>
+          <p:nvCxnSpPr>
+            <p:cNvPr id="14" name="Straight Connector 13">
+              <a:extLst>
+                <a:ext uri="{FF2B5EF4-FFF2-40B4-BE49-F238E27FC236}">
+                  <a16:creationId xmlns:a16="http://schemas.microsoft.com/office/drawing/2014/main" id="{6FF94064-5585-4372-69B4-61B87DB31B1D}"/>
+                </a:ext>
+              </a:extLst>
+            </p:cNvPr>
+            <p:cNvCxnSpPr/>
+            <p:nvPr/>
+          </p:nvCxnSpPr>
+          <p:spPr>
+            <a:xfrm>
+              <a:off x="7663544" y="2627084"/>
+              <a:ext cx="0" cy="874486"/>
+            </a:xfrm>
+            <a:prstGeom prst="line">
+              <a:avLst/>
+            </a:prstGeom>
+          </p:spPr>
+          <p:style>
+            <a:lnRef idx="1">
+              <a:schemeClr val="accent1"/>
+            </a:lnRef>
+            <a:fillRef idx="0">
+              <a:schemeClr val="accent1"/>
+            </a:fillRef>
+            <a:effectRef idx="0">
+              <a:schemeClr val="accent1"/>
+            </a:effectRef>
+            <a:fontRef idx="minor">
+              <a:schemeClr val="tx1"/>
+            </a:fontRef>
+          </p:style>
+        </p:cxnSp>
+        <p:sp>
+          <p:nvSpPr>
+            <p:cNvPr id="15" name="TextBox 14">
+              <a:extLst>
+                <a:ext uri="{FF2B5EF4-FFF2-40B4-BE49-F238E27FC236}">
+                  <a16:creationId xmlns:a16="http://schemas.microsoft.com/office/drawing/2014/main" id="{4B16DC2A-C418-D5CE-9681-4B2A4715B62D}"/>
+                </a:ext>
+              </a:extLst>
+            </p:cNvPr>
+            <p:cNvSpPr txBox="1"/>
+            <p:nvPr/>
+          </p:nvSpPr>
+          <p:spPr>
+            <a:xfrm>
+              <a:off x="6386288" y="2380343"/>
+              <a:ext cx="301686" cy="369332"/>
+            </a:xfrm>
+            <a:prstGeom prst="rect">
+              <a:avLst/>
+            </a:prstGeom>
+            <a:noFill/>
+          </p:spPr>
+          <p:txBody>
+            <a:bodyPr wrap="none" rtlCol="0">
+              <a:spAutoFit/>
+            </a:bodyPr>
+            <a:lstStyle/>
+            <a:p>
+              <a:r>
+                <a:rPr lang="en-US" dirty="0"/>
+                <a:t>1</a:t>
+              </a:r>
+            </a:p>
+          </p:txBody>
+        </p:sp>
+        <p:sp>
+          <p:nvSpPr>
+            <p:cNvPr id="16" name="TextBox 15">
+              <a:extLst>
+                <a:ext uri="{FF2B5EF4-FFF2-40B4-BE49-F238E27FC236}">
+                  <a16:creationId xmlns:a16="http://schemas.microsoft.com/office/drawing/2014/main" id="{21109DA4-EAE5-4540-500A-F9E819DEE7AE}"/>
+                </a:ext>
+              </a:extLst>
+            </p:cNvPr>
+            <p:cNvSpPr txBox="1"/>
+            <p:nvPr/>
+          </p:nvSpPr>
+          <p:spPr>
+            <a:xfrm>
+              <a:off x="6812906" y="2195286"/>
+              <a:ext cx="301686" cy="369332"/>
+            </a:xfrm>
+            <a:prstGeom prst="rect">
+              <a:avLst/>
+            </a:prstGeom>
+            <a:noFill/>
+          </p:spPr>
+          <p:txBody>
+            <a:bodyPr wrap="none" rtlCol="0">
+              <a:spAutoFit/>
+            </a:bodyPr>
+            <a:lstStyle/>
+            <a:p>
+              <a:r>
+                <a:rPr lang="en-US" dirty="0"/>
+                <a:t>2</a:t>
+              </a:r>
+            </a:p>
+          </p:txBody>
+        </p:sp>
+        <p:sp>
+          <p:nvSpPr>
+            <p:cNvPr id="17" name="TextBox 16">
+              <a:extLst>
+                <a:ext uri="{FF2B5EF4-FFF2-40B4-BE49-F238E27FC236}">
+                  <a16:creationId xmlns:a16="http://schemas.microsoft.com/office/drawing/2014/main" id="{63AC05E4-BEA5-C1D4-C7B5-3A6EE79AB78A}"/>
+                </a:ext>
+              </a:extLst>
+            </p:cNvPr>
+            <p:cNvSpPr txBox="1"/>
+            <p:nvPr/>
+          </p:nvSpPr>
+          <p:spPr>
+            <a:xfrm>
+              <a:off x="7149843" y="2123105"/>
+              <a:ext cx="301686" cy="369332"/>
+            </a:xfrm>
+            <a:prstGeom prst="rect">
+              <a:avLst/>
+            </a:prstGeom>
+            <a:noFill/>
+          </p:spPr>
+          <p:txBody>
+            <a:bodyPr wrap="none" rtlCol="0">
+              <a:spAutoFit/>
+            </a:bodyPr>
+            <a:lstStyle/>
+            <a:p>
+              <a:r>
+                <a:rPr lang="en-US" dirty="0"/>
+                <a:t>3</a:t>
+              </a:r>
+            </a:p>
+          </p:txBody>
+        </p:sp>
+        <p:sp>
+          <p:nvSpPr>
+            <p:cNvPr id="18" name="TextBox 17">
+              <a:extLst>
+                <a:ext uri="{FF2B5EF4-FFF2-40B4-BE49-F238E27FC236}">
+                  <a16:creationId xmlns:a16="http://schemas.microsoft.com/office/drawing/2014/main" id="{330B5D0B-EE52-539A-5FAC-DA2CBE150D1A}"/>
+                </a:ext>
+              </a:extLst>
+            </p:cNvPr>
+            <p:cNvSpPr txBox="1"/>
+            <p:nvPr/>
+          </p:nvSpPr>
+          <p:spPr>
+            <a:xfrm>
+              <a:off x="7576461" y="2246089"/>
+              <a:ext cx="301686" cy="369332"/>
+            </a:xfrm>
+            <a:prstGeom prst="rect">
+              <a:avLst/>
+            </a:prstGeom>
+            <a:noFill/>
+          </p:spPr>
+          <p:txBody>
+            <a:bodyPr wrap="none" rtlCol="0">
+              <a:spAutoFit/>
+            </a:bodyPr>
+            <a:lstStyle/>
+            <a:p>
+              <a:r>
+                <a:rPr lang="en-US" dirty="0"/>
+                <a:t>4</a:t>
+              </a:r>
+            </a:p>
+          </p:txBody>
+        </p:sp>
+      </p:grpSp>
+      <p:grpSp>
+        <p:nvGrpSpPr>
+          <p:cNvPr id="20" name="Group 19">
+            <a:extLst>
+              <a:ext uri="{FF2B5EF4-FFF2-40B4-BE49-F238E27FC236}">
+                <a16:creationId xmlns:a16="http://schemas.microsoft.com/office/drawing/2014/main" id="{2ECA0ACE-105E-4B76-9F23-DACAA03B8190}"/>
+              </a:ext>
+            </a:extLst>
+          </p:cNvPr>
+          <p:cNvGrpSpPr/>
+          <p:nvPr/>
+        </p:nvGrpSpPr>
+        <p:grpSpPr>
+          <a:xfrm>
+            <a:off x="4333174" y="2142448"/>
+            <a:ext cx="1562391" cy="1407495"/>
+            <a:chOff x="6386288" y="2123105"/>
+            <a:chExt cx="1562391" cy="1407495"/>
+          </a:xfrm>
+        </p:grpSpPr>
+        <p:cxnSp>
+          <p:nvCxnSpPr>
+            <p:cNvPr id="21" name="Straight Connector 20">
+              <a:extLst>
+                <a:ext uri="{FF2B5EF4-FFF2-40B4-BE49-F238E27FC236}">
+                  <a16:creationId xmlns:a16="http://schemas.microsoft.com/office/drawing/2014/main" id="{2615F88F-6980-5AED-D46C-CBDE4BD82CB5}"/>
+                </a:ext>
+              </a:extLst>
+            </p:cNvPr>
+            <p:cNvCxnSpPr/>
+            <p:nvPr/>
+          </p:nvCxnSpPr>
+          <p:spPr>
+            <a:xfrm>
+              <a:off x="6560458" y="2641598"/>
+              <a:ext cx="0" cy="874486"/>
+            </a:xfrm>
+            <a:prstGeom prst="line">
+              <a:avLst/>
+            </a:prstGeom>
+          </p:spPr>
+          <p:style>
+            <a:lnRef idx="1">
+              <a:schemeClr val="accent1"/>
+            </a:lnRef>
+            <a:fillRef idx="0">
+              <a:schemeClr val="accent1"/>
+            </a:fillRef>
+            <a:effectRef idx="0">
+              <a:schemeClr val="accent1"/>
+            </a:effectRef>
+            <a:fontRef idx="minor">
+              <a:schemeClr val="tx1"/>
+            </a:fontRef>
+          </p:style>
+        </p:cxnSp>
+        <p:cxnSp>
+          <p:nvCxnSpPr>
+            <p:cNvPr id="22" name="Straight Connector 21">
+              <a:extLst>
+                <a:ext uri="{FF2B5EF4-FFF2-40B4-BE49-F238E27FC236}">
+                  <a16:creationId xmlns:a16="http://schemas.microsoft.com/office/drawing/2014/main" id="{C299E2E5-EF13-E2BC-18D8-3B9AD5CFD276}"/>
+                </a:ext>
+              </a:extLst>
+            </p:cNvPr>
+            <p:cNvCxnSpPr/>
+            <p:nvPr/>
+          </p:nvCxnSpPr>
+          <p:spPr>
+            <a:xfrm>
+              <a:off x="7003144" y="2648856"/>
+              <a:ext cx="0" cy="874486"/>
+            </a:xfrm>
+            <a:prstGeom prst="line">
+              <a:avLst/>
+            </a:prstGeom>
+          </p:spPr>
+          <p:style>
+            <a:lnRef idx="1">
+              <a:schemeClr val="accent1"/>
+            </a:lnRef>
+            <a:fillRef idx="0">
+              <a:schemeClr val="accent1"/>
+            </a:fillRef>
+            <a:effectRef idx="0">
+              <a:schemeClr val="accent1"/>
+            </a:effectRef>
+            <a:fontRef idx="minor">
+              <a:schemeClr val="tx1"/>
+            </a:fontRef>
+          </p:style>
+        </p:cxnSp>
+        <p:cxnSp>
+          <p:nvCxnSpPr>
+            <p:cNvPr id="23" name="Straight Connector 22">
+              <a:extLst>
+                <a:ext uri="{FF2B5EF4-FFF2-40B4-BE49-F238E27FC236}">
+                  <a16:creationId xmlns:a16="http://schemas.microsoft.com/office/drawing/2014/main" id="{27537C40-9EBC-0F5D-F7B6-01C8883B4EFD}"/>
+                </a:ext>
+              </a:extLst>
+            </p:cNvPr>
+            <p:cNvCxnSpPr/>
+            <p:nvPr/>
+          </p:nvCxnSpPr>
+          <p:spPr>
+            <a:xfrm>
+              <a:off x="7300686" y="2656114"/>
+              <a:ext cx="0" cy="874486"/>
+            </a:xfrm>
+            <a:prstGeom prst="line">
+              <a:avLst/>
+            </a:prstGeom>
+          </p:spPr>
+          <p:style>
+            <a:lnRef idx="1">
+              <a:schemeClr val="accent1"/>
+            </a:lnRef>
+            <a:fillRef idx="0">
+              <a:schemeClr val="accent1"/>
+            </a:fillRef>
+            <a:effectRef idx="0">
+              <a:schemeClr val="accent1"/>
+            </a:effectRef>
+            <a:fontRef idx="minor">
+              <a:schemeClr val="tx1"/>
+            </a:fontRef>
+          </p:style>
+        </p:cxnSp>
+        <p:cxnSp>
+          <p:nvCxnSpPr>
+            <p:cNvPr id="24" name="Straight Connector 23">
+              <a:extLst>
+                <a:ext uri="{FF2B5EF4-FFF2-40B4-BE49-F238E27FC236}">
+                  <a16:creationId xmlns:a16="http://schemas.microsoft.com/office/drawing/2014/main" id="{4ACEDC28-5E21-039E-E938-39F8E6B4D5FE}"/>
+                </a:ext>
+              </a:extLst>
+            </p:cNvPr>
+            <p:cNvCxnSpPr/>
+            <p:nvPr/>
+          </p:nvCxnSpPr>
+          <p:spPr>
+            <a:xfrm>
+              <a:off x="7663544" y="2627084"/>
+              <a:ext cx="0" cy="874486"/>
+            </a:xfrm>
+            <a:prstGeom prst="line">
+              <a:avLst/>
+            </a:prstGeom>
+          </p:spPr>
+          <p:style>
+            <a:lnRef idx="1">
+              <a:schemeClr val="accent1"/>
+            </a:lnRef>
+            <a:fillRef idx="0">
+              <a:schemeClr val="accent1"/>
+            </a:fillRef>
+            <a:effectRef idx="0">
+              <a:schemeClr val="accent1"/>
+            </a:effectRef>
+            <a:fontRef idx="minor">
+              <a:schemeClr val="tx1"/>
+            </a:fontRef>
+          </p:style>
+        </p:cxnSp>
+        <p:sp>
+          <p:nvSpPr>
+            <p:cNvPr id="25" name="TextBox 24">
+              <a:extLst>
+                <a:ext uri="{FF2B5EF4-FFF2-40B4-BE49-F238E27FC236}">
+                  <a16:creationId xmlns:a16="http://schemas.microsoft.com/office/drawing/2014/main" id="{469E466E-64C7-09FD-E817-7D8E6B33C92E}"/>
+                </a:ext>
+              </a:extLst>
+            </p:cNvPr>
+            <p:cNvSpPr txBox="1"/>
+            <p:nvPr/>
+          </p:nvSpPr>
+          <p:spPr>
+            <a:xfrm>
+              <a:off x="6386288" y="2380343"/>
+              <a:ext cx="372218" cy="369332"/>
+            </a:xfrm>
+            <a:prstGeom prst="rect">
+              <a:avLst/>
+            </a:prstGeom>
+            <a:noFill/>
+          </p:spPr>
+          <p:txBody>
+            <a:bodyPr wrap="none" rtlCol="0">
+              <a:spAutoFit/>
+            </a:bodyPr>
+            <a:lstStyle/>
+            <a:p>
+              <a:r>
+                <a:rPr lang="en-US" dirty="0"/>
+                <a:t>-4</a:t>
+              </a:r>
+            </a:p>
+          </p:txBody>
+        </p:sp>
+        <p:sp>
+          <p:nvSpPr>
+            <p:cNvPr id="26" name="TextBox 25">
+              <a:extLst>
+                <a:ext uri="{FF2B5EF4-FFF2-40B4-BE49-F238E27FC236}">
+                  <a16:creationId xmlns:a16="http://schemas.microsoft.com/office/drawing/2014/main" id="{0BB66EBB-7190-0FF6-BB49-3EB8142213C8}"/>
+                </a:ext>
+              </a:extLst>
+            </p:cNvPr>
+            <p:cNvSpPr txBox="1"/>
+            <p:nvPr/>
+          </p:nvSpPr>
+          <p:spPr>
+            <a:xfrm>
+              <a:off x="6812906" y="2195286"/>
+              <a:ext cx="372218" cy="369332"/>
+            </a:xfrm>
+            <a:prstGeom prst="rect">
+              <a:avLst/>
+            </a:prstGeom>
+            <a:noFill/>
+          </p:spPr>
+          <p:txBody>
+            <a:bodyPr wrap="none" rtlCol="0">
+              <a:spAutoFit/>
+            </a:bodyPr>
+            <a:lstStyle/>
+            <a:p>
+              <a:r>
+                <a:rPr lang="en-US" dirty="0"/>
+                <a:t>-3</a:t>
+              </a:r>
+            </a:p>
+          </p:txBody>
+        </p:sp>
+        <p:sp>
+          <p:nvSpPr>
+            <p:cNvPr id="27" name="TextBox 26">
+              <a:extLst>
+                <a:ext uri="{FF2B5EF4-FFF2-40B4-BE49-F238E27FC236}">
+                  <a16:creationId xmlns:a16="http://schemas.microsoft.com/office/drawing/2014/main" id="{B8229004-0742-18B3-87AC-52E72E8CE08C}"/>
+                </a:ext>
+              </a:extLst>
+            </p:cNvPr>
+            <p:cNvSpPr txBox="1"/>
+            <p:nvPr/>
+          </p:nvSpPr>
+          <p:spPr>
+            <a:xfrm>
+              <a:off x="7149843" y="2123105"/>
+              <a:ext cx="372218" cy="369332"/>
+            </a:xfrm>
+            <a:prstGeom prst="rect">
+              <a:avLst/>
+            </a:prstGeom>
+            <a:noFill/>
+          </p:spPr>
+          <p:txBody>
+            <a:bodyPr wrap="none" rtlCol="0">
+              <a:spAutoFit/>
+            </a:bodyPr>
+            <a:lstStyle/>
+            <a:p>
+              <a:r>
+                <a:rPr lang="en-US" dirty="0"/>
+                <a:t>-2</a:t>
+              </a:r>
+            </a:p>
+          </p:txBody>
+        </p:sp>
+        <p:sp>
+          <p:nvSpPr>
+            <p:cNvPr id="28" name="TextBox 27">
+              <a:extLst>
+                <a:ext uri="{FF2B5EF4-FFF2-40B4-BE49-F238E27FC236}">
+                  <a16:creationId xmlns:a16="http://schemas.microsoft.com/office/drawing/2014/main" id="{5A6D4D24-CF2C-E527-0583-80296CC54D1E}"/>
+                </a:ext>
+              </a:extLst>
+            </p:cNvPr>
+            <p:cNvSpPr txBox="1"/>
+            <p:nvPr/>
+          </p:nvSpPr>
+          <p:spPr>
+            <a:xfrm>
+              <a:off x="7576461" y="2246089"/>
+              <a:ext cx="372218" cy="369332"/>
+            </a:xfrm>
+            <a:prstGeom prst="rect">
+              <a:avLst/>
+            </a:prstGeom>
+            <a:noFill/>
+          </p:spPr>
+          <p:txBody>
+            <a:bodyPr wrap="none" rtlCol="0">
+              <a:spAutoFit/>
+            </a:bodyPr>
+            <a:lstStyle/>
+            <a:p>
+              <a:r>
+                <a:rPr lang="en-US" dirty="0"/>
+                <a:t>-1</a:t>
+              </a:r>
+            </a:p>
+          </p:txBody>
+        </p:sp>
+      </p:grpSp>
+    </p:spTree>
+    <p:extLst>
+      <p:ext uri="{BB962C8B-B14F-4D97-AF65-F5344CB8AC3E}">
+        <p14:creationId xmlns:p14="http://schemas.microsoft.com/office/powerpoint/2010/main" val="2976919267"/>
+      </p:ext>
+    </p:extLst>
+  </p:cSld>
+  <p:clrMapOvr>
+    <a:masterClrMapping/>
+  </p:clrMapOvr>
+</p:sld>
+</file>
+
+<file path=ppt/slides/slide52.xml><?xml version="1.0" encoding="utf-8"?>
+<p:sld xmlns:a="http://schemas.openxmlformats.org/drawingml/2006/main" xmlns:r="http://schemas.openxmlformats.org/officeDocument/2006/relationships" xmlns:p="http://schemas.openxmlformats.org/presentationml/2006/main">
+  <p:cSld>
+    <p:spTree>
+      <p:nvGrpSpPr>
+        <p:cNvPr id="1" name=""/>
+        <p:cNvGrpSpPr/>
+        <p:nvPr/>
+      </p:nvGrpSpPr>
+      <p:grpSpPr>
+        <a:xfrm>
+          <a:off x="0" y="0"/>
+          <a:ext cx="0" cy="0"/>
+          <a:chOff x="0" y="0"/>
+          <a:chExt cx="0" cy="0"/>
+        </a:xfrm>
+      </p:grpSpPr>
+      <p:cxnSp>
+        <p:nvCxnSpPr>
+          <p:cNvPr id="4" name="Straight Arrow Connector 3">
+            <a:extLst>
+              <a:ext uri="{FF2B5EF4-FFF2-40B4-BE49-F238E27FC236}">
+                <a16:creationId xmlns:a16="http://schemas.microsoft.com/office/drawing/2014/main" id="{605850F2-7CC5-590C-D14E-A5E9379F00A5}"/>
+              </a:ext>
+            </a:extLst>
+          </p:cNvPr>
+          <p:cNvCxnSpPr/>
+          <p:nvPr/>
+        </p:nvCxnSpPr>
+        <p:spPr>
+          <a:xfrm>
+            <a:off x="6110512" y="537029"/>
+            <a:ext cx="0" cy="5760720"/>
+          </a:xfrm>
+          <a:prstGeom prst="straightConnector1">
+            <a:avLst/>
+          </a:prstGeom>
+          <a:ln w="38100">
+            <a:headEnd type="triangle"/>
+            <a:tailEnd type="triangle"/>
+          </a:ln>
+        </p:spPr>
+        <p:style>
+          <a:lnRef idx="1">
+            <a:schemeClr val="accent1"/>
+          </a:lnRef>
+          <a:fillRef idx="0">
+            <a:schemeClr val="accent1"/>
+          </a:fillRef>
+          <a:effectRef idx="0">
+            <a:schemeClr val="accent1"/>
+          </a:effectRef>
+          <a:fontRef idx="minor">
+            <a:schemeClr val="tx1"/>
+          </a:fontRef>
+        </p:style>
+      </p:cxnSp>
+      <p:cxnSp>
+        <p:nvCxnSpPr>
+          <p:cNvPr id="5" name="Straight Arrow Connector 4">
+            <a:extLst>
+              <a:ext uri="{FF2B5EF4-FFF2-40B4-BE49-F238E27FC236}">
+                <a16:creationId xmlns:a16="http://schemas.microsoft.com/office/drawing/2014/main" id="{0ED9F470-A8F8-8057-9DCC-63B1747667E1}"/>
+              </a:ext>
+            </a:extLst>
+          </p:cNvPr>
+          <p:cNvCxnSpPr/>
+          <p:nvPr/>
+        </p:nvCxnSpPr>
+        <p:spPr>
+          <a:xfrm>
+            <a:off x="1901374" y="3077029"/>
+            <a:ext cx="8969828" cy="0"/>
+          </a:xfrm>
+          <a:prstGeom prst="straightConnector1">
+            <a:avLst/>
+          </a:prstGeom>
+          <a:ln w="57150">
+            <a:headEnd type="triangle"/>
+            <a:tailEnd type="triangle"/>
+          </a:ln>
+        </p:spPr>
+        <p:style>
+          <a:lnRef idx="1">
+            <a:schemeClr val="accent2"/>
+          </a:lnRef>
+          <a:fillRef idx="0">
+            <a:schemeClr val="accent2"/>
+          </a:fillRef>
+          <a:effectRef idx="0">
+            <a:schemeClr val="accent2"/>
+          </a:effectRef>
+          <a:fontRef idx="minor">
+            <a:schemeClr val="tx1"/>
+          </a:fontRef>
+        </p:style>
+      </p:cxnSp>
+      <p:sp>
+        <p:nvSpPr>
+          <p:cNvPr id="6" name="TextBox 5">
+            <a:extLst>
+              <a:ext uri="{FF2B5EF4-FFF2-40B4-BE49-F238E27FC236}">
+                <a16:creationId xmlns:a16="http://schemas.microsoft.com/office/drawing/2014/main" id="{5031EF19-2FE4-318C-3082-6539BE38C8F9}"/>
+              </a:ext>
+            </a:extLst>
+          </p:cNvPr>
+          <p:cNvSpPr txBox="1"/>
+          <p:nvPr/>
+        </p:nvSpPr>
+        <p:spPr>
+          <a:xfrm>
+            <a:off x="4064000" y="537029"/>
+            <a:ext cx="931665" cy="461665"/>
+          </a:xfrm>
+          <a:prstGeom prst="rect">
+            <a:avLst/>
+          </a:prstGeom>
+          <a:noFill/>
+        </p:spPr>
+        <p:txBody>
+          <a:bodyPr wrap="none" rtlCol="0">
+            <a:spAutoFit/>
+          </a:bodyPr>
+          <a:lstStyle/>
+          <a:p>
+            <a:r>
+              <a:rPr lang="en-US" sz="2400" dirty="0">
+                <a:solidFill>
+                  <a:schemeClr val="tx2">
+                    <a:lumMod val="75000"/>
+                  </a:schemeClr>
+                </a:solidFill>
+              </a:rPr>
+              <a:t>Y-Axis</a:t>
+            </a:r>
+          </a:p>
+        </p:txBody>
+      </p:sp>
+      <p:sp>
+        <p:nvSpPr>
+          <p:cNvPr id="7" name="TextBox 6">
+            <a:extLst>
+              <a:ext uri="{FF2B5EF4-FFF2-40B4-BE49-F238E27FC236}">
+                <a16:creationId xmlns:a16="http://schemas.microsoft.com/office/drawing/2014/main" id="{3999CC74-2968-8602-4130-2FE26E1BD0F0}"/>
+              </a:ext>
+            </a:extLst>
+          </p:cNvPr>
+          <p:cNvSpPr txBox="1"/>
+          <p:nvPr/>
+        </p:nvSpPr>
+        <p:spPr>
+          <a:xfrm>
+            <a:off x="389133" y="2846196"/>
+            <a:ext cx="941283" cy="461665"/>
+          </a:xfrm>
+          <a:prstGeom prst="rect">
+            <a:avLst/>
+          </a:prstGeom>
+          <a:noFill/>
+        </p:spPr>
+        <p:txBody>
+          <a:bodyPr wrap="none" rtlCol="0">
+            <a:spAutoFit/>
+          </a:bodyPr>
+          <a:lstStyle/>
+          <a:p>
+            <a:r>
+              <a:rPr lang="en-US" sz="2400" dirty="0">
+                <a:solidFill>
+                  <a:schemeClr val="tx2">
+                    <a:lumMod val="75000"/>
+                  </a:schemeClr>
+                </a:solidFill>
+              </a:rPr>
+              <a:t>X-Axis</a:t>
+            </a:r>
+          </a:p>
+        </p:txBody>
+      </p:sp>
+      <p:grpSp>
+        <p:nvGrpSpPr>
+          <p:cNvPr id="8" name="Group 7">
+            <a:extLst>
+              <a:ext uri="{FF2B5EF4-FFF2-40B4-BE49-F238E27FC236}">
+                <a16:creationId xmlns:a16="http://schemas.microsoft.com/office/drawing/2014/main" id="{933619CD-377A-B383-6F30-4AEC8F1839AB}"/>
+              </a:ext>
+            </a:extLst>
+          </p:cNvPr>
+          <p:cNvGrpSpPr/>
+          <p:nvPr/>
+        </p:nvGrpSpPr>
+        <p:grpSpPr>
+          <a:xfrm rot="5400000">
+            <a:off x="5640358" y="3429146"/>
+            <a:ext cx="1491859" cy="1407495"/>
+            <a:chOff x="6386288" y="2123105"/>
+            <a:chExt cx="1491859" cy="1407495"/>
+          </a:xfrm>
+        </p:grpSpPr>
+        <p:cxnSp>
+          <p:nvCxnSpPr>
+            <p:cNvPr id="9" name="Straight Connector 8">
+              <a:extLst>
+                <a:ext uri="{FF2B5EF4-FFF2-40B4-BE49-F238E27FC236}">
+                  <a16:creationId xmlns:a16="http://schemas.microsoft.com/office/drawing/2014/main" id="{F676F99D-3493-5293-FF25-D1316E759A56}"/>
+                </a:ext>
+              </a:extLst>
+            </p:cNvPr>
+            <p:cNvCxnSpPr/>
+            <p:nvPr/>
+          </p:nvCxnSpPr>
+          <p:spPr>
+            <a:xfrm>
+              <a:off x="6560458" y="2641598"/>
+              <a:ext cx="0" cy="874486"/>
+            </a:xfrm>
+            <a:prstGeom prst="line">
+              <a:avLst/>
+            </a:prstGeom>
+          </p:spPr>
+          <p:style>
+            <a:lnRef idx="1">
+              <a:schemeClr val="accent1"/>
+            </a:lnRef>
+            <a:fillRef idx="0">
+              <a:schemeClr val="accent1"/>
+            </a:fillRef>
+            <a:effectRef idx="0">
+              <a:schemeClr val="accent1"/>
+            </a:effectRef>
+            <a:fontRef idx="minor">
+              <a:schemeClr val="tx1"/>
+            </a:fontRef>
+          </p:style>
+        </p:cxnSp>
+        <p:cxnSp>
+          <p:nvCxnSpPr>
+            <p:cNvPr id="10" name="Straight Connector 9">
+              <a:extLst>
+                <a:ext uri="{FF2B5EF4-FFF2-40B4-BE49-F238E27FC236}">
+                  <a16:creationId xmlns:a16="http://schemas.microsoft.com/office/drawing/2014/main" id="{E6406244-5EB1-7DAB-DFFE-0C537AD32214}"/>
+                </a:ext>
+              </a:extLst>
+            </p:cNvPr>
+            <p:cNvCxnSpPr/>
+            <p:nvPr/>
+          </p:nvCxnSpPr>
+          <p:spPr>
+            <a:xfrm>
+              <a:off x="7003144" y="2648856"/>
+              <a:ext cx="0" cy="874486"/>
+            </a:xfrm>
+            <a:prstGeom prst="line">
+              <a:avLst/>
+            </a:prstGeom>
+          </p:spPr>
+          <p:style>
+            <a:lnRef idx="1">
+              <a:schemeClr val="accent1"/>
+            </a:lnRef>
+            <a:fillRef idx="0">
+              <a:schemeClr val="accent1"/>
+            </a:fillRef>
+            <a:effectRef idx="0">
+              <a:schemeClr val="accent1"/>
+            </a:effectRef>
+            <a:fontRef idx="minor">
+              <a:schemeClr val="tx1"/>
+            </a:fontRef>
+          </p:style>
+        </p:cxnSp>
+        <p:cxnSp>
+          <p:nvCxnSpPr>
+            <p:cNvPr id="11" name="Straight Connector 10">
+              <a:extLst>
+                <a:ext uri="{FF2B5EF4-FFF2-40B4-BE49-F238E27FC236}">
+                  <a16:creationId xmlns:a16="http://schemas.microsoft.com/office/drawing/2014/main" id="{492CC355-7C69-95B5-1068-71EF30143DE2}"/>
+                </a:ext>
+              </a:extLst>
+            </p:cNvPr>
+            <p:cNvCxnSpPr/>
+            <p:nvPr/>
+          </p:nvCxnSpPr>
+          <p:spPr>
+            <a:xfrm>
+              <a:off x="7300686" y="2656114"/>
+              <a:ext cx="0" cy="874486"/>
+            </a:xfrm>
+            <a:prstGeom prst="line">
+              <a:avLst/>
+            </a:prstGeom>
+          </p:spPr>
+          <p:style>
+            <a:lnRef idx="1">
+              <a:schemeClr val="accent1"/>
+            </a:lnRef>
+            <a:fillRef idx="0">
+              <a:schemeClr val="accent1"/>
+            </a:fillRef>
+            <a:effectRef idx="0">
+              <a:schemeClr val="accent1"/>
+            </a:effectRef>
+            <a:fontRef idx="minor">
+              <a:schemeClr val="tx1"/>
+            </a:fontRef>
+          </p:style>
+        </p:cxnSp>
+        <p:cxnSp>
+          <p:nvCxnSpPr>
+            <p:cNvPr id="12" name="Straight Connector 11">
+              <a:extLst>
+                <a:ext uri="{FF2B5EF4-FFF2-40B4-BE49-F238E27FC236}">
+                  <a16:creationId xmlns:a16="http://schemas.microsoft.com/office/drawing/2014/main" id="{6305F5F5-8571-40A6-A349-44C0CBB59913}"/>
+                </a:ext>
+              </a:extLst>
+            </p:cNvPr>
+            <p:cNvCxnSpPr/>
+            <p:nvPr/>
+          </p:nvCxnSpPr>
+          <p:spPr>
+            <a:xfrm>
+              <a:off x="7663544" y="2627084"/>
+              <a:ext cx="0" cy="874486"/>
+            </a:xfrm>
+            <a:prstGeom prst="line">
+              <a:avLst/>
+            </a:prstGeom>
+          </p:spPr>
+          <p:style>
+            <a:lnRef idx="1">
+              <a:schemeClr val="accent1"/>
+            </a:lnRef>
+            <a:fillRef idx="0">
+              <a:schemeClr val="accent1"/>
+            </a:fillRef>
+            <a:effectRef idx="0">
+              <a:schemeClr val="accent1"/>
+            </a:effectRef>
+            <a:fontRef idx="minor">
+              <a:schemeClr val="tx1"/>
+            </a:fontRef>
+          </p:style>
+        </p:cxnSp>
+        <p:sp>
+          <p:nvSpPr>
+            <p:cNvPr id="13" name="TextBox 12">
+              <a:extLst>
+                <a:ext uri="{FF2B5EF4-FFF2-40B4-BE49-F238E27FC236}">
+                  <a16:creationId xmlns:a16="http://schemas.microsoft.com/office/drawing/2014/main" id="{8B37D8B1-40DE-FE90-4A08-6C66D7A698E7}"/>
+                </a:ext>
+              </a:extLst>
+            </p:cNvPr>
+            <p:cNvSpPr txBox="1"/>
+            <p:nvPr/>
+          </p:nvSpPr>
+          <p:spPr>
+            <a:xfrm>
+              <a:off x="6386288" y="2380343"/>
+              <a:ext cx="301686" cy="369332"/>
+            </a:xfrm>
+            <a:prstGeom prst="rect">
+              <a:avLst/>
+            </a:prstGeom>
+            <a:noFill/>
+          </p:spPr>
+          <p:txBody>
+            <a:bodyPr wrap="none" rtlCol="0">
+              <a:spAutoFit/>
+            </a:bodyPr>
+            <a:lstStyle/>
+            <a:p>
+              <a:r>
+                <a:rPr lang="en-US" dirty="0"/>
+                <a:t>1</a:t>
+              </a:r>
+            </a:p>
+          </p:txBody>
+        </p:sp>
+        <p:sp>
+          <p:nvSpPr>
+            <p:cNvPr id="14" name="TextBox 13">
+              <a:extLst>
+                <a:ext uri="{FF2B5EF4-FFF2-40B4-BE49-F238E27FC236}">
+                  <a16:creationId xmlns:a16="http://schemas.microsoft.com/office/drawing/2014/main" id="{D5C155F5-E48E-644E-4BCF-0B4029BC6E2E}"/>
+                </a:ext>
+              </a:extLst>
+            </p:cNvPr>
+            <p:cNvSpPr txBox="1"/>
+            <p:nvPr/>
+          </p:nvSpPr>
+          <p:spPr>
+            <a:xfrm>
+              <a:off x="6812906" y="2195286"/>
+              <a:ext cx="301686" cy="369332"/>
+            </a:xfrm>
+            <a:prstGeom prst="rect">
+              <a:avLst/>
+            </a:prstGeom>
+            <a:noFill/>
+          </p:spPr>
+          <p:txBody>
+            <a:bodyPr wrap="none" rtlCol="0">
+              <a:spAutoFit/>
+            </a:bodyPr>
+            <a:lstStyle/>
+            <a:p>
+              <a:r>
+                <a:rPr lang="en-US" dirty="0"/>
+                <a:t>2</a:t>
+              </a:r>
+            </a:p>
+          </p:txBody>
+        </p:sp>
+        <p:sp>
+          <p:nvSpPr>
+            <p:cNvPr id="15" name="TextBox 14">
+              <a:extLst>
+                <a:ext uri="{FF2B5EF4-FFF2-40B4-BE49-F238E27FC236}">
+                  <a16:creationId xmlns:a16="http://schemas.microsoft.com/office/drawing/2014/main" id="{E237CC14-CCD7-01FD-7004-6578898B95EA}"/>
+                </a:ext>
+              </a:extLst>
+            </p:cNvPr>
+            <p:cNvSpPr txBox="1"/>
+            <p:nvPr/>
+          </p:nvSpPr>
+          <p:spPr>
+            <a:xfrm>
+              <a:off x="7149843" y="2123105"/>
+              <a:ext cx="301686" cy="369332"/>
+            </a:xfrm>
+            <a:prstGeom prst="rect">
+              <a:avLst/>
+            </a:prstGeom>
+            <a:noFill/>
+          </p:spPr>
+          <p:txBody>
+            <a:bodyPr wrap="none" rtlCol="0">
+              <a:spAutoFit/>
+            </a:bodyPr>
+            <a:lstStyle/>
+            <a:p>
+              <a:r>
+                <a:rPr lang="en-US" dirty="0"/>
+                <a:t>3</a:t>
+              </a:r>
+            </a:p>
+          </p:txBody>
+        </p:sp>
+        <p:sp>
+          <p:nvSpPr>
+            <p:cNvPr id="16" name="TextBox 15">
+              <a:extLst>
+                <a:ext uri="{FF2B5EF4-FFF2-40B4-BE49-F238E27FC236}">
+                  <a16:creationId xmlns:a16="http://schemas.microsoft.com/office/drawing/2014/main" id="{1E9DAC9F-3011-23FE-7DD3-754DFE0F601D}"/>
+                </a:ext>
+              </a:extLst>
+            </p:cNvPr>
+            <p:cNvSpPr txBox="1"/>
+            <p:nvPr/>
+          </p:nvSpPr>
+          <p:spPr>
+            <a:xfrm>
+              <a:off x="7576461" y="2246089"/>
+              <a:ext cx="301686" cy="369332"/>
+            </a:xfrm>
+            <a:prstGeom prst="rect">
+              <a:avLst/>
+            </a:prstGeom>
+            <a:noFill/>
+          </p:spPr>
+          <p:txBody>
+            <a:bodyPr wrap="none" rtlCol="0">
+              <a:spAutoFit/>
+            </a:bodyPr>
+            <a:lstStyle/>
+            <a:p>
+              <a:r>
+                <a:rPr lang="en-US" dirty="0"/>
+                <a:t>4</a:t>
+              </a:r>
+            </a:p>
+          </p:txBody>
+        </p:sp>
+      </p:grpSp>
+      <p:grpSp>
+        <p:nvGrpSpPr>
+          <p:cNvPr id="17" name="Group 16">
+            <a:extLst>
+              <a:ext uri="{FF2B5EF4-FFF2-40B4-BE49-F238E27FC236}">
+                <a16:creationId xmlns:a16="http://schemas.microsoft.com/office/drawing/2014/main" id="{1BFC1AE1-0ADD-771F-DD98-3F21F483B1DE}"/>
+              </a:ext>
+            </a:extLst>
+          </p:cNvPr>
+          <p:cNvGrpSpPr/>
+          <p:nvPr/>
+        </p:nvGrpSpPr>
+        <p:grpSpPr>
+          <a:xfrm rot="5400000">
+            <a:off x="5532911" y="1293438"/>
+            <a:ext cx="1562391" cy="1407495"/>
+            <a:chOff x="6386288" y="2123105"/>
+            <a:chExt cx="1562391" cy="1407495"/>
+          </a:xfrm>
+        </p:grpSpPr>
+        <p:cxnSp>
+          <p:nvCxnSpPr>
+            <p:cNvPr id="18" name="Straight Connector 17">
+              <a:extLst>
+                <a:ext uri="{FF2B5EF4-FFF2-40B4-BE49-F238E27FC236}">
+                  <a16:creationId xmlns:a16="http://schemas.microsoft.com/office/drawing/2014/main" id="{8AA50E79-E8DA-1DDB-6610-A3001612C8D6}"/>
+                </a:ext>
+              </a:extLst>
+            </p:cNvPr>
+            <p:cNvCxnSpPr/>
+            <p:nvPr/>
+          </p:nvCxnSpPr>
+          <p:spPr>
+            <a:xfrm>
+              <a:off x="6560458" y="2641598"/>
+              <a:ext cx="0" cy="874486"/>
+            </a:xfrm>
+            <a:prstGeom prst="line">
+              <a:avLst/>
+            </a:prstGeom>
+          </p:spPr>
+          <p:style>
+            <a:lnRef idx="1">
+              <a:schemeClr val="accent1"/>
+            </a:lnRef>
+            <a:fillRef idx="0">
+              <a:schemeClr val="accent1"/>
+            </a:fillRef>
+            <a:effectRef idx="0">
+              <a:schemeClr val="accent1"/>
+            </a:effectRef>
+            <a:fontRef idx="minor">
+              <a:schemeClr val="tx1"/>
+            </a:fontRef>
+          </p:style>
+        </p:cxnSp>
+        <p:cxnSp>
+          <p:nvCxnSpPr>
+            <p:cNvPr id="19" name="Straight Connector 18">
+              <a:extLst>
+                <a:ext uri="{FF2B5EF4-FFF2-40B4-BE49-F238E27FC236}">
+                  <a16:creationId xmlns:a16="http://schemas.microsoft.com/office/drawing/2014/main" id="{EB336EA1-CE4F-0E64-328E-CB0E739AE8F9}"/>
+                </a:ext>
+              </a:extLst>
+            </p:cNvPr>
+            <p:cNvCxnSpPr/>
+            <p:nvPr/>
+          </p:nvCxnSpPr>
+          <p:spPr>
+            <a:xfrm>
+              <a:off x="7003144" y="2648856"/>
+              <a:ext cx="0" cy="874486"/>
+            </a:xfrm>
+            <a:prstGeom prst="line">
+              <a:avLst/>
+            </a:prstGeom>
+          </p:spPr>
+          <p:style>
+            <a:lnRef idx="1">
+              <a:schemeClr val="accent1"/>
+            </a:lnRef>
+            <a:fillRef idx="0">
+              <a:schemeClr val="accent1"/>
+            </a:fillRef>
+            <a:effectRef idx="0">
+              <a:schemeClr val="accent1"/>
+            </a:effectRef>
+            <a:fontRef idx="minor">
+              <a:schemeClr val="tx1"/>
+            </a:fontRef>
+          </p:style>
+        </p:cxnSp>
+        <p:cxnSp>
+          <p:nvCxnSpPr>
+            <p:cNvPr id="20" name="Straight Connector 19">
+              <a:extLst>
+                <a:ext uri="{FF2B5EF4-FFF2-40B4-BE49-F238E27FC236}">
+                  <a16:creationId xmlns:a16="http://schemas.microsoft.com/office/drawing/2014/main" id="{402026A0-1A3D-C568-1143-24BCF47E35DA}"/>
+                </a:ext>
+              </a:extLst>
+            </p:cNvPr>
+            <p:cNvCxnSpPr/>
+            <p:nvPr/>
+          </p:nvCxnSpPr>
+          <p:spPr>
+            <a:xfrm>
+              <a:off x="7300686" y="2656114"/>
+              <a:ext cx="0" cy="874486"/>
+            </a:xfrm>
+            <a:prstGeom prst="line">
+              <a:avLst/>
+            </a:prstGeom>
+          </p:spPr>
+          <p:style>
+            <a:lnRef idx="1">
+              <a:schemeClr val="accent1"/>
+            </a:lnRef>
+            <a:fillRef idx="0">
+              <a:schemeClr val="accent1"/>
+            </a:fillRef>
+            <a:effectRef idx="0">
+              <a:schemeClr val="accent1"/>
+            </a:effectRef>
+            <a:fontRef idx="minor">
+              <a:schemeClr val="tx1"/>
+            </a:fontRef>
+          </p:style>
+        </p:cxnSp>
+        <p:cxnSp>
+          <p:nvCxnSpPr>
+            <p:cNvPr id="21" name="Straight Connector 20">
+              <a:extLst>
+                <a:ext uri="{FF2B5EF4-FFF2-40B4-BE49-F238E27FC236}">
+                  <a16:creationId xmlns:a16="http://schemas.microsoft.com/office/drawing/2014/main" id="{7F44E4FE-49CB-19AE-171D-952FD1F54593}"/>
+                </a:ext>
+              </a:extLst>
+            </p:cNvPr>
+            <p:cNvCxnSpPr/>
+            <p:nvPr/>
+          </p:nvCxnSpPr>
+          <p:spPr>
+            <a:xfrm>
+              <a:off x="7663544" y="2627084"/>
+              <a:ext cx="0" cy="874486"/>
+            </a:xfrm>
+            <a:prstGeom prst="line">
+              <a:avLst/>
+            </a:prstGeom>
+          </p:spPr>
+          <p:style>
+            <a:lnRef idx="1">
+              <a:schemeClr val="accent1"/>
+            </a:lnRef>
+            <a:fillRef idx="0">
+              <a:schemeClr val="accent1"/>
+            </a:fillRef>
+            <a:effectRef idx="0">
+              <a:schemeClr val="accent1"/>
+            </a:effectRef>
+            <a:fontRef idx="minor">
+              <a:schemeClr val="tx1"/>
+            </a:fontRef>
+          </p:style>
+        </p:cxnSp>
+        <p:sp>
+          <p:nvSpPr>
+            <p:cNvPr id="22" name="TextBox 21">
+              <a:extLst>
+                <a:ext uri="{FF2B5EF4-FFF2-40B4-BE49-F238E27FC236}">
+                  <a16:creationId xmlns:a16="http://schemas.microsoft.com/office/drawing/2014/main" id="{F46786FA-5C86-74BA-170B-4F62F266030C}"/>
+                </a:ext>
+              </a:extLst>
+            </p:cNvPr>
+            <p:cNvSpPr txBox="1"/>
+            <p:nvPr/>
+          </p:nvSpPr>
+          <p:spPr>
+            <a:xfrm>
+              <a:off x="6386288" y="2380343"/>
+              <a:ext cx="372218" cy="369332"/>
+            </a:xfrm>
+            <a:prstGeom prst="rect">
+              <a:avLst/>
+            </a:prstGeom>
+            <a:noFill/>
+          </p:spPr>
+          <p:txBody>
+            <a:bodyPr wrap="none" rtlCol="0">
+              <a:spAutoFit/>
+            </a:bodyPr>
+            <a:lstStyle/>
+            <a:p>
+              <a:r>
+                <a:rPr lang="en-US" dirty="0"/>
+                <a:t>-4</a:t>
+              </a:r>
+            </a:p>
+          </p:txBody>
+        </p:sp>
+        <p:sp>
+          <p:nvSpPr>
+            <p:cNvPr id="23" name="TextBox 22">
+              <a:extLst>
+                <a:ext uri="{FF2B5EF4-FFF2-40B4-BE49-F238E27FC236}">
+                  <a16:creationId xmlns:a16="http://schemas.microsoft.com/office/drawing/2014/main" id="{B63B821B-D6A5-D481-D40B-768C9C60878E}"/>
+                </a:ext>
+              </a:extLst>
+            </p:cNvPr>
+            <p:cNvSpPr txBox="1"/>
+            <p:nvPr/>
+          </p:nvSpPr>
+          <p:spPr>
+            <a:xfrm>
+              <a:off x="6812906" y="2195286"/>
+              <a:ext cx="372218" cy="369332"/>
+            </a:xfrm>
+            <a:prstGeom prst="rect">
+              <a:avLst/>
+            </a:prstGeom>
+            <a:noFill/>
+          </p:spPr>
+          <p:txBody>
+            <a:bodyPr wrap="none" rtlCol="0">
+              <a:spAutoFit/>
+            </a:bodyPr>
+            <a:lstStyle/>
+            <a:p>
+              <a:r>
+                <a:rPr lang="en-US" dirty="0"/>
+                <a:t>-3</a:t>
+              </a:r>
+            </a:p>
+          </p:txBody>
+        </p:sp>
+        <p:sp>
+          <p:nvSpPr>
+            <p:cNvPr id="24" name="TextBox 23">
+              <a:extLst>
+                <a:ext uri="{FF2B5EF4-FFF2-40B4-BE49-F238E27FC236}">
+                  <a16:creationId xmlns:a16="http://schemas.microsoft.com/office/drawing/2014/main" id="{221BFBD0-5C57-D974-DBD4-05D4428A6DA9}"/>
+                </a:ext>
+              </a:extLst>
+            </p:cNvPr>
+            <p:cNvSpPr txBox="1"/>
+            <p:nvPr/>
+          </p:nvSpPr>
+          <p:spPr>
+            <a:xfrm>
+              <a:off x="7149843" y="2123105"/>
+              <a:ext cx="372218" cy="369332"/>
+            </a:xfrm>
+            <a:prstGeom prst="rect">
+              <a:avLst/>
+            </a:prstGeom>
+            <a:noFill/>
+          </p:spPr>
+          <p:txBody>
+            <a:bodyPr wrap="none" rtlCol="0">
+              <a:spAutoFit/>
+            </a:bodyPr>
+            <a:lstStyle/>
+            <a:p>
+              <a:r>
+                <a:rPr lang="en-US" dirty="0"/>
+                <a:t>-2</a:t>
+              </a:r>
+            </a:p>
+          </p:txBody>
+        </p:sp>
+        <p:sp>
+          <p:nvSpPr>
+            <p:cNvPr id="25" name="TextBox 24">
+              <a:extLst>
+                <a:ext uri="{FF2B5EF4-FFF2-40B4-BE49-F238E27FC236}">
+                  <a16:creationId xmlns:a16="http://schemas.microsoft.com/office/drawing/2014/main" id="{D35AD9F2-0452-98D4-E3E7-136317A1C83A}"/>
+                </a:ext>
+              </a:extLst>
+            </p:cNvPr>
+            <p:cNvSpPr txBox="1"/>
+            <p:nvPr/>
+          </p:nvSpPr>
+          <p:spPr>
+            <a:xfrm>
+              <a:off x="7576461" y="2246089"/>
+              <a:ext cx="372218" cy="369332"/>
+            </a:xfrm>
+            <a:prstGeom prst="rect">
+              <a:avLst/>
+            </a:prstGeom>
+            <a:noFill/>
+          </p:spPr>
+          <p:txBody>
+            <a:bodyPr wrap="none" rtlCol="0">
+              <a:spAutoFit/>
+            </a:bodyPr>
+            <a:lstStyle/>
+            <a:p>
+              <a:r>
+                <a:rPr lang="en-US" dirty="0"/>
+                <a:t>-1</a:t>
+              </a:r>
+            </a:p>
+          </p:txBody>
+        </p:sp>
+      </p:grpSp>
+    </p:spTree>
+    <p:extLst>
+      <p:ext uri="{BB962C8B-B14F-4D97-AF65-F5344CB8AC3E}">
+        <p14:creationId xmlns:p14="http://schemas.microsoft.com/office/powerpoint/2010/main" val="4156422482"/>
       </p:ext>
     </p:extLst>
   </p:cSld>

--- a/CSS.pptx
+++ b/CSS.pptx
@@ -57,6 +57,19 @@
     <p:sldId id="307" r:id="rId51"/>
     <p:sldId id="305" r:id="rId52"/>
     <p:sldId id="306" r:id="rId53"/>
+    <p:sldId id="308" r:id="rId54"/>
+    <p:sldId id="309" r:id="rId55"/>
+    <p:sldId id="310" r:id="rId56"/>
+    <p:sldId id="311" r:id="rId57"/>
+    <p:sldId id="312" r:id="rId58"/>
+    <p:sldId id="313" r:id="rId59"/>
+    <p:sldId id="314" r:id="rId60"/>
+    <p:sldId id="315" r:id="rId61"/>
+    <p:sldId id="316" r:id="rId62"/>
+    <p:sldId id="317" r:id="rId63"/>
+    <p:sldId id="318" r:id="rId64"/>
+    <p:sldId id="319" r:id="rId65"/>
+    <p:sldId id="320" r:id="rId66"/>
   </p:sldIdLst>
   <p:sldSz cx="12192000" cy="6858000"/>
   <p:notesSz cx="6858000" cy="9144000"/>
@@ -310,7 +323,7 @@
           <a:p>
             <a:fld id="{E6A9BA00-07BE-4836-8229-BCB8917AB7E6}" type="datetimeFigureOut">
               <a:rPr lang="en-US" smtClean="0"/>
-              <a:t>12/2/2022</a:t>
+              <a:t>12/5/2022</a:t>
             </a:fld>
             <a:endParaRPr lang="en-US"/>
           </a:p>
@@ -508,7 +521,7 @@
           <a:p>
             <a:fld id="{E6A9BA00-07BE-4836-8229-BCB8917AB7E6}" type="datetimeFigureOut">
               <a:rPr lang="en-US" smtClean="0"/>
-              <a:t>12/2/2022</a:t>
+              <a:t>12/5/2022</a:t>
             </a:fld>
             <a:endParaRPr lang="en-US"/>
           </a:p>
@@ -716,7 +729,7 @@
           <a:p>
             <a:fld id="{E6A9BA00-07BE-4836-8229-BCB8917AB7E6}" type="datetimeFigureOut">
               <a:rPr lang="en-US" smtClean="0"/>
-              <a:t>12/2/2022</a:t>
+              <a:t>12/5/2022</a:t>
             </a:fld>
             <a:endParaRPr lang="en-US"/>
           </a:p>
@@ -914,7 +927,7 @@
           <a:p>
             <a:fld id="{E6A9BA00-07BE-4836-8229-BCB8917AB7E6}" type="datetimeFigureOut">
               <a:rPr lang="en-US" smtClean="0"/>
-              <a:t>12/2/2022</a:t>
+              <a:t>12/5/2022</a:t>
             </a:fld>
             <a:endParaRPr lang="en-US"/>
           </a:p>
@@ -1189,7 +1202,7 @@
           <a:p>
             <a:fld id="{E6A9BA00-07BE-4836-8229-BCB8917AB7E6}" type="datetimeFigureOut">
               <a:rPr lang="en-US" smtClean="0"/>
-              <a:t>12/2/2022</a:t>
+              <a:t>12/5/2022</a:t>
             </a:fld>
             <a:endParaRPr lang="en-US"/>
           </a:p>
@@ -1454,7 +1467,7 @@
           <a:p>
             <a:fld id="{E6A9BA00-07BE-4836-8229-BCB8917AB7E6}" type="datetimeFigureOut">
               <a:rPr lang="en-US" smtClean="0"/>
-              <a:t>12/2/2022</a:t>
+              <a:t>12/5/2022</a:t>
             </a:fld>
             <a:endParaRPr lang="en-US"/>
           </a:p>
@@ -1866,7 +1879,7 @@
           <a:p>
             <a:fld id="{E6A9BA00-07BE-4836-8229-BCB8917AB7E6}" type="datetimeFigureOut">
               <a:rPr lang="en-US" smtClean="0"/>
-              <a:t>12/2/2022</a:t>
+              <a:t>12/5/2022</a:t>
             </a:fld>
             <a:endParaRPr lang="en-US"/>
           </a:p>
@@ -2007,7 +2020,7 @@
           <a:p>
             <a:fld id="{E6A9BA00-07BE-4836-8229-BCB8917AB7E6}" type="datetimeFigureOut">
               <a:rPr lang="en-US" smtClean="0"/>
-              <a:t>12/2/2022</a:t>
+              <a:t>12/5/2022</a:t>
             </a:fld>
             <a:endParaRPr lang="en-US"/>
           </a:p>
@@ -2120,7 +2133,7 @@
           <a:p>
             <a:fld id="{E6A9BA00-07BE-4836-8229-BCB8917AB7E6}" type="datetimeFigureOut">
               <a:rPr lang="en-US" smtClean="0"/>
-              <a:t>12/2/2022</a:t>
+              <a:t>12/5/2022</a:t>
             </a:fld>
             <a:endParaRPr lang="en-US"/>
           </a:p>
@@ -2431,7 +2444,7 @@
           <a:p>
             <a:fld id="{E6A9BA00-07BE-4836-8229-BCB8917AB7E6}" type="datetimeFigureOut">
               <a:rPr lang="en-US" smtClean="0"/>
-              <a:t>12/2/2022</a:t>
+              <a:t>12/5/2022</a:t>
             </a:fld>
             <a:endParaRPr lang="en-US"/>
           </a:p>
@@ -2719,7 +2732,7 @@
           <a:p>
             <a:fld id="{E6A9BA00-07BE-4836-8229-BCB8917AB7E6}" type="datetimeFigureOut">
               <a:rPr lang="en-US" smtClean="0"/>
-              <a:t>12/2/2022</a:t>
+              <a:t>12/5/2022</a:t>
             </a:fld>
             <a:endParaRPr lang="en-US"/>
           </a:p>
@@ -2960,7 +2973,7 @@
           <a:p>
             <a:fld id="{E6A9BA00-07BE-4836-8229-BCB8917AB7E6}" type="datetimeFigureOut">
               <a:rPr lang="en-US" smtClean="0"/>
-              <a:t>12/2/2022</a:t>
+              <a:t>12/5/2022</a:t>
             </a:fld>
             <a:endParaRPr lang="en-US"/>
           </a:p>
@@ -13511,6 +13524,1412 @@
 </p:sld>
 </file>
 
+<file path=ppt/slides/slide53.xml><?xml version="1.0" encoding="utf-8"?>
+<p:sld xmlns:a="http://schemas.openxmlformats.org/drawingml/2006/main" xmlns:r="http://schemas.openxmlformats.org/officeDocument/2006/relationships" xmlns:p="http://schemas.openxmlformats.org/presentationml/2006/main">
+  <p:cSld>
+    <p:spTree>
+      <p:nvGrpSpPr>
+        <p:cNvPr id="1" name=""/>
+        <p:cNvGrpSpPr/>
+        <p:nvPr/>
+      </p:nvGrpSpPr>
+      <p:grpSpPr>
+        <a:xfrm>
+          <a:off x="0" y="0"/>
+          <a:ext cx="0" cy="0"/>
+          <a:chOff x="0" y="0"/>
+          <a:chExt cx="0" cy="0"/>
+        </a:xfrm>
+      </p:grpSpPr>
+      <p:sp>
+        <p:nvSpPr>
+          <p:cNvPr id="2" name="Title 1">
+            <a:extLst>
+              <a:ext uri="{FF2B5EF4-FFF2-40B4-BE49-F238E27FC236}">
+                <a16:creationId xmlns:a16="http://schemas.microsoft.com/office/drawing/2014/main" id="{A8DD9932-1D8D-1151-B19C-6A58B3C7D992}"/>
+              </a:ext>
+            </a:extLst>
+          </p:cNvPr>
+          <p:cNvSpPr>
+            <a:spLocks noGrp="1"/>
+          </p:cNvSpPr>
+          <p:nvPr>
+            <p:ph type="title"/>
+          </p:nvPr>
+        </p:nvSpPr>
+        <p:spPr/>
+        <p:txBody>
+          <a:bodyPr/>
+          <a:lstStyle/>
+          <a:p>
+            <a:r>
+              <a:rPr lang="en-US" dirty="0"/>
+              <a:t>CSS: Writing-mode</a:t>
+            </a:r>
+          </a:p>
+        </p:txBody>
+      </p:sp>
+      <p:sp>
+        <p:nvSpPr>
+          <p:cNvPr id="3" name="Content Placeholder 2">
+            <a:extLst>
+              <a:ext uri="{FF2B5EF4-FFF2-40B4-BE49-F238E27FC236}">
+                <a16:creationId xmlns:a16="http://schemas.microsoft.com/office/drawing/2014/main" id="{1DDD7565-6A37-F040-13A1-D828343A9484}"/>
+              </a:ext>
+            </a:extLst>
+          </p:cNvPr>
+          <p:cNvSpPr>
+            <a:spLocks noGrp="1"/>
+          </p:cNvSpPr>
+          <p:nvPr>
+            <p:ph idx="1"/>
+          </p:nvPr>
+        </p:nvSpPr>
+        <p:spPr/>
+        <p:txBody>
+          <a:bodyPr/>
+          <a:lstStyle/>
+          <a:p>
+            <a:r>
+              <a:rPr lang="en-US" dirty="0"/>
+              <a:t>Horizontal-tb (default)</a:t>
+            </a:r>
+          </a:p>
+          <a:p>
+            <a:r>
+              <a:rPr lang="en-US" dirty="0"/>
+              <a:t>Vertical-</a:t>
+            </a:r>
+            <a:r>
+              <a:rPr lang="en-US" dirty="0" err="1"/>
+              <a:t>rl</a:t>
+            </a:r>
+            <a:endParaRPr lang="en-US" dirty="0"/>
+          </a:p>
+          <a:p>
+            <a:r>
+              <a:rPr lang="en-US" dirty="0"/>
+              <a:t>Vertical-</a:t>
+            </a:r>
+            <a:r>
+              <a:rPr lang="en-US" dirty="0" err="1"/>
+              <a:t>lr</a:t>
+            </a:r>
+            <a:endParaRPr lang="en-US" dirty="0"/>
+          </a:p>
+          <a:p>
+            <a:r>
+              <a:rPr lang="en-US" dirty="0">
+                <a:solidFill>
+                  <a:srgbClr val="FF0000"/>
+                </a:solidFill>
+              </a:rPr>
+              <a:t>Sideways-</a:t>
+            </a:r>
+            <a:r>
+              <a:rPr lang="en-US" dirty="0" err="1">
+                <a:solidFill>
+                  <a:srgbClr val="FF0000"/>
+                </a:solidFill>
+              </a:rPr>
+              <a:t>rl</a:t>
+            </a:r>
+            <a:endParaRPr lang="en-US" dirty="0">
+              <a:solidFill>
+                <a:srgbClr val="FF0000"/>
+              </a:solidFill>
+            </a:endParaRPr>
+          </a:p>
+          <a:p>
+            <a:r>
+              <a:rPr lang="en-US" dirty="0">
+                <a:solidFill>
+                  <a:srgbClr val="FF0000"/>
+                </a:solidFill>
+              </a:rPr>
+              <a:t>Sideways-</a:t>
+            </a:r>
+            <a:r>
+              <a:rPr lang="en-US" dirty="0" err="1">
+                <a:solidFill>
+                  <a:srgbClr val="FF0000"/>
+                </a:solidFill>
+              </a:rPr>
+              <a:t>lr</a:t>
+            </a:r>
+            <a:endParaRPr lang="en-US" dirty="0">
+              <a:solidFill>
+                <a:srgbClr val="FF0000"/>
+              </a:solidFill>
+            </a:endParaRPr>
+          </a:p>
+        </p:txBody>
+      </p:sp>
+    </p:spTree>
+    <p:extLst>
+      <p:ext uri="{BB962C8B-B14F-4D97-AF65-F5344CB8AC3E}">
+        <p14:creationId xmlns:p14="http://schemas.microsoft.com/office/powerpoint/2010/main" val="2357938887"/>
+      </p:ext>
+    </p:extLst>
+  </p:cSld>
+  <p:clrMapOvr>
+    <a:masterClrMapping/>
+  </p:clrMapOvr>
+</p:sld>
+</file>
+
+<file path=ppt/slides/slide54.xml><?xml version="1.0" encoding="utf-8"?>
+<p:sld xmlns:a="http://schemas.openxmlformats.org/drawingml/2006/main" xmlns:r="http://schemas.openxmlformats.org/officeDocument/2006/relationships" xmlns:p="http://schemas.openxmlformats.org/presentationml/2006/main">
+  <p:cSld>
+    <p:spTree>
+      <p:nvGrpSpPr>
+        <p:cNvPr id="1" name=""/>
+        <p:cNvGrpSpPr/>
+        <p:nvPr/>
+      </p:nvGrpSpPr>
+      <p:grpSpPr>
+        <a:xfrm>
+          <a:off x="0" y="0"/>
+          <a:ext cx="0" cy="0"/>
+          <a:chOff x="0" y="0"/>
+          <a:chExt cx="0" cy="0"/>
+        </a:xfrm>
+      </p:grpSpPr>
+      <p:sp>
+        <p:nvSpPr>
+          <p:cNvPr id="2" name="Title 1">
+            <a:extLst>
+              <a:ext uri="{FF2B5EF4-FFF2-40B4-BE49-F238E27FC236}">
+                <a16:creationId xmlns:a16="http://schemas.microsoft.com/office/drawing/2014/main" id="{CF4D2DB4-B004-C164-BF51-7F79D543E6E0}"/>
+              </a:ext>
+            </a:extLst>
+          </p:cNvPr>
+          <p:cNvSpPr>
+            <a:spLocks noGrp="1"/>
+          </p:cNvSpPr>
+          <p:nvPr>
+            <p:ph type="title"/>
+          </p:nvPr>
+        </p:nvSpPr>
+        <p:spPr/>
+        <p:txBody>
+          <a:bodyPr/>
+          <a:lstStyle/>
+          <a:p>
+            <a:r>
+              <a:rPr lang="en-US" dirty="0"/>
+              <a:t>Column-Count</a:t>
+            </a:r>
+          </a:p>
+        </p:txBody>
+      </p:sp>
+      <p:sp>
+        <p:nvSpPr>
+          <p:cNvPr id="3" name="Content Placeholder 2">
+            <a:extLst>
+              <a:ext uri="{FF2B5EF4-FFF2-40B4-BE49-F238E27FC236}">
+                <a16:creationId xmlns:a16="http://schemas.microsoft.com/office/drawing/2014/main" id="{F5D8A6D8-0872-DB85-5C6F-588BAE75218F}"/>
+              </a:ext>
+            </a:extLst>
+          </p:cNvPr>
+          <p:cNvSpPr>
+            <a:spLocks noGrp="1"/>
+          </p:cNvSpPr>
+          <p:nvPr>
+            <p:ph idx="1"/>
+          </p:nvPr>
+        </p:nvSpPr>
+        <p:spPr/>
+        <p:txBody>
+          <a:bodyPr/>
+          <a:lstStyle/>
+          <a:p>
+            <a:endParaRPr lang="en-US"/>
+          </a:p>
+        </p:txBody>
+      </p:sp>
+    </p:spTree>
+    <p:extLst>
+      <p:ext uri="{BB962C8B-B14F-4D97-AF65-F5344CB8AC3E}">
+        <p14:creationId xmlns:p14="http://schemas.microsoft.com/office/powerpoint/2010/main" val="2838613565"/>
+      </p:ext>
+    </p:extLst>
+  </p:cSld>
+  <p:clrMapOvr>
+    <a:masterClrMapping/>
+  </p:clrMapOvr>
+</p:sld>
+</file>
+
+<file path=ppt/slides/slide55.xml><?xml version="1.0" encoding="utf-8"?>
+<p:sld xmlns:a="http://schemas.openxmlformats.org/drawingml/2006/main" xmlns:r="http://schemas.openxmlformats.org/officeDocument/2006/relationships" xmlns:p="http://schemas.openxmlformats.org/presentationml/2006/main">
+  <p:cSld>
+    <p:spTree>
+      <p:nvGrpSpPr>
+        <p:cNvPr id="1" name=""/>
+        <p:cNvGrpSpPr/>
+        <p:nvPr/>
+      </p:nvGrpSpPr>
+      <p:grpSpPr>
+        <a:xfrm>
+          <a:off x="0" y="0"/>
+          <a:ext cx="0" cy="0"/>
+          <a:chOff x="0" y="0"/>
+          <a:chExt cx="0" cy="0"/>
+        </a:xfrm>
+      </p:grpSpPr>
+      <p:sp>
+        <p:nvSpPr>
+          <p:cNvPr id="2" name="Title 1">
+            <a:extLst>
+              <a:ext uri="{FF2B5EF4-FFF2-40B4-BE49-F238E27FC236}">
+                <a16:creationId xmlns:a16="http://schemas.microsoft.com/office/drawing/2014/main" id="{06859772-134B-4B23-E674-B206035015E4}"/>
+              </a:ext>
+            </a:extLst>
+          </p:cNvPr>
+          <p:cNvSpPr>
+            <a:spLocks noGrp="1"/>
+          </p:cNvSpPr>
+          <p:nvPr>
+            <p:ph type="title"/>
+          </p:nvPr>
+        </p:nvSpPr>
+        <p:spPr/>
+        <p:txBody>
+          <a:bodyPr/>
+          <a:lstStyle/>
+          <a:p>
+            <a:r>
+              <a:rPr lang="en-US" dirty="0"/>
+              <a:t>Google Fonts</a:t>
+            </a:r>
+          </a:p>
+        </p:txBody>
+      </p:sp>
+      <p:pic>
+        <p:nvPicPr>
+          <p:cNvPr id="5" name="Graphic 4" descr="Computer">
+            <a:extLst>
+              <a:ext uri="{FF2B5EF4-FFF2-40B4-BE49-F238E27FC236}">
+                <a16:creationId xmlns:a16="http://schemas.microsoft.com/office/drawing/2014/main" id="{F235A1DC-1F18-4EFB-4734-5FA803DB7110}"/>
+              </a:ext>
+            </a:extLst>
+          </p:cNvPr>
+          <p:cNvPicPr>
+            <a:picLocks noChangeAspect="1"/>
+          </p:cNvPicPr>
+          <p:nvPr/>
+        </p:nvPicPr>
+        <p:blipFill>
+          <a:blip r:embed="rId2">
+            <a:extLst>
+              <a:ext uri="{28A0092B-C50C-407E-A947-70E740481C1C}">
+                <a14:useLocalDpi xmlns:a14="http://schemas.microsoft.com/office/drawing/2010/main" val="0"/>
+              </a:ext>
+              <a:ext uri="{96DAC541-7B7A-43D3-8B79-37D633B846F1}">
+                <asvg:svgBlip xmlns:asvg="http://schemas.microsoft.com/office/drawing/2016/SVG/main" r:embed="rId3"/>
+              </a:ext>
+            </a:extLst>
+          </a:blip>
+          <a:stretch>
+            <a:fillRect/>
+          </a:stretch>
+        </p:blipFill>
+        <p:spPr>
+          <a:xfrm>
+            <a:off x="1894115" y="4757057"/>
+            <a:ext cx="914400" cy="914400"/>
+          </a:xfrm>
+          <a:prstGeom prst="rect">
+            <a:avLst/>
+          </a:prstGeom>
+        </p:spPr>
+      </p:pic>
+      <p:pic>
+        <p:nvPicPr>
+          <p:cNvPr id="6" name="Graphic 5" descr="Computer">
+            <a:extLst>
+              <a:ext uri="{FF2B5EF4-FFF2-40B4-BE49-F238E27FC236}">
+                <a16:creationId xmlns:a16="http://schemas.microsoft.com/office/drawing/2014/main" id="{9E28992D-2C7F-8505-8CAA-5670683D317C}"/>
+              </a:ext>
+            </a:extLst>
+          </p:cNvPr>
+          <p:cNvPicPr>
+            <a:picLocks noChangeAspect="1"/>
+          </p:cNvPicPr>
+          <p:nvPr/>
+        </p:nvPicPr>
+        <p:blipFill>
+          <a:blip r:embed="rId2">
+            <a:extLst>
+              <a:ext uri="{28A0092B-C50C-407E-A947-70E740481C1C}">
+                <a14:useLocalDpi xmlns:a14="http://schemas.microsoft.com/office/drawing/2010/main" val="0"/>
+              </a:ext>
+              <a:ext uri="{96DAC541-7B7A-43D3-8B79-37D633B846F1}">
+                <asvg:svgBlip xmlns:asvg="http://schemas.microsoft.com/office/drawing/2016/SVG/main" r:embed="rId3"/>
+              </a:ext>
+            </a:extLst>
+          </a:blip>
+          <a:stretch>
+            <a:fillRect/>
+          </a:stretch>
+        </p:blipFill>
+        <p:spPr>
+          <a:xfrm>
+            <a:off x="4419601" y="4757057"/>
+            <a:ext cx="914400" cy="914400"/>
+          </a:xfrm>
+          <a:prstGeom prst="rect">
+            <a:avLst/>
+          </a:prstGeom>
+        </p:spPr>
+      </p:pic>
+      <p:pic>
+        <p:nvPicPr>
+          <p:cNvPr id="7" name="Graphic 6" descr="Computer">
+            <a:extLst>
+              <a:ext uri="{FF2B5EF4-FFF2-40B4-BE49-F238E27FC236}">
+                <a16:creationId xmlns:a16="http://schemas.microsoft.com/office/drawing/2014/main" id="{EF1B3BA2-229F-9F67-BABF-DE4C1F1DA5AE}"/>
+              </a:ext>
+            </a:extLst>
+          </p:cNvPr>
+          <p:cNvPicPr>
+            <a:picLocks noChangeAspect="1"/>
+          </p:cNvPicPr>
+          <p:nvPr/>
+        </p:nvPicPr>
+        <p:blipFill>
+          <a:blip r:embed="rId2">
+            <a:extLst>
+              <a:ext uri="{28A0092B-C50C-407E-A947-70E740481C1C}">
+                <a14:useLocalDpi xmlns:a14="http://schemas.microsoft.com/office/drawing/2010/main" val="0"/>
+              </a:ext>
+              <a:ext uri="{96DAC541-7B7A-43D3-8B79-37D633B846F1}">
+                <asvg:svgBlip xmlns:asvg="http://schemas.microsoft.com/office/drawing/2016/SVG/main" r:embed="rId3"/>
+              </a:ext>
+            </a:extLst>
+          </a:blip>
+          <a:stretch>
+            <a:fillRect/>
+          </a:stretch>
+        </p:blipFill>
+        <p:spPr>
+          <a:xfrm>
+            <a:off x="6400801" y="4702628"/>
+            <a:ext cx="914400" cy="914400"/>
+          </a:xfrm>
+          <a:prstGeom prst="rect">
+            <a:avLst/>
+          </a:prstGeom>
+        </p:spPr>
+      </p:pic>
+      <p:pic>
+        <p:nvPicPr>
+          <p:cNvPr id="8" name="Graphic 7" descr="Computer">
+            <a:extLst>
+              <a:ext uri="{FF2B5EF4-FFF2-40B4-BE49-F238E27FC236}">
+                <a16:creationId xmlns:a16="http://schemas.microsoft.com/office/drawing/2014/main" id="{74A44130-20B9-D1A1-287E-F487916BE851}"/>
+              </a:ext>
+            </a:extLst>
+          </p:cNvPr>
+          <p:cNvPicPr>
+            <a:picLocks noChangeAspect="1"/>
+          </p:cNvPicPr>
+          <p:nvPr/>
+        </p:nvPicPr>
+        <p:blipFill>
+          <a:blip r:embed="rId2">
+            <a:extLst>
+              <a:ext uri="{28A0092B-C50C-407E-A947-70E740481C1C}">
+                <a14:useLocalDpi xmlns:a14="http://schemas.microsoft.com/office/drawing/2010/main" val="0"/>
+              </a:ext>
+              <a:ext uri="{96DAC541-7B7A-43D3-8B79-37D633B846F1}">
+                <asvg:svgBlip xmlns:asvg="http://schemas.microsoft.com/office/drawing/2016/SVG/main" r:embed="rId3"/>
+              </a:ext>
+            </a:extLst>
+          </a:blip>
+          <a:stretch>
+            <a:fillRect/>
+          </a:stretch>
+        </p:blipFill>
+        <p:spPr>
+          <a:xfrm>
+            <a:off x="8229601" y="4702628"/>
+            <a:ext cx="914400" cy="914400"/>
+          </a:xfrm>
+          <a:prstGeom prst="rect">
+            <a:avLst/>
+          </a:prstGeom>
+        </p:spPr>
+      </p:pic>
+      <p:pic>
+        <p:nvPicPr>
+          <p:cNvPr id="9" name="Graphic 8" descr="Computer">
+            <a:extLst>
+              <a:ext uri="{FF2B5EF4-FFF2-40B4-BE49-F238E27FC236}">
+                <a16:creationId xmlns:a16="http://schemas.microsoft.com/office/drawing/2014/main" id="{F413571B-AEF2-68BE-4B9F-50F348453E90}"/>
+              </a:ext>
+            </a:extLst>
+          </p:cNvPr>
+          <p:cNvPicPr>
+            <a:picLocks noChangeAspect="1"/>
+          </p:cNvPicPr>
+          <p:nvPr/>
+        </p:nvPicPr>
+        <p:blipFill>
+          <a:blip r:embed="rId2">
+            <a:extLst>
+              <a:ext uri="{28A0092B-C50C-407E-A947-70E740481C1C}">
+                <a14:useLocalDpi xmlns:a14="http://schemas.microsoft.com/office/drawing/2010/main" val="0"/>
+              </a:ext>
+              <a:ext uri="{96DAC541-7B7A-43D3-8B79-37D633B846F1}">
+                <asvg:svgBlip xmlns:asvg="http://schemas.microsoft.com/office/drawing/2016/SVG/main" r:embed="rId3"/>
+              </a:ext>
+            </a:extLst>
+          </a:blip>
+          <a:stretch>
+            <a:fillRect/>
+          </a:stretch>
+        </p:blipFill>
+        <p:spPr>
+          <a:xfrm>
+            <a:off x="9840685" y="4702628"/>
+            <a:ext cx="914400" cy="914400"/>
+          </a:xfrm>
+          <a:prstGeom prst="rect">
+            <a:avLst/>
+          </a:prstGeom>
+        </p:spPr>
+      </p:pic>
+      <p:sp>
+        <p:nvSpPr>
+          <p:cNvPr id="10" name="Oval 9">
+            <a:extLst>
+              <a:ext uri="{FF2B5EF4-FFF2-40B4-BE49-F238E27FC236}">
+                <a16:creationId xmlns:a16="http://schemas.microsoft.com/office/drawing/2014/main" id="{7DA02C6F-4A0A-2A59-E393-F12D5733AEC4}"/>
+              </a:ext>
+            </a:extLst>
+          </p:cNvPr>
+          <p:cNvSpPr/>
+          <p:nvPr/>
+        </p:nvSpPr>
+        <p:spPr>
+          <a:xfrm>
+            <a:off x="1894115" y="2718935"/>
+            <a:ext cx="1219200" cy="827314"/>
+          </a:xfrm>
+          <a:prstGeom prst="ellipse">
+            <a:avLst/>
+          </a:prstGeom>
+        </p:spPr>
+        <p:style>
+          <a:lnRef idx="2">
+            <a:schemeClr val="accent2">
+              <a:shade val="50000"/>
+            </a:schemeClr>
+          </a:lnRef>
+          <a:fillRef idx="1">
+            <a:schemeClr val="accent2"/>
+          </a:fillRef>
+          <a:effectRef idx="0">
+            <a:schemeClr val="accent2"/>
+          </a:effectRef>
+          <a:fontRef idx="minor">
+            <a:schemeClr val="lt1"/>
+          </a:fontRef>
+        </p:style>
+        <p:txBody>
+          <a:bodyPr rtlCol="0" anchor="ctr"/>
+          <a:lstStyle/>
+          <a:p>
+            <a:pPr algn="ctr"/>
+            <a:r>
+              <a:rPr lang="en-US" dirty="0">
+                <a:ln w="0"/>
+                <a:solidFill>
+                  <a:schemeClr val="tx1"/>
+                </a:solidFill>
+                <a:effectLst>
+                  <a:outerShdw blurRad="38100" dist="19050" dir="2700000" algn="tl" rotWithShape="0">
+                    <a:schemeClr val="dk1">
+                      <a:alpha val="40000"/>
+                    </a:schemeClr>
+                  </a:outerShdw>
+                </a:effectLst>
+              </a:rPr>
+              <a:t>Server</a:t>
+            </a:r>
+          </a:p>
+        </p:txBody>
+      </p:sp>
+      <p:sp>
+        <p:nvSpPr>
+          <p:cNvPr id="11" name="TextBox 10">
+            <a:extLst>
+              <a:ext uri="{FF2B5EF4-FFF2-40B4-BE49-F238E27FC236}">
+                <a16:creationId xmlns:a16="http://schemas.microsoft.com/office/drawing/2014/main" id="{16E03268-EEB1-5358-FF48-A48FC2EF7B40}"/>
+              </a:ext>
+            </a:extLst>
+          </p:cNvPr>
+          <p:cNvSpPr txBox="1"/>
+          <p:nvPr/>
+        </p:nvSpPr>
+        <p:spPr>
+          <a:xfrm>
+            <a:off x="1894115" y="1457100"/>
+            <a:ext cx="1459192" cy="923330"/>
+          </a:xfrm>
+          <a:prstGeom prst="rect">
+            <a:avLst/>
+          </a:prstGeom>
+          <a:noFill/>
+        </p:spPr>
+        <p:txBody>
+          <a:bodyPr wrap="square" rtlCol="0">
+            <a:spAutoFit/>
+          </a:bodyPr>
+          <a:lstStyle/>
+          <a:p>
+            <a:r>
+              <a:rPr lang="en-US" dirty="0"/>
+              <a:t>HTML</a:t>
+            </a:r>
+          </a:p>
+          <a:p>
+            <a:r>
+              <a:rPr lang="en-US" dirty="0"/>
+              <a:t>CSS</a:t>
+            </a:r>
+          </a:p>
+          <a:p>
+            <a:r>
+              <a:rPr lang="en-US" dirty="0"/>
+              <a:t>Images</a:t>
+            </a:r>
+          </a:p>
+        </p:txBody>
+      </p:sp>
+      <p:cxnSp>
+        <p:nvCxnSpPr>
+          <p:cNvPr id="13" name="Straight Arrow Connector 12">
+            <a:extLst>
+              <a:ext uri="{FF2B5EF4-FFF2-40B4-BE49-F238E27FC236}">
+                <a16:creationId xmlns:a16="http://schemas.microsoft.com/office/drawing/2014/main" id="{5D71F1F1-0DEC-220F-DBB6-F906F30A2738}"/>
+              </a:ext>
+            </a:extLst>
+          </p:cNvPr>
+          <p:cNvCxnSpPr>
+            <a:stCxn id="10" idx="4"/>
+            <a:endCxn id="5" idx="0"/>
+          </p:cNvCxnSpPr>
+          <p:nvPr/>
+        </p:nvCxnSpPr>
+        <p:spPr>
+          <a:xfrm flipH="1">
+            <a:off x="2351315" y="3546249"/>
+            <a:ext cx="152400" cy="1210808"/>
+          </a:xfrm>
+          <a:prstGeom prst="straightConnector1">
+            <a:avLst/>
+          </a:prstGeom>
+          <a:ln>
+            <a:tailEnd type="triangle"/>
+          </a:ln>
+        </p:spPr>
+        <p:style>
+          <a:lnRef idx="1">
+            <a:schemeClr val="accent1"/>
+          </a:lnRef>
+          <a:fillRef idx="0">
+            <a:schemeClr val="accent1"/>
+          </a:fillRef>
+          <a:effectRef idx="0">
+            <a:schemeClr val="accent1"/>
+          </a:effectRef>
+          <a:fontRef idx="minor">
+            <a:schemeClr val="tx1"/>
+          </a:fontRef>
+        </p:style>
+      </p:cxnSp>
+      <p:cxnSp>
+        <p:nvCxnSpPr>
+          <p:cNvPr id="15" name="Straight Arrow Connector 14">
+            <a:extLst>
+              <a:ext uri="{FF2B5EF4-FFF2-40B4-BE49-F238E27FC236}">
+                <a16:creationId xmlns:a16="http://schemas.microsoft.com/office/drawing/2014/main" id="{69B8E5AB-89D4-71EF-A817-9C4113207A79}"/>
+              </a:ext>
+            </a:extLst>
+          </p:cNvPr>
+          <p:cNvCxnSpPr>
+            <a:stCxn id="10" idx="4"/>
+            <a:endCxn id="6" idx="0"/>
+          </p:cNvCxnSpPr>
+          <p:nvPr/>
+        </p:nvCxnSpPr>
+        <p:spPr>
+          <a:xfrm>
+            <a:off x="2503715" y="3546249"/>
+            <a:ext cx="2373086" cy="1210808"/>
+          </a:xfrm>
+          <a:prstGeom prst="straightConnector1">
+            <a:avLst/>
+          </a:prstGeom>
+          <a:ln>
+            <a:tailEnd type="triangle"/>
+          </a:ln>
+        </p:spPr>
+        <p:style>
+          <a:lnRef idx="1">
+            <a:schemeClr val="accent1"/>
+          </a:lnRef>
+          <a:fillRef idx="0">
+            <a:schemeClr val="accent1"/>
+          </a:fillRef>
+          <a:effectRef idx="0">
+            <a:schemeClr val="accent1"/>
+          </a:effectRef>
+          <a:fontRef idx="minor">
+            <a:schemeClr val="tx1"/>
+          </a:fontRef>
+        </p:style>
+      </p:cxnSp>
+      <p:cxnSp>
+        <p:nvCxnSpPr>
+          <p:cNvPr id="17" name="Straight Connector 16">
+            <a:extLst>
+              <a:ext uri="{FF2B5EF4-FFF2-40B4-BE49-F238E27FC236}">
+                <a16:creationId xmlns:a16="http://schemas.microsoft.com/office/drawing/2014/main" id="{0230697F-54BA-A3BF-84E5-CFF2FAD72D1A}"/>
+              </a:ext>
+            </a:extLst>
+          </p:cNvPr>
+          <p:cNvCxnSpPr>
+            <a:stCxn id="10" idx="4"/>
+            <a:endCxn id="7" idx="0"/>
+          </p:cNvCxnSpPr>
+          <p:nvPr/>
+        </p:nvCxnSpPr>
+        <p:spPr>
+          <a:xfrm>
+            <a:off x="2503715" y="3546249"/>
+            <a:ext cx="4354286" cy="1156379"/>
+          </a:xfrm>
+          <a:prstGeom prst="line">
+            <a:avLst/>
+          </a:prstGeom>
+        </p:spPr>
+        <p:style>
+          <a:lnRef idx="1">
+            <a:schemeClr val="accent1"/>
+          </a:lnRef>
+          <a:fillRef idx="0">
+            <a:schemeClr val="accent1"/>
+          </a:fillRef>
+          <a:effectRef idx="0">
+            <a:schemeClr val="accent1"/>
+          </a:effectRef>
+          <a:fontRef idx="minor">
+            <a:schemeClr val="tx1"/>
+          </a:fontRef>
+        </p:style>
+      </p:cxnSp>
+      <p:cxnSp>
+        <p:nvCxnSpPr>
+          <p:cNvPr id="19" name="Straight Connector 18">
+            <a:extLst>
+              <a:ext uri="{FF2B5EF4-FFF2-40B4-BE49-F238E27FC236}">
+                <a16:creationId xmlns:a16="http://schemas.microsoft.com/office/drawing/2014/main" id="{EF65E105-959C-F2FE-FD0C-007414278CD2}"/>
+              </a:ext>
+            </a:extLst>
+          </p:cNvPr>
+          <p:cNvCxnSpPr>
+            <a:stCxn id="10" idx="4"/>
+          </p:cNvCxnSpPr>
+          <p:nvPr/>
+        </p:nvCxnSpPr>
+        <p:spPr>
+          <a:xfrm>
+            <a:off x="2503715" y="3546249"/>
+            <a:ext cx="6001656" cy="1156379"/>
+          </a:xfrm>
+          <a:prstGeom prst="line">
+            <a:avLst/>
+          </a:prstGeom>
+        </p:spPr>
+        <p:style>
+          <a:lnRef idx="1">
+            <a:schemeClr val="accent1"/>
+          </a:lnRef>
+          <a:fillRef idx="0">
+            <a:schemeClr val="accent1"/>
+          </a:fillRef>
+          <a:effectRef idx="0">
+            <a:schemeClr val="accent1"/>
+          </a:effectRef>
+          <a:fontRef idx="minor">
+            <a:schemeClr val="tx1"/>
+          </a:fontRef>
+        </p:style>
+      </p:cxnSp>
+      <p:cxnSp>
+        <p:nvCxnSpPr>
+          <p:cNvPr id="21" name="Straight Connector 20">
+            <a:extLst>
+              <a:ext uri="{FF2B5EF4-FFF2-40B4-BE49-F238E27FC236}">
+                <a16:creationId xmlns:a16="http://schemas.microsoft.com/office/drawing/2014/main" id="{F2559F6F-DE87-3216-4F35-EF52106D1DB0}"/>
+              </a:ext>
+            </a:extLst>
+          </p:cNvPr>
+          <p:cNvCxnSpPr>
+            <a:stCxn id="10" idx="4"/>
+          </p:cNvCxnSpPr>
+          <p:nvPr/>
+        </p:nvCxnSpPr>
+        <p:spPr>
+          <a:xfrm>
+            <a:off x="2503715" y="3546249"/>
+            <a:ext cx="7569199" cy="1156379"/>
+          </a:xfrm>
+          <a:prstGeom prst="line">
+            <a:avLst/>
+          </a:prstGeom>
+        </p:spPr>
+        <p:style>
+          <a:lnRef idx="1">
+            <a:schemeClr val="accent1"/>
+          </a:lnRef>
+          <a:fillRef idx="0">
+            <a:schemeClr val="accent1"/>
+          </a:fillRef>
+          <a:effectRef idx="0">
+            <a:schemeClr val="accent1"/>
+          </a:effectRef>
+          <a:fontRef idx="minor">
+            <a:schemeClr val="tx1"/>
+          </a:fontRef>
+        </p:style>
+      </p:cxnSp>
+      <p:sp>
+        <p:nvSpPr>
+          <p:cNvPr id="22" name="Oval 21">
+            <a:extLst>
+              <a:ext uri="{FF2B5EF4-FFF2-40B4-BE49-F238E27FC236}">
+                <a16:creationId xmlns:a16="http://schemas.microsoft.com/office/drawing/2014/main" id="{504701E0-93AB-039F-9C25-8197A4674A6C}"/>
+              </a:ext>
+            </a:extLst>
+          </p:cNvPr>
+          <p:cNvSpPr/>
+          <p:nvPr/>
+        </p:nvSpPr>
+        <p:spPr>
+          <a:xfrm>
+            <a:off x="7395028" y="2380430"/>
+            <a:ext cx="2329543" cy="923330"/>
+          </a:xfrm>
+          <a:prstGeom prst="ellipse">
+            <a:avLst/>
+          </a:prstGeom>
+        </p:spPr>
+        <p:style>
+          <a:lnRef idx="2">
+            <a:schemeClr val="accent1">
+              <a:shade val="50000"/>
+            </a:schemeClr>
+          </a:lnRef>
+          <a:fillRef idx="1">
+            <a:schemeClr val="accent1"/>
+          </a:fillRef>
+          <a:effectRef idx="0">
+            <a:schemeClr val="accent1"/>
+          </a:effectRef>
+          <a:fontRef idx="minor">
+            <a:schemeClr val="lt1"/>
+          </a:fontRef>
+        </p:style>
+        <p:txBody>
+          <a:bodyPr rtlCol="0" anchor="ctr"/>
+          <a:lstStyle/>
+          <a:p>
+            <a:pPr algn="ctr"/>
+            <a:r>
+              <a:rPr lang="en-US" dirty="0"/>
+              <a:t>Google Server</a:t>
+            </a:r>
+          </a:p>
+        </p:txBody>
+      </p:sp>
+      <p:sp>
+        <p:nvSpPr>
+          <p:cNvPr id="23" name="TextBox 22">
+            <a:extLst>
+              <a:ext uri="{FF2B5EF4-FFF2-40B4-BE49-F238E27FC236}">
+                <a16:creationId xmlns:a16="http://schemas.microsoft.com/office/drawing/2014/main" id="{7035AC14-A82B-7355-E665-53CFB95BAD55}"/>
+              </a:ext>
+            </a:extLst>
+          </p:cNvPr>
+          <p:cNvSpPr txBox="1"/>
+          <p:nvPr/>
+        </p:nvSpPr>
+        <p:spPr>
+          <a:xfrm>
+            <a:off x="8348837" y="1690688"/>
+            <a:ext cx="979715" cy="369332"/>
+          </a:xfrm>
+          <a:prstGeom prst="rect">
+            <a:avLst/>
+          </a:prstGeom>
+          <a:noFill/>
+        </p:spPr>
+        <p:txBody>
+          <a:bodyPr wrap="square" rtlCol="0">
+            <a:spAutoFit/>
+          </a:bodyPr>
+          <a:lstStyle/>
+          <a:p>
+            <a:r>
+              <a:rPr lang="en-US" dirty="0"/>
+              <a:t>Fonts</a:t>
+            </a:r>
+          </a:p>
+        </p:txBody>
+      </p:sp>
+      <p:cxnSp>
+        <p:nvCxnSpPr>
+          <p:cNvPr id="25" name="Straight Arrow Connector 24">
+            <a:extLst>
+              <a:ext uri="{FF2B5EF4-FFF2-40B4-BE49-F238E27FC236}">
+                <a16:creationId xmlns:a16="http://schemas.microsoft.com/office/drawing/2014/main" id="{0437BD76-7343-C4A8-6291-0992B380001C}"/>
+              </a:ext>
+            </a:extLst>
+          </p:cNvPr>
+          <p:cNvCxnSpPr>
+            <a:stCxn id="5" idx="0"/>
+          </p:cNvCxnSpPr>
+          <p:nvPr/>
+        </p:nvCxnSpPr>
+        <p:spPr>
+          <a:xfrm flipV="1">
+            <a:off x="2351315" y="3303760"/>
+            <a:ext cx="4673599" cy="1453297"/>
+          </a:xfrm>
+          <a:prstGeom prst="straightConnector1">
+            <a:avLst/>
+          </a:prstGeom>
+          <a:ln>
+            <a:tailEnd type="triangle"/>
+          </a:ln>
+        </p:spPr>
+        <p:style>
+          <a:lnRef idx="1">
+            <a:schemeClr val="accent1"/>
+          </a:lnRef>
+          <a:fillRef idx="0">
+            <a:schemeClr val="accent1"/>
+          </a:fillRef>
+          <a:effectRef idx="0">
+            <a:schemeClr val="accent1"/>
+          </a:effectRef>
+          <a:fontRef idx="minor">
+            <a:schemeClr val="tx1"/>
+          </a:fontRef>
+        </p:style>
+      </p:cxnSp>
+      <p:cxnSp>
+        <p:nvCxnSpPr>
+          <p:cNvPr id="27" name="Straight Arrow Connector 26">
+            <a:extLst>
+              <a:ext uri="{FF2B5EF4-FFF2-40B4-BE49-F238E27FC236}">
+                <a16:creationId xmlns:a16="http://schemas.microsoft.com/office/drawing/2014/main" id="{66241DF0-52B4-6071-937D-8E31CED154D6}"/>
+              </a:ext>
+            </a:extLst>
+          </p:cNvPr>
+          <p:cNvCxnSpPr>
+            <a:stCxn id="6" idx="0"/>
+          </p:cNvCxnSpPr>
+          <p:nvPr/>
+        </p:nvCxnSpPr>
+        <p:spPr>
+          <a:xfrm flipV="1">
+            <a:off x="4876801" y="3429000"/>
+            <a:ext cx="2438400" cy="1328057"/>
+          </a:xfrm>
+          <a:prstGeom prst="straightConnector1">
+            <a:avLst/>
+          </a:prstGeom>
+          <a:ln>
+            <a:tailEnd type="triangle"/>
+          </a:ln>
+        </p:spPr>
+        <p:style>
+          <a:lnRef idx="1">
+            <a:schemeClr val="accent1"/>
+          </a:lnRef>
+          <a:fillRef idx="0">
+            <a:schemeClr val="accent1"/>
+          </a:fillRef>
+          <a:effectRef idx="0">
+            <a:schemeClr val="accent1"/>
+          </a:effectRef>
+          <a:fontRef idx="minor">
+            <a:schemeClr val="tx1"/>
+          </a:fontRef>
+        </p:style>
+      </p:cxnSp>
+    </p:spTree>
+    <p:extLst>
+      <p:ext uri="{BB962C8B-B14F-4D97-AF65-F5344CB8AC3E}">
+        <p14:creationId xmlns:p14="http://schemas.microsoft.com/office/powerpoint/2010/main" val="974313053"/>
+      </p:ext>
+    </p:extLst>
+  </p:cSld>
+  <p:clrMapOvr>
+    <a:masterClrMapping/>
+  </p:clrMapOvr>
+</p:sld>
+</file>
+
+<file path=ppt/slides/slide56.xml><?xml version="1.0" encoding="utf-8"?>
+<p:sld xmlns:a="http://schemas.openxmlformats.org/drawingml/2006/main" xmlns:r="http://schemas.openxmlformats.org/officeDocument/2006/relationships" xmlns:p="http://schemas.openxmlformats.org/presentationml/2006/main">
+  <p:cSld>
+    <p:spTree>
+      <p:nvGrpSpPr>
+        <p:cNvPr id="1" name=""/>
+        <p:cNvGrpSpPr/>
+        <p:nvPr/>
+      </p:nvGrpSpPr>
+      <p:grpSpPr>
+        <a:xfrm>
+          <a:off x="0" y="0"/>
+          <a:ext cx="0" cy="0"/>
+          <a:chOff x="0" y="0"/>
+          <a:chExt cx="0" cy="0"/>
+        </a:xfrm>
+      </p:grpSpPr>
+      <p:sp>
+        <p:nvSpPr>
+          <p:cNvPr id="2" name="Title 1">
+            <a:extLst>
+              <a:ext uri="{FF2B5EF4-FFF2-40B4-BE49-F238E27FC236}">
+                <a16:creationId xmlns:a16="http://schemas.microsoft.com/office/drawing/2014/main" id="{37826F80-9C6E-7531-FBB1-A22C3345ABC2}"/>
+              </a:ext>
+            </a:extLst>
+          </p:cNvPr>
+          <p:cNvSpPr>
+            <a:spLocks noGrp="1"/>
+          </p:cNvSpPr>
+          <p:nvPr>
+            <p:ph type="title"/>
+          </p:nvPr>
+        </p:nvSpPr>
+        <p:spPr/>
+        <p:txBody>
+          <a:bodyPr/>
+          <a:lstStyle/>
+          <a:p>
+            <a:r>
+              <a:rPr lang="en-US" dirty="0"/>
+              <a:t>CSS: List-Style</a:t>
+            </a:r>
+          </a:p>
+        </p:txBody>
+      </p:sp>
+      <p:sp>
+        <p:nvSpPr>
+          <p:cNvPr id="3" name="Content Placeholder 2">
+            <a:extLst>
+              <a:ext uri="{FF2B5EF4-FFF2-40B4-BE49-F238E27FC236}">
+                <a16:creationId xmlns:a16="http://schemas.microsoft.com/office/drawing/2014/main" id="{4DF101C9-5695-AE2E-3677-E56B7D8BA2B8}"/>
+              </a:ext>
+            </a:extLst>
+          </p:cNvPr>
+          <p:cNvSpPr>
+            <a:spLocks noGrp="1"/>
+          </p:cNvSpPr>
+          <p:nvPr>
+            <p:ph idx="1"/>
+          </p:nvPr>
+        </p:nvSpPr>
+        <p:spPr/>
+        <p:txBody>
+          <a:bodyPr/>
+          <a:lstStyle/>
+          <a:p>
+            <a:r>
+              <a:rPr lang="en-US" dirty="0"/>
+              <a:t>List-style-image</a:t>
+            </a:r>
+          </a:p>
+          <a:p>
+            <a:r>
+              <a:rPr lang="en-US" dirty="0"/>
+              <a:t>List-style-position</a:t>
+            </a:r>
+          </a:p>
+          <a:p>
+            <a:r>
+              <a:rPr lang="en-US" dirty="0"/>
+              <a:t>List-style-type</a:t>
+            </a:r>
+          </a:p>
+          <a:p>
+            <a:r>
+              <a:rPr lang="en-US" dirty="0"/>
+              <a:t>List-style</a:t>
+            </a:r>
+          </a:p>
+        </p:txBody>
+      </p:sp>
+    </p:spTree>
+    <p:extLst>
+      <p:ext uri="{BB962C8B-B14F-4D97-AF65-F5344CB8AC3E}">
+        <p14:creationId xmlns:p14="http://schemas.microsoft.com/office/powerpoint/2010/main" val="2163210922"/>
+      </p:ext>
+    </p:extLst>
+  </p:cSld>
+  <p:clrMapOvr>
+    <a:masterClrMapping/>
+  </p:clrMapOvr>
+</p:sld>
+</file>
+
+<file path=ppt/slides/slide57.xml><?xml version="1.0" encoding="utf-8"?>
+<p:sld xmlns:a="http://schemas.openxmlformats.org/drawingml/2006/main" xmlns:r="http://schemas.openxmlformats.org/officeDocument/2006/relationships" xmlns:p="http://schemas.openxmlformats.org/presentationml/2006/main">
+  <p:cSld>
+    <p:spTree>
+      <p:nvGrpSpPr>
+        <p:cNvPr id="1" name=""/>
+        <p:cNvGrpSpPr/>
+        <p:nvPr/>
+      </p:nvGrpSpPr>
+      <p:grpSpPr>
+        <a:xfrm>
+          <a:off x="0" y="0"/>
+          <a:ext cx="0" cy="0"/>
+          <a:chOff x="0" y="0"/>
+          <a:chExt cx="0" cy="0"/>
+        </a:xfrm>
+      </p:grpSpPr>
+      <p:sp>
+        <p:nvSpPr>
+          <p:cNvPr id="2" name="Title 1">
+            <a:extLst>
+              <a:ext uri="{FF2B5EF4-FFF2-40B4-BE49-F238E27FC236}">
+                <a16:creationId xmlns:a16="http://schemas.microsoft.com/office/drawing/2014/main" id="{2A5E86E3-5D0A-7568-9B01-456857CFB85F}"/>
+              </a:ext>
+            </a:extLst>
+          </p:cNvPr>
+          <p:cNvSpPr>
+            <a:spLocks noGrp="1"/>
+          </p:cNvSpPr>
+          <p:nvPr>
+            <p:ph type="title"/>
+          </p:nvPr>
+        </p:nvSpPr>
+        <p:spPr/>
+        <p:txBody>
+          <a:bodyPr/>
+          <a:lstStyle/>
+          <a:p>
+            <a:r>
+              <a:rPr lang="en-US" dirty="0"/>
+              <a:t>CSS: Background-image</a:t>
+            </a:r>
+          </a:p>
+        </p:txBody>
+      </p:sp>
+      <p:sp>
+        <p:nvSpPr>
+          <p:cNvPr id="3" name="Content Placeholder 2">
+            <a:extLst>
+              <a:ext uri="{FF2B5EF4-FFF2-40B4-BE49-F238E27FC236}">
+                <a16:creationId xmlns:a16="http://schemas.microsoft.com/office/drawing/2014/main" id="{2E376AEB-531E-840C-4612-67C6E6D278BF}"/>
+              </a:ext>
+            </a:extLst>
+          </p:cNvPr>
+          <p:cNvSpPr>
+            <a:spLocks noGrp="1"/>
+          </p:cNvSpPr>
+          <p:nvPr>
+            <p:ph idx="1"/>
+          </p:nvPr>
+        </p:nvSpPr>
+        <p:spPr/>
+        <p:txBody>
+          <a:bodyPr/>
+          <a:lstStyle/>
+          <a:p>
+            <a:r>
+              <a:rPr lang="en-US" dirty="0"/>
+              <a:t>Background-image</a:t>
+            </a:r>
+          </a:p>
+          <a:p>
+            <a:r>
+              <a:rPr lang="en-US" dirty="0"/>
+              <a:t>Background-repeat</a:t>
+            </a:r>
+          </a:p>
+          <a:p>
+            <a:r>
+              <a:rPr lang="en-US" dirty="0"/>
+              <a:t>Background-</a:t>
+            </a:r>
+            <a:r>
+              <a:rPr lang="en-US" dirty="0" err="1"/>
+              <a:t>postion</a:t>
+            </a:r>
+            <a:endParaRPr lang="en-US" dirty="0"/>
+          </a:p>
+        </p:txBody>
+      </p:sp>
+    </p:spTree>
+    <p:extLst>
+      <p:ext uri="{BB962C8B-B14F-4D97-AF65-F5344CB8AC3E}">
+        <p14:creationId xmlns:p14="http://schemas.microsoft.com/office/powerpoint/2010/main" val="1875036574"/>
+      </p:ext>
+    </p:extLst>
+  </p:cSld>
+  <p:clrMapOvr>
+    <a:masterClrMapping/>
+  </p:clrMapOvr>
+</p:sld>
+</file>
+
+<file path=ppt/slides/slide58.xml><?xml version="1.0" encoding="utf-8"?>
+<p:sld xmlns:a="http://schemas.openxmlformats.org/drawingml/2006/main" xmlns:r="http://schemas.openxmlformats.org/officeDocument/2006/relationships" xmlns:p="http://schemas.openxmlformats.org/presentationml/2006/main">
+  <p:cSld>
+    <p:spTree>
+      <p:nvGrpSpPr>
+        <p:cNvPr id="1" name=""/>
+        <p:cNvGrpSpPr/>
+        <p:nvPr/>
+      </p:nvGrpSpPr>
+      <p:grpSpPr>
+        <a:xfrm>
+          <a:off x="0" y="0"/>
+          <a:ext cx="0" cy="0"/>
+          <a:chOff x="0" y="0"/>
+          <a:chExt cx="0" cy="0"/>
+        </a:xfrm>
+      </p:grpSpPr>
+      <p:sp>
+        <p:nvSpPr>
+          <p:cNvPr id="2" name="Title 1">
+            <a:extLst>
+              <a:ext uri="{FF2B5EF4-FFF2-40B4-BE49-F238E27FC236}">
+                <a16:creationId xmlns:a16="http://schemas.microsoft.com/office/drawing/2014/main" id="{E274D255-BA31-6BA7-BE2B-447D1C141A47}"/>
+              </a:ext>
+            </a:extLst>
+          </p:cNvPr>
+          <p:cNvSpPr>
+            <a:spLocks noGrp="1"/>
+          </p:cNvSpPr>
+          <p:nvPr>
+            <p:ph type="title"/>
+          </p:nvPr>
+        </p:nvSpPr>
+        <p:spPr/>
+        <p:txBody>
+          <a:bodyPr/>
+          <a:lstStyle/>
+          <a:p>
+            <a:r>
+              <a:rPr lang="en-US" dirty="0"/>
+              <a:t>Background-Image</a:t>
+            </a:r>
+          </a:p>
+        </p:txBody>
+      </p:sp>
+      <p:sp>
+        <p:nvSpPr>
+          <p:cNvPr id="3" name="Content Placeholder 2">
+            <a:extLst>
+              <a:ext uri="{FF2B5EF4-FFF2-40B4-BE49-F238E27FC236}">
+                <a16:creationId xmlns:a16="http://schemas.microsoft.com/office/drawing/2014/main" id="{01A48860-C74A-DC78-4C61-DC15B74E46DC}"/>
+              </a:ext>
+            </a:extLst>
+          </p:cNvPr>
+          <p:cNvSpPr>
+            <a:spLocks noGrp="1"/>
+          </p:cNvSpPr>
+          <p:nvPr>
+            <p:ph idx="1"/>
+          </p:nvPr>
+        </p:nvSpPr>
+        <p:spPr/>
+        <p:txBody>
+          <a:bodyPr/>
+          <a:lstStyle/>
+          <a:p>
+            <a:r>
+              <a:rPr lang="en-US" dirty="0"/>
+              <a:t>Background-image: </a:t>
+            </a:r>
+            <a:r>
+              <a:rPr lang="en-US" dirty="0" err="1"/>
+              <a:t>url</a:t>
+            </a:r>
+            <a:r>
+              <a:rPr lang="en-US" dirty="0"/>
+              <a:t>(</a:t>
+            </a:r>
+            <a:r>
+              <a:rPr lang="en-US" dirty="0" err="1"/>
+              <a:t>imagepath</a:t>
+            </a:r>
+            <a:r>
+              <a:rPr lang="en-US" dirty="0"/>
+              <a:t>);</a:t>
+            </a:r>
+          </a:p>
+          <a:p>
+            <a:r>
+              <a:rPr lang="en-US" dirty="0"/>
+              <a:t>Background-image: </a:t>
+            </a:r>
+            <a:r>
+              <a:rPr lang="en-US" dirty="0" err="1"/>
+              <a:t>ulr</a:t>
+            </a:r>
+            <a:r>
+              <a:rPr lang="en-US" dirty="0"/>
+              <a:t>(one.jpg);</a:t>
+            </a:r>
+          </a:p>
+        </p:txBody>
+      </p:sp>
+    </p:spTree>
+    <p:extLst>
+      <p:ext uri="{BB962C8B-B14F-4D97-AF65-F5344CB8AC3E}">
+        <p14:creationId xmlns:p14="http://schemas.microsoft.com/office/powerpoint/2010/main" val="2475139308"/>
+      </p:ext>
+    </p:extLst>
+  </p:cSld>
+  <p:clrMapOvr>
+    <a:masterClrMapping/>
+  </p:clrMapOvr>
+</p:sld>
+</file>
+
+<file path=ppt/slides/slide59.xml><?xml version="1.0" encoding="utf-8"?>
+<p:sld xmlns:a="http://schemas.openxmlformats.org/drawingml/2006/main" xmlns:r="http://schemas.openxmlformats.org/officeDocument/2006/relationships" xmlns:p="http://schemas.openxmlformats.org/presentationml/2006/main">
+  <p:cSld>
+    <p:spTree>
+      <p:nvGrpSpPr>
+        <p:cNvPr id="1" name=""/>
+        <p:cNvGrpSpPr/>
+        <p:nvPr/>
+      </p:nvGrpSpPr>
+      <p:grpSpPr>
+        <a:xfrm>
+          <a:off x="0" y="0"/>
+          <a:ext cx="0" cy="0"/>
+          <a:chOff x="0" y="0"/>
+          <a:chExt cx="0" cy="0"/>
+        </a:xfrm>
+      </p:grpSpPr>
+      <p:sp>
+        <p:nvSpPr>
+          <p:cNvPr id="2" name="Title 1">
+            <a:extLst>
+              <a:ext uri="{FF2B5EF4-FFF2-40B4-BE49-F238E27FC236}">
+                <a16:creationId xmlns:a16="http://schemas.microsoft.com/office/drawing/2014/main" id="{0243B633-BBE2-C436-4D38-3307AB57AEFB}"/>
+              </a:ext>
+            </a:extLst>
+          </p:cNvPr>
+          <p:cNvSpPr>
+            <a:spLocks noGrp="1"/>
+          </p:cNvSpPr>
+          <p:nvPr>
+            <p:ph type="title"/>
+          </p:nvPr>
+        </p:nvSpPr>
+        <p:spPr/>
+        <p:txBody>
+          <a:bodyPr/>
+          <a:lstStyle/>
+          <a:p>
+            <a:r>
+              <a:rPr lang="en-US" dirty="0"/>
+              <a:t>Repeat Values</a:t>
+            </a:r>
+          </a:p>
+        </p:txBody>
+      </p:sp>
+      <p:sp>
+        <p:nvSpPr>
+          <p:cNvPr id="3" name="Content Placeholder 2">
+            <a:extLst>
+              <a:ext uri="{FF2B5EF4-FFF2-40B4-BE49-F238E27FC236}">
+                <a16:creationId xmlns:a16="http://schemas.microsoft.com/office/drawing/2014/main" id="{7A2EDD72-B311-2BC6-77B3-3259374233FA}"/>
+              </a:ext>
+            </a:extLst>
+          </p:cNvPr>
+          <p:cNvSpPr>
+            <a:spLocks noGrp="1"/>
+          </p:cNvSpPr>
+          <p:nvPr>
+            <p:ph idx="1"/>
+          </p:nvPr>
+        </p:nvSpPr>
+        <p:spPr/>
+        <p:txBody>
+          <a:bodyPr/>
+          <a:lstStyle/>
+          <a:p>
+            <a:r>
+              <a:rPr lang="en-US" dirty="0"/>
+              <a:t>Repeat</a:t>
+            </a:r>
+          </a:p>
+          <a:p>
+            <a:r>
+              <a:rPr lang="en-US" dirty="0"/>
+              <a:t>No-repat</a:t>
+            </a:r>
+          </a:p>
+          <a:p>
+            <a:r>
+              <a:rPr lang="en-US" dirty="0"/>
+              <a:t>Repeat-x</a:t>
+            </a:r>
+          </a:p>
+          <a:p>
+            <a:r>
+              <a:rPr lang="en-US" dirty="0" err="1"/>
+              <a:t>Prepeat</a:t>
+            </a:r>
+            <a:r>
+              <a:rPr lang="en-US" dirty="0"/>
+              <a:t>-y</a:t>
+            </a:r>
+          </a:p>
+          <a:p>
+            <a:r>
+              <a:rPr lang="en-US" dirty="0"/>
+              <a:t>Space</a:t>
+            </a:r>
+          </a:p>
+          <a:p>
+            <a:r>
+              <a:rPr lang="en-US" dirty="0"/>
+              <a:t>round</a:t>
+            </a:r>
+          </a:p>
+        </p:txBody>
+      </p:sp>
+    </p:spTree>
+    <p:extLst>
+      <p:ext uri="{BB962C8B-B14F-4D97-AF65-F5344CB8AC3E}">
+        <p14:creationId xmlns:p14="http://schemas.microsoft.com/office/powerpoint/2010/main" val="3301107347"/>
+      </p:ext>
+    </p:extLst>
+  </p:cSld>
+  <p:clrMapOvr>
+    <a:masterClrMapping/>
+  </p:clrMapOvr>
+</p:sld>
+</file>
+
 <file path=ppt/slides/slide6.xml><?xml version="1.0" encoding="utf-8"?>
 <p:sld xmlns:a="http://schemas.openxmlformats.org/drawingml/2006/main" xmlns:r="http://schemas.openxmlformats.org/officeDocument/2006/relationships" xmlns:p="http://schemas.openxmlformats.org/presentationml/2006/main">
   <p:cSld>
@@ -13621,6 +15040,660 @@
     <p:extLst>
       <p:ext uri="{BB962C8B-B14F-4D97-AF65-F5344CB8AC3E}">
         <p14:creationId xmlns:p14="http://schemas.microsoft.com/office/powerpoint/2010/main" val="2088676839"/>
+      </p:ext>
+    </p:extLst>
+  </p:cSld>
+  <p:clrMapOvr>
+    <a:masterClrMapping/>
+  </p:clrMapOvr>
+</p:sld>
+</file>
+
+<file path=ppt/slides/slide60.xml><?xml version="1.0" encoding="utf-8"?>
+<p:sld xmlns:a="http://schemas.openxmlformats.org/drawingml/2006/main" xmlns:r="http://schemas.openxmlformats.org/officeDocument/2006/relationships" xmlns:p="http://schemas.openxmlformats.org/presentationml/2006/main">
+  <p:cSld>
+    <p:spTree>
+      <p:nvGrpSpPr>
+        <p:cNvPr id="1" name=""/>
+        <p:cNvGrpSpPr/>
+        <p:nvPr/>
+      </p:nvGrpSpPr>
+      <p:grpSpPr>
+        <a:xfrm>
+          <a:off x="0" y="0"/>
+          <a:ext cx="0" cy="0"/>
+          <a:chOff x="0" y="0"/>
+          <a:chExt cx="0" cy="0"/>
+        </a:xfrm>
+      </p:grpSpPr>
+      <p:sp>
+        <p:nvSpPr>
+          <p:cNvPr id="2" name="Title 1">
+            <a:extLst>
+              <a:ext uri="{FF2B5EF4-FFF2-40B4-BE49-F238E27FC236}">
+                <a16:creationId xmlns:a16="http://schemas.microsoft.com/office/drawing/2014/main" id="{621D235E-ABA8-A6D5-21CB-26B7AA7B44C9}"/>
+              </a:ext>
+            </a:extLst>
+          </p:cNvPr>
+          <p:cNvSpPr>
+            <a:spLocks noGrp="1"/>
+          </p:cNvSpPr>
+          <p:nvPr>
+            <p:ph type="title"/>
+          </p:nvPr>
+        </p:nvSpPr>
+        <p:spPr/>
+        <p:txBody>
+          <a:bodyPr/>
+          <a:lstStyle/>
+          <a:p>
+            <a:r>
+              <a:rPr lang="en-US" dirty="0"/>
+              <a:t>Background-Position Values</a:t>
+            </a:r>
+          </a:p>
+        </p:txBody>
+      </p:sp>
+      <p:sp>
+        <p:nvSpPr>
+          <p:cNvPr id="3" name="Content Placeholder 2">
+            <a:extLst>
+              <a:ext uri="{FF2B5EF4-FFF2-40B4-BE49-F238E27FC236}">
+                <a16:creationId xmlns:a16="http://schemas.microsoft.com/office/drawing/2014/main" id="{9709530D-4904-3707-F9C6-6C93AC95B290}"/>
+              </a:ext>
+            </a:extLst>
+          </p:cNvPr>
+          <p:cNvSpPr>
+            <a:spLocks noGrp="1"/>
+          </p:cNvSpPr>
+          <p:nvPr>
+            <p:ph idx="1"/>
+          </p:nvPr>
+        </p:nvSpPr>
+        <p:spPr/>
+        <p:txBody>
+          <a:bodyPr numCol="2">
+            <a:normAutofit/>
+          </a:bodyPr>
+          <a:lstStyle/>
+          <a:p>
+            <a:r>
+              <a:rPr lang="en-US" dirty="0"/>
+              <a:t>Left top</a:t>
+            </a:r>
+          </a:p>
+          <a:p>
+            <a:r>
+              <a:rPr lang="en-US" dirty="0"/>
+              <a:t>Left center</a:t>
+            </a:r>
+          </a:p>
+          <a:p>
+            <a:r>
+              <a:rPr lang="en-US" dirty="0"/>
+              <a:t>Left bottom</a:t>
+            </a:r>
+          </a:p>
+          <a:p>
+            <a:r>
+              <a:rPr lang="en-US" dirty="0"/>
+              <a:t>Right top</a:t>
+            </a:r>
+          </a:p>
+          <a:p>
+            <a:r>
+              <a:rPr lang="en-US" dirty="0"/>
+              <a:t>Right center</a:t>
+            </a:r>
+          </a:p>
+          <a:p>
+            <a:r>
+              <a:rPr lang="en-US" dirty="0"/>
+              <a:t>Right bottom</a:t>
+            </a:r>
+          </a:p>
+          <a:p>
+            <a:r>
+              <a:rPr lang="en-US" dirty="0"/>
+              <a:t>Center top</a:t>
+            </a:r>
+          </a:p>
+          <a:p>
+            <a:r>
+              <a:rPr lang="en-US" dirty="0"/>
+              <a:t>Center </a:t>
+            </a:r>
+            <a:r>
+              <a:rPr lang="en-US" dirty="0" err="1"/>
+              <a:t>center</a:t>
+            </a:r>
+            <a:endParaRPr lang="en-US" dirty="0"/>
+          </a:p>
+          <a:p>
+            <a:r>
+              <a:rPr lang="en-US" dirty="0"/>
+              <a:t>Center bottom</a:t>
+            </a:r>
+          </a:p>
+        </p:txBody>
+      </p:sp>
+    </p:spTree>
+    <p:extLst>
+      <p:ext uri="{BB962C8B-B14F-4D97-AF65-F5344CB8AC3E}">
+        <p14:creationId xmlns:p14="http://schemas.microsoft.com/office/powerpoint/2010/main" val="1083827714"/>
+      </p:ext>
+    </p:extLst>
+  </p:cSld>
+  <p:clrMapOvr>
+    <a:masterClrMapping/>
+  </p:clrMapOvr>
+</p:sld>
+</file>
+
+<file path=ppt/slides/slide61.xml><?xml version="1.0" encoding="utf-8"?>
+<p:sld xmlns:a="http://schemas.openxmlformats.org/drawingml/2006/main" xmlns:r="http://schemas.openxmlformats.org/officeDocument/2006/relationships" xmlns:p="http://schemas.openxmlformats.org/presentationml/2006/main">
+  <p:cSld>
+    <p:spTree>
+      <p:nvGrpSpPr>
+        <p:cNvPr id="1" name=""/>
+        <p:cNvGrpSpPr/>
+        <p:nvPr/>
+      </p:nvGrpSpPr>
+      <p:grpSpPr>
+        <a:xfrm>
+          <a:off x="0" y="0"/>
+          <a:ext cx="0" cy="0"/>
+          <a:chOff x="0" y="0"/>
+          <a:chExt cx="0" cy="0"/>
+        </a:xfrm>
+      </p:grpSpPr>
+      <p:sp>
+        <p:nvSpPr>
+          <p:cNvPr id="2" name="Title 1">
+            <a:extLst>
+              <a:ext uri="{FF2B5EF4-FFF2-40B4-BE49-F238E27FC236}">
+                <a16:creationId xmlns:a16="http://schemas.microsoft.com/office/drawing/2014/main" id="{5351DCAC-50D4-B14A-6D7F-640AFDE0E5D6}"/>
+              </a:ext>
+            </a:extLst>
+          </p:cNvPr>
+          <p:cNvSpPr>
+            <a:spLocks noGrp="1"/>
+          </p:cNvSpPr>
+          <p:nvPr>
+            <p:ph type="title"/>
+          </p:nvPr>
+        </p:nvSpPr>
+        <p:spPr/>
+        <p:txBody>
+          <a:bodyPr/>
+          <a:lstStyle/>
+          <a:p>
+            <a:r>
+              <a:rPr lang="en-US" dirty="0"/>
+              <a:t>Position Values</a:t>
+            </a:r>
+          </a:p>
+        </p:txBody>
+      </p:sp>
+      <p:sp>
+        <p:nvSpPr>
+          <p:cNvPr id="3" name="Content Placeholder 2">
+            <a:extLst>
+              <a:ext uri="{FF2B5EF4-FFF2-40B4-BE49-F238E27FC236}">
+                <a16:creationId xmlns:a16="http://schemas.microsoft.com/office/drawing/2014/main" id="{DDF9C86F-12AB-F637-1FA2-156FD6A42987}"/>
+              </a:ext>
+            </a:extLst>
+          </p:cNvPr>
+          <p:cNvSpPr>
+            <a:spLocks noGrp="1"/>
+          </p:cNvSpPr>
+          <p:nvPr>
+            <p:ph idx="1"/>
+          </p:nvPr>
+        </p:nvSpPr>
+        <p:spPr/>
+        <p:txBody>
+          <a:bodyPr/>
+          <a:lstStyle/>
+          <a:p>
+            <a:r>
+              <a:rPr lang="en-US" dirty="0"/>
+              <a:t>X% y%</a:t>
+            </a:r>
+          </a:p>
+          <a:p>
+            <a:r>
+              <a:rPr lang="en-US" dirty="0" err="1"/>
+              <a:t>Xpos</a:t>
+            </a:r>
+            <a:r>
+              <a:rPr lang="en-US" dirty="0"/>
+              <a:t> </a:t>
+            </a:r>
+            <a:r>
+              <a:rPr lang="en-US" dirty="0" err="1"/>
+              <a:t>ypos</a:t>
+            </a:r>
+            <a:endParaRPr lang="en-US" dirty="0"/>
+          </a:p>
+        </p:txBody>
+      </p:sp>
+    </p:spTree>
+    <p:extLst>
+      <p:ext uri="{BB962C8B-B14F-4D97-AF65-F5344CB8AC3E}">
+        <p14:creationId xmlns:p14="http://schemas.microsoft.com/office/powerpoint/2010/main" val="832150352"/>
+      </p:ext>
+    </p:extLst>
+  </p:cSld>
+  <p:clrMapOvr>
+    <a:masterClrMapping/>
+  </p:clrMapOvr>
+</p:sld>
+</file>
+
+<file path=ppt/slides/slide62.xml><?xml version="1.0" encoding="utf-8"?>
+<p:sld xmlns:a="http://schemas.openxmlformats.org/drawingml/2006/main" xmlns:r="http://schemas.openxmlformats.org/officeDocument/2006/relationships" xmlns:p="http://schemas.openxmlformats.org/presentationml/2006/main">
+  <p:cSld>
+    <p:spTree>
+      <p:nvGrpSpPr>
+        <p:cNvPr id="1" name=""/>
+        <p:cNvGrpSpPr/>
+        <p:nvPr/>
+      </p:nvGrpSpPr>
+      <p:grpSpPr>
+        <a:xfrm>
+          <a:off x="0" y="0"/>
+          <a:ext cx="0" cy="0"/>
+          <a:chOff x="0" y="0"/>
+          <a:chExt cx="0" cy="0"/>
+        </a:xfrm>
+      </p:grpSpPr>
+      <p:sp>
+        <p:nvSpPr>
+          <p:cNvPr id="2" name="Title 1">
+            <a:extLst>
+              <a:ext uri="{FF2B5EF4-FFF2-40B4-BE49-F238E27FC236}">
+                <a16:creationId xmlns:a16="http://schemas.microsoft.com/office/drawing/2014/main" id="{E9036CED-B29A-F2B0-790E-4F9719566BC3}"/>
+              </a:ext>
+            </a:extLst>
+          </p:cNvPr>
+          <p:cNvSpPr>
+            <a:spLocks noGrp="1"/>
+          </p:cNvSpPr>
+          <p:nvPr>
+            <p:ph type="title"/>
+          </p:nvPr>
+        </p:nvSpPr>
+        <p:spPr/>
+        <p:txBody>
+          <a:bodyPr/>
+          <a:lstStyle/>
+          <a:p>
+            <a:r>
+              <a:rPr lang="en-US" dirty="0"/>
+              <a:t>Background-Attachment</a:t>
+            </a:r>
+          </a:p>
+        </p:txBody>
+      </p:sp>
+      <p:sp>
+        <p:nvSpPr>
+          <p:cNvPr id="3" name="Content Placeholder 2">
+            <a:extLst>
+              <a:ext uri="{FF2B5EF4-FFF2-40B4-BE49-F238E27FC236}">
+                <a16:creationId xmlns:a16="http://schemas.microsoft.com/office/drawing/2014/main" id="{F371BD4A-7C94-5BDE-8879-A2EEFC8D009C}"/>
+              </a:ext>
+            </a:extLst>
+          </p:cNvPr>
+          <p:cNvSpPr>
+            <a:spLocks noGrp="1"/>
+          </p:cNvSpPr>
+          <p:nvPr>
+            <p:ph idx="1"/>
+          </p:nvPr>
+        </p:nvSpPr>
+        <p:spPr/>
+        <p:txBody>
+          <a:bodyPr/>
+          <a:lstStyle/>
+          <a:p>
+            <a:r>
+              <a:rPr lang="en-US" dirty="0"/>
+              <a:t>Scroll</a:t>
+            </a:r>
+          </a:p>
+          <a:p>
+            <a:r>
+              <a:rPr lang="en-US" dirty="0"/>
+              <a:t>Fixed </a:t>
+            </a:r>
+          </a:p>
+        </p:txBody>
+      </p:sp>
+    </p:spTree>
+    <p:extLst>
+      <p:ext uri="{BB962C8B-B14F-4D97-AF65-F5344CB8AC3E}">
+        <p14:creationId xmlns:p14="http://schemas.microsoft.com/office/powerpoint/2010/main" val="4224767779"/>
+      </p:ext>
+    </p:extLst>
+  </p:cSld>
+  <p:clrMapOvr>
+    <a:masterClrMapping/>
+  </p:clrMapOvr>
+</p:sld>
+</file>
+
+<file path=ppt/slides/slide63.xml><?xml version="1.0" encoding="utf-8"?>
+<p:sld xmlns:a="http://schemas.openxmlformats.org/drawingml/2006/main" xmlns:r="http://schemas.openxmlformats.org/officeDocument/2006/relationships" xmlns:p="http://schemas.openxmlformats.org/presentationml/2006/main">
+  <p:cSld>
+    <p:spTree>
+      <p:nvGrpSpPr>
+        <p:cNvPr id="1" name=""/>
+        <p:cNvGrpSpPr/>
+        <p:nvPr/>
+      </p:nvGrpSpPr>
+      <p:grpSpPr>
+        <a:xfrm>
+          <a:off x="0" y="0"/>
+          <a:ext cx="0" cy="0"/>
+          <a:chOff x="0" y="0"/>
+          <a:chExt cx="0" cy="0"/>
+        </a:xfrm>
+      </p:grpSpPr>
+      <p:sp>
+        <p:nvSpPr>
+          <p:cNvPr id="2" name="Title 1">
+            <a:extLst>
+              <a:ext uri="{FF2B5EF4-FFF2-40B4-BE49-F238E27FC236}">
+                <a16:creationId xmlns:a16="http://schemas.microsoft.com/office/drawing/2014/main" id="{24FF252D-6B2C-D381-855C-3547BBAFA82F}"/>
+              </a:ext>
+            </a:extLst>
+          </p:cNvPr>
+          <p:cNvSpPr>
+            <a:spLocks noGrp="1"/>
+          </p:cNvSpPr>
+          <p:nvPr>
+            <p:ph type="title"/>
+          </p:nvPr>
+        </p:nvSpPr>
+        <p:spPr/>
+        <p:txBody>
+          <a:bodyPr/>
+          <a:lstStyle/>
+          <a:p>
+            <a:r>
+              <a:rPr lang="en-US" dirty="0"/>
+              <a:t>Background-Size</a:t>
+            </a:r>
+          </a:p>
+        </p:txBody>
+      </p:sp>
+      <p:sp>
+        <p:nvSpPr>
+          <p:cNvPr id="3" name="Content Placeholder 2">
+            <a:extLst>
+              <a:ext uri="{FF2B5EF4-FFF2-40B4-BE49-F238E27FC236}">
+                <a16:creationId xmlns:a16="http://schemas.microsoft.com/office/drawing/2014/main" id="{FDF883C7-78CA-FF02-98BE-E343CF672A13}"/>
+              </a:ext>
+            </a:extLst>
+          </p:cNvPr>
+          <p:cNvSpPr>
+            <a:spLocks noGrp="1"/>
+          </p:cNvSpPr>
+          <p:nvPr>
+            <p:ph idx="1"/>
+          </p:nvPr>
+        </p:nvSpPr>
+        <p:spPr/>
+        <p:txBody>
+          <a:bodyPr/>
+          <a:lstStyle/>
+          <a:p>
+            <a:r>
+              <a:rPr lang="en-US" dirty="0"/>
+              <a:t>Auto</a:t>
+            </a:r>
+          </a:p>
+          <a:p>
+            <a:r>
+              <a:rPr lang="en-US" dirty="0"/>
+              <a:t>Length (</a:t>
+            </a:r>
+            <a:r>
+              <a:rPr lang="en-US" dirty="0" err="1"/>
+              <a:t>px</a:t>
+            </a:r>
+            <a:r>
+              <a:rPr lang="en-US" dirty="0"/>
+              <a:t>)</a:t>
+            </a:r>
+          </a:p>
+          <a:p>
+            <a:r>
+              <a:rPr lang="en-US" dirty="0"/>
+              <a:t>Percentage (%)</a:t>
+            </a:r>
+          </a:p>
+          <a:p>
+            <a:r>
+              <a:rPr lang="en-US" dirty="0"/>
+              <a:t>Cover</a:t>
+            </a:r>
+          </a:p>
+          <a:p>
+            <a:r>
+              <a:rPr lang="en-US" dirty="0"/>
+              <a:t>contain</a:t>
+            </a:r>
+          </a:p>
+        </p:txBody>
+      </p:sp>
+    </p:spTree>
+    <p:extLst>
+      <p:ext uri="{BB962C8B-B14F-4D97-AF65-F5344CB8AC3E}">
+        <p14:creationId xmlns:p14="http://schemas.microsoft.com/office/powerpoint/2010/main" val="2298450913"/>
+      </p:ext>
+    </p:extLst>
+  </p:cSld>
+  <p:clrMapOvr>
+    <a:masterClrMapping/>
+  </p:clrMapOvr>
+</p:sld>
+</file>
+
+<file path=ppt/slides/slide64.xml><?xml version="1.0" encoding="utf-8"?>
+<p:sld xmlns:a="http://schemas.openxmlformats.org/drawingml/2006/main" xmlns:r="http://schemas.openxmlformats.org/officeDocument/2006/relationships" xmlns:p="http://schemas.openxmlformats.org/presentationml/2006/main">
+  <p:cSld>
+    <p:spTree>
+      <p:nvGrpSpPr>
+        <p:cNvPr id="1" name=""/>
+        <p:cNvGrpSpPr/>
+        <p:nvPr/>
+      </p:nvGrpSpPr>
+      <p:grpSpPr>
+        <a:xfrm>
+          <a:off x="0" y="0"/>
+          <a:ext cx="0" cy="0"/>
+          <a:chOff x="0" y="0"/>
+          <a:chExt cx="0" cy="0"/>
+        </a:xfrm>
+      </p:grpSpPr>
+      <p:sp>
+        <p:nvSpPr>
+          <p:cNvPr id="2" name="Title 1">
+            <a:extLst>
+              <a:ext uri="{FF2B5EF4-FFF2-40B4-BE49-F238E27FC236}">
+                <a16:creationId xmlns:a16="http://schemas.microsoft.com/office/drawing/2014/main" id="{1179C4A9-5452-4E26-DEC6-C50185A92A04}"/>
+              </a:ext>
+            </a:extLst>
+          </p:cNvPr>
+          <p:cNvSpPr>
+            <a:spLocks noGrp="1"/>
+          </p:cNvSpPr>
+          <p:nvPr>
+            <p:ph type="title"/>
+          </p:nvPr>
+        </p:nvSpPr>
+        <p:spPr/>
+        <p:txBody>
+          <a:bodyPr/>
+          <a:lstStyle/>
+          <a:p>
+            <a:r>
+              <a:rPr lang="en-US" dirty="0"/>
+              <a:t>Background-Origin</a:t>
+            </a:r>
+          </a:p>
+        </p:txBody>
+      </p:sp>
+      <p:sp>
+        <p:nvSpPr>
+          <p:cNvPr id="3" name="Content Placeholder 2">
+            <a:extLst>
+              <a:ext uri="{FF2B5EF4-FFF2-40B4-BE49-F238E27FC236}">
+                <a16:creationId xmlns:a16="http://schemas.microsoft.com/office/drawing/2014/main" id="{2D2CDDAF-D770-82D9-5EE6-BDEB4010CAFE}"/>
+              </a:ext>
+            </a:extLst>
+          </p:cNvPr>
+          <p:cNvSpPr>
+            <a:spLocks noGrp="1"/>
+          </p:cNvSpPr>
+          <p:nvPr>
+            <p:ph idx="1"/>
+          </p:nvPr>
+        </p:nvSpPr>
+        <p:spPr/>
+        <p:txBody>
+          <a:bodyPr/>
+          <a:lstStyle/>
+          <a:p>
+            <a:r>
+              <a:rPr lang="en-US" dirty="0"/>
+              <a:t>Padding-box</a:t>
+            </a:r>
+          </a:p>
+          <a:p>
+            <a:r>
+              <a:rPr lang="en-US" dirty="0"/>
+              <a:t>Border-box</a:t>
+            </a:r>
+          </a:p>
+          <a:p>
+            <a:r>
+              <a:rPr lang="en-US" dirty="0"/>
+              <a:t>Content-box</a:t>
+            </a:r>
+          </a:p>
+        </p:txBody>
+      </p:sp>
+    </p:spTree>
+    <p:extLst>
+      <p:ext uri="{BB962C8B-B14F-4D97-AF65-F5344CB8AC3E}">
+        <p14:creationId xmlns:p14="http://schemas.microsoft.com/office/powerpoint/2010/main" val="1197575400"/>
+      </p:ext>
+    </p:extLst>
+  </p:cSld>
+  <p:clrMapOvr>
+    <a:masterClrMapping/>
+  </p:clrMapOvr>
+</p:sld>
+</file>
+
+<file path=ppt/slides/slide65.xml><?xml version="1.0" encoding="utf-8"?>
+<p:sld xmlns:a="http://schemas.openxmlformats.org/drawingml/2006/main" xmlns:r="http://schemas.openxmlformats.org/officeDocument/2006/relationships" xmlns:p="http://schemas.openxmlformats.org/presentationml/2006/main">
+  <p:cSld>
+    <p:spTree>
+      <p:nvGrpSpPr>
+        <p:cNvPr id="1" name=""/>
+        <p:cNvGrpSpPr/>
+        <p:nvPr/>
+      </p:nvGrpSpPr>
+      <p:grpSpPr>
+        <a:xfrm>
+          <a:off x="0" y="0"/>
+          <a:ext cx="0" cy="0"/>
+          <a:chOff x="0" y="0"/>
+          <a:chExt cx="0" cy="0"/>
+        </a:xfrm>
+      </p:grpSpPr>
+      <p:sp>
+        <p:nvSpPr>
+          <p:cNvPr id="2" name="Title 1">
+            <a:extLst>
+              <a:ext uri="{FF2B5EF4-FFF2-40B4-BE49-F238E27FC236}">
+                <a16:creationId xmlns:a16="http://schemas.microsoft.com/office/drawing/2014/main" id="{EA9FF319-FB35-5AF1-1C28-69F7D649C935}"/>
+              </a:ext>
+            </a:extLst>
+          </p:cNvPr>
+          <p:cNvSpPr>
+            <a:spLocks noGrp="1"/>
+          </p:cNvSpPr>
+          <p:nvPr>
+            <p:ph type="title"/>
+          </p:nvPr>
+        </p:nvSpPr>
+        <p:spPr/>
+        <p:txBody>
+          <a:bodyPr/>
+          <a:lstStyle/>
+          <a:p>
+            <a:r>
+              <a:rPr lang="en-US" dirty="0"/>
+              <a:t>Background-Clip</a:t>
+            </a:r>
+          </a:p>
+        </p:txBody>
+      </p:sp>
+      <p:sp>
+        <p:nvSpPr>
+          <p:cNvPr id="3" name="Content Placeholder 2">
+            <a:extLst>
+              <a:ext uri="{FF2B5EF4-FFF2-40B4-BE49-F238E27FC236}">
+                <a16:creationId xmlns:a16="http://schemas.microsoft.com/office/drawing/2014/main" id="{E7BD94E3-618C-F0A5-7D40-F802B12166C2}"/>
+              </a:ext>
+            </a:extLst>
+          </p:cNvPr>
+          <p:cNvSpPr>
+            <a:spLocks noGrp="1"/>
+          </p:cNvSpPr>
+          <p:nvPr>
+            <p:ph idx="1"/>
+          </p:nvPr>
+        </p:nvSpPr>
+        <p:spPr/>
+        <p:txBody>
+          <a:bodyPr/>
+          <a:lstStyle/>
+          <a:p>
+            <a:r>
+              <a:rPr lang="en-US" dirty="0"/>
+              <a:t>Padding-box</a:t>
+            </a:r>
+          </a:p>
+          <a:p>
+            <a:r>
+              <a:rPr lang="en-US" dirty="0"/>
+              <a:t>Border-box</a:t>
+            </a:r>
+          </a:p>
+          <a:p>
+            <a:r>
+              <a:rPr lang="en-US" dirty="0"/>
+              <a:t>Content-box</a:t>
+            </a:r>
+          </a:p>
+          <a:p>
+            <a:r>
+              <a:rPr lang="en-US" dirty="0"/>
+              <a:t>Text(experimental)</a:t>
+            </a:r>
+          </a:p>
+        </p:txBody>
+      </p:sp>
+    </p:spTree>
+    <p:extLst>
+      <p:ext uri="{BB962C8B-B14F-4D97-AF65-F5344CB8AC3E}">
+        <p14:creationId xmlns:p14="http://schemas.microsoft.com/office/powerpoint/2010/main" val="2349712968"/>
       </p:ext>
     </p:extLst>
   </p:cSld>

--- a/CSS.pptx
+++ b/CSS.pptx
@@ -70,6 +70,8 @@
     <p:sldId id="318" r:id="rId64"/>
     <p:sldId id="319" r:id="rId65"/>
     <p:sldId id="320" r:id="rId66"/>
+    <p:sldId id="321" r:id="rId67"/>
+    <p:sldId id="322" r:id="rId68"/>
   </p:sldIdLst>
   <p:sldSz cx="12192000" cy="6858000"/>
   <p:notesSz cx="6858000" cy="9144000"/>
@@ -323,7 +325,7 @@
           <a:p>
             <a:fld id="{E6A9BA00-07BE-4836-8229-BCB8917AB7E6}" type="datetimeFigureOut">
               <a:rPr lang="en-US" smtClean="0"/>
-              <a:t>12/5/2022</a:t>
+              <a:t>12/7/2022</a:t>
             </a:fld>
             <a:endParaRPr lang="en-US"/>
           </a:p>
@@ -521,7 +523,7 @@
           <a:p>
             <a:fld id="{E6A9BA00-07BE-4836-8229-BCB8917AB7E6}" type="datetimeFigureOut">
               <a:rPr lang="en-US" smtClean="0"/>
-              <a:t>12/5/2022</a:t>
+              <a:t>12/7/2022</a:t>
             </a:fld>
             <a:endParaRPr lang="en-US"/>
           </a:p>
@@ -729,7 +731,7 @@
           <a:p>
             <a:fld id="{E6A9BA00-07BE-4836-8229-BCB8917AB7E6}" type="datetimeFigureOut">
               <a:rPr lang="en-US" smtClean="0"/>
-              <a:t>12/5/2022</a:t>
+              <a:t>12/7/2022</a:t>
             </a:fld>
             <a:endParaRPr lang="en-US"/>
           </a:p>
@@ -927,7 +929,7 @@
           <a:p>
             <a:fld id="{E6A9BA00-07BE-4836-8229-BCB8917AB7E6}" type="datetimeFigureOut">
               <a:rPr lang="en-US" smtClean="0"/>
-              <a:t>12/5/2022</a:t>
+              <a:t>12/7/2022</a:t>
             </a:fld>
             <a:endParaRPr lang="en-US"/>
           </a:p>
@@ -1202,7 +1204,7 @@
           <a:p>
             <a:fld id="{E6A9BA00-07BE-4836-8229-BCB8917AB7E6}" type="datetimeFigureOut">
               <a:rPr lang="en-US" smtClean="0"/>
-              <a:t>12/5/2022</a:t>
+              <a:t>12/7/2022</a:t>
             </a:fld>
             <a:endParaRPr lang="en-US"/>
           </a:p>
@@ -1467,7 +1469,7 @@
           <a:p>
             <a:fld id="{E6A9BA00-07BE-4836-8229-BCB8917AB7E6}" type="datetimeFigureOut">
               <a:rPr lang="en-US" smtClean="0"/>
-              <a:t>12/5/2022</a:t>
+              <a:t>12/7/2022</a:t>
             </a:fld>
             <a:endParaRPr lang="en-US"/>
           </a:p>
@@ -1879,7 +1881,7 @@
           <a:p>
             <a:fld id="{E6A9BA00-07BE-4836-8229-BCB8917AB7E6}" type="datetimeFigureOut">
               <a:rPr lang="en-US" smtClean="0"/>
-              <a:t>12/5/2022</a:t>
+              <a:t>12/7/2022</a:t>
             </a:fld>
             <a:endParaRPr lang="en-US"/>
           </a:p>
@@ -2020,7 +2022,7 @@
           <a:p>
             <a:fld id="{E6A9BA00-07BE-4836-8229-BCB8917AB7E6}" type="datetimeFigureOut">
               <a:rPr lang="en-US" smtClean="0"/>
-              <a:t>12/5/2022</a:t>
+              <a:t>12/7/2022</a:t>
             </a:fld>
             <a:endParaRPr lang="en-US"/>
           </a:p>
@@ -2133,7 +2135,7 @@
           <a:p>
             <a:fld id="{E6A9BA00-07BE-4836-8229-BCB8917AB7E6}" type="datetimeFigureOut">
               <a:rPr lang="en-US" smtClean="0"/>
-              <a:t>12/5/2022</a:t>
+              <a:t>12/7/2022</a:t>
             </a:fld>
             <a:endParaRPr lang="en-US"/>
           </a:p>
@@ -2444,7 +2446,7 @@
           <a:p>
             <a:fld id="{E6A9BA00-07BE-4836-8229-BCB8917AB7E6}" type="datetimeFigureOut">
               <a:rPr lang="en-US" smtClean="0"/>
-              <a:t>12/5/2022</a:t>
+              <a:t>12/7/2022</a:t>
             </a:fld>
             <a:endParaRPr lang="en-US"/>
           </a:p>
@@ -2732,7 +2734,7 @@
           <a:p>
             <a:fld id="{E6A9BA00-07BE-4836-8229-BCB8917AB7E6}" type="datetimeFigureOut">
               <a:rPr lang="en-US" smtClean="0"/>
-              <a:t>12/5/2022</a:t>
+              <a:t>12/7/2022</a:t>
             </a:fld>
             <a:endParaRPr lang="en-US"/>
           </a:p>
@@ -2973,7 +2975,7 @@
           <a:p>
             <a:fld id="{E6A9BA00-07BE-4836-8229-BCB8917AB7E6}" type="datetimeFigureOut">
               <a:rPr lang="en-US" smtClean="0"/>
-              <a:t>12/5/2022</a:t>
+              <a:t>12/7/2022</a:t>
             </a:fld>
             <a:endParaRPr lang="en-US"/>
           </a:p>
@@ -15703,6 +15705,517 @@
 </p:sld>
 </file>
 
+<file path=ppt/slides/slide66.xml><?xml version="1.0" encoding="utf-8"?>
+<p:sld xmlns:a="http://schemas.openxmlformats.org/drawingml/2006/main" xmlns:r="http://schemas.openxmlformats.org/officeDocument/2006/relationships" xmlns:p="http://schemas.openxmlformats.org/presentationml/2006/main">
+  <p:cSld>
+    <p:spTree>
+      <p:nvGrpSpPr>
+        <p:cNvPr id="1" name=""/>
+        <p:cNvGrpSpPr/>
+        <p:nvPr/>
+      </p:nvGrpSpPr>
+      <p:grpSpPr>
+        <a:xfrm>
+          <a:off x="0" y="0"/>
+          <a:ext cx="0" cy="0"/>
+          <a:chOff x="0" y="0"/>
+          <a:chExt cx="0" cy="0"/>
+        </a:xfrm>
+      </p:grpSpPr>
+      <p:sp>
+        <p:nvSpPr>
+          <p:cNvPr id="2" name="Title 1">
+            <a:extLst>
+              <a:ext uri="{FF2B5EF4-FFF2-40B4-BE49-F238E27FC236}">
+                <a16:creationId xmlns:a16="http://schemas.microsoft.com/office/drawing/2014/main" id="{BA504319-CBFC-7DF6-1DD0-0E82D67ECE63}"/>
+              </a:ext>
+            </a:extLst>
+          </p:cNvPr>
+          <p:cNvSpPr>
+            <a:spLocks noGrp="1"/>
+          </p:cNvSpPr>
+          <p:nvPr>
+            <p:ph type="title"/>
+          </p:nvPr>
+        </p:nvSpPr>
+        <p:spPr/>
+        <p:txBody>
+          <a:bodyPr/>
+          <a:lstStyle/>
+          <a:p>
+            <a:r>
+              <a:rPr lang="en-US" dirty="0"/>
+              <a:t>CSS: Position</a:t>
+            </a:r>
+          </a:p>
+        </p:txBody>
+      </p:sp>
+      <p:sp>
+        <p:nvSpPr>
+          <p:cNvPr id="3" name="Content Placeholder 2">
+            <a:extLst>
+              <a:ext uri="{FF2B5EF4-FFF2-40B4-BE49-F238E27FC236}">
+                <a16:creationId xmlns:a16="http://schemas.microsoft.com/office/drawing/2014/main" id="{A30AE2BC-0692-8118-15B9-9AB6E34AE24F}"/>
+              </a:ext>
+            </a:extLst>
+          </p:cNvPr>
+          <p:cNvSpPr>
+            <a:spLocks noGrp="1"/>
+          </p:cNvSpPr>
+          <p:nvPr>
+            <p:ph idx="1"/>
+          </p:nvPr>
+        </p:nvSpPr>
+        <p:spPr>
+          <a:xfrm>
+            <a:off x="838200" y="1825625"/>
+            <a:ext cx="2871651" cy="4351338"/>
+          </a:xfrm>
+        </p:spPr>
+        <p:txBody>
+          <a:bodyPr/>
+          <a:lstStyle/>
+          <a:p>
+            <a:pPr marL="0" indent="0">
+              <a:buNone/>
+            </a:pPr>
+            <a:r>
+              <a:rPr lang="en-US" dirty="0"/>
+              <a:t>Values</a:t>
+            </a:r>
+          </a:p>
+          <a:p>
+            <a:pPr marL="0" indent="0">
+              <a:buNone/>
+            </a:pPr>
+            <a:r>
+              <a:rPr lang="en-US" dirty="0"/>
+              <a:t>	Static</a:t>
+            </a:r>
+          </a:p>
+          <a:p>
+            <a:pPr marL="0" indent="0">
+              <a:buNone/>
+            </a:pPr>
+            <a:r>
+              <a:rPr lang="en-US" dirty="0"/>
+              <a:t>	Relative</a:t>
+            </a:r>
+          </a:p>
+          <a:p>
+            <a:pPr marL="0" indent="0">
+              <a:buNone/>
+            </a:pPr>
+            <a:r>
+              <a:rPr lang="en-US" dirty="0"/>
+              <a:t>	Absolute</a:t>
+            </a:r>
+          </a:p>
+          <a:p>
+            <a:pPr marL="0" indent="0">
+              <a:buNone/>
+            </a:pPr>
+            <a:r>
+              <a:rPr lang="en-US" dirty="0"/>
+              <a:t>	Fixed</a:t>
+            </a:r>
+          </a:p>
+          <a:p>
+            <a:pPr marL="0" indent="0">
+              <a:buNone/>
+            </a:pPr>
+            <a:r>
+              <a:rPr lang="en-US" dirty="0"/>
+              <a:t>	Sticky</a:t>
+            </a:r>
+          </a:p>
+          <a:p>
+            <a:pPr marL="0" indent="0">
+              <a:buNone/>
+            </a:pPr>
+            <a:endParaRPr lang="en-US" dirty="0"/>
+          </a:p>
+        </p:txBody>
+      </p:sp>
+      <p:sp>
+        <p:nvSpPr>
+          <p:cNvPr id="4" name="Content Placeholder 2">
+            <a:extLst>
+              <a:ext uri="{FF2B5EF4-FFF2-40B4-BE49-F238E27FC236}">
+                <a16:creationId xmlns:a16="http://schemas.microsoft.com/office/drawing/2014/main" id="{9F82CFBC-46AC-B14E-4757-AA349B91E4DF}"/>
+              </a:ext>
+            </a:extLst>
+          </p:cNvPr>
+          <p:cNvSpPr txBox="1">
+            <a:spLocks/>
+          </p:cNvSpPr>
+          <p:nvPr/>
+        </p:nvSpPr>
+        <p:spPr>
+          <a:xfrm>
+            <a:off x="6794863" y="1253331"/>
+            <a:ext cx="2871651" cy="4351338"/>
+          </a:xfrm>
+          <a:prstGeom prst="rect">
+            <a:avLst/>
+          </a:prstGeom>
+        </p:spPr>
+        <p:txBody>
+          <a:bodyPr vert="horz" lIns="91440" tIns="45720" rIns="91440" bIns="45720" rtlCol="0">
+            <a:normAutofit/>
+          </a:bodyPr>
+          <a:lstStyle>
+            <a:lvl1pPr marL="228600" indent="-228600" algn="l" defTabSz="914400" rtl="0" eaLnBrk="1" latinLnBrk="0" hangingPunct="1">
+              <a:lnSpc>
+                <a:spcPct val="90000"/>
+              </a:lnSpc>
+              <a:spcBef>
+                <a:spcPts val="1000"/>
+              </a:spcBef>
+              <a:buFont typeface="Arial" panose="020B0604020202020204" pitchFamily="34" charset="0"/>
+              <a:buChar char="•"/>
+              <a:defRPr sz="2800" kern="1200">
+                <a:solidFill>
+                  <a:schemeClr val="tx1"/>
+                </a:solidFill>
+                <a:latin typeface="+mn-lt"/>
+                <a:ea typeface="+mn-ea"/>
+                <a:cs typeface="+mn-cs"/>
+              </a:defRPr>
+            </a:lvl1pPr>
+            <a:lvl2pPr marL="685800" indent="-228600" algn="l" defTabSz="914400" rtl="0" eaLnBrk="1" latinLnBrk="0" hangingPunct="1">
+              <a:lnSpc>
+                <a:spcPct val="90000"/>
+              </a:lnSpc>
+              <a:spcBef>
+                <a:spcPts val="500"/>
+              </a:spcBef>
+              <a:buFont typeface="Arial" panose="020B0604020202020204" pitchFamily="34" charset="0"/>
+              <a:buChar char="•"/>
+              <a:defRPr sz="2400" kern="1200">
+                <a:solidFill>
+                  <a:schemeClr val="tx1"/>
+                </a:solidFill>
+                <a:latin typeface="+mn-lt"/>
+                <a:ea typeface="+mn-ea"/>
+                <a:cs typeface="+mn-cs"/>
+              </a:defRPr>
+            </a:lvl2pPr>
+            <a:lvl3pPr marL="1143000" indent="-228600" algn="l" defTabSz="914400" rtl="0" eaLnBrk="1" latinLnBrk="0" hangingPunct="1">
+              <a:lnSpc>
+                <a:spcPct val="90000"/>
+              </a:lnSpc>
+              <a:spcBef>
+                <a:spcPts val="500"/>
+              </a:spcBef>
+              <a:buFont typeface="Arial" panose="020B0604020202020204" pitchFamily="34" charset="0"/>
+              <a:buChar char="•"/>
+              <a:defRPr sz="2000" kern="1200">
+                <a:solidFill>
+                  <a:schemeClr val="tx1"/>
+                </a:solidFill>
+                <a:latin typeface="+mn-lt"/>
+                <a:ea typeface="+mn-ea"/>
+                <a:cs typeface="+mn-cs"/>
+              </a:defRPr>
+            </a:lvl3pPr>
+            <a:lvl4pPr marL="1600200" indent="-228600" algn="l" defTabSz="914400" rtl="0" eaLnBrk="1" latinLnBrk="0" hangingPunct="1">
+              <a:lnSpc>
+                <a:spcPct val="90000"/>
+              </a:lnSpc>
+              <a:spcBef>
+                <a:spcPts val="500"/>
+              </a:spcBef>
+              <a:buFont typeface="Arial" panose="020B0604020202020204" pitchFamily="34" charset="0"/>
+              <a:buChar char="•"/>
+              <a:defRPr sz="1800" kern="1200">
+                <a:solidFill>
+                  <a:schemeClr val="tx1"/>
+                </a:solidFill>
+                <a:latin typeface="+mn-lt"/>
+                <a:ea typeface="+mn-ea"/>
+                <a:cs typeface="+mn-cs"/>
+              </a:defRPr>
+            </a:lvl4pPr>
+            <a:lvl5pPr marL="2057400" indent="-228600" algn="l" defTabSz="914400" rtl="0" eaLnBrk="1" latinLnBrk="0" hangingPunct="1">
+              <a:lnSpc>
+                <a:spcPct val="90000"/>
+              </a:lnSpc>
+              <a:spcBef>
+                <a:spcPts val="500"/>
+              </a:spcBef>
+              <a:buFont typeface="Arial" panose="020B0604020202020204" pitchFamily="34" charset="0"/>
+              <a:buChar char="•"/>
+              <a:defRPr sz="1800" kern="1200">
+                <a:solidFill>
+                  <a:schemeClr val="tx1"/>
+                </a:solidFill>
+                <a:latin typeface="+mn-lt"/>
+                <a:ea typeface="+mn-ea"/>
+                <a:cs typeface="+mn-cs"/>
+              </a:defRPr>
+            </a:lvl5pPr>
+            <a:lvl6pPr marL="2514600" indent="-228600" algn="l" defTabSz="914400" rtl="0" eaLnBrk="1" latinLnBrk="0" hangingPunct="1">
+              <a:lnSpc>
+                <a:spcPct val="90000"/>
+              </a:lnSpc>
+              <a:spcBef>
+                <a:spcPts val="500"/>
+              </a:spcBef>
+              <a:buFont typeface="Arial" panose="020B0604020202020204" pitchFamily="34" charset="0"/>
+              <a:buChar char="•"/>
+              <a:defRPr sz="1800" kern="1200">
+                <a:solidFill>
+                  <a:schemeClr val="tx1"/>
+                </a:solidFill>
+                <a:latin typeface="+mn-lt"/>
+                <a:ea typeface="+mn-ea"/>
+                <a:cs typeface="+mn-cs"/>
+              </a:defRPr>
+            </a:lvl6pPr>
+            <a:lvl7pPr marL="2971800" indent="-228600" algn="l" defTabSz="914400" rtl="0" eaLnBrk="1" latinLnBrk="0" hangingPunct="1">
+              <a:lnSpc>
+                <a:spcPct val="90000"/>
+              </a:lnSpc>
+              <a:spcBef>
+                <a:spcPts val="500"/>
+              </a:spcBef>
+              <a:buFont typeface="Arial" panose="020B0604020202020204" pitchFamily="34" charset="0"/>
+              <a:buChar char="•"/>
+              <a:defRPr sz="1800" kern="1200">
+                <a:solidFill>
+                  <a:schemeClr val="tx1"/>
+                </a:solidFill>
+                <a:latin typeface="+mn-lt"/>
+                <a:ea typeface="+mn-ea"/>
+                <a:cs typeface="+mn-cs"/>
+              </a:defRPr>
+            </a:lvl7pPr>
+            <a:lvl8pPr marL="3429000" indent="-228600" algn="l" defTabSz="914400" rtl="0" eaLnBrk="1" latinLnBrk="0" hangingPunct="1">
+              <a:lnSpc>
+                <a:spcPct val="90000"/>
+              </a:lnSpc>
+              <a:spcBef>
+                <a:spcPts val="500"/>
+              </a:spcBef>
+              <a:buFont typeface="Arial" panose="020B0604020202020204" pitchFamily="34" charset="0"/>
+              <a:buChar char="•"/>
+              <a:defRPr sz="1800" kern="1200">
+                <a:solidFill>
+                  <a:schemeClr val="tx1"/>
+                </a:solidFill>
+                <a:latin typeface="+mn-lt"/>
+                <a:ea typeface="+mn-ea"/>
+                <a:cs typeface="+mn-cs"/>
+              </a:defRPr>
+            </a:lvl8pPr>
+            <a:lvl9pPr marL="3886200" indent="-228600" algn="l" defTabSz="914400" rtl="0" eaLnBrk="1" latinLnBrk="0" hangingPunct="1">
+              <a:lnSpc>
+                <a:spcPct val="90000"/>
+              </a:lnSpc>
+              <a:spcBef>
+                <a:spcPts val="500"/>
+              </a:spcBef>
+              <a:buFont typeface="Arial" panose="020B0604020202020204" pitchFamily="34" charset="0"/>
+              <a:buChar char="•"/>
+              <a:defRPr sz="1800" kern="1200">
+                <a:solidFill>
+                  <a:schemeClr val="tx1"/>
+                </a:solidFill>
+                <a:latin typeface="+mn-lt"/>
+                <a:ea typeface="+mn-ea"/>
+                <a:cs typeface="+mn-cs"/>
+              </a:defRPr>
+            </a:lvl9pPr>
+          </a:lstStyle>
+          <a:p>
+            <a:pPr marL="0" indent="0">
+              <a:buFont typeface="Arial" panose="020B0604020202020204" pitchFamily="34" charset="0"/>
+              <a:buNone/>
+            </a:pPr>
+            <a:r>
+              <a:rPr lang="en-US" dirty="0"/>
+              <a:t>Properties</a:t>
+            </a:r>
+          </a:p>
+          <a:p>
+            <a:pPr marL="0" indent="0">
+              <a:buFont typeface="Arial" panose="020B0604020202020204" pitchFamily="34" charset="0"/>
+              <a:buNone/>
+            </a:pPr>
+            <a:r>
+              <a:rPr lang="en-US" dirty="0"/>
+              <a:t>	Left</a:t>
+            </a:r>
+          </a:p>
+          <a:p>
+            <a:pPr marL="0" indent="0">
+              <a:buFont typeface="Arial" panose="020B0604020202020204" pitchFamily="34" charset="0"/>
+              <a:buNone/>
+            </a:pPr>
+            <a:r>
+              <a:rPr lang="en-US" dirty="0"/>
+              <a:t>	Right</a:t>
+            </a:r>
+          </a:p>
+          <a:p>
+            <a:pPr marL="0" indent="0">
+              <a:buFont typeface="Arial" panose="020B0604020202020204" pitchFamily="34" charset="0"/>
+              <a:buNone/>
+            </a:pPr>
+            <a:r>
+              <a:rPr lang="en-US" dirty="0"/>
+              <a:t>	Top</a:t>
+            </a:r>
+          </a:p>
+          <a:p>
+            <a:pPr marL="0" indent="0">
+              <a:buFont typeface="Arial" panose="020B0604020202020204" pitchFamily="34" charset="0"/>
+              <a:buNone/>
+            </a:pPr>
+            <a:r>
+              <a:rPr lang="en-US" dirty="0"/>
+              <a:t>	Bottom</a:t>
+            </a:r>
+          </a:p>
+          <a:p>
+            <a:pPr marL="0" indent="0">
+              <a:buFont typeface="Arial" panose="020B0604020202020204" pitchFamily="34" charset="0"/>
+              <a:buNone/>
+            </a:pPr>
+            <a:endParaRPr lang="en-US" dirty="0"/>
+          </a:p>
+        </p:txBody>
+      </p:sp>
+    </p:spTree>
+    <p:extLst>
+      <p:ext uri="{BB962C8B-B14F-4D97-AF65-F5344CB8AC3E}">
+        <p14:creationId xmlns:p14="http://schemas.microsoft.com/office/powerpoint/2010/main" val="1884031630"/>
+      </p:ext>
+    </p:extLst>
+  </p:cSld>
+  <p:clrMapOvr>
+    <a:masterClrMapping/>
+  </p:clrMapOvr>
+</p:sld>
+</file>
+
+<file path=ppt/slides/slide67.xml><?xml version="1.0" encoding="utf-8"?>
+<p:sld xmlns:a="http://schemas.openxmlformats.org/drawingml/2006/main" xmlns:r="http://schemas.openxmlformats.org/officeDocument/2006/relationships" xmlns:p="http://schemas.openxmlformats.org/presentationml/2006/main">
+  <p:cSld>
+    <p:spTree>
+      <p:nvGrpSpPr>
+        <p:cNvPr id="1" name=""/>
+        <p:cNvGrpSpPr/>
+        <p:nvPr/>
+      </p:nvGrpSpPr>
+      <p:grpSpPr>
+        <a:xfrm>
+          <a:off x="0" y="0"/>
+          <a:ext cx="0" cy="0"/>
+          <a:chOff x="0" y="0"/>
+          <a:chExt cx="0" cy="0"/>
+        </a:xfrm>
+      </p:grpSpPr>
+      <p:sp>
+        <p:nvSpPr>
+          <p:cNvPr id="2" name="Title 1">
+            <a:extLst>
+              <a:ext uri="{FF2B5EF4-FFF2-40B4-BE49-F238E27FC236}">
+                <a16:creationId xmlns:a16="http://schemas.microsoft.com/office/drawing/2014/main" id="{7F581BF4-AC37-A572-849E-CE8A9854CDFB}"/>
+              </a:ext>
+            </a:extLst>
+          </p:cNvPr>
+          <p:cNvSpPr>
+            <a:spLocks noGrp="1"/>
+          </p:cNvSpPr>
+          <p:nvPr>
+            <p:ph type="title"/>
+          </p:nvPr>
+        </p:nvSpPr>
+        <p:spPr/>
+        <p:txBody>
+          <a:bodyPr/>
+          <a:lstStyle/>
+          <a:p>
+            <a:r>
+              <a:rPr lang="en-US" dirty="0"/>
+              <a:t>CSS: Table</a:t>
+            </a:r>
+          </a:p>
+        </p:txBody>
+      </p:sp>
+      <p:sp>
+        <p:nvSpPr>
+          <p:cNvPr id="3" name="Content Placeholder 2">
+            <a:extLst>
+              <a:ext uri="{FF2B5EF4-FFF2-40B4-BE49-F238E27FC236}">
+                <a16:creationId xmlns:a16="http://schemas.microsoft.com/office/drawing/2014/main" id="{893DE96B-62C4-121C-B658-C4A94D0CBB58}"/>
+              </a:ext>
+            </a:extLst>
+          </p:cNvPr>
+          <p:cNvSpPr>
+            <a:spLocks noGrp="1"/>
+          </p:cNvSpPr>
+          <p:nvPr>
+            <p:ph idx="1"/>
+          </p:nvPr>
+        </p:nvSpPr>
+        <p:spPr/>
+        <p:txBody>
+          <a:bodyPr/>
+          <a:lstStyle/>
+          <a:p>
+            <a:r>
+              <a:rPr lang="en-US" dirty="0"/>
+              <a:t>Border-spacing</a:t>
+            </a:r>
+          </a:p>
+          <a:p>
+            <a:r>
+              <a:rPr lang="en-US" dirty="0"/>
+              <a:t>Border-collapse</a:t>
+            </a:r>
+          </a:p>
+          <a:p>
+            <a:r>
+              <a:rPr lang="en-US" dirty="0"/>
+              <a:t>Vertical-align</a:t>
+            </a:r>
+          </a:p>
+          <a:p>
+            <a:r>
+              <a:rPr lang="en-US" dirty="0"/>
+              <a:t>Caption-side</a:t>
+            </a:r>
+          </a:p>
+          <a:p>
+            <a:r>
+              <a:rPr lang="en-US" dirty="0"/>
+              <a:t>Empty-cells</a:t>
+            </a:r>
+          </a:p>
+          <a:p>
+            <a:r>
+              <a:rPr lang="en-US" dirty="0"/>
+              <a:t>Table-layout</a:t>
+            </a:r>
+          </a:p>
+        </p:txBody>
+      </p:sp>
+    </p:spTree>
+    <p:extLst>
+      <p:ext uri="{BB962C8B-B14F-4D97-AF65-F5344CB8AC3E}">
+        <p14:creationId xmlns:p14="http://schemas.microsoft.com/office/powerpoint/2010/main" val="1417443747"/>
+      </p:ext>
+    </p:extLst>
+  </p:cSld>
+  <p:clrMapOvr>
+    <a:masterClrMapping/>
+  </p:clrMapOvr>
+</p:sld>
+</file>
+
 <file path=ppt/slides/slide7.xml><?xml version="1.0" encoding="utf-8"?>
 <p:sld xmlns:a="http://schemas.openxmlformats.org/drawingml/2006/main" xmlns:r="http://schemas.openxmlformats.org/officeDocument/2006/relationships" xmlns:p="http://schemas.openxmlformats.org/presentationml/2006/main">
   <p:cSld>

--- a/CSS.pptx
+++ b/CSS.pptx
@@ -72,6 +72,12 @@
     <p:sldId id="320" r:id="rId66"/>
     <p:sldId id="321" r:id="rId67"/>
     <p:sldId id="322" r:id="rId68"/>
+    <p:sldId id="323" r:id="rId69"/>
+    <p:sldId id="324" r:id="rId70"/>
+    <p:sldId id="325" r:id="rId71"/>
+    <p:sldId id="326" r:id="rId72"/>
+    <p:sldId id="327" r:id="rId73"/>
+    <p:sldId id="328" r:id="rId74"/>
   </p:sldIdLst>
   <p:sldSz cx="12192000" cy="6858000"/>
   <p:notesSz cx="6858000" cy="9144000"/>
@@ -325,7 +331,7 @@
           <a:p>
             <a:fld id="{E6A9BA00-07BE-4836-8229-BCB8917AB7E6}" type="datetimeFigureOut">
               <a:rPr lang="en-US" smtClean="0"/>
-              <a:t>12/7/2022</a:t>
+              <a:t>12/8/2022</a:t>
             </a:fld>
             <a:endParaRPr lang="en-US"/>
           </a:p>
@@ -523,7 +529,7 @@
           <a:p>
             <a:fld id="{E6A9BA00-07BE-4836-8229-BCB8917AB7E6}" type="datetimeFigureOut">
               <a:rPr lang="en-US" smtClean="0"/>
-              <a:t>12/7/2022</a:t>
+              <a:t>12/8/2022</a:t>
             </a:fld>
             <a:endParaRPr lang="en-US"/>
           </a:p>
@@ -731,7 +737,7 @@
           <a:p>
             <a:fld id="{E6A9BA00-07BE-4836-8229-BCB8917AB7E6}" type="datetimeFigureOut">
               <a:rPr lang="en-US" smtClean="0"/>
-              <a:t>12/7/2022</a:t>
+              <a:t>12/8/2022</a:t>
             </a:fld>
             <a:endParaRPr lang="en-US"/>
           </a:p>
@@ -929,7 +935,7 @@
           <a:p>
             <a:fld id="{E6A9BA00-07BE-4836-8229-BCB8917AB7E6}" type="datetimeFigureOut">
               <a:rPr lang="en-US" smtClean="0"/>
-              <a:t>12/7/2022</a:t>
+              <a:t>12/8/2022</a:t>
             </a:fld>
             <a:endParaRPr lang="en-US"/>
           </a:p>
@@ -1204,7 +1210,7 @@
           <a:p>
             <a:fld id="{E6A9BA00-07BE-4836-8229-BCB8917AB7E6}" type="datetimeFigureOut">
               <a:rPr lang="en-US" smtClean="0"/>
-              <a:t>12/7/2022</a:t>
+              <a:t>12/8/2022</a:t>
             </a:fld>
             <a:endParaRPr lang="en-US"/>
           </a:p>
@@ -1469,7 +1475,7 @@
           <a:p>
             <a:fld id="{E6A9BA00-07BE-4836-8229-BCB8917AB7E6}" type="datetimeFigureOut">
               <a:rPr lang="en-US" smtClean="0"/>
-              <a:t>12/7/2022</a:t>
+              <a:t>12/8/2022</a:t>
             </a:fld>
             <a:endParaRPr lang="en-US"/>
           </a:p>
@@ -1881,7 +1887,7 @@
           <a:p>
             <a:fld id="{E6A9BA00-07BE-4836-8229-BCB8917AB7E6}" type="datetimeFigureOut">
               <a:rPr lang="en-US" smtClean="0"/>
-              <a:t>12/7/2022</a:t>
+              <a:t>12/8/2022</a:t>
             </a:fld>
             <a:endParaRPr lang="en-US"/>
           </a:p>
@@ -2022,7 +2028,7 @@
           <a:p>
             <a:fld id="{E6A9BA00-07BE-4836-8229-BCB8917AB7E6}" type="datetimeFigureOut">
               <a:rPr lang="en-US" smtClean="0"/>
-              <a:t>12/7/2022</a:t>
+              <a:t>12/8/2022</a:t>
             </a:fld>
             <a:endParaRPr lang="en-US"/>
           </a:p>
@@ -2135,7 +2141,7 @@
           <a:p>
             <a:fld id="{E6A9BA00-07BE-4836-8229-BCB8917AB7E6}" type="datetimeFigureOut">
               <a:rPr lang="en-US" smtClean="0"/>
-              <a:t>12/7/2022</a:t>
+              <a:t>12/8/2022</a:t>
             </a:fld>
             <a:endParaRPr lang="en-US"/>
           </a:p>
@@ -2446,7 +2452,7 @@
           <a:p>
             <a:fld id="{E6A9BA00-07BE-4836-8229-BCB8917AB7E6}" type="datetimeFigureOut">
               <a:rPr lang="en-US" smtClean="0"/>
-              <a:t>12/7/2022</a:t>
+              <a:t>12/8/2022</a:t>
             </a:fld>
             <a:endParaRPr lang="en-US"/>
           </a:p>
@@ -2734,7 +2740,7 @@
           <a:p>
             <a:fld id="{E6A9BA00-07BE-4836-8229-BCB8917AB7E6}" type="datetimeFigureOut">
               <a:rPr lang="en-US" smtClean="0"/>
-              <a:t>12/7/2022</a:t>
+              <a:t>12/8/2022</a:t>
             </a:fld>
             <a:endParaRPr lang="en-US"/>
           </a:p>
@@ -2975,7 +2981,7 @@
           <a:p>
             <a:fld id="{E6A9BA00-07BE-4836-8229-BCB8917AB7E6}" type="datetimeFigureOut">
               <a:rPr lang="en-US" smtClean="0"/>
-              <a:t>12/7/2022</a:t>
+              <a:t>12/8/2022</a:t>
             </a:fld>
             <a:endParaRPr lang="en-US"/>
           </a:p>
@@ -16216,6 +16222,336 @@
 </p:sld>
 </file>
 
+<file path=ppt/slides/slide68.xml><?xml version="1.0" encoding="utf-8"?>
+<p:sld xmlns:a="http://schemas.openxmlformats.org/drawingml/2006/main" xmlns:r="http://schemas.openxmlformats.org/officeDocument/2006/relationships" xmlns:p="http://schemas.openxmlformats.org/presentationml/2006/main">
+  <p:cSld>
+    <p:spTree>
+      <p:nvGrpSpPr>
+        <p:cNvPr id="1" name=""/>
+        <p:cNvGrpSpPr/>
+        <p:nvPr/>
+      </p:nvGrpSpPr>
+      <p:grpSpPr>
+        <a:xfrm>
+          <a:off x="0" y="0"/>
+          <a:ext cx="0" cy="0"/>
+          <a:chOff x="0" y="0"/>
+          <a:chExt cx="0" cy="0"/>
+        </a:xfrm>
+      </p:grpSpPr>
+      <p:sp>
+        <p:nvSpPr>
+          <p:cNvPr id="2" name="Title 1">
+            <a:extLst>
+              <a:ext uri="{FF2B5EF4-FFF2-40B4-BE49-F238E27FC236}">
+                <a16:creationId xmlns:a16="http://schemas.microsoft.com/office/drawing/2014/main" id="{3C28A121-85CF-44DA-4212-AD290838B3B1}"/>
+              </a:ext>
+            </a:extLst>
+          </p:cNvPr>
+          <p:cNvSpPr>
+            <a:spLocks noGrp="1"/>
+          </p:cNvSpPr>
+          <p:nvPr>
+            <p:ph type="title"/>
+          </p:nvPr>
+        </p:nvSpPr>
+        <p:spPr>
+          <a:xfrm>
+            <a:off x="838200" y="495754"/>
+            <a:ext cx="10515600" cy="1325563"/>
+          </a:xfrm>
+        </p:spPr>
+        <p:txBody>
+          <a:bodyPr/>
+          <a:lstStyle/>
+          <a:p>
+            <a:r>
+              <a:rPr lang="en-US" dirty="0"/>
+              <a:t>CSS: Z-index</a:t>
+            </a:r>
+          </a:p>
+        </p:txBody>
+      </p:sp>
+      <p:sp>
+        <p:nvSpPr>
+          <p:cNvPr id="5" name="Rectangle 4">
+            <a:extLst>
+              <a:ext uri="{FF2B5EF4-FFF2-40B4-BE49-F238E27FC236}">
+                <a16:creationId xmlns:a16="http://schemas.microsoft.com/office/drawing/2014/main" id="{F9CD2A18-3D15-B66A-89BC-F2C801CDC8D5}"/>
+              </a:ext>
+            </a:extLst>
+          </p:cNvPr>
+          <p:cNvSpPr/>
+          <p:nvPr/>
+        </p:nvSpPr>
+        <p:spPr>
+          <a:xfrm>
+            <a:off x="2409365" y="3429000"/>
+            <a:ext cx="2002971" cy="1325563"/>
+          </a:xfrm>
+          <a:prstGeom prst="rect">
+            <a:avLst/>
+          </a:prstGeom>
+          <a:solidFill>
+            <a:schemeClr val="accent4">
+              <a:lumMod val="60000"/>
+              <a:lumOff val="40000"/>
+            </a:schemeClr>
+          </a:solidFill>
+        </p:spPr>
+        <p:style>
+          <a:lnRef idx="2">
+            <a:schemeClr val="accent1">
+              <a:shade val="50000"/>
+            </a:schemeClr>
+          </a:lnRef>
+          <a:fillRef idx="1">
+            <a:schemeClr val="accent1"/>
+          </a:fillRef>
+          <a:effectRef idx="0">
+            <a:schemeClr val="accent1"/>
+          </a:effectRef>
+          <a:fontRef idx="minor">
+            <a:schemeClr val="lt1"/>
+          </a:fontRef>
+        </p:style>
+        <p:txBody>
+          <a:bodyPr rtlCol="0" anchor="ctr"/>
+          <a:lstStyle/>
+          <a:p>
+            <a:pPr algn="ctr"/>
+            <a:r>
+              <a:rPr lang="en-US" dirty="0"/>
+              <a:t>B</a:t>
+            </a:r>
+          </a:p>
+        </p:txBody>
+      </p:sp>
+      <p:sp>
+        <p:nvSpPr>
+          <p:cNvPr id="6" name="Rectangle 5">
+            <a:extLst>
+              <a:ext uri="{FF2B5EF4-FFF2-40B4-BE49-F238E27FC236}">
+                <a16:creationId xmlns:a16="http://schemas.microsoft.com/office/drawing/2014/main" id="{368F8E6C-4FDB-C229-5079-C54EF259F798}"/>
+              </a:ext>
+            </a:extLst>
+          </p:cNvPr>
+          <p:cNvSpPr/>
+          <p:nvPr/>
+        </p:nvSpPr>
+        <p:spPr>
+          <a:xfrm>
+            <a:off x="2061023" y="3174661"/>
+            <a:ext cx="2002971" cy="1325563"/>
+          </a:xfrm>
+          <a:prstGeom prst="rect">
+            <a:avLst/>
+          </a:prstGeom>
+          <a:solidFill>
+            <a:schemeClr val="accent2">
+              <a:lumMod val="75000"/>
+            </a:schemeClr>
+          </a:solidFill>
+        </p:spPr>
+        <p:style>
+          <a:lnRef idx="2">
+            <a:schemeClr val="accent1">
+              <a:shade val="50000"/>
+            </a:schemeClr>
+          </a:lnRef>
+          <a:fillRef idx="1">
+            <a:schemeClr val="accent1"/>
+          </a:fillRef>
+          <a:effectRef idx="0">
+            <a:schemeClr val="accent1"/>
+          </a:effectRef>
+          <a:fontRef idx="minor">
+            <a:schemeClr val="lt1"/>
+          </a:fontRef>
+        </p:style>
+        <p:txBody>
+          <a:bodyPr rtlCol="0" anchor="ctr"/>
+          <a:lstStyle/>
+          <a:p>
+            <a:pPr algn="ctr"/>
+            <a:r>
+              <a:rPr lang="en-US" dirty="0"/>
+              <a:t>C</a:t>
+            </a:r>
+          </a:p>
+        </p:txBody>
+      </p:sp>
+      <p:sp>
+        <p:nvSpPr>
+          <p:cNvPr id="4" name="Rectangle 3">
+            <a:extLst>
+              <a:ext uri="{FF2B5EF4-FFF2-40B4-BE49-F238E27FC236}">
+                <a16:creationId xmlns:a16="http://schemas.microsoft.com/office/drawing/2014/main" id="{25EA6593-490C-D37B-DA42-324B4DA0066D}"/>
+              </a:ext>
+            </a:extLst>
+          </p:cNvPr>
+          <p:cNvSpPr/>
+          <p:nvPr/>
+        </p:nvSpPr>
+        <p:spPr>
+          <a:xfrm>
+            <a:off x="2757707" y="2384710"/>
+            <a:ext cx="2002971" cy="1325563"/>
+          </a:xfrm>
+          <a:prstGeom prst="rect">
+            <a:avLst/>
+          </a:prstGeom>
+        </p:spPr>
+        <p:style>
+          <a:lnRef idx="2">
+            <a:schemeClr val="accent1">
+              <a:shade val="50000"/>
+            </a:schemeClr>
+          </a:lnRef>
+          <a:fillRef idx="1">
+            <a:schemeClr val="accent1"/>
+          </a:fillRef>
+          <a:effectRef idx="0">
+            <a:schemeClr val="accent1"/>
+          </a:effectRef>
+          <a:fontRef idx="minor">
+            <a:schemeClr val="lt1"/>
+          </a:fontRef>
+        </p:style>
+        <p:txBody>
+          <a:bodyPr rtlCol="0" anchor="ctr"/>
+          <a:lstStyle/>
+          <a:p>
+            <a:pPr algn="ctr"/>
+            <a:r>
+              <a:rPr lang="en-US" dirty="0"/>
+              <a:t>A</a:t>
+            </a:r>
+          </a:p>
+        </p:txBody>
+      </p:sp>
+    </p:spTree>
+    <p:extLst>
+      <p:ext uri="{BB962C8B-B14F-4D97-AF65-F5344CB8AC3E}">
+        <p14:creationId xmlns:p14="http://schemas.microsoft.com/office/powerpoint/2010/main" val="1155644941"/>
+      </p:ext>
+    </p:extLst>
+  </p:cSld>
+  <p:clrMapOvr>
+    <a:masterClrMapping/>
+  </p:clrMapOvr>
+</p:sld>
+</file>
+
+<file path=ppt/slides/slide69.xml><?xml version="1.0" encoding="utf-8"?>
+<p:sld xmlns:a="http://schemas.openxmlformats.org/drawingml/2006/main" xmlns:r="http://schemas.openxmlformats.org/officeDocument/2006/relationships" xmlns:p="http://schemas.openxmlformats.org/presentationml/2006/main">
+  <p:cSld>
+    <p:spTree>
+      <p:nvGrpSpPr>
+        <p:cNvPr id="1" name=""/>
+        <p:cNvGrpSpPr/>
+        <p:nvPr/>
+      </p:nvGrpSpPr>
+      <p:grpSpPr>
+        <a:xfrm>
+          <a:off x="0" y="0"/>
+          <a:ext cx="0" cy="0"/>
+          <a:chOff x="0" y="0"/>
+          <a:chExt cx="0" cy="0"/>
+        </a:xfrm>
+      </p:grpSpPr>
+      <p:sp>
+        <p:nvSpPr>
+          <p:cNvPr id="2" name="Title 1">
+            <a:extLst>
+              <a:ext uri="{FF2B5EF4-FFF2-40B4-BE49-F238E27FC236}">
+                <a16:creationId xmlns:a16="http://schemas.microsoft.com/office/drawing/2014/main" id="{EA199350-EA1B-C22D-8FDA-6EA5BD176B1A}"/>
+              </a:ext>
+            </a:extLst>
+          </p:cNvPr>
+          <p:cNvSpPr>
+            <a:spLocks noGrp="1"/>
+          </p:cNvSpPr>
+          <p:nvPr>
+            <p:ph type="title"/>
+          </p:nvPr>
+        </p:nvSpPr>
+        <p:spPr/>
+        <p:txBody>
+          <a:bodyPr/>
+          <a:lstStyle/>
+          <a:p>
+            <a:r>
+              <a:rPr lang="en-US" dirty="0"/>
+              <a:t>CSS: Media Queries</a:t>
+            </a:r>
+          </a:p>
+        </p:txBody>
+      </p:sp>
+      <p:sp>
+        <p:nvSpPr>
+          <p:cNvPr id="3" name="Content Placeholder 2">
+            <a:extLst>
+              <a:ext uri="{FF2B5EF4-FFF2-40B4-BE49-F238E27FC236}">
+                <a16:creationId xmlns:a16="http://schemas.microsoft.com/office/drawing/2014/main" id="{09A241A4-1BFB-7FF9-1ABF-3F564D03962F}"/>
+              </a:ext>
+            </a:extLst>
+          </p:cNvPr>
+          <p:cNvSpPr>
+            <a:spLocks noGrp="1"/>
+          </p:cNvSpPr>
+          <p:nvPr>
+            <p:ph idx="1"/>
+          </p:nvPr>
+        </p:nvSpPr>
+        <p:spPr>
+          <a:xfrm>
+            <a:off x="838200" y="1825625"/>
+            <a:ext cx="1993900" cy="4351338"/>
+          </a:xfrm>
+        </p:spPr>
+        <p:txBody>
+          <a:bodyPr/>
+          <a:lstStyle/>
+          <a:p>
+            <a:r>
+              <a:rPr lang="en-US" dirty="0"/>
+              <a:t>All</a:t>
+            </a:r>
+          </a:p>
+          <a:p>
+            <a:r>
+              <a:rPr lang="en-US" dirty="0"/>
+              <a:t>Print</a:t>
+            </a:r>
+          </a:p>
+          <a:p>
+            <a:r>
+              <a:rPr lang="en-US" dirty="0"/>
+              <a:t>Screen</a:t>
+            </a:r>
+          </a:p>
+          <a:p>
+            <a:r>
+              <a:rPr lang="en-US" dirty="0"/>
+              <a:t>Speech</a:t>
+            </a:r>
+          </a:p>
+        </p:txBody>
+      </p:sp>
+    </p:spTree>
+    <p:extLst>
+      <p:ext uri="{BB962C8B-B14F-4D97-AF65-F5344CB8AC3E}">
+        <p14:creationId xmlns:p14="http://schemas.microsoft.com/office/powerpoint/2010/main" val="2773777780"/>
+      </p:ext>
+    </p:extLst>
+  </p:cSld>
+  <p:clrMapOvr>
+    <a:masterClrMapping/>
+  </p:clrMapOvr>
+</p:sld>
+</file>
+
 <file path=ppt/slides/slide7.xml><?xml version="1.0" encoding="utf-8"?>
 <p:sld xmlns:a="http://schemas.openxmlformats.org/drawingml/2006/main" xmlns:r="http://schemas.openxmlformats.org/officeDocument/2006/relationships" xmlns:p="http://schemas.openxmlformats.org/presentationml/2006/main">
   <p:cSld>
@@ -16446,6 +16782,685 @@
     <p:extLst>
       <p:ext uri="{BB962C8B-B14F-4D97-AF65-F5344CB8AC3E}">
         <p14:creationId xmlns:p14="http://schemas.microsoft.com/office/powerpoint/2010/main" val="4148065747"/>
+      </p:ext>
+    </p:extLst>
+  </p:cSld>
+  <p:clrMapOvr>
+    <a:masterClrMapping/>
+  </p:clrMapOvr>
+</p:sld>
+</file>
+
+<file path=ppt/slides/slide70.xml><?xml version="1.0" encoding="utf-8"?>
+<p:sld xmlns:a="http://schemas.openxmlformats.org/drawingml/2006/main" xmlns:r="http://schemas.openxmlformats.org/officeDocument/2006/relationships" xmlns:p="http://schemas.openxmlformats.org/presentationml/2006/main">
+  <p:cSld>
+    <p:spTree>
+      <p:nvGrpSpPr>
+        <p:cNvPr id="1" name=""/>
+        <p:cNvGrpSpPr/>
+        <p:nvPr/>
+      </p:nvGrpSpPr>
+      <p:grpSpPr>
+        <a:xfrm>
+          <a:off x="0" y="0"/>
+          <a:ext cx="0" cy="0"/>
+          <a:chOff x="0" y="0"/>
+          <a:chExt cx="0" cy="0"/>
+        </a:xfrm>
+      </p:grpSpPr>
+      <p:cxnSp>
+        <p:nvCxnSpPr>
+          <p:cNvPr id="5" name="Straight Arrow Connector 4">
+            <a:extLst>
+              <a:ext uri="{FF2B5EF4-FFF2-40B4-BE49-F238E27FC236}">
+                <a16:creationId xmlns:a16="http://schemas.microsoft.com/office/drawing/2014/main" id="{314A16DF-7B3E-42AA-3C28-21F37143CA64}"/>
+              </a:ext>
+            </a:extLst>
+          </p:cNvPr>
+          <p:cNvCxnSpPr/>
+          <p:nvPr/>
+        </p:nvCxnSpPr>
+        <p:spPr>
+          <a:xfrm>
+            <a:off x="0" y="1003300"/>
+            <a:ext cx="12090400" cy="0"/>
+          </a:xfrm>
+          <a:prstGeom prst="straightConnector1">
+            <a:avLst/>
+          </a:prstGeom>
+          <a:ln>
+            <a:headEnd type="triangle"/>
+            <a:tailEnd type="triangle"/>
+          </a:ln>
+        </p:spPr>
+        <p:style>
+          <a:lnRef idx="1">
+            <a:schemeClr val="accent1"/>
+          </a:lnRef>
+          <a:fillRef idx="0">
+            <a:schemeClr val="accent1"/>
+          </a:fillRef>
+          <a:effectRef idx="0">
+            <a:schemeClr val="accent1"/>
+          </a:effectRef>
+          <a:fontRef idx="minor">
+            <a:schemeClr val="tx1"/>
+          </a:fontRef>
+        </p:style>
+      </p:cxnSp>
+      <p:sp>
+        <p:nvSpPr>
+          <p:cNvPr id="6" name="TextBox 5">
+            <a:extLst>
+              <a:ext uri="{FF2B5EF4-FFF2-40B4-BE49-F238E27FC236}">
+                <a16:creationId xmlns:a16="http://schemas.microsoft.com/office/drawing/2014/main" id="{B9F3236C-C64E-1246-B4CA-8EFDEC70FCE1}"/>
+              </a:ext>
+            </a:extLst>
+          </p:cNvPr>
+          <p:cNvSpPr txBox="1"/>
+          <p:nvPr/>
+        </p:nvSpPr>
+        <p:spPr>
+          <a:xfrm>
+            <a:off x="5156200" y="647700"/>
+            <a:ext cx="1049133" cy="369332"/>
+          </a:xfrm>
+          <a:prstGeom prst="rect">
+            <a:avLst/>
+          </a:prstGeom>
+          <a:noFill/>
+        </p:spPr>
+        <p:txBody>
+          <a:bodyPr wrap="none" rtlCol="0">
+            <a:spAutoFit/>
+          </a:bodyPr>
+          <a:lstStyle/>
+          <a:p>
+            <a:r>
+              <a:rPr lang="en-US" dirty="0"/>
+              <a:t>Viewport</a:t>
+            </a:r>
+          </a:p>
+        </p:txBody>
+      </p:sp>
+      <p:sp>
+        <p:nvSpPr>
+          <p:cNvPr id="7" name="TextBox 6">
+            <a:extLst>
+              <a:ext uri="{FF2B5EF4-FFF2-40B4-BE49-F238E27FC236}">
+                <a16:creationId xmlns:a16="http://schemas.microsoft.com/office/drawing/2014/main" id="{6CCE3D2E-9FE6-742E-A52D-9D9BF5B35C0D}"/>
+              </a:ext>
+            </a:extLst>
+          </p:cNvPr>
+          <p:cNvSpPr txBox="1"/>
+          <p:nvPr/>
+        </p:nvSpPr>
+        <p:spPr>
+          <a:xfrm>
+            <a:off x="5575300" y="1536699"/>
+            <a:ext cx="2400300" cy="1754326"/>
+          </a:xfrm>
+          <a:prstGeom prst="rect">
+            <a:avLst/>
+          </a:prstGeom>
+          <a:noFill/>
+        </p:spPr>
+        <p:txBody>
+          <a:bodyPr wrap="square" rtlCol="0">
+            <a:spAutoFit/>
+          </a:bodyPr>
+          <a:lstStyle/>
+          <a:p>
+            <a:r>
+              <a:rPr lang="en-US" dirty="0"/>
+              <a:t>1920</a:t>
+            </a:r>
+          </a:p>
+          <a:p>
+            <a:r>
+              <a:rPr lang="en-US" dirty="0"/>
+              <a:t>1440</a:t>
+            </a:r>
+          </a:p>
+          <a:p>
+            <a:r>
+              <a:rPr lang="en-US" dirty="0"/>
+              <a:t>1366</a:t>
+            </a:r>
+          </a:p>
+          <a:p>
+            <a:r>
+              <a:rPr lang="en-US" dirty="0"/>
+              <a:t>1024</a:t>
+            </a:r>
+          </a:p>
+          <a:p>
+            <a:r>
+              <a:rPr lang="en-US" dirty="0"/>
+              <a:t>700-900</a:t>
+            </a:r>
+          </a:p>
+          <a:p>
+            <a:r>
+              <a:rPr lang="en-US" dirty="0"/>
+              <a:t>320-480</a:t>
+            </a:r>
+          </a:p>
+        </p:txBody>
+      </p:sp>
+    </p:spTree>
+    <p:extLst>
+      <p:ext uri="{BB962C8B-B14F-4D97-AF65-F5344CB8AC3E}">
+        <p14:creationId xmlns:p14="http://schemas.microsoft.com/office/powerpoint/2010/main" val="2321538406"/>
+      </p:ext>
+    </p:extLst>
+  </p:cSld>
+  <p:clrMapOvr>
+    <a:masterClrMapping/>
+  </p:clrMapOvr>
+</p:sld>
+</file>
+
+<file path=ppt/slides/slide71.xml><?xml version="1.0" encoding="utf-8"?>
+<p:sld xmlns:a="http://schemas.openxmlformats.org/drawingml/2006/main" xmlns:r="http://schemas.openxmlformats.org/officeDocument/2006/relationships" xmlns:p="http://schemas.openxmlformats.org/presentationml/2006/main">
+  <p:cSld>
+    <p:spTree>
+      <p:nvGrpSpPr>
+        <p:cNvPr id="1" name=""/>
+        <p:cNvGrpSpPr/>
+        <p:nvPr/>
+      </p:nvGrpSpPr>
+      <p:grpSpPr>
+        <a:xfrm>
+          <a:off x="0" y="0"/>
+          <a:ext cx="0" cy="0"/>
+          <a:chOff x="0" y="0"/>
+          <a:chExt cx="0" cy="0"/>
+        </a:xfrm>
+      </p:grpSpPr>
+      <p:sp>
+        <p:nvSpPr>
+          <p:cNvPr id="2" name="Title 1">
+            <a:extLst>
+              <a:ext uri="{FF2B5EF4-FFF2-40B4-BE49-F238E27FC236}">
+                <a16:creationId xmlns:a16="http://schemas.microsoft.com/office/drawing/2014/main" id="{3A62051E-AA66-04BA-AA2A-2321182251E8}"/>
+              </a:ext>
+            </a:extLst>
+          </p:cNvPr>
+          <p:cNvSpPr>
+            <a:spLocks noGrp="1"/>
+          </p:cNvSpPr>
+          <p:nvPr>
+            <p:ph type="title"/>
+          </p:nvPr>
+        </p:nvSpPr>
+        <p:spPr/>
+        <p:txBody>
+          <a:bodyPr/>
+          <a:lstStyle/>
+          <a:p>
+            <a:r>
+              <a:rPr lang="en-US" dirty="0"/>
+              <a:t>CSS: Media Screen</a:t>
+            </a:r>
+          </a:p>
+        </p:txBody>
+      </p:sp>
+      <p:sp>
+        <p:nvSpPr>
+          <p:cNvPr id="3" name="Content Placeholder 2">
+            <a:extLst>
+              <a:ext uri="{FF2B5EF4-FFF2-40B4-BE49-F238E27FC236}">
+                <a16:creationId xmlns:a16="http://schemas.microsoft.com/office/drawing/2014/main" id="{0E2AE258-882B-F90F-7A2F-C95DBB2603CC}"/>
+              </a:ext>
+            </a:extLst>
+          </p:cNvPr>
+          <p:cNvSpPr>
+            <a:spLocks noGrp="1"/>
+          </p:cNvSpPr>
+          <p:nvPr>
+            <p:ph idx="1"/>
+          </p:nvPr>
+        </p:nvSpPr>
+        <p:spPr/>
+        <p:txBody>
+          <a:bodyPr/>
+          <a:lstStyle/>
+          <a:p>
+            <a:pPr marL="0" indent="0">
+              <a:buNone/>
+            </a:pPr>
+            <a:r>
+              <a:rPr lang="en-US" dirty="0"/>
+              <a:t>@media screen and (max-width: 900px){</a:t>
+            </a:r>
+          </a:p>
+          <a:p>
+            <a:pPr marL="0" indent="0">
+              <a:buNone/>
+            </a:pPr>
+            <a:r>
+              <a:rPr lang="en-US" dirty="0"/>
+              <a:t>	.container{</a:t>
+            </a:r>
+          </a:p>
+          <a:p>
+            <a:pPr marL="0" indent="0">
+              <a:buNone/>
+            </a:pPr>
+            <a:r>
+              <a:rPr lang="en-US" dirty="0"/>
+              <a:t>	width:50%;</a:t>
+            </a:r>
+          </a:p>
+          <a:p>
+            <a:pPr marL="0" indent="0">
+              <a:buNone/>
+            </a:pPr>
+            <a:r>
+              <a:rPr lang="en-US" dirty="0"/>
+              <a:t>}</a:t>
+            </a:r>
+          </a:p>
+        </p:txBody>
+      </p:sp>
+    </p:spTree>
+    <p:extLst>
+      <p:ext uri="{BB962C8B-B14F-4D97-AF65-F5344CB8AC3E}">
+        <p14:creationId xmlns:p14="http://schemas.microsoft.com/office/powerpoint/2010/main" val="1123439363"/>
+      </p:ext>
+    </p:extLst>
+  </p:cSld>
+  <p:clrMapOvr>
+    <a:masterClrMapping/>
+  </p:clrMapOvr>
+</p:sld>
+</file>
+
+<file path=ppt/slides/slide72.xml><?xml version="1.0" encoding="utf-8"?>
+<p:sld xmlns:a="http://schemas.openxmlformats.org/drawingml/2006/main" xmlns:r="http://schemas.openxmlformats.org/officeDocument/2006/relationships" xmlns:p="http://schemas.openxmlformats.org/presentationml/2006/main">
+  <p:cSld>
+    <p:spTree>
+      <p:nvGrpSpPr>
+        <p:cNvPr id="1" name=""/>
+        <p:cNvGrpSpPr/>
+        <p:nvPr/>
+      </p:nvGrpSpPr>
+      <p:grpSpPr>
+        <a:xfrm>
+          <a:off x="0" y="0"/>
+          <a:ext cx="0" cy="0"/>
+          <a:chOff x="0" y="0"/>
+          <a:chExt cx="0" cy="0"/>
+        </a:xfrm>
+      </p:grpSpPr>
+      <p:sp>
+        <p:nvSpPr>
+          <p:cNvPr id="2" name="Title 1">
+            <a:extLst>
+              <a:ext uri="{FF2B5EF4-FFF2-40B4-BE49-F238E27FC236}">
+                <a16:creationId xmlns:a16="http://schemas.microsoft.com/office/drawing/2014/main" id="{58CA76A3-E9F0-BC85-0AD3-7071C90BC92E}"/>
+              </a:ext>
+            </a:extLst>
+          </p:cNvPr>
+          <p:cNvSpPr>
+            <a:spLocks noGrp="1"/>
+          </p:cNvSpPr>
+          <p:nvPr>
+            <p:ph type="title"/>
+          </p:nvPr>
+        </p:nvSpPr>
+        <p:spPr/>
+        <p:txBody>
+          <a:bodyPr/>
+          <a:lstStyle/>
+          <a:p>
+            <a:r>
+              <a:rPr lang="en-US" dirty="0"/>
+              <a:t>CSS Media features</a:t>
+            </a:r>
+          </a:p>
+        </p:txBody>
+      </p:sp>
+      <p:sp>
+        <p:nvSpPr>
+          <p:cNvPr id="3" name="Content Placeholder 2">
+            <a:extLst>
+              <a:ext uri="{FF2B5EF4-FFF2-40B4-BE49-F238E27FC236}">
+                <a16:creationId xmlns:a16="http://schemas.microsoft.com/office/drawing/2014/main" id="{ADB5409C-5A0D-6B7C-93AB-9C2698997F3A}"/>
+              </a:ext>
+            </a:extLst>
+          </p:cNvPr>
+          <p:cNvSpPr>
+            <a:spLocks noGrp="1"/>
+          </p:cNvSpPr>
+          <p:nvPr>
+            <p:ph idx="1"/>
+          </p:nvPr>
+        </p:nvSpPr>
+        <p:spPr/>
+        <p:txBody>
+          <a:bodyPr numCol="3">
+            <a:normAutofit fontScale="77500" lnSpcReduction="20000"/>
+          </a:bodyPr>
+          <a:lstStyle/>
+          <a:p>
+            <a:r>
+              <a:rPr lang="en-US" dirty="0"/>
+              <a:t>Any-hover</a:t>
+            </a:r>
+          </a:p>
+          <a:p>
+            <a:r>
+              <a:rPr lang="en-US" dirty="0"/>
+              <a:t>Any-pointer</a:t>
+            </a:r>
+          </a:p>
+          <a:p>
+            <a:r>
+              <a:rPr lang="en-US" dirty="0"/>
+              <a:t>Aspect-ratio</a:t>
+            </a:r>
+          </a:p>
+          <a:p>
+            <a:r>
+              <a:rPr lang="en-US" dirty="0"/>
+              <a:t>Color</a:t>
+            </a:r>
+          </a:p>
+          <a:p>
+            <a:r>
+              <a:rPr lang="en-US" dirty="0"/>
+              <a:t>Color-gamut</a:t>
+            </a:r>
+          </a:p>
+          <a:p>
+            <a:r>
+              <a:rPr lang="en-US" dirty="0"/>
+              <a:t>Color-index</a:t>
+            </a:r>
+          </a:p>
+          <a:p>
+            <a:r>
+              <a:rPr lang="en-US" dirty="0"/>
+              <a:t>Grid</a:t>
+            </a:r>
+          </a:p>
+          <a:p>
+            <a:r>
+              <a:rPr lang="en-US" dirty="0"/>
+              <a:t>Height</a:t>
+            </a:r>
+          </a:p>
+          <a:p>
+            <a:r>
+              <a:rPr lang="en-US" dirty="0"/>
+              <a:t>Hover</a:t>
+            </a:r>
+          </a:p>
+          <a:p>
+            <a:r>
+              <a:rPr lang="en-US" dirty="0"/>
+              <a:t>Inverted-colors</a:t>
+            </a:r>
+          </a:p>
+          <a:p>
+            <a:r>
+              <a:rPr lang="en-US" dirty="0"/>
+              <a:t>Light-level</a:t>
+            </a:r>
+          </a:p>
+          <a:p>
+            <a:r>
+              <a:rPr lang="en-US" dirty="0"/>
+              <a:t>Max-aspect-ratio</a:t>
+            </a:r>
+          </a:p>
+          <a:p>
+            <a:r>
+              <a:rPr lang="en-US" dirty="0"/>
+              <a:t>Max-color</a:t>
+            </a:r>
+          </a:p>
+          <a:p>
+            <a:r>
+              <a:rPr lang="en-US" dirty="0"/>
+              <a:t>Max-color-index</a:t>
+            </a:r>
+          </a:p>
+          <a:p>
+            <a:r>
+              <a:rPr lang="en-US" dirty="0"/>
+              <a:t>Max-height</a:t>
+            </a:r>
+          </a:p>
+          <a:p>
+            <a:r>
+              <a:rPr lang="en-US" dirty="0"/>
+              <a:t>Max-monochrome</a:t>
+            </a:r>
+          </a:p>
+          <a:p>
+            <a:r>
+              <a:rPr lang="en-US" dirty="0"/>
+              <a:t>Max-resolution</a:t>
+            </a:r>
+          </a:p>
+          <a:p>
+            <a:r>
+              <a:rPr lang="en-US" dirty="0"/>
+              <a:t>Max-width</a:t>
+            </a:r>
+          </a:p>
+          <a:p>
+            <a:r>
+              <a:rPr lang="en-US" dirty="0"/>
+              <a:t>Min-aspect-ratio</a:t>
+            </a:r>
+          </a:p>
+          <a:p>
+            <a:r>
+              <a:rPr lang="en-US" dirty="0"/>
+              <a:t>Min-color</a:t>
+            </a:r>
+          </a:p>
+          <a:p>
+            <a:r>
+              <a:rPr lang="en-US" dirty="0"/>
+              <a:t>Min-color-index</a:t>
+            </a:r>
+          </a:p>
+          <a:p>
+            <a:r>
+              <a:rPr lang="en-US" dirty="0"/>
+              <a:t>Min-height</a:t>
+            </a:r>
+          </a:p>
+          <a:p>
+            <a:r>
+              <a:rPr lang="en-US" dirty="0"/>
+              <a:t>Min-monochrome</a:t>
+            </a:r>
+          </a:p>
+          <a:p>
+            <a:r>
+              <a:rPr lang="en-US" dirty="0"/>
+              <a:t>Min-resolution</a:t>
+            </a:r>
+          </a:p>
+          <a:p>
+            <a:r>
+              <a:rPr lang="en-US" dirty="0"/>
+              <a:t>Min-width</a:t>
+            </a:r>
+          </a:p>
+          <a:p>
+            <a:r>
+              <a:rPr lang="en-US" dirty="0"/>
+              <a:t>Monochrome</a:t>
+            </a:r>
+          </a:p>
+          <a:p>
+            <a:r>
+              <a:rPr lang="en-US" dirty="0"/>
+              <a:t>Orientation</a:t>
+            </a:r>
+          </a:p>
+          <a:p>
+            <a:r>
+              <a:rPr lang="en-US" dirty="0"/>
+              <a:t>Overflow-block</a:t>
+            </a:r>
+          </a:p>
+          <a:p>
+            <a:r>
+              <a:rPr lang="en-US" dirty="0"/>
+              <a:t>Overflow-inline</a:t>
+            </a:r>
+          </a:p>
+          <a:p>
+            <a:r>
+              <a:rPr lang="en-US" dirty="0"/>
+              <a:t>Pointer</a:t>
+            </a:r>
+          </a:p>
+          <a:p>
+            <a:r>
+              <a:rPr lang="en-US" dirty="0"/>
+              <a:t>Resolution</a:t>
+            </a:r>
+          </a:p>
+          <a:p>
+            <a:r>
+              <a:rPr lang="en-US" dirty="0"/>
+              <a:t>Scan</a:t>
+            </a:r>
+          </a:p>
+          <a:p>
+            <a:r>
+              <a:rPr lang="en-US" dirty="0"/>
+              <a:t>Scripting</a:t>
+            </a:r>
+          </a:p>
+          <a:p>
+            <a:r>
+              <a:rPr lang="en-US" dirty="0"/>
+              <a:t>Update</a:t>
+            </a:r>
+          </a:p>
+          <a:p>
+            <a:r>
+              <a:rPr lang="en-US" dirty="0"/>
+              <a:t>width</a:t>
+            </a:r>
+          </a:p>
+          <a:p>
+            <a:endParaRPr lang="en-US" dirty="0"/>
+          </a:p>
+        </p:txBody>
+      </p:sp>
+    </p:spTree>
+    <p:extLst>
+      <p:ext uri="{BB962C8B-B14F-4D97-AF65-F5344CB8AC3E}">
+        <p14:creationId xmlns:p14="http://schemas.microsoft.com/office/powerpoint/2010/main" val="1250109629"/>
+      </p:ext>
+    </p:extLst>
+  </p:cSld>
+  <p:clrMapOvr>
+    <a:masterClrMapping/>
+  </p:clrMapOvr>
+</p:sld>
+</file>
+
+<file path=ppt/slides/slide73.xml><?xml version="1.0" encoding="utf-8"?>
+<p:sld xmlns:a="http://schemas.openxmlformats.org/drawingml/2006/main" xmlns:r="http://schemas.openxmlformats.org/officeDocument/2006/relationships" xmlns:p="http://schemas.openxmlformats.org/presentationml/2006/main">
+  <p:cSld>
+    <p:spTree>
+      <p:nvGrpSpPr>
+        <p:cNvPr id="1" name=""/>
+        <p:cNvGrpSpPr/>
+        <p:nvPr/>
+      </p:nvGrpSpPr>
+      <p:grpSpPr>
+        <a:xfrm>
+          <a:off x="0" y="0"/>
+          <a:ext cx="0" cy="0"/>
+          <a:chOff x="0" y="0"/>
+          <a:chExt cx="0" cy="0"/>
+        </a:xfrm>
+      </p:grpSpPr>
+      <p:sp>
+        <p:nvSpPr>
+          <p:cNvPr id="2" name="Title 1">
+            <a:extLst>
+              <a:ext uri="{FF2B5EF4-FFF2-40B4-BE49-F238E27FC236}">
+                <a16:creationId xmlns:a16="http://schemas.microsoft.com/office/drawing/2014/main" id="{0BE58821-BB64-6154-1980-2AB67AE0C1FA}"/>
+              </a:ext>
+            </a:extLst>
+          </p:cNvPr>
+          <p:cNvSpPr>
+            <a:spLocks noGrp="1"/>
+          </p:cNvSpPr>
+          <p:nvPr>
+            <p:ph type="title"/>
+          </p:nvPr>
+        </p:nvSpPr>
+        <p:spPr/>
+        <p:txBody>
+          <a:bodyPr/>
+          <a:lstStyle/>
+          <a:p>
+            <a:r>
+              <a:rPr lang="en-US" dirty="0"/>
+              <a:t>CSS: Logical Operators</a:t>
+            </a:r>
+          </a:p>
+        </p:txBody>
+      </p:sp>
+      <p:sp>
+        <p:nvSpPr>
+          <p:cNvPr id="3" name="Content Placeholder 2">
+            <a:extLst>
+              <a:ext uri="{FF2B5EF4-FFF2-40B4-BE49-F238E27FC236}">
+                <a16:creationId xmlns:a16="http://schemas.microsoft.com/office/drawing/2014/main" id="{DE766503-F12D-E775-7C13-941A36304BB5}"/>
+              </a:ext>
+            </a:extLst>
+          </p:cNvPr>
+          <p:cNvSpPr>
+            <a:spLocks noGrp="1"/>
+          </p:cNvSpPr>
+          <p:nvPr>
+            <p:ph idx="1"/>
+          </p:nvPr>
+        </p:nvSpPr>
+        <p:spPr/>
+        <p:txBody>
+          <a:bodyPr/>
+          <a:lstStyle/>
+          <a:p>
+            <a:r>
+              <a:rPr lang="en-US" dirty="0"/>
+              <a:t>AND</a:t>
+            </a:r>
+          </a:p>
+          <a:p>
+            <a:r>
+              <a:rPr lang="en-US" dirty="0"/>
+              <a:t>NOT</a:t>
+            </a:r>
+          </a:p>
+          <a:p>
+            <a:r>
+              <a:rPr lang="en-US" dirty="0"/>
+              <a:t>ONLY</a:t>
+            </a:r>
+          </a:p>
+        </p:txBody>
+      </p:sp>
+    </p:spTree>
+    <p:extLst>
+      <p:ext uri="{BB962C8B-B14F-4D97-AF65-F5344CB8AC3E}">
+        <p14:creationId xmlns:p14="http://schemas.microsoft.com/office/powerpoint/2010/main" val="2230468370"/>
       </p:ext>
     </p:extLst>
   </p:cSld>

--- a/CSS.pptx
+++ b/CSS.pptx
@@ -78,6 +78,9 @@
     <p:sldId id="326" r:id="rId72"/>
     <p:sldId id="327" r:id="rId73"/>
     <p:sldId id="328" r:id="rId74"/>
+    <p:sldId id="329" r:id="rId75"/>
+    <p:sldId id="330" r:id="rId76"/>
+    <p:sldId id="331" r:id="rId77"/>
   </p:sldIdLst>
   <p:sldSz cx="12192000" cy="6858000"/>
   <p:notesSz cx="6858000" cy="9144000"/>
@@ -331,7 +334,7 @@
           <a:p>
             <a:fld id="{E6A9BA00-07BE-4836-8229-BCB8917AB7E6}" type="datetimeFigureOut">
               <a:rPr lang="en-US" smtClean="0"/>
-              <a:t>12/8/2022</a:t>
+              <a:t>12/9/2022</a:t>
             </a:fld>
             <a:endParaRPr lang="en-US"/>
           </a:p>
@@ -529,7 +532,7 @@
           <a:p>
             <a:fld id="{E6A9BA00-07BE-4836-8229-BCB8917AB7E6}" type="datetimeFigureOut">
               <a:rPr lang="en-US" smtClean="0"/>
-              <a:t>12/8/2022</a:t>
+              <a:t>12/9/2022</a:t>
             </a:fld>
             <a:endParaRPr lang="en-US"/>
           </a:p>
@@ -737,7 +740,7 @@
           <a:p>
             <a:fld id="{E6A9BA00-07BE-4836-8229-BCB8917AB7E6}" type="datetimeFigureOut">
               <a:rPr lang="en-US" smtClean="0"/>
-              <a:t>12/8/2022</a:t>
+              <a:t>12/9/2022</a:t>
             </a:fld>
             <a:endParaRPr lang="en-US"/>
           </a:p>
@@ -935,7 +938,7 @@
           <a:p>
             <a:fld id="{E6A9BA00-07BE-4836-8229-BCB8917AB7E6}" type="datetimeFigureOut">
               <a:rPr lang="en-US" smtClean="0"/>
-              <a:t>12/8/2022</a:t>
+              <a:t>12/9/2022</a:t>
             </a:fld>
             <a:endParaRPr lang="en-US"/>
           </a:p>
@@ -1210,7 +1213,7 @@
           <a:p>
             <a:fld id="{E6A9BA00-07BE-4836-8229-BCB8917AB7E6}" type="datetimeFigureOut">
               <a:rPr lang="en-US" smtClean="0"/>
-              <a:t>12/8/2022</a:t>
+              <a:t>12/9/2022</a:t>
             </a:fld>
             <a:endParaRPr lang="en-US"/>
           </a:p>
@@ -1475,7 +1478,7 @@
           <a:p>
             <a:fld id="{E6A9BA00-07BE-4836-8229-BCB8917AB7E6}" type="datetimeFigureOut">
               <a:rPr lang="en-US" smtClean="0"/>
-              <a:t>12/8/2022</a:t>
+              <a:t>12/9/2022</a:t>
             </a:fld>
             <a:endParaRPr lang="en-US"/>
           </a:p>
@@ -1887,7 +1890,7 @@
           <a:p>
             <a:fld id="{E6A9BA00-07BE-4836-8229-BCB8917AB7E6}" type="datetimeFigureOut">
               <a:rPr lang="en-US" smtClean="0"/>
-              <a:t>12/8/2022</a:t>
+              <a:t>12/9/2022</a:t>
             </a:fld>
             <a:endParaRPr lang="en-US"/>
           </a:p>
@@ -2028,7 +2031,7 @@
           <a:p>
             <a:fld id="{E6A9BA00-07BE-4836-8229-BCB8917AB7E6}" type="datetimeFigureOut">
               <a:rPr lang="en-US" smtClean="0"/>
-              <a:t>12/8/2022</a:t>
+              <a:t>12/9/2022</a:t>
             </a:fld>
             <a:endParaRPr lang="en-US"/>
           </a:p>
@@ -2141,7 +2144,7 @@
           <a:p>
             <a:fld id="{E6A9BA00-07BE-4836-8229-BCB8917AB7E6}" type="datetimeFigureOut">
               <a:rPr lang="en-US" smtClean="0"/>
-              <a:t>12/8/2022</a:t>
+              <a:t>12/9/2022</a:t>
             </a:fld>
             <a:endParaRPr lang="en-US"/>
           </a:p>
@@ -2452,7 +2455,7 @@
           <a:p>
             <a:fld id="{E6A9BA00-07BE-4836-8229-BCB8917AB7E6}" type="datetimeFigureOut">
               <a:rPr lang="en-US" smtClean="0"/>
-              <a:t>12/8/2022</a:t>
+              <a:t>12/9/2022</a:t>
             </a:fld>
             <a:endParaRPr lang="en-US"/>
           </a:p>
@@ -2740,7 +2743,7 @@
           <a:p>
             <a:fld id="{E6A9BA00-07BE-4836-8229-BCB8917AB7E6}" type="datetimeFigureOut">
               <a:rPr lang="en-US" smtClean="0"/>
-              <a:t>12/8/2022</a:t>
+              <a:t>12/9/2022</a:t>
             </a:fld>
             <a:endParaRPr lang="en-US"/>
           </a:p>
@@ -2981,7 +2984,7 @@
           <a:p>
             <a:fld id="{E6A9BA00-07BE-4836-8229-BCB8917AB7E6}" type="datetimeFigureOut">
               <a:rPr lang="en-US" smtClean="0"/>
-              <a:t>12/8/2022</a:t>
+              <a:t>12/9/2022</a:t>
             </a:fld>
             <a:endParaRPr lang="en-US"/>
           </a:p>
@@ -17470,6 +17473,462 @@
 </p:sld>
 </file>
 
+<file path=ppt/slides/slide74.xml><?xml version="1.0" encoding="utf-8"?>
+<p:sld xmlns:a="http://schemas.openxmlformats.org/drawingml/2006/main" xmlns:r="http://schemas.openxmlformats.org/officeDocument/2006/relationships" xmlns:p="http://schemas.openxmlformats.org/presentationml/2006/main">
+  <p:cSld>
+    <p:spTree>
+      <p:nvGrpSpPr>
+        <p:cNvPr id="1" name=""/>
+        <p:cNvGrpSpPr/>
+        <p:nvPr/>
+      </p:nvGrpSpPr>
+      <p:grpSpPr>
+        <a:xfrm>
+          <a:off x="0" y="0"/>
+          <a:ext cx="0" cy="0"/>
+          <a:chOff x="0" y="0"/>
+          <a:chExt cx="0" cy="0"/>
+        </a:xfrm>
+      </p:grpSpPr>
+      <p:sp>
+        <p:nvSpPr>
+          <p:cNvPr id="2" name="Title 1">
+            <a:extLst>
+              <a:ext uri="{FF2B5EF4-FFF2-40B4-BE49-F238E27FC236}">
+                <a16:creationId xmlns:a16="http://schemas.microsoft.com/office/drawing/2014/main" id="{F6AE60E9-D721-4632-EE02-DA6D1994D9D1}"/>
+              </a:ext>
+            </a:extLst>
+          </p:cNvPr>
+          <p:cNvSpPr>
+            <a:spLocks noGrp="1"/>
+          </p:cNvSpPr>
+          <p:nvPr>
+            <p:ph type="title"/>
+          </p:nvPr>
+        </p:nvSpPr>
+        <p:spPr/>
+        <p:txBody>
+          <a:bodyPr/>
+          <a:lstStyle/>
+          <a:p>
+            <a:r>
+              <a:rPr lang="en-US" dirty="0"/>
+              <a:t>CSS: Resize</a:t>
+            </a:r>
+          </a:p>
+        </p:txBody>
+      </p:sp>
+      <p:sp>
+        <p:nvSpPr>
+          <p:cNvPr id="3" name="Content Placeholder 2">
+            <a:extLst>
+              <a:ext uri="{FF2B5EF4-FFF2-40B4-BE49-F238E27FC236}">
+                <a16:creationId xmlns:a16="http://schemas.microsoft.com/office/drawing/2014/main" id="{B14B6E76-29A2-D3B4-791D-94B95EB1B9A0}"/>
+              </a:ext>
+            </a:extLst>
+          </p:cNvPr>
+          <p:cNvSpPr>
+            <a:spLocks noGrp="1"/>
+          </p:cNvSpPr>
+          <p:nvPr>
+            <p:ph idx="1"/>
+          </p:nvPr>
+        </p:nvSpPr>
+        <p:spPr/>
+        <p:txBody>
+          <a:bodyPr/>
+          <a:lstStyle/>
+          <a:p>
+            <a:r>
+              <a:rPr lang="en-US" dirty="0"/>
+              <a:t>Horizontal</a:t>
+            </a:r>
+          </a:p>
+          <a:p>
+            <a:r>
+              <a:rPr lang="en-US" dirty="0"/>
+              <a:t>Vertical</a:t>
+            </a:r>
+          </a:p>
+          <a:p>
+            <a:r>
+              <a:rPr lang="en-US" dirty="0"/>
+              <a:t>Both</a:t>
+            </a:r>
+          </a:p>
+          <a:p>
+            <a:r>
+              <a:rPr lang="en-US" dirty="0"/>
+              <a:t>none</a:t>
+            </a:r>
+          </a:p>
+        </p:txBody>
+      </p:sp>
+    </p:spTree>
+    <p:extLst>
+      <p:ext uri="{BB962C8B-B14F-4D97-AF65-F5344CB8AC3E}">
+        <p14:creationId xmlns:p14="http://schemas.microsoft.com/office/powerpoint/2010/main" val="2225303315"/>
+      </p:ext>
+    </p:extLst>
+  </p:cSld>
+  <p:clrMapOvr>
+    <a:masterClrMapping/>
+  </p:clrMapOvr>
+</p:sld>
+</file>
+
+<file path=ppt/slides/slide75.xml><?xml version="1.0" encoding="utf-8"?>
+<p:sld xmlns:a="http://schemas.openxmlformats.org/drawingml/2006/main" xmlns:r="http://schemas.openxmlformats.org/officeDocument/2006/relationships" xmlns:p="http://schemas.openxmlformats.org/presentationml/2006/main">
+  <p:cSld>
+    <p:spTree>
+      <p:nvGrpSpPr>
+        <p:cNvPr id="1" name=""/>
+        <p:cNvGrpSpPr/>
+        <p:nvPr/>
+      </p:nvGrpSpPr>
+      <p:grpSpPr>
+        <a:xfrm>
+          <a:off x="0" y="0"/>
+          <a:ext cx="0" cy="0"/>
+          <a:chOff x="0" y="0"/>
+          <a:chExt cx="0" cy="0"/>
+        </a:xfrm>
+      </p:grpSpPr>
+      <p:sp>
+        <p:nvSpPr>
+          <p:cNvPr id="2" name="Title 1">
+            <a:extLst>
+              <a:ext uri="{FF2B5EF4-FFF2-40B4-BE49-F238E27FC236}">
+                <a16:creationId xmlns:a16="http://schemas.microsoft.com/office/drawing/2014/main" id="{4F1FFFCE-56DF-FDAE-46C4-452B68815005}"/>
+              </a:ext>
+            </a:extLst>
+          </p:cNvPr>
+          <p:cNvSpPr>
+            <a:spLocks noGrp="1"/>
+          </p:cNvSpPr>
+          <p:nvPr>
+            <p:ph type="title"/>
+          </p:nvPr>
+        </p:nvSpPr>
+        <p:spPr>
+          <a:xfrm>
+            <a:off x="838200" y="365125"/>
+            <a:ext cx="10515600" cy="752475"/>
+          </a:xfrm>
+        </p:spPr>
+        <p:txBody>
+          <a:bodyPr/>
+          <a:lstStyle/>
+          <a:p>
+            <a:r>
+              <a:rPr lang="en-US" dirty="0"/>
+              <a:t>CSS: Cursor</a:t>
+            </a:r>
+          </a:p>
+        </p:txBody>
+      </p:sp>
+      <p:sp>
+        <p:nvSpPr>
+          <p:cNvPr id="3" name="Content Placeholder 2">
+            <a:extLst>
+              <a:ext uri="{FF2B5EF4-FFF2-40B4-BE49-F238E27FC236}">
+                <a16:creationId xmlns:a16="http://schemas.microsoft.com/office/drawing/2014/main" id="{5ACED079-AF9C-D886-BCC5-AF996D4952CE}"/>
+              </a:ext>
+            </a:extLst>
+          </p:cNvPr>
+          <p:cNvSpPr>
+            <a:spLocks noGrp="1"/>
+          </p:cNvSpPr>
+          <p:nvPr>
+            <p:ph idx="1"/>
+          </p:nvPr>
+        </p:nvSpPr>
+        <p:spPr>
+          <a:xfrm>
+            <a:off x="838200" y="1117600"/>
+            <a:ext cx="10515600" cy="5059363"/>
+          </a:xfrm>
+        </p:spPr>
+        <p:txBody>
+          <a:bodyPr numCol="3">
+            <a:normAutofit/>
+          </a:bodyPr>
+          <a:lstStyle/>
+          <a:p>
+            <a:r>
+              <a:rPr lang="en-US" dirty="0"/>
+              <a:t>Auto</a:t>
+            </a:r>
+          </a:p>
+          <a:p>
+            <a:r>
+              <a:rPr lang="en-US" dirty="0"/>
+              <a:t>Default</a:t>
+            </a:r>
+          </a:p>
+          <a:p>
+            <a:r>
+              <a:rPr lang="en-US" dirty="0"/>
+              <a:t>None</a:t>
+            </a:r>
+          </a:p>
+          <a:p>
+            <a:r>
+              <a:rPr lang="en-US" dirty="0"/>
+              <a:t>Context-menu</a:t>
+            </a:r>
+          </a:p>
+          <a:p>
+            <a:r>
+              <a:rPr lang="en-US" dirty="0"/>
+              <a:t>Help</a:t>
+            </a:r>
+          </a:p>
+          <a:p>
+            <a:r>
+              <a:rPr lang="en-US" dirty="0"/>
+              <a:t>Pointer</a:t>
+            </a:r>
+          </a:p>
+          <a:p>
+            <a:r>
+              <a:rPr lang="en-US" dirty="0"/>
+              <a:t>Progress</a:t>
+            </a:r>
+          </a:p>
+          <a:p>
+            <a:r>
+              <a:rPr lang="en-US" dirty="0"/>
+              <a:t>Wait</a:t>
+            </a:r>
+          </a:p>
+          <a:p>
+            <a:r>
+              <a:rPr lang="en-US" dirty="0"/>
+              <a:t>Cell</a:t>
+            </a:r>
+          </a:p>
+          <a:p>
+            <a:r>
+              <a:rPr lang="en-US" dirty="0"/>
+              <a:t>Copy</a:t>
+            </a:r>
+          </a:p>
+          <a:p>
+            <a:r>
+              <a:rPr lang="en-US" dirty="0"/>
+              <a:t>Move</a:t>
+            </a:r>
+          </a:p>
+          <a:p>
+            <a:r>
+              <a:rPr lang="en-US" dirty="0"/>
+              <a:t>Zoom-in</a:t>
+            </a:r>
+          </a:p>
+          <a:p>
+            <a:r>
+              <a:rPr lang="en-US" dirty="0"/>
+              <a:t>Zoom-out</a:t>
+            </a:r>
+          </a:p>
+          <a:p>
+            <a:r>
+              <a:rPr lang="en-US" dirty="0"/>
+              <a:t>E-resize</a:t>
+            </a:r>
+          </a:p>
+          <a:p>
+            <a:r>
+              <a:rPr lang="en-US" dirty="0"/>
+              <a:t>N-resize</a:t>
+            </a:r>
+          </a:p>
+          <a:p>
+            <a:r>
+              <a:rPr lang="en-US" dirty="0"/>
+              <a:t>Ne-resize</a:t>
+            </a:r>
+          </a:p>
+          <a:p>
+            <a:r>
+              <a:rPr lang="en-US" dirty="0" err="1"/>
+              <a:t>Nw</a:t>
+            </a:r>
+            <a:r>
+              <a:rPr lang="en-US" dirty="0"/>
+              <a:t>-resize</a:t>
+            </a:r>
+          </a:p>
+          <a:p>
+            <a:r>
+              <a:rPr lang="en-US" dirty="0"/>
+              <a:t>S-resize</a:t>
+            </a:r>
+          </a:p>
+          <a:p>
+            <a:endParaRPr lang="en-US" dirty="0"/>
+          </a:p>
+        </p:txBody>
+      </p:sp>
+    </p:spTree>
+    <p:extLst>
+      <p:ext uri="{BB962C8B-B14F-4D97-AF65-F5344CB8AC3E}">
+        <p14:creationId xmlns:p14="http://schemas.microsoft.com/office/powerpoint/2010/main" val="3221770585"/>
+      </p:ext>
+    </p:extLst>
+  </p:cSld>
+  <p:clrMapOvr>
+    <a:masterClrMapping/>
+  </p:clrMapOvr>
+</p:sld>
+</file>
+
+<file path=ppt/slides/slide76.xml><?xml version="1.0" encoding="utf-8"?>
+<p:sld xmlns:a="http://schemas.openxmlformats.org/drawingml/2006/main" xmlns:r="http://schemas.openxmlformats.org/officeDocument/2006/relationships" xmlns:p="http://schemas.openxmlformats.org/presentationml/2006/main">
+  <p:cSld>
+    <p:spTree>
+      <p:nvGrpSpPr>
+        <p:cNvPr id="1" name=""/>
+        <p:cNvGrpSpPr/>
+        <p:nvPr/>
+      </p:nvGrpSpPr>
+      <p:grpSpPr>
+        <a:xfrm>
+          <a:off x="0" y="0"/>
+          <a:ext cx="0" cy="0"/>
+          <a:chOff x="0" y="0"/>
+          <a:chExt cx="0" cy="0"/>
+        </a:xfrm>
+      </p:grpSpPr>
+      <p:sp>
+        <p:nvSpPr>
+          <p:cNvPr id="2" name="Title 1">
+            <a:extLst>
+              <a:ext uri="{FF2B5EF4-FFF2-40B4-BE49-F238E27FC236}">
+                <a16:creationId xmlns:a16="http://schemas.microsoft.com/office/drawing/2014/main" id="{5E371C6C-9330-1B0B-F9BA-3FC6B3E52782}"/>
+              </a:ext>
+            </a:extLst>
+          </p:cNvPr>
+          <p:cNvSpPr>
+            <a:spLocks noGrp="1"/>
+          </p:cNvSpPr>
+          <p:nvPr>
+            <p:ph type="title"/>
+          </p:nvPr>
+        </p:nvSpPr>
+        <p:spPr/>
+        <p:txBody>
+          <a:bodyPr/>
+          <a:lstStyle/>
+          <a:p>
+            <a:r>
+              <a:rPr lang="en-US" dirty="0"/>
+              <a:t>CSS: Measurement Units</a:t>
+            </a:r>
+          </a:p>
+        </p:txBody>
+      </p:sp>
+      <p:sp>
+        <p:nvSpPr>
+          <p:cNvPr id="3" name="Content Placeholder 2">
+            <a:extLst>
+              <a:ext uri="{FF2B5EF4-FFF2-40B4-BE49-F238E27FC236}">
+                <a16:creationId xmlns:a16="http://schemas.microsoft.com/office/drawing/2014/main" id="{6130D5B8-F1A3-9FBA-748F-E2019AC98382}"/>
+              </a:ext>
+            </a:extLst>
+          </p:cNvPr>
+          <p:cNvSpPr>
+            <a:spLocks noGrp="1"/>
+          </p:cNvSpPr>
+          <p:nvPr>
+            <p:ph idx="1"/>
+          </p:nvPr>
+        </p:nvSpPr>
+        <p:spPr/>
+        <p:txBody>
+          <a:bodyPr/>
+          <a:lstStyle/>
+          <a:p>
+            <a:r>
+              <a:rPr lang="en-US" dirty="0" err="1"/>
+              <a:t>Px</a:t>
+            </a:r>
+            <a:r>
+              <a:rPr lang="en-US" dirty="0"/>
+              <a:t> (pixel)</a:t>
+            </a:r>
+          </a:p>
+          <a:p>
+            <a:r>
+              <a:rPr lang="en-US" dirty="0"/>
+              <a:t>% (percentage)</a:t>
+            </a:r>
+          </a:p>
+          <a:p>
+            <a:r>
+              <a:rPr lang="en-US" dirty="0" err="1"/>
+              <a:t>Em</a:t>
+            </a:r>
+            <a:endParaRPr lang="en-US" dirty="0"/>
+          </a:p>
+          <a:p>
+            <a:r>
+              <a:rPr lang="en-US" dirty="0"/>
+              <a:t>Rem</a:t>
+            </a:r>
+          </a:p>
+          <a:p>
+            <a:r>
+              <a:rPr lang="en-US" dirty="0" err="1"/>
+              <a:t>Vw</a:t>
+            </a:r>
+            <a:r>
+              <a:rPr lang="en-US" dirty="0"/>
+              <a:t> (viewport width)</a:t>
+            </a:r>
+          </a:p>
+          <a:p>
+            <a:r>
+              <a:rPr lang="en-US" dirty="0" err="1"/>
+              <a:t>Vh</a:t>
+            </a:r>
+            <a:r>
+              <a:rPr lang="en-US" dirty="0"/>
+              <a:t> (viewport height)</a:t>
+            </a:r>
+          </a:p>
+          <a:p>
+            <a:r>
+              <a:rPr lang="en-US" dirty="0"/>
+              <a:t>Vmax (viewport maximum)</a:t>
+            </a:r>
+          </a:p>
+          <a:p>
+            <a:r>
+              <a:rPr lang="en-US" dirty="0" err="1"/>
+              <a:t>Vmin</a:t>
+            </a:r>
+            <a:r>
+              <a:rPr lang="en-US" dirty="0"/>
+              <a:t> (viewport minimum)</a:t>
+            </a:r>
+          </a:p>
+        </p:txBody>
+      </p:sp>
+    </p:spTree>
+    <p:extLst>
+      <p:ext uri="{BB962C8B-B14F-4D97-AF65-F5344CB8AC3E}">
+        <p14:creationId xmlns:p14="http://schemas.microsoft.com/office/powerpoint/2010/main" val="3191271830"/>
+      </p:ext>
+    </p:extLst>
+  </p:cSld>
+  <p:clrMapOvr>
+    <a:masterClrMapping/>
+  </p:clrMapOvr>
+</p:sld>
+</file>
+
 <file path=ppt/slides/slide8.xml><?xml version="1.0" encoding="utf-8"?>
 <p:sld xmlns:a="http://schemas.openxmlformats.org/drawingml/2006/main" xmlns:r="http://schemas.openxmlformats.org/officeDocument/2006/relationships" xmlns:p="http://schemas.openxmlformats.org/presentationml/2006/main">
   <p:cSld>

--- a/CSS.pptx
+++ b/CSS.pptx
@@ -81,6 +81,10 @@
     <p:sldId id="329" r:id="rId75"/>
     <p:sldId id="330" r:id="rId76"/>
     <p:sldId id="331" r:id="rId77"/>
+    <p:sldId id="332" r:id="rId78"/>
+    <p:sldId id="333" r:id="rId79"/>
+    <p:sldId id="334" r:id="rId80"/>
+    <p:sldId id="335" r:id="rId81"/>
   </p:sldIdLst>
   <p:sldSz cx="12192000" cy="6858000"/>
   <p:notesSz cx="6858000" cy="9144000"/>
@@ -334,7 +338,7 @@
           <a:p>
             <a:fld id="{E6A9BA00-07BE-4836-8229-BCB8917AB7E6}" type="datetimeFigureOut">
               <a:rPr lang="en-US" smtClean="0"/>
-              <a:t>12/9/2022</a:t>
+              <a:t>12/12/2022</a:t>
             </a:fld>
             <a:endParaRPr lang="en-US"/>
           </a:p>
@@ -532,7 +536,7 @@
           <a:p>
             <a:fld id="{E6A9BA00-07BE-4836-8229-BCB8917AB7E6}" type="datetimeFigureOut">
               <a:rPr lang="en-US" smtClean="0"/>
-              <a:t>12/9/2022</a:t>
+              <a:t>12/12/2022</a:t>
             </a:fld>
             <a:endParaRPr lang="en-US"/>
           </a:p>
@@ -740,7 +744,7 @@
           <a:p>
             <a:fld id="{E6A9BA00-07BE-4836-8229-BCB8917AB7E6}" type="datetimeFigureOut">
               <a:rPr lang="en-US" smtClean="0"/>
-              <a:t>12/9/2022</a:t>
+              <a:t>12/12/2022</a:t>
             </a:fld>
             <a:endParaRPr lang="en-US"/>
           </a:p>
@@ -938,7 +942,7 @@
           <a:p>
             <a:fld id="{E6A9BA00-07BE-4836-8229-BCB8917AB7E6}" type="datetimeFigureOut">
               <a:rPr lang="en-US" smtClean="0"/>
-              <a:t>12/9/2022</a:t>
+              <a:t>12/12/2022</a:t>
             </a:fld>
             <a:endParaRPr lang="en-US"/>
           </a:p>
@@ -1213,7 +1217,7 @@
           <a:p>
             <a:fld id="{E6A9BA00-07BE-4836-8229-BCB8917AB7E6}" type="datetimeFigureOut">
               <a:rPr lang="en-US" smtClean="0"/>
-              <a:t>12/9/2022</a:t>
+              <a:t>12/12/2022</a:t>
             </a:fld>
             <a:endParaRPr lang="en-US"/>
           </a:p>
@@ -1478,7 +1482,7 @@
           <a:p>
             <a:fld id="{E6A9BA00-07BE-4836-8229-BCB8917AB7E6}" type="datetimeFigureOut">
               <a:rPr lang="en-US" smtClean="0"/>
-              <a:t>12/9/2022</a:t>
+              <a:t>12/12/2022</a:t>
             </a:fld>
             <a:endParaRPr lang="en-US"/>
           </a:p>
@@ -1890,7 +1894,7 @@
           <a:p>
             <a:fld id="{E6A9BA00-07BE-4836-8229-BCB8917AB7E6}" type="datetimeFigureOut">
               <a:rPr lang="en-US" smtClean="0"/>
-              <a:t>12/9/2022</a:t>
+              <a:t>12/12/2022</a:t>
             </a:fld>
             <a:endParaRPr lang="en-US"/>
           </a:p>
@@ -2031,7 +2035,7 @@
           <a:p>
             <a:fld id="{E6A9BA00-07BE-4836-8229-BCB8917AB7E6}" type="datetimeFigureOut">
               <a:rPr lang="en-US" smtClean="0"/>
-              <a:t>12/9/2022</a:t>
+              <a:t>12/12/2022</a:t>
             </a:fld>
             <a:endParaRPr lang="en-US"/>
           </a:p>
@@ -2144,7 +2148,7 @@
           <a:p>
             <a:fld id="{E6A9BA00-07BE-4836-8229-BCB8917AB7E6}" type="datetimeFigureOut">
               <a:rPr lang="en-US" smtClean="0"/>
-              <a:t>12/9/2022</a:t>
+              <a:t>12/12/2022</a:t>
             </a:fld>
             <a:endParaRPr lang="en-US"/>
           </a:p>
@@ -2455,7 +2459,7 @@
           <a:p>
             <a:fld id="{E6A9BA00-07BE-4836-8229-BCB8917AB7E6}" type="datetimeFigureOut">
               <a:rPr lang="en-US" smtClean="0"/>
-              <a:t>12/9/2022</a:t>
+              <a:t>12/12/2022</a:t>
             </a:fld>
             <a:endParaRPr lang="en-US"/>
           </a:p>
@@ -2743,7 +2747,7 @@
           <a:p>
             <a:fld id="{E6A9BA00-07BE-4836-8229-BCB8917AB7E6}" type="datetimeFigureOut">
               <a:rPr lang="en-US" smtClean="0"/>
-              <a:t>12/9/2022</a:t>
+              <a:t>12/12/2022</a:t>
             </a:fld>
             <a:endParaRPr lang="en-US"/>
           </a:p>
@@ -2984,7 +2988,7 @@
           <a:p>
             <a:fld id="{E6A9BA00-07BE-4836-8229-BCB8917AB7E6}" type="datetimeFigureOut">
               <a:rPr lang="en-US" smtClean="0"/>
-              <a:t>12/9/2022</a:t>
+              <a:t>12/12/2022</a:t>
             </a:fld>
             <a:endParaRPr lang="en-US"/>
           </a:p>
@@ -17929,6 +17933,637 @@
 </p:sld>
 </file>
 
+<file path=ppt/slides/slide77.xml><?xml version="1.0" encoding="utf-8"?>
+<p:sld xmlns:a="http://schemas.openxmlformats.org/drawingml/2006/main" xmlns:r="http://schemas.openxmlformats.org/officeDocument/2006/relationships" xmlns:p="http://schemas.openxmlformats.org/presentationml/2006/main">
+  <p:cSld>
+    <p:spTree>
+      <p:nvGrpSpPr>
+        <p:cNvPr id="1" name=""/>
+        <p:cNvGrpSpPr/>
+        <p:nvPr/>
+      </p:nvGrpSpPr>
+      <p:grpSpPr>
+        <a:xfrm>
+          <a:off x="0" y="0"/>
+          <a:ext cx="0" cy="0"/>
+          <a:chOff x="0" y="0"/>
+          <a:chExt cx="0" cy="0"/>
+        </a:xfrm>
+      </p:grpSpPr>
+      <p:sp>
+        <p:nvSpPr>
+          <p:cNvPr id="2" name="Title 1">
+            <a:extLst>
+              <a:ext uri="{FF2B5EF4-FFF2-40B4-BE49-F238E27FC236}">
+                <a16:creationId xmlns:a16="http://schemas.microsoft.com/office/drawing/2014/main" id="{E645BAC1-DF17-5639-4330-364A2D92485F}"/>
+              </a:ext>
+            </a:extLst>
+          </p:cNvPr>
+          <p:cNvSpPr>
+            <a:spLocks noGrp="1"/>
+          </p:cNvSpPr>
+          <p:nvPr>
+            <p:ph type="title"/>
+          </p:nvPr>
+        </p:nvSpPr>
+        <p:spPr/>
+        <p:txBody>
+          <a:bodyPr/>
+          <a:lstStyle/>
+          <a:p>
+            <a:r>
+              <a:rPr lang="en-US" dirty="0"/>
+              <a:t>CSS: </a:t>
+            </a:r>
+            <a:r>
+              <a:rPr lang="en-US" dirty="0" err="1"/>
+              <a:t>Tranasition</a:t>
+            </a:r>
+            <a:endParaRPr lang="en-US" dirty="0"/>
+          </a:p>
+        </p:txBody>
+      </p:sp>
+      <p:sp>
+        <p:nvSpPr>
+          <p:cNvPr id="3" name="Content Placeholder 2">
+            <a:extLst>
+              <a:ext uri="{FF2B5EF4-FFF2-40B4-BE49-F238E27FC236}">
+                <a16:creationId xmlns:a16="http://schemas.microsoft.com/office/drawing/2014/main" id="{CE82D1C7-26C5-26C1-4494-E2189D157408}"/>
+              </a:ext>
+            </a:extLst>
+          </p:cNvPr>
+          <p:cNvSpPr>
+            <a:spLocks noGrp="1"/>
+          </p:cNvSpPr>
+          <p:nvPr>
+            <p:ph idx="1"/>
+          </p:nvPr>
+        </p:nvSpPr>
+        <p:spPr/>
+        <p:txBody>
+          <a:bodyPr/>
+          <a:lstStyle/>
+          <a:p>
+            <a:r>
+              <a:rPr lang="en-US" dirty="0"/>
+              <a:t>Transition</a:t>
+            </a:r>
+          </a:p>
+          <a:p>
+            <a:r>
+              <a:rPr lang="en-US" dirty="0"/>
+              <a:t>Transition-property</a:t>
+            </a:r>
+          </a:p>
+          <a:p>
+            <a:r>
+              <a:rPr lang="en-US" dirty="0"/>
+              <a:t>Transition-duration</a:t>
+            </a:r>
+          </a:p>
+          <a:p>
+            <a:r>
+              <a:rPr lang="en-US" dirty="0"/>
+              <a:t>Transition-delay</a:t>
+            </a:r>
+          </a:p>
+          <a:p>
+            <a:r>
+              <a:rPr lang="en-US" dirty="0"/>
+              <a:t>Transition-timing-function</a:t>
+            </a:r>
+          </a:p>
+        </p:txBody>
+      </p:sp>
+    </p:spTree>
+    <p:extLst>
+      <p:ext uri="{BB962C8B-B14F-4D97-AF65-F5344CB8AC3E}">
+        <p14:creationId xmlns:p14="http://schemas.microsoft.com/office/powerpoint/2010/main" val="3409270842"/>
+      </p:ext>
+    </p:extLst>
+  </p:cSld>
+  <p:clrMapOvr>
+    <a:masterClrMapping/>
+  </p:clrMapOvr>
+</p:sld>
+</file>
+
+<file path=ppt/slides/slide78.xml><?xml version="1.0" encoding="utf-8"?>
+<p:sld xmlns:a="http://schemas.openxmlformats.org/drawingml/2006/main" xmlns:r="http://schemas.openxmlformats.org/officeDocument/2006/relationships" xmlns:p="http://schemas.openxmlformats.org/presentationml/2006/main">
+  <p:cSld>
+    <p:spTree>
+      <p:nvGrpSpPr>
+        <p:cNvPr id="1" name=""/>
+        <p:cNvGrpSpPr/>
+        <p:nvPr/>
+      </p:nvGrpSpPr>
+      <p:grpSpPr>
+        <a:xfrm>
+          <a:off x="0" y="0"/>
+          <a:ext cx="0" cy="0"/>
+          <a:chOff x="0" y="0"/>
+          <a:chExt cx="0" cy="0"/>
+        </a:xfrm>
+      </p:grpSpPr>
+      <p:sp>
+        <p:nvSpPr>
+          <p:cNvPr id="2" name="Title 1">
+            <a:extLst>
+              <a:ext uri="{FF2B5EF4-FFF2-40B4-BE49-F238E27FC236}">
+                <a16:creationId xmlns:a16="http://schemas.microsoft.com/office/drawing/2014/main" id="{258EFEFC-C09D-2895-9F70-00E509CEB072}"/>
+              </a:ext>
+            </a:extLst>
+          </p:cNvPr>
+          <p:cNvSpPr>
+            <a:spLocks noGrp="1"/>
+          </p:cNvSpPr>
+          <p:nvPr>
+            <p:ph type="title"/>
+          </p:nvPr>
+        </p:nvSpPr>
+        <p:spPr/>
+        <p:txBody>
+          <a:bodyPr/>
+          <a:lstStyle/>
+          <a:p>
+            <a:r>
+              <a:rPr lang="en-US" dirty="0" err="1"/>
+              <a:t>Transtion</a:t>
+            </a:r>
+            <a:r>
+              <a:rPr lang="en-US" dirty="0"/>
+              <a:t>-timing-function values</a:t>
+            </a:r>
+          </a:p>
+        </p:txBody>
+      </p:sp>
+      <p:graphicFrame>
+        <p:nvGraphicFramePr>
+          <p:cNvPr id="4" name="Table 4">
+            <a:extLst>
+              <a:ext uri="{FF2B5EF4-FFF2-40B4-BE49-F238E27FC236}">
+                <a16:creationId xmlns:a16="http://schemas.microsoft.com/office/drawing/2014/main" id="{DF1DEAEE-3480-6ECB-861C-A11FC9925C5F}"/>
+              </a:ext>
+            </a:extLst>
+          </p:cNvPr>
+          <p:cNvGraphicFramePr>
+            <a:graphicFrameLocks noGrp="1"/>
+          </p:cNvGraphicFramePr>
+          <p:nvPr>
+            <p:extLst>
+              <p:ext uri="{D42A27DB-BD31-4B8C-83A1-F6EECF244321}">
+                <p14:modId xmlns:p14="http://schemas.microsoft.com/office/powerpoint/2010/main" val="1302852602"/>
+              </p:ext>
+            </p:extLst>
+          </p:nvPr>
+        </p:nvGraphicFramePr>
+        <p:xfrm>
+          <a:off x="2032000" y="1505268"/>
+          <a:ext cx="8128000" cy="4572000"/>
+        </p:xfrm>
+        <a:graphic>
+          <a:graphicData uri="http://schemas.openxmlformats.org/drawingml/2006/table">
+            <a:tbl>
+              <a:tblPr firstRow="1" bandRow="1">
+                <a:tableStyleId>{5C22544A-7EE6-4342-B048-85BDC9FD1C3A}</a:tableStyleId>
+              </a:tblPr>
+              <a:tblGrid>
+                <a:gridCol w="1901371">
+                  <a:extLst>
+                    <a:ext uri="{9D8B030D-6E8A-4147-A177-3AD203B41FA5}">
+                      <a16:colId xmlns:a16="http://schemas.microsoft.com/office/drawing/2014/main" val="3789431957"/>
+                    </a:ext>
+                  </a:extLst>
+                </a:gridCol>
+                <a:gridCol w="6226629">
+                  <a:extLst>
+                    <a:ext uri="{9D8B030D-6E8A-4147-A177-3AD203B41FA5}">
+                      <a16:colId xmlns:a16="http://schemas.microsoft.com/office/drawing/2014/main" val="980176863"/>
+                    </a:ext>
+                  </a:extLst>
+                </a:gridCol>
+              </a:tblGrid>
+              <a:tr h="370840">
+                <a:tc>
+                  <a:txBody>
+                    <a:bodyPr/>
+                    <a:lstStyle/>
+                    <a:p>
+                      <a:r>
+                        <a:rPr lang="en-US" sz="2400" dirty="0"/>
+                        <a:t>Unit</a:t>
+                      </a:r>
+                    </a:p>
+                  </a:txBody>
+                  <a:tcPr/>
+                </a:tc>
+                <a:tc>
+                  <a:txBody>
+                    <a:bodyPr/>
+                    <a:lstStyle/>
+                    <a:p>
+                      <a:r>
+                        <a:rPr lang="en-US" sz="2400" dirty="0"/>
+                        <a:t>Description</a:t>
+                      </a:r>
+                    </a:p>
+                  </a:txBody>
+                  <a:tcPr/>
+                </a:tc>
+                <a:extLst>
+                  <a:ext uri="{0D108BD9-81ED-4DB2-BD59-A6C34878D82A}">
+                    <a16:rowId xmlns:a16="http://schemas.microsoft.com/office/drawing/2014/main" val="1584392356"/>
+                  </a:ext>
+                </a:extLst>
+              </a:tr>
+              <a:tr h="370840">
+                <a:tc>
+                  <a:txBody>
+                    <a:bodyPr/>
+                    <a:lstStyle/>
+                    <a:p>
+                      <a:r>
+                        <a:rPr lang="en-US" sz="2400" dirty="0"/>
+                        <a:t>Ease</a:t>
+                      </a:r>
+                    </a:p>
+                  </a:txBody>
+                  <a:tcPr/>
+                </a:tc>
+                <a:tc>
+                  <a:txBody>
+                    <a:bodyPr/>
+                    <a:lstStyle/>
+                    <a:p>
+                      <a:r>
+                        <a:rPr lang="en-US" sz="2400" dirty="0"/>
+                        <a:t>Slow start, then fast, then end slowly</a:t>
+                      </a:r>
+                    </a:p>
+                  </a:txBody>
+                  <a:tcPr/>
+                </a:tc>
+                <a:extLst>
+                  <a:ext uri="{0D108BD9-81ED-4DB2-BD59-A6C34878D82A}">
+                    <a16:rowId xmlns:a16="http://schemas.microsoft.com/office/drawing/2014/main" val="497623901"/>
+                  </a:ext>
+                </a:extLst>
+              </a:tr>
+              <a:tr h="370840">
+                <a:tc>
+                  <a:txBody>
+                    <a:bodyPr/>
+                    <a:lstStyle/>
+                    <a:p>
+                      <a:r>
+                        <a:rPr lang="en-US" sz="2400" dirty="0"/>
+                        <a:t>Linear</a:t>
+                      </a:r>
+                    </a:p>
+                  </a:txBody>
+                  <a:tcPr/>
+                </a:tc>
+                <a:tc>
+                  <a:txBody>
+                    <a:bodyPr/>
+                    <a:lstStyle/>
+                    <a:p>
+                      <a:r>
+                        <a:rPr lang="en-US" sz="2400" dirty="0"/>
+                        <a:t>Same speed from start to end</a:t>
+                      </a:r>
+                    </a:p>
+                  </a:txBody>
+                  <a:tcPr/>
+                </a:tc>
+                <a:extLst>
+                  <a:ext uri="{0D108BD9-81ED-4DB2-BD59-A6C34878D82A}">
+                    <a16:rowId xmlns:a16="http://schemas.microsoft.com/office/drawing/2014/main" val="3152863441"/>
+                  </a:ext>
+                </a:extLst>
+              </a:tr>
+              <a:tr h="370840">
+                <a:tc>
+                  <a:txBody>
+                    <a:bodyPr/>
+                    <a:lstStyle/>
+                    <a:p>
+                      <a:r>
+                        <a:rPr lang="en-US" sz="2400" dirty="0"/>
+                        <a:t>Ease-in</a:t>
+                      </a:r>
+                    </a:p>
+                  </a:txBody>
+                  <a:tcPr/>
+                </a:tc>
+                <a:tc>
+                  <a:txBody>
+                    <a:bodyPr/>
+                    <a:lstStyle/>
+                    <a:p>
+                      <a:r>
+                        <a:rPr lang="en-US" sz="2400" dirty="0"/>
+                        <a:t>Slow start</a:t>
+                      </a:r>
+                    </a:p>
+                  </a:txBody>
+                  <a:tcPr/>
+                </a:tc>
+                <a:extLst>
+                  <a:ext uri="{0D108BD9-81ED-4DB2-BD59-A6C34878D82A}">
+                    <a16:rowId xmlns:a16="http://schemas.microsoft.com/office/drawing/2014/main" val="2740297305"/>
+                  </a:ext>
+                </a:extLst>
+              </a:tr>
+              <a:tr h="370840">
+                <a:tc>
+                  <a:txBody>
+                    <a:bodyPr/>
+                    <a:lstStyle/>
+                    <a:p>
+                      <a:r>
+                        <a:rPr lang="en-US" sz="2400" dirty="0"/>
+                        <a:t>Ease-out</a:t>
+                      </a:r>
+                    </a:p>
+                  </a:txBody>
+                  <a:tcPr/>
+                </a:tc>
+                <a:tc>
+                  <a:txBody>
+                    <a:bodyPr/>
+                    <a:lstStyle/>
+                    <a:p>
+                      <a:r>
+                        <a:rPr lang="en-US" sz="2400" dirty="0"/>
+                        <a:t>Slow end</a:t>
+                      </a:r>
+                    </a:p>
+                  </a:txBody>
+                  <a:tcPr/>
+                </a:tc>
+                <a:extLst>
+                  <a:ext uri="{0D108BD9-81ED-4DB2-BD59-A6C34878D82A}">
+                    <a16:rowId xmlns:a16="http://schemas.microsoft.com/office/drawing/2014/main" val="1244097292"/>
+                  </a:ext>
+                </a:extLst>
+              </a:tr>
+              <a:tr h="370840">
+                <a:tc>
+                  <a:txBody>
+                    <a:bodyPr/>
+                    <a:lstStyle/>
+                    <a:p>
+                      <a:r>
+                        <a:rPr lang="en-US" sz="2400" dirty="0"/>
+                        <a:t>Ease-in-out</a:t>
+                      </a:r>
+                    </a:p>
+                  </a:txBody>
+                  <a:tcPr/>
+                </a:tc>
+                <a:tc>
+                  <a:txBody>
+                    <a:bodyPr/>
+                    <a:lstStyle/>
+                    <a:p>
+                      <a:r>
+                        <a:rPr lang="en-US" sz="2400" dirty="0"/>
+                        <a:t>Slow start and end</a:t>
+                      </a:r>
+                    </a:p>
+                  </a:txBody>
+                  <a:tcPr/>
+                </a:tc>
+                <a:extLst>
+                  <a:ext uri="{0D108BD9-81ED-4DB2-BD59-A6C34878D82A}">
+                    <a16:rowId xmlns:a16="http://schemas.microsoft.com/office/drawing/2014/main" val="3790722830"/>
+                  </a:ext>
+                </a:extLst>
+              </a:tr>
+              <a:tr h="370840">
+                <a:tc>
+                  <a:txBody>
+                    <a:bodyPr/>
+                    <a:lstStyle/>
+                    <a:p>
+                      <a:r>
+                        <a:rPr lang="en-US" sz="2400" dirty="0"/>
+                        <a:t>Step-start</a:t>
+                      </a:r>
+                    </a:p>
+                  </a:txBody>
+                  <a:tcPr/>
+                </a:tc>
+                <a:tc>
+                  <a:txBody>
+                    <a:bodyPr/>
+                    <a:lstStyle/>
+                    <a:p>
+                      <a:endParaRPr lang="en-US" sz="2400" dirty="0"/>
+                    </a:p>
+                  </a:txBody>
+                  <a:tcPr/>
+                </a:tc>
+                <a:extLst>
+                  <a:ext uri="{0D108BD9-81ED-4DB2-BD59-A6C34878D82A}">
+                    <a16:rowId xmlns:a16="http://schemas.microsoft.com/office/drawing/2014/main" val="1764904602"/>
+                  </a:ext>
+                </a:extLst>
+              </a:tr>
+              <a:tr h="370840">
+                <a:tc>
+                  <a:txBody>
+                    <a:bodyPr/>
+                    <a:lstStyle/>
+                    <a:p>
+                      <a:r>
+                        <a:rPr lang="en-US" sz="2400" dirty="0"/>
+                        <a:t>step-end</a:t>
+                      </a:r>
+                    </a:p>
+                  </a:txBody>
+                  <a:tcPr/>
+                </a:tc>
+                <a:tc>
+                  <a:txBody>
+                    <a:bodyPr/>
+                    <a:lstStyle/>
+                    <a:p>
+                      <a:endParaRPr lang="en-US" sz="2400" dirty="0"/>
+                    </a:p>
+                  </a:txBody>
+                  <a:tcPr/>
+                </a:tc>
+                <a:extLst>
+                  <a:ext uri="{0D108BD9-81ED-4DB2-BD59-A6C34878D82A}">
+                    <a16:rowId xmlns:a16="http://schemas.microsoft.com/office/drawing/2014/main" val="57016287"/>
+                  </a:ext>
+                </a:extLst>
+              </a:tr>
+              <a:tr h="370840">
+                <a:tc>
+                  <a:txBody>
+                    <a:bodyPr/>
+                    <a:lstStyle/>
+                    <a:p>
+                      <a:r>
+                        <a:rPr lang="en-US" sz="2400" dirty="0"/>
+                        <a:t>Steps(4, end)</a:t>
+                      </a:r>
+                    </a:p>
+                  </a:txBody>
+                  <a:tcPr/>
+                </a:tc>
+                <a:tc>
+                  <a:txBody>
+                    <a:bodyPr/>
+                    <a:lstStyle/>
+                    <a:p>
+                      <a:endParaRPr lang="en-US" sz="2400" dirty="0"/>
+                    </a:p>
+                  </a:txBody>
+                  <a:tcPr/>
+                </a:tc>
+                <a:extLst>
+                  <a:ext uri="{0D108BD9-81ED-4DB2-BD59-A6C34878D82A}">
+                    <a16:rowId xmlns:a16="http://schemas.microsoft.com/office/drawing/2014/main" val="1901585235"/>
+                  </a:ext>
+                </a:extLst>
+              </a:tr>
+              <a:tr h="370840">
+                <a:tc>
+                  <a:txBody>
+                    <a:bodyPr/>
+                    <a:lstStyle/>
+                    <a:p>
+                      <a:r>
+                        <a:rPr lang="en-US" sz="2400" dirty="0"/>
+                        <a:t>Cubic-Bezier</a:t>
+                      </a:r>
+                    </a:p>
+                  </a:txBody>
+                  <a:tcPr/>
+                </a:tc>
+                <a:tc>
+                  <a:txBody>
+                    <a:bodyPr/>
+                    <a:lstStyle/>
+                    <a:p>
+                      <a:r>
+                        <a:rPr lang="en-US" sz="2400" dirty="0"/>
+                        <a:t>Lets you define your own values</a:t>
+                      </a:r>
+                    </a:p>
+                  </a:txBody>
+                  <a:tcPr/>
+                </a:tc>
+                <a:extLst>
+                  <a:ext uri="{0D108BD9-81ED-4DB2-BD59-A6C34878D82A}">
+                    <a16:rowId xmlns:a16="http://schemas.microsoft.com/office/drawing/2014/main" val="4244193879"/>
+                  </a:ext>
+                </a:extLst>
+              </a:tr>
+            </a:tbl>
+          </a:graphicData>
+        </a:graphic>
+      </p:graphicFrame>
+    </p:spTree>
+    <p:extLst>
+      <p:ext uri="{BB962C8B-B14F-4D97-AF65-F5344CB8AC3E}">
+        <p14:creationId xmlns:p14="http://schemas.microsoft.com/office/powerpoint/2010/main" val="3206868323"/>
+      </p:ext>
+    </p:extLst>
+  </p:cSld>
+  <p:clrMapOvr>
+    <a:masterClrMapping/>
+  </p:clrMapOvr>
+</p:sld>
+</file>
+
+<file path=ppt/slides/slide79.xml><?xml version="1.0" encoding="utf-8"?>
+<p:sld xmlns:a="http://schemas.openxmlformats.org/drawingml/2006/main" xmlns:r="http://schemas.openxmlformats.org/officeDocument/2006/relationships" xmlns:p="http://schemas.openxmlformats.org/presentationml/2006/main">
+  <p:cSld>
+    <p:spTree>
+      <p:nvGrpSpPr>
+        <p:cNvPr id="1" name=""/>
+        <p:cNvGrpSpPr/>
+        <p:nvPr/>
+      </p:nvGrpSpPr>
+      <p:grpSpPr>
+        <a:xfrm>
+          <a:off x="0" y="0"/>
+          <a:ext cx="0" cy="0"/>
+          <a:chOff x="0" y="0"/>
+          <a:chExt cx="0" cy="0"/>
+        </a:xfrm>
+      </p:grpSpPr>
+      <p:sp>
+        <p:nvSpPr>
+          <p:cNvPr id="2" name="Title 1">
+            <a:extLst>
+              <a:ext uri="{FF2B5EF4-FFF2-40B4-BE49-F238E27FC236}">
+                <a16:creationId xmlns:a16="http://schemas.microsoft.com/office/drawing/2014/main" id="{DEBD337A-C29B-6F69-4130-05D693198164}"/>
+              </a:ext>
+            </a:extLst>
+          </p:cNvPr>
+          <p:cNvSpPr>
+            <a:spLocks noGrp="1"/>
+          </p:cNvSpPr>
+          <p:nvPr>
+            <p:ph type="title"/>
+          </p:nvPr>
+        </p:nvSpPr>
+        <p:spPr/>
+        <p:txBody>
+          <a:bodyPr/>
+          <a:lstStyle/>
+          <a:p>
+            <a:r>
+              <a:rPr lang="en-US" dirty="0"/>
+              <a:t>CSS Object-fit</a:t>
+            </a:r>
+          </a:p>
+        </p:txBody>
+      </p:sp>
+      <p:sp>
+        <p:nvSpPr>
+          <p:cNvPr id="3" name="Content Placeholder 2">
+            <a:extLst>
+              <a:ext uri="{FF2B5EF4-FFF2-40B4-BE49-F238E27FC236}">
+                <a16:creationId xmlns:a16="http://schemas.microsoft.com/office/drawing/2014/main" id="{EE080B77-9B54-01AE-5E77-12D9A1E642A4}"/>
+              </a:ext>
+            </a:extLst>
+          </p:cNvPr>
+          <p:cNvSpPr>
+            <a:spLocks noGrp="1"/>
+          </p:cNvSpPr>
+          <p:nvPr>
+            <p:ph idx="1"/>
+          </p:nvPr>
+        </p:nvSpPr>
+        <p:spPr/>
+        <p:txBody>
+          <a:bodyPr/>
+          <a:lstStyle/>
+          <a:p>
+            <a:endParaRPr lang="en-US"/>
+          </a:p>
+        </p:txBody>
+      </p:sp>
+    </p:spTree>
+    <p:extLst>
+      <p:ext uri="{BB962C8B-B14F-4D97-AF65-F5344CB8AC3E}">
+        <p14:creationId xmlns:p14="http://schemas.microsoft.com/office/powerpoint/2010/main" val="2578260547"/>
+      </p:ext>
+    </p:extLst>
+  </p:cSld>
+  <p:clrMapOvr>
+    <a:masterClrMapping/>
+  </p:clrMapOvr>
+</p:sld>
+</file>
+
 <file path=ppt/slides/slide8.xml><?xml version="1.0" encoding="utf-8"?>
 <p:sld xmlns:a="http://schemas.openxmlformats.org/drawingml/2006/main" xmlns:r="http://schemas.openxmlformats.org/officeDocument/2006/relationships" xmlns:p="http://schemas.openxmlformats.org/presentationml/2006/main">
   <p:cSld>
@@ -18125,6 +18760,110 @@
     <p:extLst>
       <p:ext uri="{BB962C8B-B14F-4D97-AF65-F5344CB8AC3E}">
         <p14:creationId xmlns:p14="http://schemas.microsoft.com/office/powerpoint/2010/main" val="4051282696"/>
+      </p:ext>
+    </p:extLst>
+  </p:cSld>
+  <p:clrMapOvr>
+    <a:masterClrMapping/>
+  </p:clrMapOvr>
+</p:sld>
+</file>
+
+<file path=ppt/slides/slide80.xml><?xml version="1.0" encoding="utf-8"?>
+<p:sld xmlns:a="http://schemas.openxmlformats.org/drawingml/2006/main" xmlns:r="http://schemas.openxmlformats.org/officeDocument/2006/relationships" xmlns:p="http://schemas.openxmlformats.org/presentationml/2006/main">
+  <p:cSld>
+    <p:spTree>
+      <p:nvGrpSpPr>
+        <p:cNvPr id="1" name=""/>
+        <p:cNvGrpSpPr/>
+        <p:nvPr/>
+      </p:nvGrpSpPr>
+      <p:grpSpPr>
+        <a:xfrm>
+          <a:off x="0" y="0"/>
+          <a:ext cx="0" cy="0"/>
+          <a:chOff x="0" y="0"/>
+          <a:chExt cx="0" cy="0"/>
+        </a:xfrm>
+      </p:grpSpPr>
+      <p:sp>
+        <p:nvSpPr>
+          <p:cNvPr id="2" name="Title 1">
+            <a:extLst>
+              <a:ext uri="{FF2B5EF4-FFF2-40B4-BE49-F238E27FC236}">
+                <a16:creationId xmlns:a16="http://schemas.microsoft.com/office/drawing/2014/main" id="{D6DF2932-76F8-2CA1-9135-21A5237BEDCC}"/>
+              </a:ext>
+            </a:extLst>
+          </p:cNvPr>
+          <p:cNvSpPr>
+            <a:spLocks noGrp="1"/>
+          </p:cNvSpPr>
+          <p:nvPr>
+            <p:ph type="title"/>
+          </p:nvPr>
+        </p:nvSpPr>
+        <p:spPr/>
+        <p:txBody>
+          <a:bodyPr/>
+          <a:lstStyle/>
+          <a:p>
+            <a:r>
+              <a:rPr lang="en-US" dirty="0"/>
+              <a:t>CSS: User-Select</a:t>
+            </a:r>
+          </a:p>
+        </p:txBody>
+      </p:sp>
+      <p:sp>
+        <p:nvSpPr>
+          <p:cNvPr id="3" name="Content Placeholder 2">
+            <a:extLst>
+              <a:ext uri="{FF2B5EF4-FFF2-40B4-BE49-F238E27FC236}">
+                <a16:creationId xmlns:a16="http://schemas.microsoft.com/office/drawing/2014/main" id="{ED55D506-F53F-83D5-05ED-8A863B6716B8}"/>
+              </a:ext>
+            </a:extLst>
+          </p:cNvPr>
+          <p:cNvSpPr>
+            <a:spLocks noGrp="1"/>
+          </p:cNvSpPr>
+          <p:nvPr>
+            <p:ph idx="1"/>
+          </p:nvPr>
+        </p:nvSpPr>
+        <p:spPr/>
+        <p:txBody>
+          <a:bodyPr/>
+          <a:lstStyle/>
+          <a:p>
+            <a:r>
+              <a:rPr lang="en-US" dirty="0"/>
+              <a:t>Auto</a:t>
+            </a:r>
+          </a:p>
+          <a:p>
+            <a:r>
+              <a:rPr lang="en-US" dirty="0"/>
+              <a:t>None</a:t>
+            </a:r>
+          </a:p>
+          <a:p>
+            <a:r>
+              <a:rPr lang="en-US" dirty="0"/>
+              <a:t>Text</a:t>
+            </a:r>
+          </a:p>
+          <a:p>
+            <a:r>
+              <a:rPr lang="en-US" dirty="0"/>
+              <a:t>all</a:t>
+            </a:r>
+          </a:p>
+        </p:txBody>
+      </p:sp>
+    </p:spTree>
+    <p:extLst>
+      <p:ext uri="{BB962C8B-B14F-4D97-AF65-F5344CB8AC3E}">
+        <p14:creationId xmlns:p14="http://schemas.microsoft.com/office/powerpoint/2010/main" val="1072488500"/>
       </p:ext>
     </p:extLst>
   </p:cSld>

--- a/CSS.pptx
+++ b/CSS.pptx
@@ -85,6 +85,10 @@
     <p:sldId id="333" r:id="rId79"/>
     <p:sldId id="334" r:id="rId80"/>
     <p:sldId id="335" r:id="rId81"/>
+    <p:sldId id="336" r:id="rId82"/>
+    <p:sldId id="337" r:id="rId83"/>
+    <p:sldId id="338" r:id="rId84"/>
+    <p:sldId id="339" r:id="rId85"/>
   </p:sldIdLst>
   <p:sldSz cx="12192000" cy="6858000"/>
   <p:notesSz cx="6858000" cy="9144000"/>
@@ -338,7 +342,7 @@
           <a:p>
             <a:fld id="{E6A9BA00-07BE-4836-8229-BCB8917AB7E6}" type="datetimeFigureOut">
               <a:rPr lang="en-US" smtClean="0"/>
-              <a:t>12/12/2022</a:t>
+              <a:t>12/14/2022</a:t>
             </a:fld>
             <a:endParaRPr lang="en-US"/>
           </a:p>
@@ -536,7 +540,7 @@
           <a:p>
             <a:fld id="{E6A9BA00-07BE-4836-8229-BCB8917AB7E6}" type="datetimeFigureOut">
               <a:rPr lang="en-US" smtClean="0"/>
-              <a:t>12/12/2022</a:t>
+              <a:t>12/14/2022</a:t>
             </a:fld>
             <a:endParaRPr lang="en-US"/>
           </a:p>
@@ -744,7 +748,7 @@
           <a:p>
             <a:fld id="{E6A9BA00-07BE-4836-8229-BCB8917AB7E6}" type="datetimeFigureOut">
               <a:rPr lang="en-US" smtClean="0"/>
-              <a:t>12/12/2022</a:t>
+              <a:t>12/14/2022</a:t>
             </a:fld>
             <a:endParaRPr lang="en-US"/>
           </a:p>
@@ -942,7 +946,7 @@
           <a:p>
             <a:fld id="{E6A9BA00-07BE-4836-8229-BCB8917AB7E6}" type="datetimeFigureOut">
               <a:rPr lang="en-US" smtClean="0"/>
-              <a:t>12/12/2022</a:t>
+              <a:t>12/14/2022</a:t>
             </a:fld>
             <a:endParaRPr lang="en-US"/>
           </a:p>
@@ -1217,7 +1221,7 @@
           <a:p>
             <a:fld id="{E6A9BA00-07BE-4836-8229-BCB8917AB7E6}" type="datetimeFigureOut">
               <a:rPr lang="en-US" smtClean="0"/>
-              <a:t>12/12/2022</a:t>
+              <a:t>12/14/2022</a:t>
             </a:fld>
             <a:endParaRPr lang="en-US"/>
           </a:p>
@@ -1482,7 +1486,7 @@
           <a:p>
             <a:fld id="{E6A9BA00-07BE-4836-8229-BCB8917AB7E6}" type="datetimeFigureOut">
               <a:rPr lang="en-US" smtClean="0"/>
-              <a:t>12/12/2022</a:t>
+              <a:t>12/14/2022</a:t>
             </a:fld>
             <a:endParaRPr lang="en-US"/>
           </a:p>
@@ -1894,7 +1898,7 @@
           <a:p>
             <a:fld id="{E6A9BA00-07BE-4836-8229-BCB8917AB7E6}" type="datetimeFigureOut">
               <a:rPr lang="en-US" smtClean="0"/>
-              <a:t>12/12/2022</a:t>
+              <a:t>12/14/2022</a:t>
             </a:fld>
             <a:endParaRPr lang="en-US"/>
           </a:p>
@@ -2035,7 +2039,7 @@
           <a:p>
             <a:fld id="{E6A9BA00-07BE-4836-8229-BCB8917AB7E6}" type="datetimeFigureOut">
               <a:rPr lang="en-US" smtClean="0"/>
-              <a:t>12/12/2022</a:t>
+              <a:t>12/14/2022</a:t>
             </a:fld>
             <a:endParaRPr lang="en-US"/>
           </a:p>
@@ -2148,7 +2152,7 @@
           <a:p>
             <a:fld id="{E6A9BA00-07BE-4836-8229-BCB8917AB7E6}" type="datetimeFigureOut">
               <a:rPr lang="en-US" smtClean="0"/>
-              <a:t>12/12/2022</a:t>
+              <a:t>12/14/2022</a:t>
             </a:fld>
             <a:endParaRPr lang="en-US"/>
           </a:p>
@@ -2459,7 +2463,7 @@
           <a:p>
             <a:fld id="{E6A9BA00-07BE-4836-8229-BCB8917AB7E6}" type="datetimeFigureOut">
               <a:rPr lang="en-US" smtClean="0"/>
-              <a:t>12/12/2022</a:t>
+              <a:t>12/14/2022</a:t>
             </a:fld>
             <a:endParaRPr lang="en-US"/>
           </a:p>
@@ -2747,7 +2751,7 @@
           <a:p>
             <a:fld id="{E6A9BA00-07BE-4836-8229-BCB8917AB7E6}" type="datetimeFigureOut">
               <a:rPr lang="en-US" smtClean="0"/>
-              <a:t>12/12/2022</a:t>
+              <a:t>12/14/2022</a:t>
             </a:fld>
             <a:endParaRPr lang="en-US"/>
           </a:p>
@@ -2988,7 +2992,7 @@
           <a:p>
             <a:fld id="{E6A9BA00-07BE-4836-8229-BCB8917AB7E6}" type="datetimeFigureOut">
               <a:rPr lang="en-US" smtClean="0"/>
-              <a:t>12/12/2022</a:t>
+              <a:t>12/14/2022</a:t>
             </a:fld>
             <a:endParaRPr lang="en-US"/>
           </a:p>
@@ -18873,6 +18877,1636 @@
 </p:sld>
 </file>
 
+<file path=ppt/slides/slide81.xml><?xml version="1.0" encoding="utf-8"?>
+<p:sld xmlns:a="http://schemas.openxmlformats.org/drawingml/2006/main" xmlns:r="http://schemas.openxmlformats.org/officeDocument/2006/relationships" xmlns:p="http://schemas.openxmlformats.org/presentationml/2006/main">
+  <p:cSld>
+    <p:spTree>
+      <p:nvGrpSpPr>
+        <p:cNvPr id="1" name=""/>
+        <p:cNvGrpSpPr/>
+        <p:nvPr/>
+      </p:nvGrpSpPr>
+      <p:grpSpPr>
+        <a:xfrm>
+          <a:off x="0" y="0"/>
+          <a:ext cx="0" cy="0"/>
+          <a:chOff x="0" y="0"/>
+          <a:chExt cx="0" cy="0"/>
+        </a:xfrm>
+      </p:grpSpPr>
+      <p:sp>
+        <p:nvSpPr>
+          <p:cNvPr id="2" name="Title 1">
+            <a:extLst>
+              <a:ext uri="{FF2B5EF4-FFF2-40B4-BE49-F238E27FC236}">
+                <a16:creationId xmlns:a16="http://schemas.microsoft.com/office/drawing/2014/main" id="{7BDD9AA6-D8B1-5834-12F7-E9223F05B420}"/>
+              </a:ext>
+            </a:extLst>
+          </p:cNvPr>
+          <p:cNvSpPr>
+            <a:spLocks noGrp="1"/>
+          </p:cNvSpPr>
+          <p:nvPr>
+            <p:ph type="title"/>
+          </p:nvPr>
+        </p:nvSpPr>
+        <p:spPr>
+          <a:xfrm>
+            <a:off x="838200" y="282347"/>
+            <a:ext cx="10515600" cy="1325563"/>
+          </a:xfrm>
+        </p:spPr>
+        <p:txBody>
+          <a:bodyPr/>
+          <a:lstStyle/>
+          <a:p>
+            <a:r>
+              <a:rPr lang="en-US" dirty="0"/>
+              <a:t>CSS: Grid</a:t>
+            </a:r>
+          </a:p>
+        </p:txBody>
+      </p:sp>
+      <p:sp>
+        <p:nvSpPr>
+          <p:cNvPr id="3" name="Content Placeholder 2">
+            <a:extLst>
+              <a:ext uri="{FF2B5EF4-FFF2-40B4-BE49-F238E27FC236}">
+                <a16:creationId xmlns:a16="http://schemas.microsoft.com/office/drawing/2014/main" id="{183B5093-F0D3-FEFA-AEEE-5F78FDEDDDCF}"/>
+              </a:ext>
+            </a:extLst>
+          </p:cNvPr>
+          <p:cNvSpPr>
+            <a:spLocks noGrp="1"/>
+          </p:cNvSpPr>
+          <p:nvPr>
+            <p:ph idx="1"/>
+          </p:nvPr>
+        </p:nvSpPr>
+        <p:spPr/>
+        <p:txBody>
+          <a:bodyPr/>
+          <a:lstStyle/>
+          <a:p>
+            <a:r>
+              <a:rPr lang="en-US" dirty="0"/>
+              <a:t>Two dimensional grid system</a:t>
+            </a:r>
+          </a:p>
+          <a:p>
+            <a:r>
+              <a:rPr lang="en-US" dirty="0"/>
+              <a:t>CSS Grid layout replaces float layout</a:t>
+            </a:r>
+          </a:p>
+          <a:p>
+            <a:r>
+              <a:rPr lang="en-US" dirty="0"/>
+              <a:t>Fast &amp; clean code</a:t>
+            </a:r>
+          </a:p>
+          <a:p>
+            <a:r>
+              <a:rPr lang="en-US" dirty="0"/>
+              <a:t>No need of CSS frameworks</a:t>
+            </a:r>
+          </a:p>
+        </p:txBody>
+      </p:sp>
+    </p:spTree>
+    <p:extLst>
+      <p:ext uri="{BB962C8B-B14F-4D97-AF65-F5344CB8AC3E}">
+        <p14:creationId xmlns:p14="http://schemas.microsoft.com/office/powerpoint/2010/main" val="1195040803"/>
+      </p:ext>
+    </p:extLst>
+  </p:cSld>
+  <p:clrMapOvr>
+    <a:masterClrMapping/>
+  </p:clrMapOvr>
+</p:sld>
+</file>
+
+<file path=ppt/slides/slide82.xml><?xml version="1.0" encoding="utf-8"?>
+<p:sld xmlns:a="http://schemas.openxmlformats.org/drawingml/2006/main" xmlns:r="http://schemas.openxmlformats.org/officeDocument/2006/relationships" xmlns:p="http://schemas.openxmlformats.org/presentationml/2006/main">
+  <p:cSld>
+    <p:spTree>
+      <p:nvGrpSpPr>
+        <p:cNvPr id="1" name=""/>
+        <p:cNvGrpSpPr/>
+        <p:nvPr/>
+      </p:nvGrpSpPr>
+      <p:grpSpPr>
+        <a:xfrm>
+          <a:off x="0" y="0"/>
+          <a:ext cx="0" cy="0"/>
+          <a:chOff x="0" y="0"/>
+          <a:chExt cx="0" cy="0"/>
+        </a:xfrm>
+      </p:grpSpPr>
+      <p:sp>
+        <p:nvSpPr>
+          <p:cNvPr id="4" name="Rectangle 3">
+            <a:extLst>
+              <a:ext uri="{FF2B5EF4-FFF2-40B4-BE49-F238E27FC236}">
+                <a16:creationId xmlns:a16="http://schemas.microsoft.com/office/drawing/2014/main" id="{C07376F7-78AF-3164-D307-2EEF9A14BBD1}"/>
+              </a:ext>
+            </a:extLst>
+          </p:cNvPr>
+          <p:cNvSpPr/>
+          <p:nvPr/>
+        </p:nvSpPr>
+        <p:spPr>
+          <a:xfrm>
+            <a:off x="1190171" y="682171"/>
+            <a:ext cx="9884229" cy="5486400"/>
+          </a:xfrm>
+          <a:prstGeom prst="rect">
+            <a:avLst/>
+          </a:prstGeom>
+          <a:solidFill>
+            <a:schemeClr val="accent1">
+              <a:lumMod val="60000"/>
+              <a:lumOff val="40000"/>
+            </a:schemeClr>
+          </a:solidFill>
+        </p:spPr>
+        <p:style>
+          <a:lnRef idx="2">
+            <a:schemeClr val="accent1">
+              <a:shade val="50000"/>
+            </a:schemeClr>
+          </a:lnRef>
+          <a:fillRef idx="1">
+            <a:schemeClr val="accent1"/>
+          </a:fillRef>
+          <a:effectRef idx="0">
+            <a:schemeClr val="accent1"/>
+          </a:effectRef>
+          <a:fontRef idx="minor">
+            <a:schemeClr val="lt1"/>
+          </a:fontRef>
+        </p:style>
+        <p:txBody>
+          <a:bodyPr rtlCol="0" anchor="ctr"/>
+          <a:lstStyle/>
+          <a:p>
+            <a:pPr algn="ctr"/>
+            <a:endParaRPr lang="en-US"/>
+          </a:p>
+        </p:txBody>
+      </p:sp>
+      <p:sp>
+        <p:nvSpPr>
+          <p:cNvPr id="5" name="Rectangle 4">
+            <a:extLst>
+              <a:ext uri="{FF2B5EF4-FFF2-40B4-BE49-F238E27FC236}">
+                <a16:creationId xmlns:a16="http://schemas.microsoft.com/office/drawing/2014/main" id="{D032618A-5A14-194A-0476-12B6C26F57F5}"/>
+              </a:ext>
+            </a:extLst>
+          </p:cNvPr>
+          <p:cNvSpPr/>
+          <p:nvPr/>
+        </p:nvSpPr>
+        <p:spPr>
+          <a:xfrm>
+            <a:off x="1190171" y="682171"/>
+            <a:ext cx="2220686" cy="2264229"/>
+          </a:xfrm>
+          <a:prstGeom prst="rect">
+            <a:avLst/>
+          </a:prstGeom>
+          <a:solidFill>
+            <a:schemeClr val="accent2">
+              <a:lumMod val="50000"/>
+            </a:schemeClr>
+          </a:solidFill>
+        </p:spPr>
+        <p:style>
+          <a:lnRef idx="2">
+            <a:schemeClr val="accent1">
+              <a:shade val="50000"/>
+            </a:schemeClr>
+          </a:lnRef>
+          <a:fillRef idx="1">
+            <a:schemeClr val="accent1"/>
+          </a:fillRef>
+          <a:effectRef idx="0">
+            <a:schemeClr val="accent1"/>
+          </a:effectRef>
+          <a:fontRef idx="minor">
+            <a:schemeClr val="lt1"/>
+          </a:fontRef>
+        </p:style>
+        <p:txBody>
+          <a:bodyPr rtlCol="0" anchor="ctr"/>
+          <a:lstStyle/>
+          <a:p>
+            <a:pPr algn="ctr"/>
+            <a:endParaRPr lang="en-US"/>
+          </a:p>
+        </p:txBody>
+      </p:sp>
+      <p:sp>
+        <p:nvSpPr>
+          <p:cNvPr id="6" name="Rectangle 5">
+            <a:extLst>
+              <a:ext uri="{FF2B5EF4-FFF2-40B4-BE49-F238E27FC236}">
+                <a16:creationId xmlns:a16="http://schemas.microsoft.com/office/drawing/2014/main" id="{730B4B64-42F6-3FD3-4EBF-DC82CA964DF5}"/>
+              </a:ext>
+            </a:extLst>
+          </p:cNvPr>
+          <p:cNvSpPr/>
+          <p:nvPr/>
+        </p:nvSpPr>
+        <p:spPr>
+          <a:xfrm>
+            <a:off x="5196114" y="689429"/>
+            <a:ext cx="2220686" cy="2264229"/>
+          </a:xfrm>
+          <a:prstGeom prst="rect">
+            <a:avLst/>
+          </a:prstGeom>
+          <a:solidFill>
+            <a:schemeClr val="accent2">
+              <a:lumMod val="50000"/>
+            </a:schemeClr>
+          </a:solidFill>
+        </p:spPr>
+        <p:style>
+          <a:lnRef idx="2">
+            <a:schemeClr val="accent1">
+              <a:shade val="50000"/>
+            </a:schemeClr>
+          </a:lnRef>
+          <a:fillRef idx="1">
+            <a:schemeClr val="accent1"/>
+          </a:fillRef>
+          <a:effectRef idx="0">
+            <a:schemeClr val="accent1"/>
+          </a:effectRef>
+          <a:fontRef idx="minor">
+            <a:schemeClr val="lt1"/>
+          </a:fontRef>
+        </p:style>
+        <p:txBody>
+          <a:bodyPr rtlCol="0" anchor="ctr"/>
+          <a:lstStyle/>
+          <a:p>
+            <a:pPr algn="ctr"/>
+            <a:endParaRPr lang="en-US"/>
+          </a:p>
+        </p:txBody>
+      </p:sp>
+      <p:sp>
+        <p:nvSpPr>
+          <p:cNvPr id="7" name="Rectangle 6">
+            <a:extLst>
+              <a:ext uri="{FF2B5EF4-FFF2-40B4-BE49-F238E27FC236}">
+                <a16:creationId xmlns:a16="http://schemas.microsoft.com/office/drawing/2014/main" id="{B4B08CD5-DB4F-AE3B-4039-72B91DCEA11C}"/>
+              </a:ext>
+            </a:extLst>
+          </p:cNvPr>
+          <p:cNvSpPr/>
+          <p:nvPr/>
+        </p:nvSpPr>
+        <p:spPr>
+          <a:xfrm>
+            <a:off x="8853714" y="689429"/>
+            <a:ext cx="2220686" cy="2264229"/>
+          </a:xfrm>
+          <a:prstGeom prst="rect">
+            <a:avLst/>
+          </a:prstGeom>
+          <a:solidFill>
+            <a:schemeClr val="accent2">
+              <a:lumMod val="50000"/>
+            </a:schemeClr>
+          </a:solidFill>
+        </p:spPr>
+        <p:style>
+          <a:lnRef idx="2">
+            <a:schemeClr val="accent1">
+              <a:shade val="50000"/>
+            </a:schemeClr>
+          </a:lnRef>
+          <a:fillRef idx="1">
+            <a:schemeClr val="accent1"/>
+          </a:fillRef>
+          <a:effectRef idx="0">
+            <a:schemeClr val="accent1"/>
+          </a:effectRef>
+          <a:fontRef idx="minor">
+            <a:schemeClr val="lt1"/>
+          </a:fontRef>
+        </p:style>
+        <p:txBody>
+          <a:bodyPr rtlCol="0" anchor="ctr"/>
+          <a:lstStyle/>
+          <a:p>
+            <a:pPr algn="ctr"/>
+            <a:endParaRPr lang="en-US"/>
+          </a:p>
+        </p:txBody>
+      </p:sp>
+      <p:sp>
+        <p:nvSpPr>
+          <p:cNvPr id="8" name="Rectangle 7">
+            <a:extLst>
+              <a:ext uri="{FF2B5EF4-FFF2-40B4-BE49-F238E27FC236}">
+                <a16:creationId xmlns:a16="http://schemas.microsoft.com/office/drawing/2014/main" id="{058A0E1E-0D38-11C7-551E-DC8D0DF9998E}"/>
+              </a:ext>
+            </a:extLst>
+          </p:cNvPr>
+          <p:cNvSpPr/>
+          <p:nvPr/>
+        </p:nvSpPr>
+        <p:spPr>
+          <a:xfrm>
+            <a:off x="8853714" y="3911600"/>
+            <a:ext cx="2220686" cy="2264229"/>
+          </a:xfrm>
+          <a:prstGeom prst="rect">
+            <a:avLst/>
+          </a:prstGeom>
+          <a:solidFill>
+            <a:schemeClr val="accent2">
+              <a:lumMod val="50000"/>
+            </a:schemeClr>
+          </a:solidFill>
+        </p:spPr>
+        <p:style>
+          <a:lnRef idx="2">
+            <a:schemeClr val="accent1">
+              <a:shade val="50000"/>
+            </a:schemeClr>
+          </a:lnRef>
+          <a:fillRef idx="1">
+            <a:schemeClr val="accent1"/>
+          </a:fillRef>
+          <a:effectRef idx="0">
+            <a:schemeClr val="accent1"/>
+          </a:effectRef>
+          <a:fontRef idx="minor">
+            <a:schemeClr val="lt1"/>
+          </a:fontRef>
+        </p:style>
+        <p:txBody>
+          <a:bodyPr rtlCol="0" anchor="ctr"/>
+          <a:lstStyle/>
+          <a:p>
+            <a:pPr algn="ctr"/>
+            <a:endParaRPr lang="en-US"/>
+          </a:p>
+        </p:txBody>
+      </p:sp>
+      <p:sp>
+        <p:nvSpPr>
+          <p:cNvPr id="9" name="Rectangle 8">
+            <a:extLst>
+              <a:ext uri="{FF2B5EF4-FFF2-40B4-BE49-F238E27FC236}">
+                <a16:creationId xmlns:a16="http://schemas.microsoft.com/office/drawing/2014/main" id="{4CBDED16-3902-DBA1-FE83-59397CEBF15C}"/>
+              </a:ext>
+            </a:extLst>
+          </p:cNvPr>
+          <p:cNvSpPr/>
+          <p:nvPr/>
+        </p:nvSpPr>
+        <p:spPr>
+          <a:xfrm>
+            <a:off x="5196114" y="3911600"/>
+            <a:ext cx="2220686" cy="2264229"/>
+          </a:xfrm>
+          <a:prstGeom prst="rect">
+            <a:avLst/>
+          </a:prstGeom>
+          <a:solidFill>
+            <a:schemeClr val="accent2">
+              <a:lumMod val="50000"/>
+            </a:schemeClr>
+          </a:solidFill>
+        </p:spPr>
+        <p:style>
+          <a:lnRef idx="2">
+            <a:schemeClr val="accent1">
+              <a:shade val="50000"/>
+            </a:schemeClr>
+          </a:lnRef>
+          <a:fillRef idx="1">
+            <a:schemeClr val="accent1"/>
+          </a:fillRef>
+          <a:effectRef idx="0">
+            <a:schemeClr val="accent1"/>
+          </a:effectRef>
+          <a:fontRef idx="minor">
+            <a:schemeClr val="lt1"/>
+          </a:fontRef>
+        </p:style>
+        <p:txBody>
+          <a:bodyPr rtlCol="0" anchor="ctr"/>
+          <a:lstStyle/>
+          <a:p>
+            <a:pPr algn="ctr"/>
+            <a:endParaRPr lang="en-US"/>
+          </a:p>
+        </p:txBody>
+      </p:sp>
+      <p:sp>
+        <p:nvSpPr>
+          <p:cNvPr id="10" name="Rectangle 9">
+            <a:extLst>
+              <a:ext uri="{FF2B5EF4-FFF2-40B4-BE49-F238E27FC236}">
+                <a16:creationId xmlns:a16="http://schemas.microsoft.com/office/drawing/2014/main" id="{2E7061A2-D5D5-9BF9-2451-593FF73FE7ED}"/>
+              </a:ext>
+            </a:extLst>
+          </p:cNvPr>
+          <p:cNvSpPr/>
+          <p:nvPr/>
+        </p:nvSpPr>
+        <p:spPr>
+          <a:xfrm>
+            <a:off x="1190171" y="3904342"/>
+            <a:ext cx="2220686" cy="2264229"/>
+          </a:xfrm>
+          <a:prstGeom prst="rect">
+            <a:avLst/>
+          </a:prstGeom>
+          <a:solidFill>
+            <a:schemeClr val="accent2">
+              <a:lumMod val="50000"/>
+            </a:schemeClr>
+          </a:solidFill>
+        </p:spPr>
+        <p:style>
+          <a:lnRef idx="2">
+            <a:schemeClr val="accent1">
+              <a:shade val="50000"/>
+            </a:schemeClr>
+          </a:lnRef>
+          <a:fillRef idx="1">
+            <a:schemeClr val="accent1"/>
+          </a:fillRef>
+          <a:effectRef idx="0">
+            <a:schemeClr val="accent1"/>
+          </a:effectRef>
+          <a:fontRef idx="minor">
+            <a:schemeClr val="lt1"/>
+          </a:fontRef>
+        </p:style>
+        <p:txBody>
+          <a:bodyPr rtlCol="0" anchor="ctr"/>
+          <a:lstStyle/>
+          <a:p>
+            <a:pPr algn="ctr"/>
+            <a:endParaRPr lang="en-US"/>
+          </a:p>
+        </p:txBody>
+      </p:sp>
+      <p:cxnSp>
+        <p:nvCxnSpPr>
+          <p:cNvPr id="12" name="Straight Arrow Connector 11">
+            <a:extLst>
+              <a:ext uri="{FF2B5EF4-FFF2-40B4-BE49-F238E27FC236}">
+                <a16:creationId xmlns:a16="http://schemas.microsoft.com/office/drawing/2014/main" id="{1D0E39D5-7096-13FA-4207-59E1716D1067}"/>
+              </a:ext>
+            </a:extLst>
+          </p:cNvPr>
+          <p:cNvCxnSpPr>
+            <a:cxnSpLocks/>
+            <a:stCxn id="10" idx="1"/>
+          </p:cNvCxnSpPr>
+          <p:nvPr/>
+        </p:nvCxnSpPr>
+        <p:spPr>
+          <a:xfrm flipH="1">
+            <a:off x="723709" y="5036457"/>
+            <a:ext cx="466462" cy="1349829"/>
+          </a:xfrm>
+          <a:prstGeom prst="straightConnector1">
+            <a:avLst/>
+          </a:prstGeom>
+          <a:ln>
+            <a:tailEnd type="triangle"/>
+          </a:ln>
+        </p:spPr>
+        <p:style>
+          <a:lnRef idx="1">
+            <a:schemeClr val="accent1"/>
+          </a:lnRef>
+          <a:fillRef idx="0">
+            <a:schemeClr val="accent1"/>
+          </a:fillRef>
+          <a:effectRef idx="0">
+            <a:schemeClr val="accent1"/>
+          </a:effectRef>
+          <a:fontRef idx="minor">
+            <a:schemeClr val="tx1"/>
+          </a:fontRef>
+        </p:style>
+      </p:cxnSp>
+      <p:sp>
+        <p:nvSpPr>
+          <p:cNvPr id="13" name="TextBox 12">
+            <a:extLst>
+              <a:ext uri="{FF2B5EF4-FFF2-40B4-BE49-F238E27FC236}">
+                <a16:creationId xmlns:a16="http://schemas.microsoft.com/office/drawing/2014/main" id="{2BB27D0A-72E8-C07C-235B-22171A404798}"/>
+              </a:ext>
+            </a:extLst>
+          </p:cNvPr>
+          <p:cNvSpPr txBox="1"/>
+          <p:nvPr/>
+        </p:nvSpPr>
+        <p:spPr>
+          <a:xfrm>
+            <a:off x="232229" y="6516914"/>
+            <a:ext cx="982961" cy="369332"/>
+          </a:xfrm>
+          <a:prstGeom prst="rect">
+            <a:avLst/>
+          </a:prstGeom>
+          <a:noFill/>
+        </p:spPr>
+        <p:txBody>
+          <a:bodyPr wrap="none" rtlCol="0">
+            <a:spAutoFit/>
+          </a:bodyPr>
+          <a:lstStyle/>
+          <a:p>
+            <a:r>
+              <a:rPr lang="en-US" dirty="0"/>
+              <a:t>Grid Cell</a:t>
+            </a:r>
+          </a:p>
+        </p:txBody>
+      </p:sp>
+      <p:sp>
+        <p:nvSpPr>
+          <p:cNvPr id="15" name="TextBox 14">
+            <a:extLst>
+              <a:ext uri="{FF2B5EF4-FFF2-40B4-BE49-F238E27FC236}">
+                <a16:creationId xmlns:a16="http://schemas.microsoft.com/office/drawing/2014/main" id="{29D29833-2416-56D8-AE1D-C1605206F77E}"/>
+              </a:ext>
+            </a:extLst>
+          </p:cNvPr>
+          <p:cNvSpPr txBox="1"/>
+          <p:nvPr/>
+        </p:nvSpPr>
+        <p:spPr>
+          <a:xfrm>
+            <a:off x="3933372" y="149162"/>
+            <a:ext cx="1558312" cy="369332"/>
+          </a:xfrm>
+          <a:prstGeom prst="rect">
+            <a:avLst/>
+          </a:prstGeom>
+          <a:noFill/>
+        </p:spPr>
+        <p:txBody>
+          <a:bodyPr wrap="none" rtlCol="0">
+            <a:spAutoFit/>
+          </a:bodyPr>
+          <a:lstStyle/>
+          <a:p>
+            <a:r>
+              <a:rPr lang="en-US" dirty="0"/>
+              <a:t>Grid Container</a:t>
+            </a:r>
+          </a:p>
+        </p:txBody>
+      </p:sp>
+      <p:cxnSp>
+        <p:nvCxnSpPr>
+          <p:cNvPr id="17" name="Straight Arrow Connector 16">
+            <a:extLst>
+              <a:ext uri="{FF2B5EF4-FFF2-40B4-BE49-F238E27FC236}">
+                <a16:creationId xmlns:a16="http://schemas.microsoft.com/office/drawing/2014/main" id="{FD22BFED-19AD-1DC3-84BB-7F32DE4C90C5}"/>
+              </a:ext>
+            </a:extLst>
+          </p:cNvPr>
+          <p:cNvCxnSpPr>
+            <a:stCxn id="7" idx="3"/>
+          </p:cNvCxnSpPr>
+          <p:nvPr/>
+        </p:nvCxnSpPr>
+        <p:spPr>
+          <a:xfrm>
+            <a:off x="11074400" y="1821544"/>
+            <a:ext cx="522514" cy="1603827"/>
+          </a:xfrm>
+          <a:prstGeom prst="straightConnector1">
+            <a:avLst/>
+          </a:prstGeom>
+          <a:ln>
+            <a:tailEnd type="triangle"/>
+          </a:ln>
+        </p:spPr>
+        <p:style>
+          <a:lnRef idx="1">
+            <a:schemeClr val="accent1"/>
+          </a:lnRef>
+          <a:fillRef idx="0">
+            <a:schemeClr val="accent1"/>
+          </a:fillRef>
+          <a:effectRef idx="0">
+            <a:schemeClr val="accent1"/>
+          </a:effectRef>
+          <a:fontRef idx="minor">
+            <a:schemeClr val="tx1"/>
+          </a:fontRef>
+        </p:style>
+      </p:cxnSp>
+      <p:cxnSp>
+        <p:nvCxnSpPr>
+          <p:cNvPr id="19" name="Straight Arrow Connector 18">
+            <a:extLst>
+              <a:ext uri="{FF2B5EF4-FFF2-40B4-BE49-F238E27FC236}">
+                <a16:creationId xmlns:a16="http://schemas.microsoft.com/office/drawing/2014/main" id="{29B84109-EB6D-78C9-69B8-2980AB8D6A95}"/>
+              </a:ext>
+            </a:extLst>
+          </p:cNvPr>
+          <p:cNvCxnSpPr>
+            <a:stCxn id="8" idx="3"/>
+          </p:cNvCxnSpPr>
+          <p:nvPr/>
+        </p:nvCxnSpPr>
+        <p:spPr>
+          <a:xfrm flipV="1">
+            <a:off x="11074400" y="3425371"/>
+            <a:ext cx="522514" cy="1618344"/>
+          </a:xfrm>
+          <a:prstGeom prst="straightConnector1">
+            <a:avLst/>
+          </a:prstGeom>
+          <a:ln>
+            <a:tailEnd type="triangle"/>
+          </a:ln>
+        </p:spPr>
+        <p:style>
+          <a:lnRef idx="1">
+            <a:schemeClr val="accent1"/>
+          </a:lnRef>
+          <a:fillRef idx="0">
+            <a:schemeClr val="accent1"/>
+          </a:fillRef>
+          <a:effectRef idx="0">
+            <a:schemeClr val="accent1"/>
+          </a:effectRef>
+          <a:fontRef idx="minor">
+            <a:schemeClr val="tx1"/>
+          </a:fontRef>
+        </p:style>
+      </p:cxnSp>
+      <p:sp>
+        <p:nvSpPr>
+          <p:cNvPr id="20" name="TextBox 19">
+            <a:extLst>
+              <a:ext uri="{FF2B5EF4-FFF2-40B4-BE49-F238E27FC236}">
+                <a16:creationId xmlns:a16="http://schemas.microsoft.com/office/drawing/2014/main" id="{E3E0DA3B-2FA1-4D30-F0ED-2A6197765F63}"/>
+              </a:ext>
+            </a:extLst>
+          </p:cNvPr>
+          <p:cNvSpPr txBox="1"/>
+          <p:nvPr/>
+        </p:nvSpPr>
+        <p:spPr>
+          <a:xfrm>
+            <a:off x="11596914" y="2946400"/>
+            <a:ext cx="701539" cy="646331"/>
+          </a:xfrm>
+          <a:prstGeom prst="rect">
+            <a:avLst/>
+          </a:prstGeom>
+          <a:noFill/>
+        </p:spPr>
+        <p:txBody>
+          <a:bodyPr wrap="none" rtlCol="0">
+            <a:spAutoFit/>
+          </a:bodyPr>
+          <a:lstStyle/>
+          <a:p>
+            <a:r>
+              <a:rPr lang="en-US" dirty="0"/>
+              <a:t>Grid</a:t>
+            </a:r>
+          </a:p>
+          <a:p>
+            <a:r>
+              <a:rPr lang="en-US" dirty="0"/>
+              <a:t>items</a:t>
+            </a:r>
+          </a:p>
+        </p:txBody>
+      </p:sp>
+      <p:cxnSp>
+        <p:nvCxnSpPr>
+          <p:cNvPr id="22" name="Straight Connector 21">
+            <a:extLst>
+              <a:ext uri="{FF2B5EF4-FFF2-40B4-BE49-F238E27FC236}">
+                <a16:creationId xmlns:a16="http://schemas.microsoft.com/office/drawing/2014/main" id="{154F669D-1663-87A9-593A-0D26452A6CAB}"/>
+              </a:ext>
+            </a:extLst>
+          </p:cNvPr>
+          <p:cNvCxnSpPr/>
+          <p:nvPr/>
+        </p:nvCxnSpPr>
+        <p:spPr>
+          <a:xfrm>
+            <a:off x="4064000" y="682171"/>
+            <a:ext cx="0" cy="5486400"/>
+          </a:xfrm>
+          <a:prstGeom prst="line">
+            <a:avLst/>
+          </a:prstGeom>
+          <a:ln>
+            <a:solidFill>
+              <a:schemeClr val="tx1">
+                <a:lumMod val="95000"/>
+                <a:lumOff val="5000"/>
+              </a:schemeClr>
+            </a:solidFill>
+          </a:ln>
+        </p:spPr>
+        <p:style>
+          <a:lnRef idx="1">
+            <a:schemeClr val="accent1"/>
+          </a:lnRef>
+          <a:fillRef idx="0">
+            <a:schemeClr val="accent1"/>
+          </a:fillRef>
+          <a:effectRef idx="0">
+            <a:schemeClr val="accent1"/>
+          </a:effectRef>
+          <a:fontRef idx="minor">
+            <a:schemeClr val="tx1"/>
+          </a:fontRef>
+        </p:style>
+      </p:cxnSp>
+      <p:cxnSp>
+        <p:nvCxnSpPr>
+          <p:cNvPr id="24" name="Straight Connector 23">
+            <a:extLst>
+              <a:ext uri="{FF2B5EF4-FFF2-40B4-BE49-F238E27FC236}">
+                <a16:creationId xmlns:a16="http://schemas.microsoft.com/office/drawing/2014/main" id="{313F3C4F-34E8-1172-9DDF-6D31A9F0B57F}"/>
+              </a:ext>
+            </a:extLst>
+          </p:cNvPr>
+          <p:cNvCxnSpPr/>
+          <p:nvPr/>
+        </p:nvCxnSpPr>
+        <p:spPr>
+          <a:xfrm>
+            <a:off x="8157029" y="689429"/>
+            <a:ext cx="0" cy="5479142"/>
+          </a:xfrm>
+          <a:prstGeom prst="line">
+            <a:avLst/>
+          </a:prstGeom>
+        </p:spPr>
+        <p:style>
+          <a:lnRef idx="1">
+            <a:schemeClr val="accent1"/>
+          </a:lnRef>
+          <a:fillRef idx="0">
+            <a:schemeClr val="accent1"/>
+          </a:fillRef>
+          <a:effectRef idx="0">
+            <a:schemeClr val="accent1"/>
+          </a:effectRef>
+          <a:fontRef idx="minor">
+            <a:schemeClr val="tx1"/>
+          </a:fontRef>
+        </p:style>
+      </p:cxnSp>
+      <p:sp>
+        <p:nvSpPr>
+          <p:cNvPr id="25" name="TextBox 24">
+            <a:extLst>
+              <a:ext uri="{FF2B5EF4-FFF2-40B4-BE49-F238E27FC236}">
+                <a16:creationId xmlns:a16="http://schemas.microsoft.com/office/drawing/2014/main" id="{8560BDC4-54DF-A78F-A567-0CF3D0510B2B}"/>
+              </a:ext>
+            </a:extLst>
+          </p:cNvPr>
+          <p:cNvSpPr txBox="1"/>
+          <p:nvPr/>
+        </p:nvSpPr>
+        <p:spPr>
+          <a:xfrm>
+            <a:off x="3802743" y="6516914"/>
+            <a:ext cx="981359" cy="369332"/>
+          </a:xfrm>
+          <a:prstGeom prst="rect">
+            <a:avLst/>
+          </a:prstGeom>
+          <a:noFill/>
+        </p:spPr>
+        <p:txBody>
+          <a:bodyPr wrap="none" rtlCol="0">
+            <a:spAutoFit/>
+          </a:bodyPr>
+          <a:lstStyle/>
+          <a:p>
+            <a:r>
+              <a:rPr lang="en-US" dirty="0"/>
+              <a:t>Grid line</a:t>
+            </a:r>
+          </a:p>
+        </p:txBody>
+      </p:sp>
+      <p:cxnSp>
+        <p:nvCxnSpPr>
+          <p:cNvPr id="27" name="Straight Connector 26">
+            <a:extLst>
+              <a:ext uri="{FF2B5EF4-FFF2-40B4-BE49-F238E27FC236}">
+                <a16:creationId xmlns:a16="http://schemas.microsoft.com/office/drawing/2014/main" id="{F04D703C-A6B1-6985-5009-CDD46CBB9DB5}"/>
+              </a:ext>
+            </a:extLst>
+          </p:cNvPr>
+          <p:cNvCxnSpPr>
+            <a:stCxn id="4" idx="1"/>
+            <a:endCxn id="4" idx="3"/>
+          </p:cNvCxnSpPr>
+          <p:nvPr/>
+        </p:nvCxnSpPr>
+        <p:spPr>
+          <a:xfrm>
+            <a:off x="1190171" y="3425371"/>
+            <a:ext cx="9884229" cy="0"/>
+          </a:xfrm>
+          <a:prstGeom prst="line">
+            <a:avLst/>
+          </a:prstGeom>
+        </p:spPr>
+        <p:style>
+          <a:lnRef idx="1">
+            <a:schemeClr val="accent1"/>
+          </a:lnRef>
+          <a:fillRef idx="0">
+            <a:schemeClr val="accent1"/>
+          </a:fillRef>
+          <a:effectRef idx="0">
+            <a:schemeClr val="accent1"/>
+          </a:effectRef>
+          <a:fontRef idx="minor">
+            <a:schemeClr val="tx1"/>
+          </a:fontRef>
+        </p:style>
+      </p:cxnSp>
+      <p:sp>
+        <p:nvSpPr>
+          <p:cNvPr id="28" name="Rectangle 27">
+            <a:extLst>
+              <a:ext uri="{FF2B5EF4-FFF2-40B4-BE49-F238E27FC236}">
+                <a16:creationId xmlns:a16="http://schemas.microsoft.com/office/drawing/2014/main" id="{F00E981E-3B20-7E53-0E0A-F58498978317}"/>
+              </a:ext>
+            </a:extLst>
+          </p:cNvPr>
+          <p:cNvSpPr/>
+          <p:nvPr/>
+        </p:nvSpPr>
+        <p:spPr>
+          <a:xfrm>
+            <a:off x="1190171" y="660399"/>
+            <a:ext cx="9884229" cy="2286000"/>
+          </a:xfrm>
+          <a:prstGeom prst="rect">
+            <a:avLst/>
+          </a:prstGeom>
+          <a:noFill/>
+          <a:ln w="139700">
+            <a:solidFill>
+              <a:srgbClr val="00B050"/>
+            </a:solidFill>
+          </a:ln>
+        </p:spPr>
+        <p:style>
+          <a:lnRef idx="2">
+            <a:schemeClr val="accent6"/>
+          </a:lnRef>
+          <a:fillRef idx="1">
+            <a:schemeClr val="lt1"/>
+          </a:fillRef>
+          <a:effectRef idx="0">
+            <a:schemeClr val="accent6"/>
+          </a:effectRef>
+          <a:fontRef idx="minor">
+            <a:schemeClr val="dk1"/>
+          </a:fontRef>
+        </p:style>
+        <p:txBody>
+          <a:bodyPr rtlCol="0" anchor="ctr"/>
+          <a:lstStyle/>
+          <a:p>
+            <a:pPr algn="ctr"/>
+            <a:endParaRPr lang="en-US"/>
+          </a:p>
+        </p:txBody>
+      </p:sp>
+      <p:sp>
+        <p:nvSpPr>
+          <p:cNvPr id="29" name="TextBox 28">
+            <a:extLst>
+              <a:ext uri="{FF2B5EF4-FFF2-40B4-BE49-F238E27FC236}">
+                <a16:creationId xmlns:a16="http://schemas.microsoft.com/office/drawing/2014/main" id="{74968F7E-28F3-BADE-347F-3DCA0BC9409E}"/>
+              </a:ext>
+            </a:extLst>
+          </p:cNvPr>
+          <p:cNvSpPr txBox="1"/>
+          <p:nvPr/>
+        </p:nvSpPr>
+        <p:spPr>
+          <a:xfrm flipH="1">
+            <a:off x="277948" y="1596571"/>
+            <a:ext cx="868682" cy="646331"/>
+          </a:xfrm>
+          <a:prstGeom prst="rect">
+            <a:avLst/>
+          </a:prstGeom>
+          <a:noFill/>
+        </p:spPr>
+        <p:txBody>
+          <a:bodyPr wrap="square" rtlCol="0">
+            <a:spAutoFit/>
+          </a:bodyPr>
+          <a:lstStyle/>
+          <a:p>
+            <a:r>
+              <a:rPr lang="en-US" dirty="0"/>
+              <a:t>Grid Row</a:t>
+            </a:r>
+          </a:p>
+        </p:txBody>
+      </p:sp>
+      <p:sp>
+        <p:nvSpPr>
+          <p:cNvPr id="30" name="Rectangle 29">
+            <a:extLst>
+              <a:ext uri="{FF2B5EF4-FFF2-40B4-BE49-F238E27FC236}">
+                <a16:creationId xmlns:a16="http://schemas.microsoft.com/office/drawing/2014/main" id="{70C3F30F-3EA7-34ED-ECB7-661E935F0E3D}"/>
+              </a:ext>
+            </a:extLst>
+          </p:cNvPr>
+          <p:cNvSpPr/>
+          <p:nvPr/>
+        </p:nvSpPr>
+        <p:spPr>
+          <a:xfrm>
+            <a:off x="8853714" y="660399"/>
+            <a:ext cx="2220686" cy="5479142"/>
+          </a:xfrm>
+          <a:prstGeom prst="rect">
+            <a:avLst/>
+          </a:prstGeom>
+          <a:noFill/>
+          <a:ln w="139700">
+            <a:solidFill>
+              <a:srgbClr val="00B050"/>
+            </a:solidFill>
+          </a:ln>
+        </p:spPr>
+        <p:style>
+          <a:lnRef idx="2">
+            <a:schemeClr val="accent6"/>
+          </a:lnRef>
+          <a:fillRef idx="1">
+            <a:schemeClr val="lt1"/>
+          </a:fillRef>
+          <a:effectRef idx="0">
+            <a:schemeClr val="accent6"/>
+          </a:effectRef>
+          <a:fontRef idx="minor">
+            <a:schemeClr val="dk1"/>
+          </a:fontRef>
+        </p:style>
+        <p:txBody>
+          <a:bodyPr rtlCol="0" anchor="ctr"/>
+          <a:lstStyle/>
+          <a:p>
+            <a:pPr algn="ctr"/>
+            <a:endParaRPr lang="en-US"/>
+          </a:p>
+        </p:txBody>
+      </p:sp>
+      <p:sp>
+        <p:nvSpPr>
+          <p:cNvPr id="31" name="TextBox 30">
+            <a:extLst>
+              <a:ext uri="{FF2B5EF4-FFF2-40B4-BE49-F238E27FC236}">
+                <a16:creationId xmlns:a16="http://schemas.microsoft.com/office/drawing/2014/main" id="{B79DAA17-42C8-6436-9006-9EAAED59728F}"/>
+              </a:ext>
+            </a:extLst>
+          </p:cNvPr>
+          <p:cNvSpPr txBox="1"/>
+          <p:nvPr/>
+        </p:nvSpPr>
+        <p:spPr>
+          <a:xfrm flipH="1">
+            <a:off x="10205718" y="-14962"/>
+            <a:ext cx="1304110" cy="646331"/>
+          </a:xfrm>
+          <a:prstGeom prst="rect">
+            <a:avLst/>
+          </a:prstGeom>
+          <a:noFill/>
+        </p:spPr>
+        <p:txBody>
+          <a:bodyPr wrap="square" rtlCol="0">
+            <a:spAutoFit/>
+          </a:bodyPr>
+          <a:lstStyle/>
+          <a:p>
+            <a:r>
+              <a:rPr lang="en-US" dirty="0"/>
+              <a:t>Grid Column</a:t>
+            </a:r>
+          </a:p>
+        </p:txBody>
+      </p:sp>
+      <p:sp>
+        <p:nvSpPr>
+          <p:cNvPr id="32" name="Rectangle 31">
+            <a:extLst>
+              <a:ext uri="{FF2B5EF4-FFF2-40B4-BE49-F238E27FC236}">
+                <a16:creationId xmlns:a16="http://schemas.microsoft.com/office/drawing/2014/main" id="{ED74DC23-E47C-926B-F7FA-BFD441ED2A25}"/>
+              </a:ext>
+            </a:extLst>
+          </p:cNvPr>
+          <p:cNvSpPr/>
+          <p:nvPr/>
+        </p:nvSpPr>
+        <p:spPr>
+          <a:xfrm>
+            <a:off x="7416800" y="2946399"/>
+            <a:ext cx="1436911" cy="957943"/>
+          </a:xfrm>
+          <a:prstGeom prst="rect">
+            <a:avLst/>
+          </a:prstGeom>
+          <a:solidFill>
+            <a:schemeClr val="accent6">
+              <a:lumMod val="50000"/>
+            </a:schemeClr>
+          </a:solidFill>
+        </p:spPr>
+        <p:style>
+          <a:lnRef idx="2">
+            <a:schemeClr val="accent1">
+              <a:shade val="50000"/>
+            </a:schemeClr>
+          </a:lnRef>
+          <a:fillRef idx="1">
+            <a:schemeClr val="accent1"/>
+          </a:fillRef>
+          <a:effectRef idx="0">
+            <a:schemeClr val="accent1"/>
+          </a:effectRef>
+          <a:fontRef idx="minor">
+            <a:schemeClr val="lt1"/>
+          </a:fontRef>
+        </p:style>
+        <p:txBody>
+          <a:bodyPr rtlCol="0" anchor="ctr"/>
+          <a:lstStyle/>
+          <a:p>
+            <a:pPr algn="ctr"/>
+            <a:endParaRPr lang="en-US"/>
+          </a:p>
+        </p:txBody>
+      </p:sp>
+      <p:cxnSp>
+        <p:nvCxnSpPr>
+          <p:cNvPr id="34" name="Straight Arrow Connector 33">
+            <a:extLst>
+              <a:ext uri="{FF2B5EF4-FFF2-40B4-BE49-F238E27FC236}">
+                <a16:creationId xmlns:a16="http://schemas.microsoft.com/office/drawing/2014/main" id="{529BC994-0BA1-98A7-5DAA-9DE10B455F69}"/>
+              </a:ext>
+            </a:extLst>
+          </p:cNvPr>
+          <p:cNvCxnSpPr>
+            <a:stCxn id="32" idx="2"/>
+          </p:cNvCxnSpPr>
+          <p:nvPr/>
+        </p:nvCxnSpPr>
+        <p:spPr>
+          <a:xfrm>
+            <a:off x="8135256" y="3904342"/>
+            <a:ext cx="936173" cy="2612572"/>
+          </a:xfrm>
+          <a:prstGeom prst="straightConnector1">
+            <a:avLst/>
+          </a:prstGeom>
+          <a:ln>
+            <a:tailEnd type="triangle"/>
+          </a:ln>
+        </p:spPr>
+        <p:style>
+          <a:lnRef idx="1">
+            <a:schemeClr val="accent1"/>
+          </a:lnRef>
+          <a:fillRef idx="0">
+            <a:schemeClr val="accent1"/>
+          </a:fillRef>
+          <a:effectRef idx="0">
+            <a:schemeClr val="accent1"/>
+          </a:effectRef>
+          <a:fontRef idx="minor">
+            <a:schemeClr val="tx1"/>
+          </a:fontRef>
+        </p:style>
+      </p:cxnSp>
+      <p:sp>
+        <p:nvSpPr>
+          <p:cNvPr id="35" name="TextBox 34">
+            <a:extLst>
+              <a:ext uri="{FF2B5EF4-FFF2-40B4-BE49-F238E27FC236}">
+                <a16:creationId xmlns:a16="http://schemas.microsoft.com/office/drawing/2014/main" id="{87B541F9-E1EE-27DF-01A4-8C44827CA3F6}"/>
+              </a:ext>
+            </a:extLst>
+          </p:cNvPr>
+          <p:cNvSpPr txBox="1"/>
+          <p:nvPr/>
+        </p:nvSpPr>
+        <p:spPr>
+          <a:xfrm>
+            <a:off x="9289143" y="6516914"/>
+            <a:ext cx="1052083" cy="369332"/>
+          </a:xfrm>
+          <a:prstGeom prst="rect">
+            <a:avLst/>
+          </a:prstGeom>
+          <a:noFill/>
+        </p:spPr>
+        <p:txBody>
+          <a:bodyPr wrap="none" rtlCol="0">
+            <a:spAutoFit/>
+          </a:bodyPr>
+          <a:lstStyle/>
+          <a:p>
+            <a:r>
+              <a:rPr lang="en-US" dirty="0"/>
+              <a:t>Grid area</a:t>
+            </a:r>
+          </a:p>
+        </p:txBody>
+      </p:sp>
+    </p:spTree>
+    <p:extLst>
+      <p:ext uri="{BB962C8B-B14F-4D97-AF65-F5344CB8AC3E}">
+        <p14:creationId xmlns:p14="http://schemas.microsoft.com/office/powerpoint/2010/main" val="3760741148"/>
+      </p:ext>
+    </p:extLst>
+  </p:cSld>
+  <p:clrMapOvr>
+    <a:masterClrMapping/>
+  </p:clrMapOvr>
+</p:sld>
+</file>
+
+<file path=ppt/slides/slide83.xml><?xml version="1.0" encoding="utf-8"?>
+<p:sld xmlns:a="http://schemas.openxmlformats.org/drawingml/2006/main" xmlns:r="http://schemas.openxmlformats.org/officeDocument/2006/relationships" xmlns:p="http://schemas.openxmlformats.org/presentationml/2006/main">
+  <p:cSld>
+    <p:spTree>
+      <p:nvGrpSpPr>
+        <p:cNvPr id="1" name=""/>
+        <p:cNvGrpSpPr/>
+        <p:nvPr/>
+      </p:nvGrpSpPr>
+      <p:grpSpPr>
+        <a:xfrm>
+          <a:off x="0" y="0"/>
+          <a:ext cx="0" cy="0"/>
+          <a:chOff x="0" y="0"/>
+          <a:chExt cx="0" cy="0"/>
+        </a:xfrm>
+      </p:grpSpPr>
+      <p:sp>
+        <p:nvSpPr>
+          <p:cNvPr id="2" name="Title 1">
+            <a:extLst>
+              <a:ext uri="{FF2B5EF4-FFF2-40B4-BE49-F238E27FC236}">
+                <a16:creationId xmlns:a16="http://schemas.microsoft.com/office/drawing/2014/main" id="{A15E2F0C-26DB-B1B2-3C87-E017970E0052}"/>
+              </a:ext>
+            </a:extLst>
+          </p:cNvPr>
+          <p:cNvSpPr>
+            <a:spLocks noGrp="1"/>
+          </p:cNvSpPr>
+          <p:nvPr>
+            <p:ph type="title"/>
+          </p:nvPr>
+        </p:nvSpPr>
+        <p:spPr/>
+        <p:txBody>
+          <a:bodyPr/>
+          <a:lstStyle/>
+          <a:p>
+            <a:r>
+              <a:rPr lang="en-US" dirty="0"/>
+              <a:t>Grid Properties</a:t>
+            </a:r>
+          </a:p>
+        </p:txBody>
+      </p:sp>
+      <p:sp>
+        <p:nvSpPr>
+          <p:cNvPr id="3" name="Content Placeholder 2">
+            <a:extLst>
+              <a:ext uri="{FF2B5EF4-FFF2-40B4-BE49-F238E27FC236}">
+                <a16:creationId xmlns:a16="http://schemas.microsoft.com/office/drawing/2014/main" id="{8B515030-F37D-CEC0-E99A-BE54D7C05543}"/>
+              </a:ext>
+            </a:extLst>
+          </p:cNvPr>
+          <p:cNvSpPr>
+            <a:spLocks noGrp="1"/>
+          </p:cNvSpPr>
+          <p:nvPr>
+            <p:ph idx="1"/>
+          </p:nvPr>
+        </p:nvSpPr>
+        <p:spPr/>
+        <p:txBody>
+          <a:bodyPr numCol="3">
+            <a:normAutofit/>
+          </a:bodyPr>
+          <a:lstStyle/>
+          <a:p>
+            <a:r>
+              <a:rPr lang="en-US" dirty="0">
+                <a:solidFill>
+                  <a:schemeClr val="accent6">
+                    <a:lumMod val="50000"/>
+                  </a:schemeClr>
+                </a:solidFill>
+              </a:rPr>
+              <a:t>Grid-template-rows</a:t>
+            </a:r>
+          </a:p>
+          <a:p>
+            <a:r>
+              <a:rPr lang="en-US" dirty="0">
+                <a:solidFill>
+                  <a:schemeClr val="accent6">
+                    <a:lumMod val="50000"/>
+                  </a:schemeClr>
+                </a:solidFill>
+              </a:rPr>
+              <a:t>Grid-template-columns</a:t>
+            </a:r>
+          </a:p>
+          <a:p>
+            <a:r>
+              <a:rPr lang="en-US" dirty="0">
+                <a:solidFill>
+                  <a:schemeClr val="accent6">
+                    <a:lumMod val="50000"/>
+                  </a:schemeClr>
+                </a:solidFill>
+              </a:rPr>
+              <a:t>Grid-template-areas</a:t>
+            </a:r>
+          </a:p>
+          <a:p>
+            <a:r>
+              <a:rPr lang="en-US" dirty="0">
+                <a:solidFill>
+                  <a:schemeClr val="accent6">
+                    <a:lumMod val="50000"/>
+                  </a:schemeClr>
+                </a:solidFill>
+              </a:rPr>
+              <a:t>Grid-template</a:t>
+            </a:r>
+          </a:p>
+          <a:p>
+            <a:r>
+              <a:rPr lang="en-US" dirty="0">
+                <a:solidFill>
+                  <a:schemeClr val="accent5">
+                    <a:lumMod val="50000"/>
+                  </a:schemeClr>
+                </a:solidFill>
+              </a:rPr>
+              <a:t>Gird-row-gap</a:t>
+            </a:r>
+          </a:p>
+          <a:p>
+            <a:r>
+              <a:rPr lang="en-US" dirty="0">
+                <a:solidFill>
+                  <a:schemeClr val="accent5">
+                    <a:lumMod val="50000"/>
+                  </a:schemeClr>
+                </a:solidFill>
+              </a:rPr>
+              <a:t>Grid-column-gap</a:t>
+            </a:r>
+          </a:p>
+          <a:p>
+            <a:r>
+              <a:rPr lang="en-US" dirty="0">
+                <a:solidFill>
+                  <a:schemeClr val="accent5">
+                    <a:lumMod val="50000"/>
+                  </a:schemeClr>
+                </a:solidFill>
+              </a:rPr>
+              <a:t>Grid-gap</a:t>
+            </a:r>
+          </a:p>
+          <a:p>
+            <a:r>
+              <a:rPr lang="en-US" dirty="0">
+                <a:solidFill>
+                  <a:schemeClr val="accent4">
+                    <a:lumMod val="50000"/>
+                  </a:schemeClr>
+                </a:solidFill>
+              </a:rPr>
+              <a:t>Justify-items</a:t>
+            </a:r>
+          </a:p>
+          <a:p>
+            <a:r>
+              <a:rPr lang="en-US" dirty="0">
+                <a:solidFill>
+                  <a:schemeClr val="accent4">
+                    <a:lumMod val="50000"/>
+                  </a:schemeClr>
+                </a:solidFill>
+              </a:rPr>
+              <a:t>Align-items</a:t>
+            </a:r>
+          </a:p>
+          <a:p>
+            <a:r>
+              <a:rPr lang="en-US" dirty="0">
+                <a:solidFill>
+                  <a:schemeClr val="accent4">
+                    <a:lumMod val="50000"/>
+                  </a:schemeClr>
+                </a:solidFill>
+              </a:rPr>
+              <a:t>Justify-content</a:t>
+            </a:r>
+          </a:p>
+          <a:p>
+            <a:r>
+              <a:rPr lang="en-US" dirty="0">
+                <a:solidFill>
+                  <a:schemeClr val="accent4">
+                    <a:lumMod val="50000"/>
+                  </a:schemeClr>
+                </a:solidFill>
+              </a:rPr>
+              <a:t>Align-content</a:t>
+            </a:r>
+          </a:p>
+          <a:p>
+            <a:r>
+              <a:rPr lang="en-US" dirty="0">
+                <a:solidFill>
+                  <a:schemeClr val="accent3">
+                    <a:lumMod val="50000"/>
+                  </a:schemeClr>
+                </a:solidFill>
+              </a:rPr>
+              <a:t>Grid-auto-rows</a:t>
+            </a:r>
+          </a:p>
+          <a:p>
+            <a:r>
+              <a:rPr lang="en-US" dirty="0">
+                <a:solidFill>
+                  <a:schemeClr val="accent3">
+                    <a:lumMod val="50000"/>
+                  </a:schemeClr>
+                </a:solidFill>
+              </a:rPr>
+              <a:t>Grid-auto-columns</a:t>
+            </a:r>
+          </a:p>
+          <a:p>
+            <a:r>
+              <a:rPr lang="en-US" dirty="0">
+                <a:solidFill>
+                  <a:schemeClr val="accent3">
+                    <a:lumMod val="50000"/>
+                  </a:schemeClr>
+                </a:solidFill>
+              </a:rPr>
+              <a:t>Grid-auto-flow</a:t>
+            </a:r>
+          </a:p>
+          <a:p>
+            <a:r>
+              <a:rPr lang="en-US" dirty="0">
+                <a:solidFill>
+                  <a:schemeClr val="accent2">
+                    <a:lumMod val="50000"/>
+                  </a:schemeClr>
+                </a:solidFill>
+              </a:rPr>
+              <a:t>Grid-row-start</a:t>
+            </a:r>
+          </a:p>
+          <a:p>
+            <a:r>
+              <a:rPr lang="en-US" dirty="0">
+                <a:solidFill>
+                  <a:schemeClr val="accent2">
+                    <a:lumMod val="50000"/>
+                  </a:schemeClr>
+                </a:solidFill>
+              </a:rPr>
+              <a:t>Grid-row-end</a:t>
+            </a:r>
+          </a:p>
+          <a:p>
+            <a:r>
+              <a:rPr lang="en-US" dirty="0">
+                <a:solidFill>
+                  <a:schemeClr val="accent2">
+                    <a:lumMod val="50000"/>
+                  </a:schemeClr>
+                </a:solidFill>
+              </a:rPr>
+              <a:t>Grid-column-start</a:t>
+            </a:r>
+          </a:p>
+          <a:p>
+            <a:r>
+              <a:rPr lang="en-US" dirty="0">
+                <a:solidFill>
+                  <a:schemeClr val="accent2">
+                    <a:lumMod val="50000"/>
+                  </a:schemeClr>
+                </a:solidFill>
+              </a:rPr>
+              <a:t>Grid-column-end</a:t>
+            </a:r>
+          </a:p>
+          <a:p>
+            <a:r>
+              <a:rPr lang="en-US" dirty="0">
+                <a:solidFill>
+                  <a:schemeClr val="accent2">
+                    <a:lumMod val="50000"/>
+                  </a:schemeClr>
+                </a:solidFill>
+              </a:rPr>
+              <a:t>Grid-column</a:t>
+            </a:r>
+          </a:p>
+          <a:p>
+            <a:r>
+              <a:rPr lang="en-US" dirty="0">
+                <a:solidFill>
+                  <a:schemeClr val="accent2">
+                    <a:lumMod val="50000"/>
+                  </a:schemeClr>
+                </a:solidFill>
+              </a:rPr>
+              <a:t>Grid-area</a:t>
+            </a:r>
+          </a:p>
+          <a:p>
+            <a:r>
+              <a:rPr lang="en-US" dirty="0">
+                <a:solidFill>
+                  <a:srgbClr val="FF0000"/>
+                </a:solidFill>
+              </a:rPr>
+              <a:t>Justify-self</a:t>
+            </a:r>
+          </a:p>
+          <a:p>
+            <a:r>
+              <a:rPr lang="en-US" dirty="0">
+                <a:solidFill>
+                  <a:srgbClr val="FF0000"/>
+                </a:solidFill>
+              </a:rPr>
+              <a:t>Align-self</a:t>
+            </a:r>
+          </a:p>
+          <a:p>
+            <a:r>
+              <a:rPr lang="en-US" dirty="0">
+                <a:solidFill>
+                  <a:srgbClr val="FF0000"/>
+                </a:solidFill>
+              </a:rPr>
+              <a:t>order</a:t>
+            </a:r>
+          </a:p>
+        </p:txBody>
+      </p:sp>
+    </p:spTree>
+    <p:extLst>
+      <p:ext uri="{BB962C8B-B14F-4D97-AF65-F5344CB8AC3E}">
+        <p14:creationId xmlns:p14="http://schemas.microsoft.com/office/powerpoint/2010/main" val="3328638783"/>
+      </p:ext>
+    </p:extLst>
+  </p:cSld>
+  <p:clrMapOvr>
+    <a:masterClrMapping/>
+  </p:clrMapOvr>
+</p:sld>
+</file>
+
+<file path=ppt/slides/slide84.xml><?xml version="1.0" encoding="utf-8"?>
+<p:sld xmlns:a="http://schemas.openxmlformats.org/drawingml/2006/main" xmlns:r="http://schemas.openxmlformats.org/officeDocument/2006/relationships" xmlns:p="http://schemas.openxmlformats.org/presentationml/2006/main">
+  <p:cSld>
+    <p:spTree>
+      <p:nvGrpSpPr>
+        <p:cNvPr id="1" name=""/>
+        <p:cNvGrpSpPr/>
+        <p:nvPr/>
+      </p:nvGrpSpPr>
+      <p:grpSpPr>
+        <a:xfrm>
+          <a:off x="0" y="0"/>
+          <a:ext cx="0" cy="0"/>
+          <a:chOff x="0" y="0"/>
+          <a:chExt cx="0" cy="0"/>
+        </a:xfrm>
+      </p:grpSpPr>
+      <p:sp>
+        <p:nvSpPr>
+          <p:cNvPr id="2" name="Title 1">
+            <a:extLst>
+              <a:ext uri="{FF2B5EF4-FFF2-40B4-BE49-F238E27FC236}">
+                <a16:creationId xmlns:a16="http://schemas.microsoft.com/office/drawing/2014/main" id="{5B1278FF-85B8-F6B8-1B89-E2040CBAA53D}"/>
+              </a:ext>
+            </a:extLst>
+          </p:cNvPr>
+          <p:cNvSpPr>
+            <a:spLocks noGrp="1"/>
+          </p:cNvSpPr>
+          <p:nvPr>
+            <p:ph type="title"/>
+          </p:nvPr>
+        </p:nvSpPr>
+        <p:spPr>
+          <a:xfrm>
+            <a:off x="838200" y="500062"/>
+            <a:ext cx="10515600" cy="1325563"/>
+          </a:xfrm>
+        </p:spPr>
+        <p:txBody>
+          <a:bodyPr/>
+          <a:lstStyle/>
+          <a:p>
+            <a:r>
+              <a:rPr lang="en-US" dirty="0"/>
+              <a:t>Creating Grid</a:t>
+            </a:r>
+          </a:p>
+        </p:txBody>
+      </p:sp>
+      <p:sp>
+        <p:nvSpPr>
+          <p:cNvPr id="3" name="Content Placeholder 2">
+            <a:extLst>
+              <a:ext uri="{FF2B5EF4-FFF2-40B4-BE49-F238E27FC236}">
+                <a16:creationId xmlns:a16="http://schemas.microsoft.com/office/drawing/2014/main" id="{68AA2A88-F187-F9B5-1FCB-CECCA007F726}"/>
+              </a:ext>
+            </a:extLst>
+          </p:cNvPr>
+          <p:cNvSpPr>
+            <a:spLocks noGrp="1"/>
+          </p:cNvSpPr>
+          <p:nvPr>
+            <p:ph idx="1"/>
+          </p:nvPr>
+        </p:nvSpPr>
+        <p:spPr/>
+        <p:txBody>
+          <a:bodyPr/>
+          <a:lstStyle/>
+          <a:p>
+            <a:r>
+              <a:rPr lang="en-US" dirty="0" err="1"/>
+              <a:t>Grd</a:t>
+            </a:r>
+            <a:r>
+              <a:rPr lang="en-US" dirty="0"/>
+              <a:t> gap</a:t>
+            </a:r>
+          </a:p>
+        </p:txBody>
+      </p:sp>
+    </p:spTree>
+    <p:extLst>
+      <p:ext uri="{BB962C8B-B14F-4D97-AF65-F5344CB8AC3E}">
+        <p14:creationId xmlns:p14="http://schemas.microsoft.com/office/powerpoint/2010/main" val="1442779544"/>
+      </p:ext>
+    </p:extLst>
+  </p:cSld>
+  <p:clrMapOvr>
+    <a:masterClrMapping/>
+  </p:clrMapOvr>
+</p:sld>
+</file>
+
 <file path=ppt/slides/slide9.xml><?xml version="1.0" encoding="utf-8"?>
 <p:sld xmlns:a="http://schemas.openxmlformats.org/drawingml/2006/main" xmlns:r="http://schemas.openxmlformats.org/officeDocument/2006/relationships" xmlns:p="http://schemas.openxmlformats.org/presentationml/2006/main">
   <p:cSld>

--- a/CSS.pptx
+++ b/CSS.pptx
@@ -89,6 +89,9 @@
     <p:sldId id="337" r:id="rId83"/>
     <p:sldId id="338" r:id="rId84"/>
     <p:sldId id="339" r:id="rId85"/>
+    <p:sldId id="340" r:id="rId86"/>
+    <p:sldId id="341" r:id="rId87"/>
+    <p:sldId id="342" r:id="rId88"/>
   </p:sldIdLst>
   <p:sldSz cx="12192000" cy="6858000"/>
   <p:notesSz cx="6858000" cy="9144000"/>
@@ -342,7 +345,7 @@
           <a:p>
             <a:fld id="{E6A9BA00-07BE-4836-8229-BCB8917AB7E6}" type="datetimeFigureOut">
               <a:rPr lang="en-US" smtClean="0"/>
-              <a:t>12/14/2022</a:t>
+              <a:t>12/15/2022</a:t>
             </a:fld>
             <a:endParaRPr lang="en-US"/>
           </a:p>
@@ -540,7 +543,7 @@
           <a:p>
             <a:fld id="{E6A9BA00-07BE-4836-8229-BCB8917AB7E6}" type="datetimeFigureOut">
               <a:rPr lang="en-US" smtClean="0"/>
-              <a:t>12/14/2022</a:t>
+              <a:t>12/15/2022</a:t>
             </a:fld>
             <a:endParaRPr lang="en-US"/>
           </a:p>
@@ -748,7 +751,7 @@
           <a:p>
             <a:fld id="{E6A9BA00-07BE-4836-8229-BCB8917AB7E6}" type="datetimeFigureOut">
               <a:rPr lang="en-US" smtClean="0"/>
-              <a:t>12/14/2022</a:t>
+              <a:t>12/15/2022</a:t>
             </a:fld>
             <a:endParaRPr lang="en-US"/>
           </a:p>
@@ -946,7 +949,7 @@
           <a:p>
             <a:fld id="{E6A9BA00-07BE-4836-8229-BCB8917AB7E6}" type="datetimeFigureOut">
               <a:rPr lang="en-US" smtClean="0"/>
-              <a:t>12/14/2022</a:t>
+              <a:t>12/15/2022</a:t>
             </a:fld>
             <a:endParaRPr lang="en-US"/>
           </a:p>
@@ -1221,7 +1224,7 @@
           <a:p>
             <a:fld id="{E6A9BA00-07BE-4836-8229-BCB8917AB7E6}" type="datetimeFigureOut">
               <a:rPr lang="en-US" smtClean="0"/>
-              <a:t>12/14/2022</a:t>
+              <a:t>12/15/2022</a:t>
             </a:fld>
             <a:endParaRPr lang="en-US"/>
           </a:p>
@@ -1486,7 +1489,7 @@
           <a:p>
             <a:fld id="{E6A9BA00-07BE-4836-8229-BCB8917AB7E6}" type="datetimeFigureOut">
               <a:rPr lang="en-US" smtClean="0"/>
-              <a:t>12/14/2022</a:t>
+              <a:t>12/15/2022</a:t>
             </a:fld>
             <a:endParaRPr lang="en-US"/>
           </a:p>
@@ -1898,7 +1901,7 @@
           <a:p>
             <a:fld id="{E6A9BA00-07BE-4836-8229-BCB8917AB7E6}" type="datetimeFigureOut">
               <a:rPr lang="en-US" smtClean="0"/>
-              <a:t>12/14/2022</a:t>
+              <a:t>12/15/2022</a:t>
             </a:fld>
             <a:endParaRPr lang="en-US"/>
           </a:p>
@@ -2039,7 +2042,7 @@
           <a:p>
             <a:fld id="{E6A9BA00-07BE-4836-8229-BCB8917AB7E6}" type="datetimeFigureOut">
               <a:rPr lang="en-US" smtClean="0"/>
-              <a:t>12/14/2022</a:t>
+              <a:t>12/15/2022</a:t>
             </a:fld>
             <a:endParaRPr lang="en-US"/>
           </a:p>
@@ -2152,7 +2155,7 @@
           <a:p>
             <a:fld id="{E6A9BA00-07BE-4836-8229-BCB8917AB7E6}" type="datetimeFigureOut">
               <a:rPr lang="en-US" smtClean="0"/>
-              <a:t>12/14/2022</a:t>
+              <a:t>12/15/2022</a:t>
             </a:fld>
             <a:endParaRPr lang="en-US"/>
           </a:p>
@@ -2463,7 +2466,7 @@
           <a:p>
             <a:fld id="{E6A9BA00-07BE-4836-8229-BCB8917AB7E6}" type="datetimeFigureOut">
               <a:rPr lang="en-US" smtClean="0"/>
-              <a:t>12/14/2022</a:t>
+              <a:t>12/15/2022</a:t>
             </a:fld>
             <a:endParaRPr lang="en-US"/>
           </a:p>
@@ -2751,7 +2754,7 @@
           <a:p>
             <a:fld id="{E6A9BA00-07BE-4836-8229-BCB8917AB7E6}" type="datetimeFigureOut">
               <a:rPr lang="en-US" smtClean="0"/>
-              <a:t>12/14/2022</a:t>
+              <a:t>12/15/2022</a:t>
             </a:fld>
             <a:endParaRPr lang="en-US"/>
           </a:p>
@@ -2992,7 +2995,7 @@
           <a:p>
             <a:fld id="{E6A9BA00-07BE-4836-8229-BCB8917AB7E6}" type="datetimeFigureOut">
               <a:rPr lang="en-US" smtClean="0"/>
-              <a:t>12/14/2022</a:t>
+              <a:t>12/15/2022</a:t>
             </a:fld>
             <a:endParaRPr lang="en-US"/>
           </a:p>
@@ -20484,12 +20487,8 @@
           <a:lstStyle/>
           <a:p>
             <a:r>
-              <a:rPr lang="en-US" dirty="0" err="1"/>
-              <a:t>Grd</a:t>
-            </a:r>
-            <a:r>
-              <a:rPr lang="en-US" dirty="0"/>
-              <a:t> gap</a:t>
+              <a:rPr lang="en-US" dirty="0"/>
+              <a:t>Grid gap</a:t>
             </a:r>
           </a:p>
         </p:txBody>
@@ -20498,6 +20497,725 @@
     <p:extLst>
       <p:ext uri="{BB962C8B-B14F-4D97-AF65-F5344CB8AC3E}">
         <p14:creationId xmlns:p14="http://schemas.microsoft.com/office/powerpoint/2010/main" val="1442779544"/>
+      </p:ext>
+    </p:extLst>
+  </p:cSld>
+  <p:clrMapOvr>
+    <a:masterClrMapping/>
+  </p:clrMapOvr>
+</p:sld>
+</file>
+
+<file path=ppt/slides/slide85.xml><?xml version="1.0" encoding="utf-8"?>
+<p:sld xmlns:a="http://schemas.openxmlformats.org/drawingml/2006/main" xmlns:r="http://schemas.openxmlformats.org/officeDocument/2006/relationships" xmlns:p="http://schemas.openxmlformats.org/presentationml/2006/main">
+  <p:cSld>
+    <p:spTree>
+      <p:nvGrpSpPr>
+        <p:cNvPr id="1" name=""/>
+        <p:cNvGrpSpPr/>
+        <p:nvPr/>
+      </p:nvGrpSpPr>
+      <p:grpSpPr>
+        <a:xfrm>
+          <a:off x="0" y="0"/>
+          <a:ext cx="0" cy="0"/>
+          <a:chOff x="0" y="0"/>
+          <a:chExt cx="0" cy="0"/>
+        </a:xfrm>
+      </p:grpSpPr>
+      <p:sp>
+        <p:nvSpPr>
+          <p:cNvPr id="2" name="Title 1">
+            <a:extLst>
+              <a:ext uri="{FF2B5EF4-FFF2-40B4-BE49-F238E27FC236}">
+                <a16:creationId xmlns:a16="http://schemas.microsoft.com/office/drawing/2014/main" id="{EAB54DB8-2E43-7005-E3D9-C9AA201112C2}"/>
+              </a:ext>
+            </a:extLst>
+          </p:cNvPr>
+          <p:cNvSpPr>
+            <a:spLocks noGrp="1"/>
+          </p:cNvSpPr>
+          <p:nvPr>
+            <p:ph type="title"/>
+          </p:nvPr>
+        </p:nvSpPr>
+        <p:spPr/>
+        <p:txBody>
+          <a:bodyPr/>
+          <a:lstStyle/>
+          <a:p>
+            <a:r>
+              <a:rPr lang="en-US" dirty="0"/>
+              <a:t>CSS Grid: Positioning Items</a:t>
+            </a:r>
+          </a:p>
+        </p:txBody>
+      </p:sp>
+      <p:sp>
+        <p:nvSpPr>
+          <p:cNvPr id="3" name="Content Placeholder 2">
+            <a:extLst>
+              <a:ext uri="{FF2B5EF4-FFF2-40B4-BE49-F238E27FC236}">
+                <a16:creationId xmlns:a16="http://schemas.microsoft.com/office/drawing/2014/main" id="{A8A4594C-DF38-889F-6765-E377417D4B0A}"/>
+              </a:ext>
+            </a:extLst>
+          </p:cNvPr>
+          <p:cNvSpPr>
+            <a:spLocks noGrp="1"/>
+          </p:cNvSpPr>
+          <p:nvPr>
+            <p:ph idx="1"/>
+          </p:nvPr>
+        </p:nvSpPr>
+        <p:spPr/>
+        <p:txBody>
+          <a:bodyPr/>
+          <a:lstStyle/>
+          <a:p>
+            <a:r>
+              <a:rPr lang="en-US" dirty="0"/>
+              <a:t>Grid-row-start</a:t>
+            </a:r>
+          </a:p>
+          <a:p>
+            <a:r>
+              <a:rPr lang="en-US" dirty="0"/>
+              <a:t>Grid-row-end</a:t>
+            </a:r>
+          </a:p>
+          <a:p>
+            <a:r>
+              <a:rPr lang="en-US" dirty="0"/>
+              <a:t>Grid-row</a:t>
+            </a:r>
+          </a:p>
+          <a:p>
+            <a:r>
+              <a:rPr lang="en-US" dirty="0"/>
+              <a:t>Grid-column-start</a:t>
+            </a:r>
+          </a:p>
+          <a:p>
+            <a:r>
+              <a:rPr lang="en-US" dirty="0"/>
+              <a:t>Grid-column-end</a:t>
+            </a:r>
+          </a:p>
+          <a:p>
+            <a:r>
+              <a:rPr lang="en-US" dirty="0"/>
+              <a:t>Grid-column</a:t>
+            </a:r>
+          </a:p>
+          <a:p>
+            <a:r>
+              <a:rPr lang="en-US" dirty="0"/>
+              <a:t>Grid-area</a:t>
+            </a:r>
+          </a:p>
+        </p:txBody>
+      </p:sp>
+    </p:spTree>
+    <p:extLst>
+      <p:ext uri="{BB962C8B-B14F-4D97-AF65-F5344CB8AC3E}">
+        <p14:creationId xmlns:p14="http://schemas.microsoft.com/office/powerpoint/2010/main" val="1606091546"/>
+      </p:ext>
+    </p:extLst>
+  </p:cSld>
+  <p:clrMapOvr>
+    <a:masterClrMapping/>
+  </p:clrMapOvr>
+</p:sld>
+</file>
+
+<file path=ppt/slides/slide86.xml><?xml version="1.0" encoding="utf-8"?>
+<p:sld xmlns:a="http://schemas.openxmlformats.org/drawingml/2006/main" xmlns:r="http://schemas.openxmlformats.org/officeDocument/2006/relationships" xmlns:p="http://schemas.openxmlformats.org/presentationml/2006/main">
+  <p:cSld>
+    <p:spTree>
+      <p:nvGrpSpPr>
+        <p:cNvPr id="1" name=""/>
+        <p:cNvGrpSpPr/>
+        <p:nvPr/>
+      </p:nvGrpSpPr>
+      <p:grpSpPr>
+        <a:xfrm>
+          <a:off x="0" y="0"/>
+          <a:ext cx="0" cy="0"/>
+          <a:chOff x="0" y="0"/>
+          <a:chExt cx="0" cy="0"/>
+        </a:xfrm>
+      </p:grpSpPr>
+      <p:sp>
+        <p:nvSpPr>
+          <p:cNvPr id="2" name="Title 1">
+            <a:extLst>
+              <a:ext uri="{FF2B5EF4-FFF2-40B4-BE49-F238E27FC236}">
+                <a16:creationId xmlns:a16="http://schemas.microsoft.com/office/drawing/2014/main" id="{D074CC5A-2452-F4A1-A265-2B46E363B3E7}"/>
+              </a:ext>
+            </a:extLst>
+          </p:cNvPr>
+          <p:cNvSpPr>
+            <a:spLocks noGrp="1"/>
+          </p:cNvSpPr>
+          <p:nvPr>
+            <p:ph type="title"/>
+          </p:nvPr>
+        </p:nvSpPr>
+        <p:spPr/>
+        <p:txBody>
+          <a:bodyPr/>
+          <a:lstStyle/>
+          <a:p>
+            <a:r>
+              <a:rPr lang="en-US" dirty="0"/>
+              <a:t>CSS: Spanning Grid Items</a:t>
+            </a:r>
+          </a:p>
+        </p:txBody>
+      </p:sp>
+      <p:sp>
+        <p:nvSpPr>
+          <p:cNvPr id="3" name="Content Placeholder 2">
+            <a:extLst>
+              <a:ext uri="{FF2B5EF4-FFF2-40B4-BE49-F238E27FC236}">
+                <a16:creationId xmlns:a16="http://schemas.microsoft.com/office/drawing/2014/main" id="{8A7B7BA0-B448-8174-0B42-322E6D99105B}"/>
+              </a:ext>
+            </a:extLst>
+          </p:cNvPr>
+          <p:cNvSpPr>
+            <a:spLocks noGrp="1"/>
+          </p:cNvSpPr>
+          <p:nvPr>
+            <p:ph idx="1"/>
+          </p:nvPr>
+        </p:nvSpPr>
+        <p:spPr/>
+        <p:txBody>
+          <a:bodyPr/>
+          <a:lstStyle/>
+          <a:p>
+            <a:endParaRPr lang="en-US" dirty="0"/>
+          </a:p>
+        </p:txBody>
+      </p:sp>
+    </p:spTree>
+    <p:extLst>
+      <p:ext uri="{BB962C8B-B14F-4D97-AF65-F5344CB8AC3E}">
+        <p14:creationId xmlns:p14="http://schemas.microsoft.com/office/powerpoint/2010/main" val="554844418"/>
+      </p:ext>
+    </p:extLst>
+  </p:cSld>
+  <p:clrMapOvr>
+    <a:masterClrMapping/>
+  </p:clrMapOvr>
+</p:sld>
+</file>
+
+<file path=ppt/slides/slide87.xml><?xml version="1.0" encoding="utf-8"?>
+<p:sld xmlns:a="http://schemas.openxmlformats.org/drawingml/2006/main" xmlns:r="http://schemas.openxmlformats.org/officeDocument/2006/relationships" xmlns:p="http://schemas.openxmlformats.org/presentationml/2006/main">
+  <p:cSld>
+    <p:spTree>
+      <p:nvGrpSpPr>
+        <p:cNvPr id="1" name=""/>
+        <p:cNvGrpSpPr/>
+        <p:nvPr/>
+      </p:nvGrpSpPr>
+      <p:grpSpPr>
+        <a:xfrm>
+          <a:off x="0" y="0"/>
+          <a:ext cx="0" cy="0"/>
+          <a:chOff x="0" y="0"/>
+          <a:chExt cx="0" cy="0"/>
+        </a:xfrm>
+      </p:grpSpPr>
+      <p:sp>
+        <p:nvSpPr>
+          <p:cNvPr id="2" name="Title 1">
+            <a:extLst>
+              <a:ext uri="{FF2B5EF4-FFF2-40B4-BE49-F238E27FC236}">
+                <a16:creationId xmlns:a16="http://schemas.microsoft.com/office/drawing/2014/main" id="{2343E96D-953C-1EC0-73C3-413CFEF35D1A}"/>
+              </a:ext>
+            </a:extLst>
+          </p:cNvPr>
+          <p:cNvSpPr>
+            <a:spLocks noGrp="1"/>
+          </p:cNvSpPr>
+          <p:nvPr>
+            <p:ph type="title"/>
+          </p:nvPr>
+        </p:nvSpPr>
+        <p:spPr/>
+        <p:txBody>
+          <a:bodyPr/>
+          <a:lstStyle/>
+          <a:p>
+            <a:r>
+              <a:rPr lang="en-US" dirty="0"/>
+              <a:t>CSS Grid: Nested Grids</a:t>
+            </a:r>
+          </a:p>
+        </p:txBody>
+      </p:sp>
+      <p:sp>
+        <p:nvSpPr>
+          <p:cNvPr id="4" name="Rectangle 3">
+            <a:extLst>
+              <a:ext uri="{FF2B5EF4-FFF2-40B4-BE49-F238E27FC236}">
+                <a16:creationId xmlns:a16="http://schemas.microsoft.com/office/drawing/2014/main" id="{DAA9AFE6-975E-79E2-AAAB-331AE6284EBA}"/>
+              </a:ext>
+            </a:extLst>
+          </p:cNvPr>
+          <p:cNvSpPr/>
+          <p:nvPr/>
+        </p:nvSpPr>
+        <p:spPr>
+          <a:xfrm>
+            <a:off x="1364343" y="1690688"/>
+            <a:ext cx="2264228" cy="2663598"/>
+          </a:xfrm>
+          <a:prstGeom prst="rect">
+            <a:avLst/>
+          </a:prstGeom>
+        </p:spPr>
+        <p:style>
+          <a:lnRef idx="2">
+            <a:schemeClr val="accent1">
+              <a:shade val="50000"/>
+            </a:schemeClr>
+          </a:lnRef>
+          <a:fillRef idx="1">
+            <a:schemeClr val="accent1"/>
+          </a:fillRef>
+          <a:effectRef idx="0">
+            <a:schemeClr val="accent1"/>
+          </a:effectRef>
+          <a:fontRef idx="minor">
+            <a:schemeClr val="lt1"/>
+          </a:fontRef>
+        </p:style>
+        <p:txBody>
+          <a:bodyPr rtlCol="0" anchor="ctr"/>
+          <a:lstStyle/>
+          <a:p>
+            <a:pPr algn="ctr"/>
+            <a:endParaRPr lang="en-US"/>
+          </a:p>
+        </p:txBody>
+      </p:sp>
+      <p:sp>
+        <p:nvSpPr>
+          <p:cNvPr id="5" name="Rectangle 4">
+            <a:extLst>
+              <a:ext uri="{FF2B5EF4-FFF2-40B4-BE49-F238E27FC236}">
+                <a16:creationId xmlns:a16="http://schemas.microsoft.com/office/drawing/2014/main" id="{1230F79E-ABE4-C81D-8B8A-9482D12E576E}"/>
+              </a:ext>
+            </a:extLst>
+          </p:cNvPr>
+          <p:cNvSpPr/>
+          <p:nvPr/>
+        </p:nvSpPr>
+        <p:spPr>
+          <a:xfrm>
+            <a:off x="4963886" y="1690688"/>
+            <a:ext cx="2264228" cy="2663598"/>
+          </a:xfrm>
+          <a:prstGeom prst="rect">
+            <a:avLst/>
+          </a:prstGeom>
+        </p:spPr>
+        <p:style>
+          <a:lnRef idx="2">
+            <a:schemeClr val="accent6"/>
+          </a:lnRef>
+          <a:fillRef idx="1">
+            <a:schemeClr val="lt1"/>
+          </a:fillRef>
+          <a:effectRef idx="0">
+            <a:schemeClr val="accent6"/>
+          </a:effectRef>
+          <a:fontRef idx="minor">
+            <a:schemeClr val="dk1"/>
+          </a:fontRef>
+        </p:style>
+        <p:txBody>
+          <a:bodyPr rtlCol="0" anchor="ctr"/>
+          <a:lstStyle/>
+          <a:p>
+            <a:pPr algn="ctr"/>
+            <a:endParaRPr lang="en-US"/>
+          </a:p>
+        </p:txBody>
+      </p:sp>
+      <p:sp>
+        <p:nvSpPr>
+          <p:cNvPr id="6" name="Rectangle 5">
+            <a:extLst>
+              <a:ext uri="{FF2B5EF4-FFF2-40B4-BE49-F238E27FC236}">
+                <a16:creationId xmlns:a16="http://schemas.microsoft.com/office/drawing/2014/main" id="{81681887-8D0D-F06B-C8E2-DBAE2637650F}"/>
+              </a:ext>
+            </a:extLst>
+          </p:cNvPr>
+          <p:cNvSpPr/>
+          <p:nvPr/>
+        </p:nvSpPr>
+        <p:spPr>
+          <a:xfrm>
+            <a:off x="8592458" y="1690688"/>
+            <a:ext cx="2264228" cy="2663598"/>
+          </a:xfrm>
+          <a:prstGeom prst="rect">
+            <a:avLst/>
+          </a:prstGeom>
+        </p:spPr>
+        <p:style>
+          <a:lnRef idx="2">
+            <a:schemeClr val="accent1">
+              <a:shade val="50000"/>
+            </a:schemeClr>
+          </a:lnRef>
+          <a:fillRef idx="1">
+            <a:schemeClr val="accent1"/>
+          </a:fillRef>
+          <a:effectRef idx="0">
+            <a:schemeClr val="accent1"/>
+          </a:effectRef>
+          <a:fontRef idx="minor">
+            <a:schemeClr val="lt1"/>
+          </a:fontRef>
+        </p:style>
+        <p:txBody>
+          <a:bodyPr rtlCol="0" anchor="ctr"/>
+          <a:lstStyle/>
+          <a:p>
+            <a:pPr algn="ctr"/>
+            <a:endParaRPr lang="en-US"/>
+          </a:p>
+        </p:txBody>
+      </p:sp>
+      <p:sp>
+        <p:nvSpPr>
+          <p:cNvPr id="7" name="Rectangle 6">
+            <a:extLst>
+              <a:ext uri="{FF2B5EF4-FFF2-40B4-BE49-F238E27FC236}">
+                <a16:creationId xmlns:a16="http://schemas.microsoft.com/office/drawing/2014/main" id="{3493886C-8546-BA98-5842-5790FF686203}"/>
+              </a:ext>
+            </a:extLst>
+          </p:cNvPr>
+          <p:cNvSpPr/>
+          <p:nvPr/>
+        </p:nvSpPr>
+        <p:spPr>
+          <a:xfrm>
+            <a:off x="1335314" y="4564516"/>
+            <a:ext cx="2119085" cy="2170113"/>
+          </a:xfrm>
+          <a:prstGeom prst="rect">
+            <a:avLst/>
+          </a:prstGeom>
+        </p:spPr>
+        <p:style>
+          <a:lnRef idx="2">
+            <a:schemeClr val="accent1">
+              <a:shade val="50000"/>
+            </a:schemeClr>
+          </a:lnRef>
+          <a:fillRef idx="1">
+            <a:schemeClr val="accent1"/>
+          </a:fillRef>
+          <a:effectRef idx="0">
+            <a:schemeClr val="accent1"/>
+          </a:effectRef>
+          <a:fontRef idx="minor">
+            <a:schemeClr val="lt1"/>
+          </a:fontRef>
+        </p:style>
+        <p:txBody>
+          <a:bodyPr rtlCol="0" anchor="ctr"/>
+          <a:lstStyle/>
+          <a:p>
+            <a:pPr algn="ctr"/>
+            <a:endParaRPr lang="en-US"/>
+          </a:p>
+        </p:txBody>
+      </p:sp>
+      <p:sp>
+        <p:nvSpPr>
+          <p:cNvPr id="8" name="Rectangle 7">
+            <a:extLst>
+              <a:ext uri="{FF2B5EF4-FFF2-40B4-BE49-F238E27FC236}">
+                <a16:creationId xmlns:a16="http://schemas.microsoft.com/office/drawing/2014/main" id="{6398CB39-CCCA-2957-E0FE-E9F0882290E3}"/>
+              </a:ext>
+            </a:extLst>
+          </p:cNvPr>
+          <p:cNvSpPr/>
+          <p:nvPr/>
+        </p:nvSpPr>
+        <p:spPr>
+          <a:xfrm>
+            <a:off x="4934857" y="4564516"/>
+            <a:ext cx="2119085" cy="2170113"/>
+          </a:xfrm>
+          <a:prstGeom prst="rect">
+            <a:avLst/>
+          </a:prstGeom>
+        </p:spPr>
+        <p:style>
+          <a:lnRef idx="2">
+            <a:schemeClr val="accent1">
+              <a:shade val="50000"/>
+            </a:schemeClr>
+          </a:lnRef>
+          <a:fillRef idx="1">
+            <a:schemeClr val="accent1"/>
+          </a:fillRef>
+          <a:effectRef idx="0">
+            <a:schemeClr val="accent1"/>
+          </a:effectRef>
+          <a:fontRef idx="minor">
+            <a:schemeClr val="lt1"/>
+          </a:fontRef>
+        </p:style>
+        <p:txBody>
+          <a:bodyPr rtlCol="0" anchor="ctr"/>
+          <a:lstStyle/>
+          <a:p>
+            <a:pPr algn="ctr"/>
+            <a:endParaRPr lang="en-US"/>
+          </a:p>
+        </p:txBody>
+      </p:sp>
+      <p:sp>
+        <p:nvSpPr>
+          <p:cNvPr id="9" name="Rectangle 8">
+            <a:extLst>
+              <a:ext uri="{FF2B5EF4-FFF2-40B4-BE49-F238E27FC236}">
+                <a16:creationId xmlns:a16="http://schemas.microsoft.com/office/drawing/2014/main" id="{7F3952CB-EBCF-864D-4318-8655D6D1D0AB}"/>
+              </a:ext>
+            </a:extLst>
+          </p:cNvPr>
+          <p:cNvSpPr/>
+          <p:nvPr/>
+        </p:nvSpPr>
+        <p:spPr>
+          <a:xfrm>
+            <a:off x="8592458" y="4564516"/>
+            <a:ext cx="2119085" cy="2170113"/>
+          </a:xfrm>
+          <a:prstGeom prst="rect">
+            <a:avLst/>
+          </a:prstGeom>
+        </p:spPr>
+        <p:style>
+          <a:lnRef idx="2">
+            <a:schemeClr val="accent1">
+              <a:shade val="50000"/>
+            </a:schemeClr>
+          </a:lnRef>
+          <a:fillRef idx="1">
+            <a:schemeClr val="accent1"/>
+          </a:fillRef>
+          <a:effectRef idx="0">
+            <a:schemeClr val="accent1"/>
+          </a:effectRef>
+          <a:fontRef idx="minor">
+            <a:schemeClr val="lt1"/>
+          </a:fontRef>
+        </p:style>
+        <p:txBody>
+          <a:bodyPr rtlCol="0" anchor="ctr"/>
+          <a:lstStyle/>
+          <a:p>
+            <a:pPr algn="ctr"/>
+            <a:endParaRPr lang="en-US"/>
+          </a:p>
+        </p:txBody>
+      </p:sp>
+      <p:sp>
+        <p:nvSpPr>
+          <p:cNvPr id="10" name="Rectangle 9">
+            <a:extLst>
+              <a:ext uri="{FF2B5EF4-FFF2-40B4-BE49-F238E27FC236}">
+                <a16:creationId xmlns:a16="http://schemas.microsoft.com/office/drawing/2014/main" id="{5B5F7D4A-FBDF-6D7B-2CEE-4FCF91348A8D}"/>
+              </a:ext>
+            </a:extLst>
+          </p:cNvPr>
+          <p:cNvSpPr/>
+          <p:nvPr/>
+        </p:nvSpPr>
+        <p:spPr>
+          <a:xfrm>
+            <a:off x="5023755" y="1713819"/>
+            <a:ext cx="986971" cy="965426"/>
+          </a:xfrm>
+          <a:prstGeom prst="rect">
+            <a:avLst/>
+          </a:prstGeom>
+        </p:spPr>
+        <p:style>
+          <a:lnRef idx="2">
+            <a:schemeClr val="accent4">
+              <a:shade val="50000"/>
+            </a:schemeClr>
+          </a:lnRef>
+          <a:fillRef idx="1">
+            <a:schemeClr val="accent4"/>
+          </a:fillRef>
+          <a:effectRef idx="0">
+            <a:schemeClr val="accent4"/>
+          </a:effectRef>
+          <a:fontRef idx="minor">
+            <a:schemeClr val="lt1"/>
+          </a:fontRef>
+        </p:style>
+        <p:txBody>
+          <a:bodyPr rtlCol="0" anchor="ctr"/>
+          <a:lstStyle/>
+          <a:p>
+            <a:pPr algn="ctr"/>
+            <a:endParaRPr lang="en-US"/>
+          </a:p>
+        </p:txBody>
+      </p:sp>
+      <p:sp>
+        <p:nvSpPr>
+          <p:cNvPr id="11" name="Rectangle 10">
+            <a:extLst>
+              <a:ext uri="{FF2B5EF4-FFF2-40B4-BE49-F238E27FC236}">
+                <a16:creationId xmlns:a16="http://schemas.microsoft.com/office/drawing/2014/main" id="{67C69824-132C-DDEC-EF31-99FA4B825444}"/>
+              </a:ext>
+            </a:extLst>
+          </p:cNvPr>
+          <p:cNvSpPr/>
+          <p:nvPr/>
+        </p:nvSpPr>
+        <p:spPr>
+          <a:xfrm>
+            <a:off x="6096000" y="1915886"/>
+            <a:ext cx="1132114" cy="2286001"/>
+          </a:xfrm>
+          <a:prstGeom prst="rect">
+            <a:avLst/>
+          </a:prstGeom>
+        </p:spPr>
+        <p:style>
+          <a:lnRef idx="2">
+            <a:schemeClr val="accent3">
+              <a:shade val="50000"/>
+            </a:schemeClr>
+          </a:lnRef>
+          <a:fillRef idx="1">
+            <a:schemeClr val="accent3"/>
+          </a:fillRef>
+          <a:effectRef idx="0">
+            <a:schemeClr val="accent3"/>
+          </a:effectRef>
+          <a:fontRef idx="minor">
+            <a:schemeClr val="lt1"/>
+          </a:fontRef>
+        </p:style>
+        <p:txBody>
+          <a:bodyPr rtlCol="0" anchor="ctr"/>
+          <a:lstStyle/>
+          <a:p>
+            <a:pPr algn="ctr"/>
+            <a:endParaRPr lang="en-US"/>
+          </a:p>
+        </p:txBody>
+      </p:sp>
+      <p:sp>
+        <p:nvSpPr>
+          <p:cNvPr id="12" name="Rectangle 11">
+            <a:extLst>
+              <a:ext uri="{FF2B5EF4-FFF2-40B4-BE49-F238E27FC236}">
+                <a16:creationId xmlns:a16="http://schemas.microsoft.com/office/drawing/2014/main" id="{850D97BA-D76F-2687-BCA3-D40DC345684C}"/>
+              </a:ext>
+            </a:extLst>
+          </p:cNvPr>
+          <p:cNvSpPr/>
+          <p:nvPr/>
+        </p:nvSpPr>
+        <p:spPr>
+          <a:xfrm>
+            <a:off x="4963886" y="2786743"/>
+            <a:ext cx="986971" cy="965426"/>
+          </a:xfrm>
+          <a:prstGeom prst="rect">
+            <a:avLst/>
+          </a:prstGeom>
+        </p:spPr>
+        <p:style>
+          <a:lnRef idx="2">
+            <a:schemeClr val="accent2">
+              <a:shade val="50000"/>
+            </a:schemeClr>
+          </a:lnRef>
+          <a:fillRef idx="1">
+            <a:schemeClr val="accent2"/>
+          </a:fillRef>
+          <a:effectRef idx="0">
+            <a:schemeClr val="accent2"/>
+          </a:effectRef>
+          <a:fontRef idx="minor">
+            <a:schemeClr val="lt1"/>
+          </a:fontRef>
+        </p:style>
+        <p:txBody>
+          <a:bodyPr rtlCol="0" anchor="ctr"/>
+          <a:lstStyle/>
+          <a:p>
+            <a:pPr algn="ctr"/>
+            <a:endParaRPr lang="en-US"/>
+          </a:p>
+        </p:txBody>
+      </p:sp>
+      <p:sp>
+        <p:nvSpPr>
+          <p:cNvPr id="13" name="Rectangle 12">
+            <a:extLst>
+              <a:ext uri="{FF2B5EF4-FFF2-40B4-BE49-F238E27FC236}">
+                <a16:creationId xmlns:a16="http://schemas.microsoft.com/office/drawing/2014/main" id="{A6A29C48-1409-C08B-04DA-95C229803FD2}"/>
+              </a:ext>
+            </a:extLst>
+          </p:cNvPr>
+          <p:cNvSpPr/>
+          <p:nvPr/>
+        </p:nvSpPr>
+        <p:spPr>
+          <a:xfrm>
+            <a:off x="5109029" y="3918857"/>
+            <a:ext cx="841828" cy="283030"/>
+          </a:xfrm>
+          <a:prstGeom prst="rect">
+            <a:avLst/>
+          </a:prstGeom>
+        </p:spPr>
+        <p:style>
+          <a:lnRef idx="3">
+            <a:schemeClr val="lt1"/>
+          </a:lnRef>
+          <a:fillRef idx="1">
+            <a:schemeClr val="dk1"/>
+          </a:fillRef>
+          <a:effectRef idx="1">
+            <a:schemeClr val="dk1"/>
+          </a:effectRef>
+          <a:fontRef idx="minor">
+            <a:schemeClr val="lt1"/>
+          </a:fontRef>
+        </p:style>
+        <p:txBody>
+          <a:bodyPr rtlCol="0" anchor="ctr"/>
+          <a:lstStyle/>
+          <a:p>
+            <a:pPr algn="ctr"/>
+            <a:endParaRPr lang="en-US"/>
+          </a:p>
+        </p:txBody>
+      </p:sp>
+    </p:spTree>
+    <p:extLst>
+      <p:ext uri="{BB962C8B-B14F-4D97-AF65-F5344CB8AC3E}">
+        <p14:creationId xmlns:p14="http://schemas.microsoft.com/office/powerpoint/2010/main" val="37707475"/>
       </p:ext>
     </p:extLst>
   </p:cSld>

--- a/CSS.pptx
+++ b/CSS.pptx
@@ -92,6 +92,15 @@
     <p:sldId id="340" r:id="rId86"/>
     <p:sldId id="341" r:id="rId87"/>
     <p:sldId id="342" r:id="rId88"/>
+    <p:sldId id="343" r:id="rId89"/>
+    <p:sldId id="344" r:id="rId90"/>
+    <p:sldId id="345" r:id="rId91"/>
+    <p:sldId id="346" r:id="rId92"/>
+    <p:sldId id="347" r:id="rId93"/>
+    <p:sldId id="348" r:id="rId94"/>
+    <p:sldId id="349" r:id="rId95"/>
+    <p:sldId id="350" r:id="rId96"/>
+    <p:sldId id="351" r:id="rId97"/>
   </p:sldIdLst>
   <p:sldSz cx="12192000" cy="6858000"/>
   <p:notesSz cx="6858000" cy="9144000"/>
@@ -345,7 +354,7 @@
           <a:p>
             <a:fld id="{E6A9BA00-07BE-4836-8229-BCB8917AB7E6}" type="datetimeFigureOut">
               <a:rPr lang="en-US" smtClean="0"/>
-              <a:t>12/15/2022</a:t>
+              <a:t>12/16/2022</a:t>
             </a:fld>
             <a:endParaRPr lang="en-US"/>
           </a:p>
@@ -543,7 +552,7 @@
           <a:p>
             <a:fld id="{E6A9BA00-07BE-4836-8229-BCB8917AB7E6}" type="datetimeFigureOut">
               <a:rPr lang="en-US" smtClean="0"/>
-              <a:t>12/15/2022</a:t>
+              <a:t>12/16/2022</a:t>
             </a:fld>
             <a:endParaRPr lang="en-US"/>
           </a:p>
@@ -751,7 +760,7 @@
           <a:p>
             <a:fld id="{E6A9BA00-07BE-4836-8229-BCB8917AB7E6}" type="datetimeFigureOut">
               <a:rPr lang="en-US" smtClean="0"/>
-              <a:t>12/15/2022</a:t>
+              <a:t>12/16/2022</a:t>
             </a:fld>
             <a:endParaRPr lang="en-US"/>
           </a:p>
@@ -949,7 +958,7 @@
           <a:p>
             <a:fld id="{E6A9BA00-07BE-4836-8229-BCB8917AB7E6}" type="datetimeFigureOut">
               <a:rPr lang="en-US" smtClean="0"/>
-              <a:t>12/15/2022</a:t>
+              <a:t>12/16/2022</a:t>
             </a:fld>
             <a:endParaRPr lang="en-US"/>
           </a:p>
@@ -1224,7 +1233,7 @@
           <a:p>
             <a:fld id="{E6A9BA00-07BE-4836-8229-BCB8917AB7E6}" type="datetimeFigureOut">
               <a:rPr lang="en-US" smtClean="0"/>
-              <a:t>12/15/2022</a:t>
+              <a:t>12/16/2022</a:t>
             </a:fld>
             <a:endParaRPr lang="en-US"/>
           </a:p>
@@ -1489,7 +1498,7 @@
           <a:p>
             <a:fld id="{E6A9BA00-07BE-4836-8229-BCB8917AB7E6}" type="datetimeFigureOut">
               <a:rPr lang="en-US" smtClean="0"/>
-              <a:t>12/15/2022</a:t>
+              <a:t>12/16/2022</a:t>
             </a:fld>
             <a:endParaRPr lang="en-US"/>
           </a:p>
@@ -1901,7 +1910,7 @@
           <a:p>
             <a:fld id="{E6A9BA00-07BE-4836-8229-BCB8917AB7E6}" type="datetimeFigureOut">
               <a:rPr lang="en-US" smtClean="0"/>
-              <a:t>12/15/2022</a:t>
+              <a:t>12/16/2022</a:t>
             </a:fld>
             <a:endParaRPr lang="en-US"/>
           </a:p>
@@ -2042,7 +2051,7 @@
           <a:p>
             <a:fld id="{E6A9BA00-07BE-4836-8229-BCB8917AB7E6}" type="datetimeFigureOut">
               <a:rPr lang="en-US" smtClean="0"/>
-              <a:t>12/15/2022</a:t>
+              <a:t>12/16/2022</a:t>
             </a:fld>
             <a:endParaRPr lang="en-US"/>
           </a:p>
@@ -2155,7 +2164,7 @@
           <a:p>
             <a:fld id="{E6A9BA00-07BE-4836-8229-BCB8917AB7E6}" type="datetimeFigureOut">
               <a:rPr lang="en-US" smtClean="0"/>
-              <a:t>12/15/2022</a:t>
+              <a:t>12/16/2022</a:t>
             </a:fld>
             <a:endParaRPr lang="en-US"/>
           </a:p>
@@ -2466,7 +2475,7 @@
           <a:p>
             <a:fld id="{E6A9BA00-07BE-4836-8229-BCB8917AB7E6}" type="datetimeFigureOut">
               <a:rPr lang="en-US" smtClean="0"/>
-              <a:t>12/15/2022</a:t>
+              <a:t>12/16/2022</a:t>
             </a:fld>
             <a:endParaRPr lang="en-US"/>
           </a:p>
@@ -2754,7 +2763,7 @@
           <a:p>
             <a:fld id="{E6A9BA00-07BE-4836-8229-BCB8917AB7E6}" type="datetimeFigureOut">
               <a:rPr lang="en-US" smtClean="0"/>
-              <a:t>12/15/2022</a:t>
+              <a:t>12/16/2022</a:t>
             </a:fld>
             <a:endParaRPr lang="en-US"/>
           </a:p>
@@ -2995,7 +3004,7 @@
           <a:p>
             <a:fld id="{E6A9BA00-07BE-4836-8229-BCB8917AB7E6}" type="datetimeFigureOut">
               <a:rPr lang="en-US" smtClean="0"/>
-              <a:t>12/15/2022</a:t>
+              <a:t>12/16/2022</a:t>
             </a:fld>
             <a:endParaRPr lang="en-US"/>
           </a:p>
@@ -21225,6 +21234,316 @@
 </p:sld>
 </file>
 
+<file path=ppt/slides/slide88.xml><?xml version="1.0" encoding="utf-8"?>
+<p:sld xmlns:a="http://schemas.openxmlformats.org/drawingml/2006/main" xmlns:r="http://schemas.openxmlformats.org/officeDocument/2006/relationships" xmlns:p="http://schemas.openxmlformats.org/presentationml/2006/main">
+  <p:cSld>
+    <p:spTree>
+      <p:nvGrpSpPr>
+        <p:cNvPr id="1" name=""/>
+        <p:cNvGrpSpPr/>
+        <p:nvPr/>
+      </p:nvGrpSpPr>
+      <p:grpSpPr>
+        <a:xfrm>
+          <a:off x="0" y="0"/>
+          <a:ext cx="0" cy="0"/>
+          <a:chOff x="0" y="0"/>
+          <a:chExt cx="0" cy="0"/>
+        </a:xfrm>
+      </p:grpSpPr>
+      <p:sp>
+        <p:nvSpPr>
+          <p:cNvPr id="2" name="Title 1">
+            <a:extLst>
+              <a:ext uri="{FF2B5EF4-FFF2-40B4-BE49-F238E27FC236}">
+                <a16:creationId xmlns:a16="http://schemas.microsoft.com/office/drawing/2014/main" id="{C6FC7FE0-A67C-E2AD-AAE1-D4220E789330}"/>
+              </a:ext>
+            </a:extLst>
+          </p:cNvPr>
+          <p:cNvSpPr>
+            <a:spLocks noGrp="1"/>
+          </p:cNvSpPr>
+          <p:nvPr>
+            <p:ph type="title"/>
+          </p:nvPr>
+        </p:nvSpPr>
+        <p:spPr/>
+        <p:txBody>
+          <a:bodyPr/>
+          <a:lstStyle/>
+          <a:p>
+            <a:r>
+              <a:rPr lang="en-US" dirty="0"/>
+              <a:t>CSS Flexbox</a:t>
+            </a:r>
+          </a:p>
+        </p:txBody>
+      </p:sp>
+      <p:sp>
+        <p:nvSpPr>
+          <p:cNvPr id="3" name="Content Placeholder 2">
+            <a:extLst>
+              <a:ext uri="{FF2B5EF4-FFF2-40B4-BE49-F238E27FC236}">
+                <a16:creationId xmlns:a16="http://schemas.microsoft.com/office/drawing/2014/main" id="{A2EB9524-206F-AF71-AEF3-1D22B6DD2CC6}"/>
+              </a:ext>
+            </a:extLst>
+          </p:cNvPr>
+          <p:cNvSpPr>
+            <a:spLocks noGrp="1"/>
+          </p:cNvSpPr>
+          <p:nvPr>
+            <p:ph idx="1"/>
+          </p:nvPr>
+        </p:nvSpPr>
+        <p:spPr/>
+        <p:txBody>
+          <a:bodyPr/>
+          <a:lstStyle/>
+          <a:p>
+            <a:r>
+              <a:rPr lang="en-US" dirty="0"/>
+              <a:t>New module in CSS3 to easy align elements in different directions and orders.</a:t>
+            </a:r>
+          </a:p>
+          <a:p>
+            <a:r>
+              <a:rPr lang="en-US" dirty="0"/>
+              <a:t>Flexbox is to gives container the ability to expand and shrink elements to best use all the available space</a:t>
+            </a:r>
+          </a:p>
+          <a:p>
+            <a:r>
+              <a:rPr lang="en-US" dirty="0"/>
+              <a:t>CSS flexbox layout replaces float, grid layout</a:t>
+            </a:r>
+          </a:p>
+          <a:p>
+            <a:r>
+              <a:rPr lang="en-US" dirty="0"/>
+              <a:t>New way to build one-dimensional layouts</a:t>
+            </a:r>
+          </a:p>
+        </p:txBody>
+      </p:sp>
+    </p:spTree>
+    <p:extLst>
+      <p:ext uri="{BB962C8B-B14F-4D97-AF65-F5344CB8AC3E}">
+        <p14:creationId xmlns:p14="http://schemas.microsoft.com/office/powerpoint/2010/main" val="1832879197"/>
+      </p:ext>
+    </p:extLst>
+  </p:cSld>
+  <p:clrMapOvr>
+    <a:masterClrMapping/>
+  </p:clrMapOvr>
+</p:sld>
+</file>
+
+<file path=ppt/slides/slide89.xml><?xml version="1.0" encoding="utf-8"?>
+<p:sld xmlns:a="http://schemas.openxmlformats.org/drawingml/2006/main" xmlns:r="http://schemas.openxmlformats.org/officeDocument/2006/relationships" xmlns:p="http://schemas.openxmlformats.org/presentationml/2006/main">
+  <p:cSld>
+    <p:spTree>
+      <p:nvGrpSpPr>
+        <p:cNvPr id="1" name=""/>
+        <p:cNvGrpSpPr/>
+        <p:nvPr/>
+      </p:nvGrpSpPr>
+      <p:grpSpPr>
+        <a:xfrm>
+          <a:off x="0" y="0"/>
+          <a:ext cx="0" cy="0"/>
+          <a:chOff x="0" y="0"/>
+          <a:chExt cx="0" cy="0"/>
+        </a:xfrm>
+      </p:grpSpPr>
+      <p:sp>
+        <p:nvSpPr>
+          <p:cNvPr id="2" name="Title 1">
+            <a:extLst>
+              <a:ext uri="{FF2B5EF4-FFF2-40B4-BE49-F238E27FC236}">
+                <a16:creationId xmlns:a16="http://schemas.microsoft.com/office/drawing/2014/main" id="{1BFC0618-C460-4320-8E2E-7A2A86A6286B}"/>
+              </a:ext>
+            </a:extLst>
+          </p:cNvPr>
+          <p:cNvSpPr>
+            <a:spLocks noGrp="1"/>
+          </p:cNvSpPr>
+          <p:nvPr>
+            <p:ph type="title"/>
+          </p:nvPr>
+        </p:nvSpPr>
+        <p:spPr/>
+        <p:txBody>
+          <a:bodyPr/>
+          <a:lstStyle/>
+          <a:p>
+            <a:r>
+              <a:rPr lang="en-US" dirty="0"/>
+              <a:t>Flexbox Properties</a:t>
+            </a:r>
+          </a:p>
+        </p:txBody>
+      </p:sp>
+      <p:sp>
+        <p:nvSpPr>
+          <p:cNvPr id="3" name="Content Placeholder 2">
+            <a:extLst>
+              <a:ext uri="{FF2B5EF4-FFF2-40B4-BE49-F238E27FC236}">
+                <a16:creationId xmlns:a16="http://schemas.microsoft.com/office/drawing/2014/main" id="{1A8B0050-7301-C6CB-4115-5FC39038B677}"/>
+              </a:ext>
+            </a:extLst>
+          </p:cNvPr>
+          <p:cNvSpPr>
+            <a:spLocks noGrp="1"/>
+          </p:cNvSpPr>
+          <p:nvPr>
+            <p:ph idx="1"/>
+          </p:nvPr>
+        </p:nvSpPr>
+        <p:spPr/>
+        <p:txBody>
+          <a:bodyPr numCol="2">
+            <a:normAutofit/>
+          </a:bodyPr>
+          <a:lstStyle/>
+          <a:p>
+            <a:r>
+              <a:rPr lang="en-US" dirty="0">
+                <a:solidFill>
+                  <a:srgbClr val="FF0000"/>
+                </a:solidFill>
+              </a:rPr>
+              <a:t>Flex-direction</a:t>
+            </a:r>
+          </a:p>
+          <a:p>
+            <a:r>
+              <a:rPr lang="en-US" dirty="0">
+                <a:solidFill>
+                  <a:srgbClr val="FF0000"/>
+                </a:solidFill>
+              </a:rPr>
+              <a:t>Flex-wrap</a:t>
+            </a:r>
+          </a:p>
+          <a:p>
+            <a:r>
+              <a:rPr lang="en-US" dirty="0">
+                <a:solidFill>
+                  <a:srgbClr val="FF0000"/>
+                </a:solidFill>
+              </a:rPr>
+              <a:t>Flex-flow</a:t>
+            </a:r>
+          </a:p>
+          <a:p>
+            <a:r>
+              <a:rPr lang="en-US" dirty="0">
+                <a:solidFill>
+                  <a:srgbClr val="FF0000"/>
+                </a:solidFill>
+              </a:rPr>
+              <a:t>Flex-grow</a:t>
+            </a:r>
+          </a:p>
+          <a:p>
+            <a:r>
+              <a:rPr lang="en-US" dirty="0">
+                <a:solidFill>
+                  <a:srgbClr val="FF0000"/>
+                </a:solidFill>
+              </a:rPr>
+              <a:t>Flex-shrink</a:t>
+            </a:r>
+          </a:p>
+          <a:p>
+            <a:r>
+              <a:rPr lang="en-US" dirty="0">
+                <a:solidFill>
+                  <a:srgbClr val="FF0000"/>
+                </a:solidFill>
+              </a:rPr>
+              <a:t>Flex-basis</a:t>
+            </a:r>
+          </a:p>
+          <a:p>
+            <a:r>
+              <a:rPr lang="en-US" dirty="0">
+                <a:solidFill>
+                  <a:srgbClr val="FF0000"/>
+                </a:solidFill>
+              </a:rPr>
+              <a:t>Flex</a:t>
+            </a:r>
+          </a:p>
+          <a:p>
+            <a:r>
+              <a:rPr lang="en-US" dirty="0">
+                <a:solidFill>
+                  <a:schemeClr val="accent6">
+                    <a:lumMod val="50000"/>
+                  </a:schemeClr>
+                </a:solidFill>
+              </a:rPr>
+              <a:t>Justify-content</a:t>
+            </a:r>
+          </a:p>
+          <a:p>
+            <a:r>
+              <a:rPr lang="en-US" dirty="0">
+                <a:solidFill>
+                  <a:schemeClr val="accent6">
+                    <a:lumMod val="50000"/>
+                  </a:schemeClr>
+                </a:solidFill>
+              </a:rPr>
+              <a:t>Align-content</a:t>
+            </a:r>
+          </a:p>
+          <a:p>
+            <a:r>
+              <a:rPr lang="en-US" dirty="0">
+                <a:solidFill>
+                  <a:schemeClr val="accent6">
+                    <a:lumMod val="50000"/>
+                  </a:schemeClr>
+                </a:solidFill>
+              </a:rPr>
+              <a:t>Align-items</a:t>
+            </a:r>
+          </a:p>
+          <a:p>
+            <a:r>
+              <a:rPr lang="en-US" dirty="0">
+                <a:solidFill>
+                  <a:schemeClr val="accent6">
+                    <a:lumMod val="50000"/>
+                  </a:schemeClr>
+                </a:solidFill>
+              </a:rPr>
+              <a:t>Align-self</a:t>
+            </a:r>
+          </a:p>
+          <a:p>
+            <a:r>
+              <a:rPr lang="en-US" dirty="0"/>
+              <a:t>order</a:t>
+            </a:r>
+          </a:p>
+        </p:txBody>
+      </p:sp>
+    </p:spTree>
+    <p:extLst>
+      <p:ext uri="{BB962C8B-B14F-4D97-AF65-F5344CB8AC3E}">
+        <p14:creationId xmlns:p14="http://schemas.microsoft.com/office/powerpoint/2010/main" val="954739148"/>
+      </p:ext>
+    </p:extLst>
+  </p:cSld>
+  <p:clrMapOvr>
+    <a:masterClrMapping/>
+  </p:clrMapOvr>
+</p:sld>
+</file>
+
 <file path=ppt/slides/slide9.xml><?xml version="1.0" encoding="utf-8"?>
 <p:sld xmlns:a="http://schemas.openxmlformats.org/drawingml/2006/main" xmlns:r="http://schemas.openxmlformats.org/officeDocument/2006/relationships" xmlns:p="http://schemas.openxmlformats.org/presentationml/2006/main">
   <p:cSld>
@@ -21309,6 +21628,1442 @@
     <p:extLst>
       <p:ext uri="{BB962C8B-B14F-4D97-AF65-F5344CB8AC3E}">
         <p14:creationId xmlns:p14="http://schemas.microsoft.com/office/powerpoint/2010/main" val="1409093033"/>
+      </p:ext>
+    </p:extLst>
+  </p:cSld>
+  <p:clrMapOvr>
+    <a:masterClrMapping/>
+  </p:clrMapOvr>
+</p:sld>
+</file>
+
+<file path=ppt/slides/slide90.xml><?xml version="1.0" encoding="utf-8"?>
+<p:sld xmlns:a="http://schemas.openxmlformats.org/drawingml/2006/main" xmlns:r="http://schemas.openxmlformats.org/officeDocument/2006/relationships" xmlns:p="http://schemas.openxmlformats.org/presentationml/2006/main">
+  <p:cSld>
+    <p:spTree>
+      <p:nvGrpSpPr>
+        <p:cNvPr id="1" name=""/>
+        <p:cNvGrpSpPr/>
+        <p:nvPr/>
+      </p:nvGrpSpPr>
+      <p:grpSpPr>
+        <a:xfrm>
+          <a:off x="0" y="0"/>
+          <a:ext cx="0" cy="0"/>
+          <a:chOff x="0" y="0"/>
+          <a:chExt cx="0" cy="0"/>
+        </a:xfrm>
+      </p:grpSpPr>
+      <p:sp>
+        <p:nvSpPr>
+          <p:cNvPr id="2" name="Title 1">
+            <a:extLst>
+              <a:ext uri="{FF2B5EF4-FFF2-40B4-BE49-F238E27FC236}">
+                <a16:creationId xmlns:a16="http://schemas.microsoft.com/office/drawing/2014/main" id="{DB013C78-5D22-12BD-016F-9FC136F264F9}"/>
+              </a:ext>
+            </a:extLst>
+          </p:cNvPr>
+          <p:cNvSpPr>
+            <a:spLocks noGrp="1"/>
+          </p:cNvSpPr>
+          <p:nvPr>
+            <p:ph type="title"/>
+          </p:nvPr>
+        </p:nvSpPr>
+        <p:spPr/>
+        <p:txBody>
+          <a:bodyPr/>
+          <a:lstStyle/>
+          <a:p>
+            <a:r>
+              <a:rPr lang="en-US" dirty="0"/>
+              <a:t>Flex-direction values</a:t>
+            </a:r>
+          </a:p>
+        </p:txBody>
+      </p:sp>
+      <p:sp>
+        <p:nvSpPr>
+          <p:cNvPr id="3" name="Content Placeholder 2">
+            <a:extLst>
+              <a:ext uri="{FF2B5EF4-FFF2-40B4-BE49-F238E27FC236}">
+                <a16:creationId xmlns:a16="http://schemas.microsoft.com/office/drawing/2014/main" id="{838454FC-7F60-2C9E-A0D6-F108F797E351}"/>
+              </a:ext>
+            </a:extLst>
+          </p:cNvPr>
+          <p:cNvSpPr>
+            <a:spLocks noGrp="1"/>
+          </p:cNvSpPr>
+          <p:nvPr>
+            <p:ph idx="1"/>
+          </p:nvPr>
+        </p:nvSpPr>
+        <p:spPr/>
+        <p:txBody>
+          <a:bodyPr/>
+          <a:lstStyle/>
+          <a:p>
+            <a:r>
+              <a:rPr lang="en-US" dirty="0"/>
+              <a:t>Row</a:t>
+            </a:r>
+          </a:p>
+          <a:p>
+            <a:r>
+              <a:rPr lang="en-US" dirty="0"/>
+              <a:t>Row-reverse</a:t>
+            </a:r>
+          </a:p>
+          <a:p>
+            <a:r>
+              <a:rPr lang="en-US" dirty="0"/>
+              <a:t>Column</a:t>
+            </a:r>
+          </a:p>
+          <a:p>
+            <a:r>
+              <a:rPr lang="en-US" dirty="0"/>
+              <a:t>Column-reverse</a:t>
+            </a:r>
+          </a:p>
+        </p:txBody>
+      </p:sp>
+    </p:spTree>
+    <p:extLst>
+      <p:ext uri="{BB962C8B-B14F-4D97-AF65-F5344CB8AC3E}">
+        <p14:creationId xmlns:p14="http://schemas.microsoft.com/office/powerpoint/2010/main" val="737669190"/>
+      </p:ext>
+    </p:extLst>
+  </p:cSld>
+  <p:clrMapOvr>
+    <a:masterClrMapping/>
+  </p:clrMapOvr>
+</p:sld>
+</file>
+
+<file path=ppt/slides/slide91.xml><?xml version="1.0" encoding="utf-8"?>
+<p:sld xmlns:a="http://schemas.openxmlformats.org/drawingml/2006/main" xmlns:r="http://schemas.openxmlformats.org/officeDocument/2006/relationships" xmlns:p="http://schemas.openxmlformats.org/presentationml/2006/main">
+  <p:cSld>
+    <p:spTree>
+      <p:nvGrpSpPr>
+        <p:cNvPr id="1" name=""/>
+        <p:cNvGrpSpPr/>
+        <p:nvPr/>
+      </p:nvGrpSpPr>
+      <p:grpSpPr>
+        <a:xfrm>
+          <a:off x="0" y="0"/>
+          <a:ext cx="0" cy="0"/>
+          <a:chOff x="0" y="0"/>
+          <a:chExt cx="0" cy="0"/>
+        </a:xfrm>
+      </p:grpSpPr>
+      <p:sp>
+        <p:nvSpPr>
+          <p:cNvPr id="2" name="Title 1">
+            <a:extLst>
+              <a:ext uri="{FF2B5EF4-FFF2-40B4-BE49-F238E27FC236}">
+                <a16:creationId xmlns:a16="http://schemas.microsoft.com/office/drawing/2014/main" id="{DD6EF3A7-CE76-0C9A-A7CE-78864A6FF417}"/>
+              </a:ext>
+            </a:extLst>
+          </p:cNvPr>
+          <p:cNvSpPr>
+            <a:spLocks noGrp="1"/>
+          </p:cNvSpPr>
+          <p:nvPr>
+            <p:ph type="title"/>
+          </p:nvPr>
+        </p:nvSpPr>
+        <p:spPr/>
+        <p:txBody>
+          <a:bodyPr/>
+          <a:lstStyle/>
+          <a:p>
+            <a:r>
+              <a:rPr lang="en-US" dirty="0"/>
+              <a:t>Flex-wrap &amp; flex-flow</a:t>
+            </a:r>
+          </a:p>
+        </p:txBody>
+      </p:sp>
+      <p:sp>
+        <p:nvSpPr>
+          <p:cNvPr id="3" name="Content Placeholder 2">
+            <a:extLst>
+              <a:ext uri="{FF2B5EF4-FFF2-40B4-BE49-F238E27FC236}">
+                <a16:creationId xmlns:a16="http://schemas.microsoft.com/office/drawing/2014/main" id="{49A1578D-C126-A0F7-85D0-76868C1E3EDE}"/>
+              </a:ext>
+            </a:extLst>
+          </p:cNvPr>
+          <p:cNvSpPr>
+            <a:spLocks noGrp="1"/>
+          </p:cNvSpPr>
+          <p:nvPr>
+            <p:ph idx="1"/>
+          </p:nvPr>
+        </p:nvSpPr>
+        <p:spPr/>
+        <p:txBody>
+          <a:bodyPr/>
+          <a:lstStyle/>
+          <a:p>
+            <a:r>
+              <a:rPr lang="en-US" dirty="0" err="1"/>
+              <a:t>Nowrap</a:t>
+            </a:r>
+            <a:endParaRPr lang="en-US" dirty="0"/>
+          </a:p>
+          <a:p>
+            <a:r>
+              <a:rPr lang="en-US" dirty="0"/>
+              <a:t>Wrap</a:t>
+            </a:r>
+          </a:p>
+          <a:p>
+            <a:r>
+              <a:rPr lang="en-US" dirty="0"/>
+              <a:t>Wrap-reverse</a:t>
+            </a:r>
+          </a:p>
+          <a:p>
+            <a:endParaRPr lang="en-US" dirty="0"/>
+          </a:p>
+          <a:p>
+            <a:r>
+              <a:rPr lang="en-US" dirty="0"/>
+              <a:t>Flex-flow: &lt;flex-direction&gt;&lt;flex-wrap&gt;</a:t>
+            </a:r>
+          </a:p>
+        </p:txBody>
+      </p:sp>
+    </p:spTree>
+    <p:extLst>
+      <p:ext uri="{BB962C8B-B14F-4D97-AF65-F5344CB8AC3E}">
+        <p14:creationId xmlns:p14="http://schemas.microsoft.com/office/powerpoint/2010/main" val="2067699534"/>
+      </p:ext>
+    </p:extLst>
+  </p:cSld>
+  <p:clrMapOvr>
+    <a:masterClrMapping/>
+  </p:clrMapOvr>
+</p:sld>
+</file>
+
+<file path=ppt/slides/slide92.xml><?xml version="1.0" encoding="utf-8"?>
+<p:sld xmlns:a="http://schemas.openxmlformats.org/drawingml/2006/main" xmlns:r="http://schemas.openxmlformats.org/officeDocument/2006/relationships" xmlns:p="http://schemas.openxmlformats.org/presentationml/2006/main">
+  <p:cSld>
+    <p:spTree>
+      <p:nvGrpSpPr>
+        <p:cNvPr id="1" name=""/>
+        <p:cNvGrpSpPr/>
+        <p:nvPr/>
+      </p:nvGrpSpPr>
+      <p:grpSpPr>
+        <a:xfrm>
+          <a:off x="0" y="0"/>
+          <a:ext cx="0" cy="0"/>
+          <a:chOff x="0" y="0"/>
+          <a:chExt cx="0" cy="0"/>
+        </a:xfrm>
+      </p:grpSpPr>
+      <p:sp>
+        <p:nvSpPr>
+          <p:cNvPr id="2" name="Title 1">
+            <a:extLst>
+              <a:ext uri="{FF2B5EF4-FFF2-40B4-BE49-F238E27FC236}">
+                <a16:creationId xmlns:a16="http://schemas.microsoft.com/office/drawing/2014/main" id="{7E5FA703-661C-82FA-50A1-9AEC94380B5B}"/>
+              </a:ext>
+            </a:extLst>
+          </p:cNvPr>
+          <p:cNvSpPr>
+            <a:spLocks noGrp="1"/>
+          </p:cNvSpPr>
+          <p:nvPr>
+            <p:ph type="title"/>
+          </p:nvPr>
+        </p:nvSpPr>
+        <p:spPr/>
+        <p:txBody>
+          <a:bodyPr/>
+          <a:lstStyle/>
+          <a:p>
+            <a:r>
+              <a:rPr lang="en-US" dirty="0"/>
+              <a:t>Flex: Justify- Content</a:t>
+            </a:r>
+          </a:p>
+        </p:txBody>
+      </p:sp>
+      <p:sp>
+        <p:nvSpPr>
+          <p:cNvPr id="3" name="Content Placeholder 2">
+            <a:extLst>
+              <a:ext uri="{FF2B5EF4-FFF2-40B4-BE49-F238E27FC236}">
+                <a16:creationId xmlns:a16="http://schemas.microsoft.com/office/drawing/2014/main" id="{9C20C0B8-1B91-67D6-5E35-4FBE4AAE18EC}"/>
+              </a:ext>
+            </a:extLst>
+          </p:cNvPr>
+          <p:cNvSpPr>
+            <a:spLocks noGrp="1"/>
+          </p:cNvSpPr>
+          <p:nvPr>
+            <p:ph idx="1"/>
+          </p:nvPr>
+        </p:nvSpPr>
+        <p:spPr/>
+        <p:txBody>
+          <a:bodyPr/>
+          <a:lstStyle/>
+          <a:p>
+            <a:r>
+              <a:rPr lang="en-US" dirty="0"/>
+              <a:t>Flex-start</a:t>
+            </a:r>
+          </a:p>
+          <a:p>
+            <a:r>
+              <a:rPr lang="en-US" dirty="0"/>
+              <a:t>Flex-end</a:t>
+            </a:r>
+          </a:p>
+          <a:p>
+            <a:r>
+              <a:rPr lang="en-US" dirty="0"/>
+              <a:t>Center</a:t>
+            </a:r>
+          </a:p>
+          <a:p>
+            <a:r>
+              <a:rPr lang="en-US" dirty="0"/>
+              <a:t>Space-around</a:t>
+            </a:r>
+          </a:p>
+          <a:p>
+            <a:r>
+              <a:rPr lang="en-US" dirty="0"/>
+              <a:t>Space-between</a:t>
+            </a:r>
+          </a:p>
+          <a:p>
+            <a:r>
+              <a:rPr lang="en-US" dirty="0"/>
+              <a:t>Space-evenly</a:t>
+            </a:r>
+          </a:p>
+        </p:txBody>
+      </p:sp>
+      <p:cxnSp>
+        <p:nvCxnSpPr>
+          <p:cNvPr id="5" name="Straight Arrow Connector 4">
+            <a:extLst>
+              <a:ext uri="{FF2B5EF4-FFF2-40B4-BE49-F238E27FC236}">
+                <a16:creationId xmlns:a16="http://schemas.microsoft.com/office/drawing/2014/main" id="{7D05B1D6-F0C7-ED02-6A8E-07439904F3A9}"/>
+              </a:ext>
+            </a:extLst>
+          </p:cNvPr>
+          <p:cNvCxnSpPr/>
+          <p:nvPr/>
+        </p:nvCxnSpPr>
+        <p:spPr>
+          <a:xfrm>
+            <a:off x="5196114" y="3429000"/>
+            <a:ext cx="5486400" cy="0"/>
+          </a:xfrm>
+          <a:prstGeom prst="straightConnector1">
+            <a:avLst/>
+          </a:prstGeom>
+          <a:ln>
+            <a:solidFill>
+              <a:srgbClr val="FF0000"/>
+            </a:solidFill>
+            <a:headEnd type="triangle"/>
+            <a:tailEnd type="triangle"/>
+          </a:ln>
+        </p:spPr>
+        <p:style>
+          <a:lnRef idx="3">
+            <a:schemeClr val="dk1"/>
+          </a:lnRef>
+          <a:fillRef idx="0">
+            <a:schemeClr val="dk1"/>
+          </a:fillRef>
+          <a:effectRef idx="2">
+            <a:schemeClr val="dk1"/>
+          </a:effectRef>
+          <a:fontRef idx="minor">
+            <a:schemeClr val="tx1"/>
+          </a:fontRef>
+        </p:style>
+      </p:cxnSp>
+      <p:sp>
+        <p:nvSpPr>
+          <p:cNvPr id="6" name="TextBox 5">
+            <a:extLst>
+              <a:ext uri="{FF2B5EF4-FFF2-40B4-BE49-F238E27FC236}">
+                <a16:creationId xmlns:a16="http://schemas.microsoft.com/office/drawing/2014/main" id="{8278F75D-0608-3243-3BFE-24B2A125DCE3}"/>
+              </a:ext>
+            </a:extLst>
+          </p:cNvPr>
+          <p:cNvSpPr txBox="1"/>
+          <p:nvPr/>
+        </p:nvSpPr>
+        <p:spPr>
+          <a:xfrm>
+            <a:off x="6096000" y="2946400"/>
+            <a:ext cx="2168286" cy="369332"/>
+          </a:xfrm>
+          <a:prstGeom prst="rect">
+            <a:avLst/>
+          </a:prstGeom>
+          <a:noFill/>
+        </p:spPr>
+        <p:txBody>
+          <a:bodyPr wrap="none" rtlCol="0">
+            <a:spAutoFit/>
+          </a:bodyPr>
+          <a:lstStyle/>
+          <a:p>
+            <a:r>
+              <a:rPr lang="en-US" dirty="0"/>
+              <a:t>Horizontal Alignment</a:t>
+            </a:r>
+          </a:p>
+        </p:txBody>
+      </p:sp>
+    </p:spTree>
+    <p:extLst>
+      <p:ext uri="{BB962C8B-B14F-4D97-AF65-F5344CB8AC3E}">
+        <p14:creationId xmlns:p14="http://schemas.microsoft.com/office/powerpoint/2010/main" val="1177529732"/>
+      </p:ext>
+    </p:extLst>
+  </p:cSld>
+  <p:clrMapOvr>
+    <a:masterClrMapping/>
+  </p:clrMapOvr>
+</p:sld>
+</file>
+
+<file path=ppt/slides/slide93.xml><?xml version="1.0" encoding="utf-8"?>
+<p:sld xmlns:a="http://schemas.openxmlformats.org/drawingml/2006/main" xmlns:r="http://schemas.openxmlformats.org/officeDocument/2006/relationships" xmlns:p="http://schemas.openxmlformats.org/presentationml/2006/main">
+  <p:cSld>
+    <p:spTree>
+      <p:nvGrpSpPr>
+        <p:cNvPr id="1" name=""/>
+        <p:cNvGrpSpPr/>
+        <p:nvPr/>
+      </p:nvGrpSpPr>
+      <p:grpSpPr>
+        <a:xfrm>
+          <a:off x="0" y="0"/>
+          <a:ext cx="0" cy="0"/>
+          <a:chOff x="0" y="0"/>
+          <a:chExt cx="0" cy="0"/>
+        </a:xfrm>
+      </p:grpSpPr>
+      <p:sp>
+        <p:nvSpPr>
+          <p:cNvPr id="2" name="Title 1">
+            <a:extLst>
+              <a:ext uri="{FF2B5EF4-FFF2-40B4-BE49-F238E27FC236}">
+                <a16:creationId xmlns:a16="http://schemas.microsoft.com/office/drawing/2014/main" id="{E4CCC2A7-9298-93B5-B6DD-7988BD57FD85}"/>
+              </a:ext>
+            </a:extLst>
+          </p:cNvPr>
+          <p:cNvSpPr>
+            <a:spLocks noGrp="1"/>
+          </p:cNvSpPr>
+          <p:nvPr>
+            <p:ph type="title"/>
+          </p:nvPr>
+        </p:nvSpPr>
+        <p:spPr/>
+        <p:txBody>
+          <a:bodyPr/>
+          <a:lstStyle/>
+          <a:p>
+            <a:r>
+              <a:rPr lang="en-US" dirty="0"/>
+              <a:t>Align-items</a:t>
+            </a:r>
+          </a:p>
+        </p:txBody>
+      </p:sp>
+      <p:sp>
+        <p:nvSpPr>
+          <p:cNvPr id="3" name="Content Placeholder 2">
+            <a:extLst>
+              <a:ext uri="{FF2B5EF4-FFF2-40B4-BE49-F238E27FC236}">
+                <a16:creationId xmlns:a16="http://schemas.microsoft.com/office/drawing/2014/main" id="{DF0BD144-1E24-302E-3A16-57FE150AC3A4}"/>
+              </a:ext>
+            </a:extLst>
+          </p:cNvPr>
+          <p:cNvSpPr>
+            <a:spLocks noGrp="1"/>
+          </p:cNvSpPr>
+          <p:nvPr>
+            <p:ph idx="1"/>
+          </p:nvPr>
+        </p:nvSpPr>
+        <p:spPr/>
+        <p:txBody>
+          <a:bodyPr/>
+          <a:lstStyle/>
+          <a:p>
+            <a:r>
+              <a:rPr lang="en-US" dirty="0"/>
+              <a:t>Flex-start</a:t>
+            </a:r>
+          </a:p>
+          <a:p>
+            <a:r>
+              <a:rPr lang="en-US" dirty="0"/>
+              <a:t>Flex-end</a:t>
+            </a:r>
+          </a:p>
+          <a:p>
+            <a:r>
+              <a:rPr lang="en-US" dirty="0"/>
+              <a:t>Center</a:t>
+            </a:r>
+          </a:p>
+          <a:p>
+            <a:r>
+              <a:rPr lang="en-US" dirty="0"/>
+              <a:t>Stretch</a:t>
+            </a:r>
+          </a:p>
+          <a:p>
+            <a:r>
+              <a:rPr lang="en-US" dirty="0"/>
+              <a:t>baseline</a:t>
+            </a:r>
+          </a:p>
+        </p:txBody>
+      </p:sp>
+      <p:cxnSp>
+        <p:nvCxnSpPr>
+          <p:cNvPr id="5" name="Straight Arrow Connector 4">
+            <a:extLst>
+              <a:ext uri="{FF2B5EF4-FFF2-40B4-BE49-F238E27FC236}">
+                <a16:creationId xmlns:a16="http://schemas.microsoft.com/office/drawing/2014/main" id="{D548C64C-1BCB-1A52-D614-98E95811CE32}"/>
+              </a:ext>
+            </a:extLst>
+          </p:cNvPr>
+          <p:cNvCxnSpPr/>
+          <p:nvPr/>
+        </p:nvCxnSpPr>
+        <p:spPr>
+          <a:xfrm>
+            <a:off x="6371771" y="1690688"/>
+            <a:ext cx="0" cy="2953883"/>
+          </a:xfrm>
+          <a:prstGeom prst="straightConnector1">
+            <a:avLst/>
+          </a:prstGeom>
+          <a:ln>
+            <a:solidFill>
+              <a:srgbClr val="FF0000"/>
+            </a:solidFill>
+            <a:headEnd type="triangle"/>
+            <a:tailEnd type="triangle"/>
+          </a:ln>
+        </p:spPr>
+        <p:style>
+          <a:lnRef idx="3">
+            <a:schemeClr val="dk1"/>
+          </a:lnRef>
+          <a:fillRef idx="0">
+            <a:schemeClr val="dk1"/>
+          </a:fillRef>
+          <a:effectRef idx="2">
+            <a:schemeClr val="dk1"/>
+          </a:effectRef>
+          <a:fontRef idx="minor">
+            <a:schemeClr val="tx1"/>
+          </a:fontRef>
+        </p:style>
+      </p:cxnSp>
+      <p:sp>
+        <p:nvSpPr>
+          <p:cNvPr id="6" name="TextBox 5">
+            <a:extLst>
+              <a:ext uri="{FF2B5EF4-FFF2-40B4-BE49-F238E27FC236}">
+                <a16:creationId xmlns:a16="http://schemas.microsoft.com/office/drawing/2014/main" id="{D8B682BD-8D10-92FC-DDC7-E4EC254B28D8}"/>
+              </a:ext>
+            </a:extLst>
+          </p:cNvPr>
+          <p:cNvSpPr txBox="1"/>
+          <p:nvPr/>
+        </p:nvSpPr>
+        <p:spPr>
+          <a:xfrm>
+            <a:off x="6545943" y="3033486"/>
+            <a:ext cx="1908408" cy="369332"/>
+          </a:xfrm>
+          <a:prstGeom prst="rect">
+            <a:avLst/>
+          </a:prstGeom>
+          <a:noFill/>
+        </p:spPr>
+        <p:txBody>
+          <a:bodyPr wrap="none" rtlCol="0">
+            <a:spAutoFit/>
+          </a:bodyPr>
+          <a:lstStyle/>
+          <a:p>
+            <a:r>
+              <a:rPr lang="en-US" dirty="0"/>
+              <a:t>Vertical Alignment</a:t>
+            </a:r>
+          </a:p>
+        </p:txBody>
+      </p:sp>
+    </p:spTree>
+    <p:extLst>
+      <p:ext uri="{BB962C8B-B14F-4D97-AF65-F5344CB8AC3E}">
+        <p14:creationId xmlns:p14="http://schemas.microsoft.com/office/powerpoint/2010/main" val="531578834"/>
+      </p:ext>
+    </p:extLst>
+  </p:cSld>
+  <p:clrMapOvr>
+    <a:masterClrMapping/>
+  </p:clrMapOvr>
+</p:sld>
+</file>
+
+<file path=ppt/slides/slide94.xml><?xml version="1.0" encoding="utf-8"?>
+<p:sld xmlns:a="http://schemas.openxmlformats.org/drawingml/2006/main" xmlns:r="http://schemas.openxmlformats.org/officeDocument/2006/relationships" xmlns:p="http://schemas.openxmlformats.org/presentationml/2006/main">
+  <p:cSld>
+    <p:spTree>
+      <p:nvGrpSpPr>
+        <p:cNvPr id="1" name=""/>
+        <p:cNvGrpSpPr/>
+        <p:nvPr/>
+      </p:nvGrpSpPr>
+      <p:grpSpPr>
+        <a:xfrm>
+          <a:off x="0" y="0"/>
+          <a:ext cx="0" cy="0"/>
+          <a:chOff x="0" y="0"/>
+          <a:chExt cx="0" cy="0"/>
+        </a:xfrm>
+      </p:grpSpPr>
+      <p:sp>
+        <p:nvSpPr>
+          <p:cNvPr id="2" name="Title 1">
+            <a:extLst>
+              <a:ext uri="{FF2B5EF4-FFF2-40B4-BE49-F238E27FC236}">
+                <a16:creationId xmlns:a16="http://schemas.microsoft.com/office/drawing/2014/main" id="{A4F6CB1C-8350-BC8E-06E6-1C6F90F9D127}"/>
+              </a:ext>
+            </a:extLst>
+          </p:cNvPr>
+          <p:cNvSpPr>
+            <a:spLocks noGrp="1"/>
+          </p:cNvSpPr>
+          <p:nvPr>
+            <p:ph type="title"/>
+          </p:nvPr>
+        </p:nvSpPr>
+        <p:spPr/>
+        <p:txBody>
+          <a:bodyPr/>
+          <a:lstStyle/>
+          <a:p>
+            <a:r>
+              <a:rPr lang="en-US" dirty="0"/>
+              <a:t>Flexbox: Order</a:t>
+            </a:r>
+          </a:p>
+        </p:txBody>
+      </p:sp>
+      <p:sp>
+        <p:nvSpPr>
+          <p:cNvPr id="3" name="Content Placeholder 2">
+            <a:extLst>
+              <a:ext uri="{FF2B5EF4-FFF2-40B4-BE49-F238E27FC236}">
+                <a16:creationId xmlns:a16="http://schemas.microsoft.com/office/drawing/2014/main" id="{551EF24E-3CFD-27D1-E151-E6F09DEE8216}"/>
+              </a:ext>
+            </a:extLst>
+          </p:cNvPr>
+          <p:cNvSpPr>
+            <a:spLocks noGrp="1"/>
+          </p:cNvSpPr>
+          <p:nvPr>
+            <p:ph idx="1"/>
+          </p:nvPr>
+        </p:nvSpPr>
+        <p:spPr/>
+        <p:txBody>
+          <a:bodyPr/>
+          <a:lstStyle/>
+          <a:p>
+            <a:r>
+              <a:rPr lang="en-US" dirty="0"/>
+              <a:t>Flexbox: Margin Auto</a:t>
+            </a:r>
+          </a:p>
+        </p:txBody>
+      </p:sp>
+    </p:spTree>
+    <p:extLst>
+      <p:ext uri="{BB962C8B-B14F-4D97-AF65-F5344CB8AC3E}">
+        <p14:creationId xmlns:p14="http://schemas.microsoft.com/office/powerpoint/2010/main" val="82313201"/>
+      </p:ext>
+    </p:extLst>
+  </p:cSld>
+  <p:clrMapOvr>
+    <a:masterClrMapping/>
+  </p:clrMapOvr>
+</p:sld>
+</file>
+
+<file path=ppt/slides/slide95.xml><?xml version="1.0" encoding="utf-8"?>
+<p:sld xmlns:a="http://schemas.openxmlformats.org/drawingml/2006/main" xmlns:r="http://schemas.openxmlformats.org/officeDocument/2006/relationships" xmlns:p="http://schemas.openxmlformats.org/presentationml/2006/main">
+  <p:cSld>
+    <p:spTree>
+      <p:nvGrpSpPr>
+        <p:cNvPr id="1" name=""/>
+        <p:cNvGrpSpPr/>
+        <p:nvPr/>
+      </p:nvGrpSpPr>
+      <p:grpSpPr>
+        <a:xfrm>
+          <a:off x="0" y="0"/>
+          <a:ext cx="0" cy="0"/>
+          <a:chOff x="0" y="0"/>
+          <a:chExt cx="0" cy="0"/>
+        </a:xfrm>
+      </p:grpSpPr>
+      <p:sp>
+        <p:nvSpPr>
+          <p:cNvPr id="2" name="Title 1">
+            <a:extLst>
+              <a:ext uri="{FF2B5EF4-FFF2-40B4-BE49-F238E27FC236}">
+                <a16:creationId xmlns:a16="http://schemas.microsoft.com/office/drawing/2014/main" id="{59C0CF6B-18B1-C51F-E0A7-77EEBF021165}"/>
+              </a:ext>
+            </a:extLst>
+          </p:cNvPr>
+          <p:cNvSpPr>
+            <a:spLocks noGrp="1"/>
+          </p:cNvSpPr>
+          <p:nvPr>
+            <p:ph type="title"/>
+          </p:nvPr>
+        </p:nvSpPr>
+        <p:spPr/>
+        <p:txBody>
+          <a:bodyPr/>
+          <a:lstStyle/>
+          <a:p>
+            <a:r>
+              <a:rPr lang="en-US" dirty="0"/>
+              <a:t>Nested Flex</a:t>
+            </a:r>
+          </a:p>
+        </p:txBody>
+      </p:sp>
+      <p:sp>
+        <p:nvSpPr>
+          <p:cNvPr id="4" name="Rectangle 3">
+            <a:extLst>
+              <a:ext uri="{FF2B5EF4-FFF2-40B4-BE49-F238E27FC236}">
+                <a16:creationId xmlns:a16="http://schemas.microsoft.com/office/drawing/2014/main" id="{EC97B5A1-4A88-0D4F-E202-2202139CC70B}"/>
+              </a:ext>
+            </a:extLst>
+          </p:cNvPr>
+          <p:cNvSpPr/>
+          <p:nvPr/>
+        </p:nvSpPr>
+        <p:spPr>
+          <a:xfrm>
+            <a:off x="1625600" y="1690688"/>
+            <a:ext cx="9013371" cy="3665083"/>
+          </a:xfrm>
+          <a:prstGeom prst="rect">
+            <a:avLst/>
+          </a:prstGeom>
+          <a:solidFill>
+            <a:schemeClr val="accent2">
+              <a:lumMod val="40000"/>
+              <a:lumOff val="60000"/>
+            </a:schemeClr>
+          </a:solidFill>
+        </p:spPr>
+        <p:style>
+          <a:lnRef idx="2">
+            <a:schemeClr val="accent1">
+              <a:shade val="50000"/>
+            </a:schemeClr>
+          </a:lnRef>
+          <a:fillRef idx="1">
+            <a:schemeClr val="accent1"/>
+          </a:fillRef>
+          <a:effectRef idx="0">
+            <a:schemeClr val="accent1"/>
+          </a:effectRef>
+          <a:fontRef idx="minor">
+            <a:schemeClr val="lt1"/>
+          </a:fontRef>
+        </p:style>
+        <p:txBody>
+          <a:bodyPr rtlCol="0" anchor="ctr"/>
+          <a:lstStyle/>
+          <a:p>
+            <a:pPr algn="ctr"/>
+            <a:endParaRPr lang="en-US"/>
+          </a:p>
+        </p:txBody>
+      </p:sp>
+      <p:sp>
+        <p:nvSpPr>
+          <p:cNvPr id="5" name="Rectangle 4">
+            <a:extLst>
+              <a:ext uri="{FF2B5EF4-FFF2-40B4-BE49-F238E27FC236}">
+                <a16:creationId xmlns:a16="http://schemas.microsoft.com/office/drawing/2014/main" id="{FB9D35D9-3B61-F62C-36F0-E52D3B4F97C2}"/>
+              </a:ext>
+            </a:extLst>
+          </p:cNvPr>
+          <p:cNvSpPr/>
+          <p:nvPr/>
+        </p:nvSpPr>
+        <p:spPr>
+          <a:xfrm>
+            <a:off x="1973943" y="2177143"/>
+            <a:ext cx="1785257" cy="2699657"/>
+          </a:xfrm>
+          <a:prstGeom prst="rect">
+            <a:avLst/>
+          </a:prstGeom>
+        </p:spPr>
+        <p:style>
+          <a:lnRef idx="2">
+            <a:schemeClr val="accent1">
+              <a:shade val="50000"/>
+            </a:schemeClr>
+          </a:lnRef>
+          <a:fillRef idx="1">
+            <a:schemeClr val="accent1"/>
+          </a:fillRef>
+          <a:effectRef idx="0">
+            <a:schemeClr val="accent1"/>
+          </a:effectRef>
+          <a:fontRef idx="minor">
+            <a:schemeClr val="lt1"/>
+          </a:fontRef>
+        </p:style>
+        <p:txBody>
+          <a:bodyPr rtlCol="0" anchor="ctr"/>
+          <a:lstStyle/>
+          <a:p>
+            <a:pPr algn="ctr"/>
+            <a:endParaRPr lang="en-US"/>
+          </a:p>
+        </p:txBody>
+      </p:sp>
+      <p:sp>
+        <p:nvSpPr>
+          <p:cNvPr id="6" name="Rectangle 5">
+            <a:extLst>
+              <a:ext uri="{FF2B5EF4-FFF2-40B4-BE49-F238E27FC236}">
+                <a16:creationId xmlns:a16="http://schemas.microsoft.com/office/drawing/2014/main" id="{799A0A58-3B88-75BE-25BA-668F4B7C7413}"/>
+              </a:ext>
+            </a:extLst>
+          </p:cNvPr>
+          <p:cNvSpPr/>
+          <p:nvPr/>
+        </p:nvSpPr>
+        <p:spPr>
+          <a:xfrm>
+            <a:off x="5413828" y="2177143"/>
+            <a:ext cx="1785257" cy="2699657"/>
+          </a:xfrm>
+          <a:prstGeom prst="rect">
+            <a:avLst/>
+          </a:prstGeom>
+        </p:spPr>
+        <p:style>
+          <a:lnRef idx="2">
+            <a:schemeClr val="accent1">
+              <a:shade val="50000"/>
+            </a:schemeClr>
+          </a:lnRef>
+          <a:fillRef idx="1">
+            <a:schemeClr val="accent1"/>
+          </a:fillRef>
+          <a:effectRef idx="0">
+            <a:schemeClr val="accent1"/>
+          </a:effectRef>
+          <a:fontRef idx="minor">
+            <a:schemeClr val="lt1"/>
+          </a:fontRef>
+        </p:style>
+        <p:txBody>
+          <a:bodyPr rtlCol="0" anchor="ctr"/>
+          <a:lstStyle/>
+          <a:p>
+            <a:pPr algn="ctr"/>
+            <a:endParaRPr lang="en-US"/>
+          </a:p>
+        </p:txBody>
+      </p:sp>
+      <p:sp>
+        <p:nvSpPr>
+          <p:cNvPr id="7" name="Rectangle 6">
+            <a:extLst>
+              <a:ext uri="{FF2B5EF4-FFF2-40B4-BE49-F238E27FC236}">
+                <a16:creationId xmlns:a16="http://schemas.microsoft.com/office/drawing/2014/main" id="{3CD081B7-4282-500A-3879-1BAC2B569917}"/>
+              </a:ext>
+            </a:extLst>
+          </p:cNvPr>
+          <p:cNvSpPr/>
+          <p:nvPr/>
+        </p:nvSpPr>
+        <p:spPr>
+          <a:xfrm>
+            <a:off x="8512630" y="2216943"/>
+            <a:ext cx="1785257" cy="2699657"/>
+          </a:xfrm>
+          <a:prstGeom prst="rect">
+            <a:avLst/>
+          </a:prstGeom>
+        </p:spPr>
+        <p:style>
+          <a:lnRef idx="2">
+            <a:schemeClr val="accent1">
+              <a:shade val="50000"/>
+            </a:schemeClr>
+          </a:lnRef>
+          <a:fillRef idx="1">
+            <a:schemeClr val="accent1"/>
+          </a:fillRef>
+          <a:effectRef idx="0">
+            <a:schemeClr val="accent1"/>
+          </a:effectRef>
+          <a:fontRef idx="minor">
+            <a:schemeClr val="lt1"/>
+          </a:fontRef>
+        </p:style>
+        <p:txBody>
+          <a:bodyPr rtlCol="0" anchor="ctr"/>
+          <a:lstStyle/>
+          <a:p>
+            <a:pPr algn="ctr"/>
+            <a:endParaRPr lang="en-US"/>
+          </a:p>
+        </p:txBody>
+      </p:sp>
+      <p:sp>
+        <p:nvSpPr>
+          <p:cNvPr id="8" name="Rectangle 7">
+            <a:extLst>
+              <a:ext uri="{FF2B5EF4-FFF2-40B4-BE49-F238E27FC236}">
+                <a16:creationId xmlns:a16="http://schemas.microsoft.com/office/drawing/2014/main" id="{4F2B8A7F-AECE-DC5C-F256-48833480D5CF}"/>
+              </a:ext>
+            </a:extLst>
+          </p:cNvPr>
+          <p:cNvSpPr/>
+          <p:nvPr/>
+        </p:nvSpPr>
+        <p:spPr>
+          <a:xfrm>
+            <a:off x="5588000" y="2216943"/>
+            <a:ext cx="1349829" cy="526257"/>
+          </a:xfrm>
+          <a:prstGeom prst="rect">
+            <a:avLst/>
+          </a:prstGeom>
+          <a:solidFill>
+            <a:srgbClr val="FFFF00"/>
+          </a:solidFill>
+        </p:spPr>
+        <p:style>
+          <a:lnRef idx="2">
+            <a:schemeClr val="accent1">
+              <a:shade val="50000"/>
+            </a:schemeClr>
+          </a:lnRef>
+          <a:fillRef idx="1">
+            <a:schemeClr val="accent1"/>
+          </a:fillRef>
+          <a:effectRef idx="0">
+            <a:schemeClr val="accent1"/>
+          </a:effectRef>
+          <a:fontRef idx="minor">
+            <a:schemeClr val="lt1"/>
+          </a:fontRef>
+        </p:style>
+        <p:txBody>
+          <a:bodyPr rtlCol="0" anchor="ctr"/>
+          <a:lstStyle/>
+          <a:p>
+            <a:pPr algn="ctr"/>
+            <a:endParaRPr lang="en-US"/>
+          </a:p>
+        </p:txBody>
+      </p:sp>
+      <p:sp>
+        <p:nvSpPr>
+          <p:cNvPr id="9" name="Rectangle 8">
+            <a:extLst>
+              <a:ext uri="{FF2B5EF4-FFF2-40B4-BE49-F238E27FC236}">
+                <a16:creationId xmlns:a16="http://schemas.microsoft.com/office/drawing/2014/main" id="{F54BCBCA-8452-B320-4D1F-819111B109D7}"/>
+              </a:ext>
+            </a:extLst>
+          </p:cNvPr>
+          <p:cNvSpPr/>
+          <p:nvPr/>
+        </p:nvSpPr>
+        <p:spPr>
+          <a:xfrm>
+            <a:off x="5588000" y="2996972"/>
+            <a:ext cx="1349829" cy="526257"/>
+          </a:xfrm>
+          <a:prstGeom prst="rect">
+            <a:avLst/>
+          </a:prstGeom>
+          <a:solidFill>
+            <a:srgbClr val="FFFF00"/>
+          </a:solidFill>
+        </p:spPr>
+        <p:style>
+          <a:lnRef idx="2">
+            <a:schemeClr val="accent1">
+              <a:shade val="50000"/>
+            </a:schemeClr>
+          </a:lnRef>
+          <a:fillRef idx="1">
+            <a:schemeClr val="accent1"/>
+          </a:fillRef>
+          <a:effectRef idx="0">
+            <a:schemeClr val="accent1"/>
+          </a:effectRef>
+          <a:fontRef idx="minor">
+            <a:schemeClr val="lt1"/>
+          </a:fontRef>
+        </p:style>
+        <p:txBody>
+          <a:bodyPr rtlCol="0" anchor="ctr"/>
+          <a:lstStyle/>
+          <a:p>
+            <a:pPr algn="ctr"/>
+            <a:endParaRPr lang="en-US"/>
+          </a:p>
+        </p:txBody>
+      </p:sp>
+      <p:sp>
+        <p:nvSpPr>
+          <p:cNvPr id="10" name="Rectangle 9">
+            <a:extLst>
+              <a:ext uri="{FF2B5EF4-FFF2-40B4-BE49-F238E27FC236}">
+                <a16:creationId xmlns:a16="http://schemas.microsoft.com/office/drawing/2014/main" id="{821AA56E-9709-996F-7DA2-6A34A11E7A31}"/>
+              </a:ext>
+            </a:extLst>
+          </p:cNvPr>
+          <p:cNvSpPr/>
+          <p:nvPr/>
+        </p:nvSpPr>
+        <p:spPr>
+          <a:xfrm>
+            <a:off x="5631541" y="3673757"/>
+            <a:ext cx="1349829" cy="526257"/>
+          </a:xfrm>
+          <a:prstGeom prst="rect">
+            <a:avLst/>
+          </a:prstGeom>
+          <a:solidFill>
+            <a:srgbClr val="FFFF00"/>
+          </a:solidFill>
+        </p:spPr>
+        <p:style>
+          <a:lnRef idx="2">
+            <a:schemeClr val="accent1">
+              <a:shade val="50000"/>
+            </a:schemeClr>
+          </a:lnRef>
+          <a:fillRef idx="1">
+            <a:schemeClr val="accent1"/>
+          </a:fillRef>
+          <a:effectRef idx="0">
+            <a:schemeClr val="accent1"/>
+          </a:effectRef>
+          <a:fontRef idx="minor">
+            <a:schemeClr val="lt1"/>
+          </a:fontRef>
+        </p:style>
+        <p:txBody>
+          <a:bodyPr rtlCol="0" anchor="ctr"/>
+          <a:lstStyle/>
+          <a:p>
+            <a:pPr algn="ctr"/>
+            <a:endParaRPr lang="en-US"/>
+          </a:p>
+        </p:txBody>
+      </p:sp>
+      <p:sp>
+        <p:nvSpPr>
+          <p:cNvPr id="11" name="Rectangle 10">
+            <a:extLst>
+              <a:ext uri="{FF2B5EF4-FFF2-40B4-BE49-F238E27FC236}">
+                <a16:creationId xmlns:a16="http://schemas.microsoft.com/office/drawing/2014/main" id="{EB6917EA-D32D-6748-D95F-C92B1D02DE11}"/>
+              </a:ext>
+            </a:extLst>
+          </p:cNvPr>
+          <p:cNvSpPr/>
+          <p:nvPr/>
+        </p:nvSpPr>
+        <p:spPr>
+          <a:xfrm>
+            <a:off x="5631541" y="4275872"/>
+            <a:ext cx="1349829" cy="526257"/>
+          </a:xfrm>
+          <a:prstGeom prst="rect">
+            <a:avLst/>
+          </a:prstGeom>
+          <a:solidFill>
+            <a:srgbClr val="FFFF00"/>
+          </a:solidFill>
+        </p:spPr>
+        <p:style>
+          <a:lnRef idx="2">
+            <a:schemeClr val="accent1">
+              <a:shade val="50000"/>
+            </a:schemeClr>
+          </a:lnRef>
+          <a:fillRef idx="1">
+            <a:schemeClr val="accent1"/>
+          </a:fillRef>
+          <a:effectRef idx="0">
+            <a:schemeClr val="accent1"/>
+          </a:effectRef>
+          <a:fontRef idx="minor">
+            <a:schemeClr val="lt1"/>
+          </a:fontRef>
+        </p:style>
+        <p:txBody>
+          <a:bodyPr rtlCol="0" anchor="ctr"/>
+          <a:lstStyle/>
+          <a:p>
+            <a:pPr algn="ctr"/>
+            <a:endParaRPr lang="en-US"/>
+          </a:p>
+        </p:txBody>
+      </p:sp>
+      <p:cxnSp>
+        <p:nvCxnSpPr>
+          <p:cNvPr id="13" name="Straight Arrow Connector 12">
+            <a:extLst>
+              <a:ext uri="{FF2B5EF4-FFF2-40B4-BE49-F238E27FC236}">
+                <a16:creationId xmlns:a16="http://schemas.microsoft.com/office/drawing/2014/main" id="{354E42BF-1F1F-64EB-8EF3-ABB84D4209D1}"/>
+              </a:ext>
+            </a:extLst>
+          </p:cNvPr>
+          <p:cNvCxnSpPr>
+            <a:cxnSpLocks/>
+          </p:cNvCxnSpPr>
+          <p:nvPr/>
+        </p:nvCxnSpPr>
+        <p:spPr>
+          <a:xfrm flipH="1">
+            <a:off x="4715329" y="1120889"/>
+            <a:ext cx="1699985" cy="929963"/>
+          </a:xfrm>
+          <a:prstGeom prst="straightConnector1">
+            <a:avLst/>
+          </a:prstGeom>
+          <a:ln>
+            <a:tailEnd type="triangle"/>
+          </a:ln>
+        </p:spPr>
+        <p:style>
+          <a:lnRef idx="1">
+            <a:schemeClr val="accent1"/>
+          </a:lnRef>
+          <a:fillRef idx="0">
+            <a:schemeClr val="accent1"/>
+          </a:fillRef>
+          <a:effectRef idx="0">
+            <a:schemeClr val="accent1"/>
+          </a:effectRef>
+          <a:fontRef idx="minor">
+            <a:schemeClr val="tx1"/>
+          </a:fontRef>
+        </p:style>
+      </p:cxnSp>
+      <p:sp>
+        <p:nvSpPr>
+          <p:cNvPr id="16" name="TextBox 15">
+            <a:extLst>
+              <a:ext uri="{FF2B5EF4-FFF2-40B4-BE49-F238E27FC236}">
+                <a16:creationId xmlns:a16="http://schemas.microsoft.com/office/drawing/2014/main" id="{326529FE-68CC-EC78-C2AD-3B8525845701}"/>
+              </a:ext>
+            </a:extLst>
+          </p:cNvPr>
+          <p:cNvSpPr txBox="1"/>
+          <p:nvPr/>
+        </p:nvSpPr>
+        <p:spPr>
+          <a:xfrm>
+            <a:off x="6589486" y="1027906"/>
+            <a:ext cx="1527598" cy="369332"/>
+          </a:xfrm>
+          <a:prstGeom prst="rect">
+            <a:avLst/>
+          </a:prstGeom>
+          <a:noFill/>
+        </p:spPr>
+        <p:txBody>
+          <a:bodyPr wrap="none" rtlCol="0">
+            <a:spAutoFit/>
+          </a:bodyPr>
+          <a:lstStyle/>
+          <a:p>
+            <a:r>
+              <a:rPr lang="en-US" dirty="0"/>
+              <a:t>Flex Container</a:t>
+            </a:r>
+          </a:p>
+        </p:txBody>
+      </p:sp>
+      <p:cxnSp>
+        <p:nvCxnSpPr>
+          <p:cNvPr id="18" name="Straight Arrow Connector 17">
+            <a:extLst>
+              <a:ext uri="{FF2B5EF4-FFF2-40B4-BE49-F238E27FC236}">
+                <a16:creationId xmlns:a16="http://schemas.microsoft.com/office/drawing/2014/main" id="{417DF7F9-2CB0-0CBF-70EF-55BCEB78CB51}"/>
+              </a:ext>
+            </a:extLst>
+          </p:cNvPr>
+          <p:cNvCxnSpPr/>
+          <p:nvPr/>
+        </p:nvCxnSpPr>
+        <p:spPr>
+          <a:xfrm flipH="1">
+            <a:off x="624114" y="3566771"/>
+            <a:ext cx="1480457" cy="1235358"/>
+          </a:xfrm>
+          <a:prstGeom prst="straightConnector1">
+            <a:avLst/>
+          </a:prstGeom>
+          <a:ln>
+            <a:tailEnd type="triangle"/>
+          </a:ln>
+        </p:spPr>
+        <p:style>
+          <a:lnRef idx="1">
+            <a:schemeClr val="accent1"/>
+          </a:lnRef>
+          <a:fillRef idx="0">
+            <a:schemeClr val="accent1"/>
+          </a:fillRef>
+          <a:effectRef idx="0">
+            <a:schemeClr val="accent1"/>
+          </a:effectRef>
+          <a:fontRef idx="minor">
+            <a:schemeClr val="tx1"/>
+          </a:fontRef>
+        </p:style>
+      </p:cxnSp>
+      <p:sp>
+        <p:nvSpPr>
+          <p:cNvPr id="19" name="TextBox 18">
+            <a:extLst>
+              <a:ext uri="{FF2B5EF4-FFF2-40B4-BE49-F238E27FC236}">
+                <a16:creationId xmlns:a16="http://schemas.microsoft.com/office/drawing/2014/main" id="{26762B7A-AD15-7ABF-B593-3B7AA5014633}"/>
+              </a:ext>
+            </a:extLst>
+          </p:cNvPr>
+          <p:cNvSpPr txBox="1"/>
+          <p:nvPr/>
+        </p:nvSpPr>
+        <p:spPr>
+          <a:xfrm>
+            <a:off x="319314" y="5225143"/>
+            <a:ext cx="1039515" cy="369332"/>
+          </a:xfrm>
+          <a:prstGeom prst="rect">
+            <a:avLst/>
+          </a:prstGeom>
+          <a:noFill/>
+        </p:spPr>
+        <p:txBody>
+          <a:bodyPr wrap="none" rtlCol="0">
+            <a:spAutoFit/>
+          </a:bodyPr>
+          <a:lstStyle/>
+          <a:p>
+            <a:r>
+              <a:rPr lang="en-US" dirty="0"/>
+              <a:t>Flex Item</a:t>
+            </a:r>
+          </a:p>
+        </p:txBody>
+      </p:sp>
+      <p:cxnSp>
+        <p:nvCxnSpPr>
+          <p:cNvPr id="21" name="Straight Arrow Connector 20">
+            <a:extLst>
+              <a:ext uri="{FF2B5EF4-FFF2-40B4-BE49-F238E27FC236}">
+                <a16:creationId xmlns:a16="http://schemas.microsoft.com/office/drawing/2014/main" id="{B75A19EA-D7DA-4CFF-6659-F1960AFC5E1B}"/>
+              </a:ext>
+            </a:extLst>
+          </p:cNvPr>
+          <p:cNvCxnSpPr>
+            <a:stCxn id="6" idx="2"/>
+          </p:cNvCxnSpPr>
+          <p:nvPr/>
+        </p:nvCxnSpPr>
+        <p:spPr>
+          <a:xfrm>
+            <a:off x="6306457" y="4876800"/>
+            <a:ext cx="500743" cy="1074057"/>
+          </a:xfrm>
+          <a:prstGeom prst="straightConnector1">
+            <a:avLst/>
+          </a:prstGeom>
+          <a:ln>
+            <a:tailEnd type="triangle"/>
+          </a:ln>
+        </p:spPr>
+        <p:style>
+          <a:lnRef idx="1">
+            <a:schemeClr val="accent1"/>
+          </a:lnRef>
+          <a:fillRef idx="0">
+            <a:schemeClr val="accent1"/>
+          </a:fillRef>
+          <a:effectRef idx="0">
+            <a:schemeClr val="accent1"/>
+          </a:effectRef>
+          <a:fontRef idx="minor">
+            <a:schemeClr val="tx1"/>
+          </a:fontRef>
+        </p:style>
+      </p:cxnSp>
+      <p:sp>
+        <p:nvSpPr>
+          <p:cNvPr id="22" name="TextBox 21">
+            <a:extLst>
+              <a:ext uri="{FF2B5EF4-FFF2-40B4-BE49-F238E27FC236}">
+                <a16:creationId xmlns:a16="http://schemas.microsoft.com/office/drawing/2014/main" id="{551795B6-7038-93D6-2DCA-22F7B460F81E}"/>
+              </a:ext>
+            </a:extLst>
+          </p:cNvPr>
+          <p:cNvSpPr txBox="1"/>
+          <p:nvPr/>
+        </p:nvSpPr>
+        <p:spPr>
+          <a:xfrm>
+            <a:off x="6981370" y="5950857"/>
+            <a:ext cx="2243884" cy="369332"/>
+          </a:xfrm>
+          <a:prstGeom prst="rect">
+            <a:avLst/>
+          </a:prstGeom>
+          <a:noFill/>
+        </p:spPr>
+        <p:txBody>
+          <a:bodyPr wrap="none" rtlCol="0">
+            <a:spAutoFit/>
+          </a:bodyPr>
+          <a:lstStyle/>
+          <a:p>
+            <a:r>
+              <a:rPr lang="en-US" dirty="0"/>
+              <a:t>Nested Flex Container</a:t>
+            </a:r>
+          </a:p>
+        </p:txBody>
+      </p:sp>
+    </p:spTree>
+    <p:extLst>
+      <p:ext uri="{BB962C8B-B14F-4D97-AF65-F5344CB8AC3E}">
+        <p14:creationId xmlns:p14="http://schemas.microsoft.com/office/powerpoint/2010/main" val="129850117"/>
+      </p:ext>
+    </p:extLst>
+  </p:cSld>
+  <p:clrMapOvr>
+    <a:masterClrMapping/>
+  </p:clrMapOvr>
+</p:sld>
+</file>
+
+<file path=ppt/slides/slide96.xml><?xml version="1.0" encoding="utf-8"?>
+<p:sld xmlns:a="http://schemas.openxmlformats.org/drawingml/2006/main" xmlns:r="http://schemas.openxmlformats.org/officeDocument/2006/relationships" xmlns:p="http://schemas.openxmlformats.org/presentationml/2006/main">
+  <p:cSld>
+    <p:spTree>
+      <p:nvGrpSpPr>
+        <p:cNvPr id="1" name=""/>
+        <p:cNvGrpSpPr/>
+        <p:nvPr/>
+      </p:nvGrpSpPr>
+      <p:grpSpPr>
+        <a:xfrm>
+          <a:off x="0" y="0"/>
+          <a:ext cx="0" cy="0"/>
+          <a:chOff x="0" y="0"/>
+          <a:chExt cx="0" cy="0"/>
+        </a:xfrm>
+      </p:grpSpPr>
+      <p:sp>
+        <p:nvSpPr>
+          <p:cNvPr id="2" name="Title 1">
+            <a:extLst>
+              <a:ext uri="{FF2B5EF4-FFF2-40B4-BE49-F238E27FC236}">
+                <a16:creationId xmlns:a16="http://schemas.microsoft.com/office/drawing/2014/main" id="{40378E34-B9E6-D87C-BC0C-4A7349599872}"/>
+              </a:ext>
+            </a:extLst>
+          </p:cNvPr>
+          <p:cNvSpPr>
+            <a:spLocks noGrp="1"/>
+          </p:cNvSpPr>
+          <p:nvPr>
+            <p:ph type="title"/>
+          </p:nvPr>
+        </p:nvSpPr>
+        <p:spPr/>
+        <p:txBody>
+          <a:bodyPr/>
+          <a:lstStyle/>
+          <a:p>
+            <a:r>
+              <a:rPr lang="en-US" dirty="0"/>
+              <a:t>CSS Flexbox: Align</a:t>
+            </a:r>
+          </a:p>
+        </p:txBody>
+      </p:sp>
+      <p:sp>
+        <p:nvSpPr>
+          <p:cNvPr id="3" name="Content Placeholder 2">
+            <a:extLst>
+              <a:ext uri="{FF2B5EF4-FFF2-40B4-BE49-F238E27FC236}">
+                <a16:creationId xmlns:a16="http://schemas.microsoft.com/office/drawing/2014/main" id="{BCCE25AA-7EA3-532F-9B51-3262DBCFFE0A}"/>
+              </a:ext>
+            </a:extLst>
+          </p:cNvPr>
+          <p:cNvSpPr>
+            <a:spLocks noGrp="1"/>
+          </p:cNvSpPr>
+          <p:nvPr>
+            <p:ph idx="1"/>
+          </p:nvPr>
+        </p:nvSpPr>
+        <p:spPr/>
+        <p:txBody>
+          <a:bodyPr/>
+          <a:lstStyle/>
+          <a:p>
+            <a:r>
+              <a:rPr lang="en-US" dirty="0"/>
+              <a:t>Align Form Elements</a:t>
+            </a:r>
+          </a:p>
+        </p:txBody>
+      </p:sp>
+    </p:spTree>
+    <p:extLst>
+      <p:ext uri="{BB962C8B-B14F-4D97-AF65-F5344CB8AC3E}">
+        <p14:creationId xmlns:p14="http://schemas.microsoft.com/office/powerpoint/2010/main" val="2379058571"/>
       </p:ext>
     </p:extLst>
   </p:cSld>
